--- a/Building a Data Lakehouse/Building a Data Lakehouse.pptx
+++ b/Building a Data Lakehouse/Building a Data Lakehouse.pptx
@@ -3,13 +3,24 @@
 <p:presentation xmlns:a="http://schemas.openxmlformats.org/drawingml/2006/main" xmlns:r="http://schemas.openxmlformats.org/officeDocument/2006/relationships" xmlns:p="http://schemas.openxmlformats.org/presentationml/2006/main" saveSubsetFonts="1">
   <p:sldMasterIdLst>
     <p:sldMasterId id="2147483648" r:id="rId1"/>
+    <p:sldMasterId id="2147483660" r:id="rId2"/>
   </p:sldMasterIdLst>
+  <p:notesMasterIdLst>
+    <p:notesMasterId r:id="rId15"/>
+  </p:notesMasterIdLst>
   <p:sldIdLst>
-    <p:sldId id="256" r:id="rId2"/>
-    <p:sldId id="257" r:id="rId3"/>
-    <p:sldId id="258" r:id="rId4"/>
-    <p:sldId id="260" r:id="rId5"/>
-    <p:sldId id="259" r:id="rId6"/>
+    <p:sldId id="261" r:id="rId3"/>
+    <p:sldId id="267" r:id="rId4"/>
+    <p:sldId id="257" r:id="rId5"/>
+    <p:sldId id="264" r:id="rId6"/>
+    <p:sldId id="258" r:id="rId7"/>
+    <p:sldId id="262" r:id="rId8"/>
+    <p:sldId id="265" r:id="rId9"/>
+    <p:sldId id="260" r:id="rId10"/>
+    <p:sldId id="259" r:id="rId11"/>
+    <p:sldId id="268" r:id="rId12"/>
+    <p:sldId id="263" r:id="rId13"/>
+    <p:sldId id="266" r:id="rId14"/>
   </p:sldIdLst>
   <p:sldSz cx="12192000" cy="6858000"/>
   <p:notesSz cx="6858000" cy="9144000"/>
@@ -108,7 +119,465 @@
       </a:defRPr>
     </a:lvl9pPr>
   </p:defaultTextStyle>
+  <p:extLst>
+    <p:ext uri="{EFAFB233-063F-42B5-8137-9DF3F51BA10A}">
+      <p15:sldGuideLst xmlns:p15="http://schemas.microsoft.com/office/powerpoint/2012/main"/>
+    </p:ext>
+  </p:extLst>
 </p:presentation>
+</file>
+
+<file path=ppt/notesMasters/notesMaster1.xml><?xml version="1.0" encoding="utf-8"?>
+<p:notesMaster xmlns:a="http://schemas.openxmlformats.org/drawingml/2006/main" xmlns:r="http://schemas.openxmlformats.org/officeDocument/2006/relationships" xmlns:p="http://schemas.openxmlformats.org/presentationml/2006/main">
+  <p:cSld>
+    <p:bg>
+      <p:bgRef idx="1001">
+        <a:schemeClr val="bg1"/>
+      </p:bgRef>
+    </p:bg>
+    <p:spTree>
+      <p:nvGrpSpPr>
+        <p:cNvPr id="1" name=""/>
+        <p:cNvGrpSpPr/>
+        <p:nvPr/>
+      </p:nvGrpSpPr>
+      <p:grpSpPr>
+        <a:xfrm>
+          <a:off x="0" y="0"/>
+          <a:ext cx="0" cy="0"/>
+          <a:chOff x="0" y="0"/>
+          <a:chExt cx="0" cy="0"/>
+        </a:xfrm>
+      </p:grpSpPr>
+      <p:sp>
+        <p:nvSpPr>
+          <p:cNvPr id="2" name="Header Placeholder 1"/>
+          <p:cNvSpPr>
+            <a:spLocks noGrp="1"/>
+          </p:cNvSpPr>
+          <p:nvPr>
+            <p:ph type="hdr" sz="quarter"/>
+          </p:nvPr>
+        </p:nvSpPr>
+        <p:spPr>
+          <a:xfrm>
+            <a:off x="0" y="0"/>
+            <a:ext cx="2971800" cy="458788"/>
+          </a:xfrm>
+          <a:prstGeom prst="rect">
+            <a:avLst/>
+          </a:prstGeom>
+        </p:spPr>
+        <p:txBody>
+          <a:bodyPr vert="horz" lIns="91440" tIns="45720" rIns="91440" bIns="45720" rtlCol="0"/>
+          <a:lstStyle>
+            <a:lvl1pPr algn="l">
+              <a:defRPr sz="1200"/>
+            </a:lvl1pPr>
+          </a:lstStyle>
+          <a:p>
+            <a:endParaRPr lang="en-US"/>
+          </a:p>
+        </p:txBody>
+      </p:sp>
+      <p:sp>
+        <p:nvSpPr>
+          <p:cNvPr id="3" name="Date Placeholder 2"/>
+          <p:cNvSpPr>
+            <a:spLocks noGrp="1"/>
+          </p:cNvSpPr>
+          <p:nvPr>
+            <p:ph type="dt" idx="1"/>
+          </p:nvPr>
+        </p:nvSpPr>
+        <p:spPr>
+          <a:xfrm>
+            <a:off x="3884613" y="0"/>
+            <a:ext cx="2971800" cy="458788"/>
+          </a:xfrm>
+          <a:prstGeom prst="rect">
+            <a:avLst/>
+          </a:prstGeom>
+        </p:spPr>
+        <p:txBody>
+          <a:bodyPr vert="horz" lIns="91440" tIns="45720" rIns="91440" bIns="45720" rtlCol="0"/>
+          <a:lstStyle>
+            <a:lvl1pPr algn="r">
+              <a:defRPr sz="1200"/>
+            </a:lvl1pPr>
+          </a:lstStyle>
+          <a:p>
+            <a:fld id="{0D25D203-7970-4E56-9313-EDF0E18D7ED1}" type="datetimeFigureOut">
+              <a:rPr lang="en-US" smtClean="0"/>
+              <a:t>8/26/2022</a:t>
+            </a:fld>
+            <a:endParaRPr lang="en-US"/>
+          </a:p>
+        </p:txBody>
+      </p:sp>
+      <p:sp>
+        <p:nvSpPr>
+          <p:cNvPr id="4" name="Slide Image Placeholder 3"/>
+          <p:cNvSpPr>
+            <a:spLocks noGrp="1" noRot="1" noChangeAspect="1"/>
+          </p:cNvSpPr>
+          <p:nvPr>
+            <p:ph type="sldImg" idx="2"/>
+          </p:nvPr>
+        </p:nvSpPr>
+        <p:spPr>
+          <a:xfrm>
+            <a:off x="685800" y="1143000"/>
+            <a:ext cx="5486400" cy="3086100"/>
+          </a:xfrm>
+          <a:prstGeom prst="rect">
+            <a:avLst/>
+          </a:prstGeom>
+          <a:noFill/>
+          <a:ln w="12700">
+            <a:solidFill>
+              <a:prstClr val="black"/>
+            </a:solidFill>
+          </a:ln>
+        </p:spPr>
+        <p:txBody>
+          <a:bodyPr vert="horz" lIns="91440" tIns="45720" rIns="91440" bIns="45720" rtlCol="0" anchor="ctr"/>
+          <a:lstStyle/>
+          <a:p>
+            <a:endParaRPr lang="en-US"/>
+          </a:p>
+        </p:txBody>
+      </p:sp>
+      <p:sp>
+        <p:nvSpPr>
+          <p:cNvPr id="5" name="Notes Placeholder 4"/>
+          <p:cNvSpPr>
+            <a:spLocks noGrp="1"/>
+          </p:cNvSpPr>
+          <p:nvPr>
+            <p:ph type="body" sz="quarter" idx="3"/>
+          </p:nvPr>
+        </p:nvSpPr>
+        <p:spPr>
+          <a:xfrm>
+            <a:off x="685800" y="4400550"/>
+            <a:ext cx="5486400" cy="3600450"/>
+          </a:xfrm>
+          <a:prstGeom prst="rect">
+            <a:avLst/>
+          </a:prstGeom>
+        </p:spPr>
+        <p:txBody>
+          <a:bodyPr vert="horz" lIns="91440" tIns="45720" rIns="91440" bIns="45720" rtlCol="0"/>
+          <a:lstStyle/>
+          <a:p>
+            <a:pPr lvl="0"/>
+            <a:r>
+              <a:rPr lang="en-US"/>
+              <a:t>Edit Master text styles</a:t>
+            </a:r>
+          </a:p>
+          <a:p>
+            <a:pPr lvl="1"/>
+            <a:r>
+              <a:rPr lang="en-US"/>
+              <a:t>Second level</a:t>
+            </a:r>
+          </a:p>
+          <a:p>
+            <a:pPr lvl="2"/>
+            <a:r>
+              <a:rPr lang="en-US"/>
+              <a:t>Third level</a:t>
+            </a:r>
+          </a:p>
+          <a:p>
+            <a:pPr lvl="3"/>
+            <a:r>
+              <a:rPr lang="en-US"/>
+              <a:t>Fourth level</a:t>
+            </a:r>
+          </a:p>
+          <a:p>
+            <a:pPr lvl="4"/>
+            <a:r>
+              <a:rPr lang="en-US"/>
+              <a:t>Fifth level</a:t>
+            </a:r>
+          </a:p>
+        </p:txBody>
+      </p:sp>
+      <p:sp>
+        <p:nvSpPr>
+          <p:cNvPr id="6" name="Footer Placeholder 5"/>
+          <p:cNvSpPr>
+            <a:spLocks noGrp="1"/>
+          </p:cNvSpPr>
+          <p:nvPr>
+            <p:ph type="ftr" sz="quarter" idx="4"/>
+          </p:nvPr>
+        </p:nvSpPr>
+        <p:spPr>
+          <a:xfrm>
+            <a:off x="0" y="8685213"/>
+            <a:ext cx="2971800" cy="458787"/>
+          </a:xfrm>
+          <a:prstGeom prst="rect">
+            <a:avLst/>
+          </a:prstGeom>
+        </p:spPr>
+        <p:txBody>
+          <a:bodyPr vert="horz" lIns="91440" tIns="45720" rIns="91440" bIns="45720" rtlCol="0" anchor="b"/>
+          <a:lstStyle>
+            <a:lvl1pPr algn="l">
+              <a:defRPr sz="1200"/>
+            </a:lvl1pPr>
+          </a:lstStyle>
+          <a:p>
+            <a:endParaRPr lang="en-US"/>
+          </a:p>
+        </p:txBody>
+      </p:sp>
+      <p:sp>
+        <p:nvSpPr>
+          <p:cNvPr id="7" name="Slide Number Placeholder 6"/>
+          <p:cNvSpPr>
+            <a:spLocks noGrp="1"/>
+          </p:cNvSpPr>
+          <p:nvPr>
+            <p:ph type="sldNum" sz="quarter" idx="5"/>
+          </p:nvPr>
+        </p:nvSpPr>
+        <p:spPr>
+          <a:xfrm>
+            <a:off x="3884613" y="8685213"/>
+            <a:ext cx="2971800" cy="458787"/>
+          </a:xfrm>
+          <a:prstGeom prst="rect">
+            <a:avLst/>
+          </a:prstGeom>
+        </p:spPr>
+        <p:txBody>
+          <a:bodyPr vert="horz" lIns="91440" tIns="45720" rIns="91440" bIns="45720" rtlCol="0" anchor="b"/>
+          <a:lstStyle>
+            <a:lvl1pPr algn="r">
+              <a:defRPr sz="1200"/>
+            </a:lvl1pPr>
+          </a:lstStyle>
+          <a:p>
+            <a:fld id="{365F4BCA-BEBE-418F-99AC-8E2409CFFD1B}" type="slidenum">
+              <a:rPr lang="en-US" smtClean="0"/>
+              <a:t>‹#›</a:t>
+            </a:fld>
+            <a:endParaRPr lang="en-US"/>
+          </a:p>
+        </p:txBody>
+      </p:sp>
+    </p:spTree>
+    <p:extLst>
+      <p:ext uri="{BB962C8B-B14F-4D97-AF65-F5344CB8AC3E}">
+        <p14:creationId xmlns:p14="http://schemas.microsoft.com/office/powerpoint/2010/main" val="582322669"/>
+      </p:ext>
+    </p:extLst>
+  </p:cSld>
+  <p:clrMap bg1="lt1" tx1="dk1" bg2="lt2" tx2="dk2" accent1="accent1" accent2="accent2" accent3="accent3" accent4="accent4" accent5="accent5" accent6="accent6" hlink="hlink" folHlink="folHlink"/>
+  <p:notesStyle>
+    <a:lvl1pPr marL="0" algn="l" defTabSz="914400" rtl="0" eaLnBrk="1" latinLnBrk="0" hangingPunct="1">
+      <a:defRPr sz="1200" kern="1200">
+        <a:solidFill>
+          <a:schemeClr val="tx1"/>
+        </a:solidFill>
+        <a:latin typeface="+mn-lt"/>
+        <a:ea typeface="+mn-ea"/>
+        <a:cs typeface="+mn-cs"/>
+      </a:defRPr>
+    </a:lvl1pPr>
+    <a:lvl2pPr marL="457200" algn="l" defTabSz="914400" rtl="0" eaLnBrk="1" latinLnBrk="0" hangingPunct="1">
+      <a:defRPr sz="1200" kern="1200">
+        <a:solidFill>
+          <a:schemeClr val="tx1"/>
+        </a:solidFill>
+        <a:latin typeface="+mn-lt"/>
+        <a:ea typeface="+mn-ea"/>
+        <a:cs typeface="+mn-cs"/>
+      </a:defRPr>
+    </a:lvl2pPr>
+    <a:lvl3pPr marL="914400" algn="l" defTabSz="914400" rtl="0" eaLnBrk="1" latinLnBrk="0" hangingPunct="1">
+      <a:defRPr sz="1200" kern="1200">
+        <a:solidFill>
+          <a:schemeClr val="tx1"/>
+        </a:solidFill>
+        <a:latin typeface="+mn-lt"/>
+        <a:ea typeface="+mn-ea"/>
+        <a:cs typeface="+mn-cs"/>
+      </a:defRPr>
+    </a:lvl3pPr>
+    <a:lvl4pPr marL="1371600" algn="l" defTabSz="914400" rtl="0" eaLnBrk="1" latinLnBrk="0" hangingPunct="1">
+      <a:defRPr sz="1200" kern="1200">
+        <a:solidFill>
+          <a:schemeClr val="tx1"/>
+        </a:solidFill>
+        <a:latin typeface="+mn-lt"/>
+        <a:ea typeface="+mn-ea"/>
+        <a:cs typeface="+mn-cs"/>
+      </a:defRPr>
+    </a:lvl4pPr>
+    <a:lvl5pPr marL="1828800" algn="l" defTabSz="914400" rtl="0" eaLnBrk="1" latinLnBrk="0" hangingPunct="1">
+      <a:defRPr sz="1200" kern="1200">
+        <a:solidFill>
+          <a:schemeClr val="tx1"/>
+        </a:solidFill>
+        <a:latin typeface="+mn-lt"/>
+        <a:ea typeface="+mn-ea"/>
+        <a:cs typeface="+mn-cs"/>
+      </a:defRPr>
+    </a:lvl5pPr>
+    <a:lvl6pPr marL="2286000" algn="l" defTabSz="914400" rtl="0" eaLnBrk="1" latinLnBrk="0" hangingPunct="1">
+      <a:defRPr sz="1200" kern="1200">
+        <a:solidFill>
+          <a:schemeClr val="tx1"/>
+        </a:solidFill>
+        <a:latin typeface="+mn-lt"/>
+        <a:ea typeface="+mn-ea"/>
+        <a:cs typeface="+mn-cs"/>
+      </a:defRPr>
+    </a:lvl6pPr>
+    <a:lvl7pPr marL="2743200" algn="l" defTabSz="914400" rtl="0" eaLnBrk="1" latinLnBrk="0" hangingPunct="1">
+      <a:defRPr sz="1200" kern="1200">
+        <a:solidFill>
+          <a:schemeClr val="tx1"/>
+        </a:solidFill>
+        <a:latin typeface="+mn-lt"/>
+        <a:ea typeface="+mn-ea"/>
+        <a:cs typeface="+mn-cs"/>
+      </a:defRPr>
+    </a:lvl7pPr>
+    <a:lvl8pPr marL="3200400" algn="l" defTabSz="914400" rtl="0" eaLnBrk="1" latinLnBrk="0" hangingPunct="1">
+      <a:defRPr sz="1200" kern="1200">
+        <a:solidFill>
+          <a:schemeClr val="tx1"/>
+        </a:solidFill>
+        <a:latin typeface="+mn-lt"/>
+        <a:ea typeface="+mn-ea"/>
+        <a:cs typeface="+mn-cs"/>
+      </a:defRPr>
+    </a:lvl8pPr>
+    <a:lvl9pPr marL="3657600" algn="l" defTabSz="914400" rtl="0" eaLnBrk="1" latinLnBrk="0" hangingPunct="1">
+      <a:defRPr sz="1200" kern="1200">
+        <a:solidFill>
+          <a:schemeClr val="tx1"/>
+        </a:solidFill>
+        <a:latin typeface="+mn-lt"/>
+        <a:ea typeface="+mn-ea"/>
+        <a:cs typeface="+mn-cs"/>
+      </a:defRPr>
+    </a:lvl9pPr>
+  </p:notesStyle>
+</p:notesMaster>
+</file>
+
+<file path=ppt/notesSlides/notesSlide1.xml><?xml version="1.0" encoding="utf-8"?>
+<p:notes xmlns:a="http://schemas.openxmlformats.org/drawingml/2006/main" xmlns:r="http://schemas.openxmlformats.org/officeDocument/2006/relationships" xmlns:p="http://schemas.openxmlformats.org/presentationml/2006/main" showMasterSp="0" showMasterPhAnim="0">
+  <p:cSld>
+    <p:spTree>
+      <p:nvGrpSpPr>
+        <p:cNvPr id="1" name="Shape 50"/>
+        <p:cNvGrpSpPr/>
+        <p:nvPr/>
+      </p:nvGrpSpPr>
+      <p:grpSpPr>
+        <a:xfrm>
+          <a:off x="0" y="0"/>
+          <a:ext cx="0" cy="0"/>
+          <a:chOff x="0" y="0"/>
+          <a:chExt cx="0" cy="0"/>
+        </a:xfrm>
+      </p:grpSpPr>
+      <p:sp>
+        <p:nvSpPr>
+          <p:cNvPr id="51" name="Google Shape;51;g58a7295645_0_14:notes"/>
+          <p:cNvSpPr>
+            <a:spLocks noGrp="1" noRot="1" noChangeAspect="1"/>
+          </p:cNvSpPr>
+          <p:nvPr>
+            <p:ph type="sldImg" idx="2"/>
+          </p:nvPr>
+        </p:nvSpPr>
+        <p:spPr>
+          <a:xfrm>
+            <a:off x="381000" y="685800"/>
+            <a:ext cx="6096000" cy="3429000"/>
+          </a:xfrm>
+          <a:custGeom>
+            <a:avLst/>
+            <a:gdLst/>
+            <a:ahLst/>
+            <a:cxnLst/>
+            <a:rect l="l" t="t" r="r" b="b"/>
+            <a:pathLst>
+              <a:path w="120000" h="120000" extrusionOk="0">
+                <a:moveTo>
+                  <a:pt x="0" y="0"/>
+                </a:moveTo>
+                <a:lnTo>
+                  <a:pt x="120000" y="0"/>
+                </a:lnTo>
+                <a:lnTo>
+                  <a:pt x="120000" y="120000"/>
+                </a:lnTo>
+                <a:lnTo>
+                  <a:pt x="0" y="120000"/>
+                </a:lnTo>
+                <a:close/>
+              </a:path>
+            </a:pathLst>
+          </a:custGeom>
+        </p:spPr>
+      </p:sp>
+      <p:sp>
+        <p:nvSpPr>
+          <p:cNvPr id="52" name="Google Shape;52;g58a7295645_0_14:notes"/>
+          <p:cNvSpPr txBox="1">
+            <a:spLocks noGrp="1"/>
+          </p:cNvSpPr>
+          <p:nvPr>
+            <p:ph type="body" idx="1"/>
+          </p:nvPr>
+        </p:nvSpPr>
+        <p:spPr>
+          <a:xfrm>
+            <a:off x="685800" y="4343400"/>
+            <a:ext cx="5486400" cy="4114800"/>
+          </a:xfrm>
+          <a:prstGeom prst="rect">
+            <a:avLst/>
+          </a:prstGeom>
+        </p:spPr>
+        <p:txBody>
+          <a:bodyPr spcFirstLastPara="1" wrap="square" lIns="91425" tIns="91425" rIns="91425" bIns="91425" anchor="t" anchorCtr="0">
+            <a:noAutofit/>
+          </a:bodyPr>
+          <a:lstStyle/>
+          <a:p>
+            <a:pPr marL="0" lvl="0" indent="0" algn="l" rtl="0">
+              <a:spcBef>
+                <a:spcPts val="0"/>
+              </a:spcBef>
+              <a:spcAft>
+                <a:spcPts val="0"/>
+              </a:spcAft>
+              <a:buNone/>
+            </a:pPr>
+            <a:endParaRPr/>
+          </a:p>
+        </p:txBody>
+      </p:sp>
+    </p:spTree>
+  </p:cSld>
+  <p:clrMapOvr>
+    <a:masterClrMapping/>
+  </p:clrMapOvr>
+</p:notes>
 </file>
 
 <file path=ppt/slideLayouts/slideLayout1.xml><?xml version="1.0" encoding="utf-8"?>
@@ -258,7 +727,7 @@
           <a:p>
             <a:fld id="{1C91A1CB-CAEC-48CC-B519-8832EFE2A369}" type="datetimeFigureOut">
               <a:rPr lang="en-US" smtClean="0"/>
-              <a:t>7/8/2022</a:t>
+              <a:t>8/26/2022</a:t>
             </a:fld>
             <a:endParaRPr lang="en-US"/>
           </a:p>
@@ -456,7 +925,7 @@
           <a:p>
             <a:fld id="{1C91A1CB-CAEC-48CC-B519-8832EFE2A369}" type="datetimeFigureOut">
               <a:rPr lang="en-US" smtClean="0"/>
-              <a:t>7/8/2022</a:t>
+              <a:t>8/26/2022</a:t>
             </a:fld>
             <a:endParaRPr lang="en-US"/>
           </a:p>
@@ -664,7 +1133,7 @@
           <a:p>
             <a:fld id="{1C91A1CB-CAEC-48CC-B519-8832EFE2A369}" type="datetimeFigureOut">
               <a:rPr lang="en-US" smtClean="0"/>
-              <a:t>7/8/2022</a:t>
+              <a:t>8/26/2022</a:t>
             </a:fld>
             <a:endParaRPr lang="en-US"/>
           </a:p>
@@ -728,6 +1197,2758 @@
     <p:extLst>
       <p:ext uri="{BB962C8B-B14F-4D97-AF65-F5344CB8AC3E}">
         <p14:creationId xmlns:p14="http://schemas.microsoft.com/office/powerpoint/2010/main" val="161565816"/>
+      </p:ext>
+    </p:extLst>
+  </p:cSld>
+  <p:clrMapOvr>
+    <a:masterClrMapping/>
+  </p:clrMapOvr>
+</p:sldLayout>
+</file>
+
+<file path=ppt/slideLayouts/slideLayout12.xml><?xml version="1.0" encoding="utf-8"?>
+<p:sldLayout xmlns:a="http://schemas.openxmlformats.org/drawingml/2006/main" xmlns:r="http://schemas.openxmlformats.org/officeDocument/2006/relationships" xmlns:p="http://schemas.openxmlformats.org/presentationml/2006/main" matchingName="Title slide" type="title">
+  <p:cSld name="Title slide">
+    <p:spTree>
+      <p:nvGrpSpPr>
+        <p:cNvPr id="1" name="Shape 9"/>
+        <p:cNvGrpSpPr/>
+        <p:nvPr/>
+      </p:nvGrpSpPr>
+      <p:grpSpPr>
+        <a:xfrm>
+          <a:off x="0" y="0"/>
+          <a:ext cx="0" cy="0"/>
+          <a:chOff x="0" y="0"/>
+          <a:chExt cx="0" cy="0"/>
+        </a:xfrm>
+      </p:grpSpPr>
+      <p:sp>
+        <p:nvSpPr>
+          <p:cNvPr id="10" name="Google Shape;10;p2"/>
+          <p:cNvSpPr txBox="1">
+            <a:spLocks noGrp="1"/>
+          </p:cNvSpPr>
+          <p:nvPr>
+            <p:ph type="ctrTitle"/>
+          </p:nvPr>
+        </p:nvSpPr>
+        <p:spPr>
+          <a:xfrm>
+            <a:off x="415611" y="992767"/>
+            <a:ext cx="11360880" cy="2736720"/>
+          </a:xfrm>
+          <a:prstGeom prst="rect">
+            <a:avLst/>
+          </a:prstGeom>
+        </p:spPr>
+        <p:txBody>
+          <a:bodyPr spcFirstLastPara="1" wrap="square" lIns="146725" tIns="146725" rIns="146725" bIns="146725" anchor="b" anchorCtr="0">
+            <a:noAutofit/>
+          </a:bodyPr>
+          <a:lstStyle>
+            <a:lvl1pPr lvl="0" algn="ctr">
+              <a:spcBef>
+                <a:spcPts val="0"/>
+              </a:spcBef>
+              <a:spcAft>
+                <a:spcPts val="0"/>
+              </a:spcAft>
+              <a:buSzPts val="8300"/>
+              <a:buNone/>
+              <a:defRPr sz="6640"/>
+            </a:lvl1pPr>
+            <a:lvl2pPr lvl="1" algn="ctr">
+              <a:spcBef>
+                <a:spcPts val="0"/>
+              </a:spcBef>
+              <a:spcAft>
+                <a:spcPts val="0"/>
+              </a:spcAft>
+              <a:buSzPts val="8300"/>
+              <a:buNone/>
+              <a:defRPr sz="6640"/>
+            </a:lvl2pPr>
+            <a:lvl3pPr lvl="2" algn="ctr">
+              <a:spcBef>
+                <a:spcPts val="0"/>
+              </a:spcBef>
+              <a:spcAft>
+                <a:spcPts val="0"/>
+              </a:spcAft>
+              <a:buSzPts val="8300"/>
+              <a:buNone/>
+              <a:defRPr sz="6640"/>
+            </a:lvl3pPr>
+            <a:lvl4pPr lvl="3" algn="ctr">
+              <a:spcBef>
+                <a:spcPts val="0"/>
+              </a:spcBef>
+              <a:spcAft>
+                <a:spcPts val="0"/>
+              </a:spcAft>
+              <a:buSzPts val="8300"/>
+              <a:buNone/>
+              <a:defRPr sz="6640"/>
+            </a:lvl4pPr>
+            <a:lvl5pPr lvl="4" algn="ctr">
+              <a:spcBef>
+                <a:spcPts val="0"/>
+              </a:spcBef>
+              <a:spcAft>
+                <a:spcPts val="0"/>
+              </a:spcAft>
+              <a:buSzPts val="8300"/>
+              <a:buNone/>
+              <a:defRPr sz="6640"/>
+            </a:lvl5pPr>
+            <a:lvl6pPr lvl="5" algn="ctr">
+              <a:spcBef>
+                <a:spcPts val="0"/>
+              </a:spcBef>
+              <a:spcAft>
+                <a:spcPts val="0"/>
+              </a:spcAft>
+              <a:buSzPts val="8300"/>
+              <a:buNone/>
+              <a:defRPr sz="6640"/>
+            </a:lvl6pPr>
+            <a:lvl7pPr lvl="6" algn="ctr">
+              <a:spcBef>
+                <a:spcPts val="0"/>
+              </a:spcBef>
+              <a:spcAft>
+                <a:spcPts val="0"/>
+              </a:spcAft>
+              <a:buSzPts val="8300"/>
+              <a:buNone/>
+              <a:defRPr sz="6640"/>
+            </a:lvl7pPr>
+            <a:lvl8pPr lvl="7" algn="ctr">
+              <a:spcBef>
+                <a:spcPts val="0"/>
+              </a:spcBef>
+              <a:spcAft>
+                <a:spcPts val="0"/>
+              </a:spcAft>
+              <a:buSzPts val="8300"/>
+              <a:buNone/>
+              <a:defRPr sz="6640"/>
+            </a:lvl8pPr>
+            <a:lvl9pPr lvl="8" algn="ctr">
+              <a:spcBef>
+                <a:spcPts val="0"/>
+              </a:spcBef>
+              <a:spcAft>
+                <a:spcPts val="0"/>
+              </a:spcAft>
+              <a:buSzPts val="8300"/>
+              <a:buNone/>
+              <a:defRPr sz="6640"/>
+            </a:lvl9pPr>
+          </a:lstStyle>
+          <a:p>
+            <a:endParaRPr/>
+          </a:p>
+        </p:txBody>
+      </p:sp>
+      <p:sp>
+        <p:nvSpPr>
+          <p:cNvPr id="11" name="Google Shape;11;p2"/>
+          <p:cNvSpPr txBox="1">
+            <a:spLocks noGrp="1"/>
+          </p:cNvSpPr>
+          <p:nvPr>
+            <p:ph type="subTitle" idx="1"/>
+          </p:nvPr>
+        </p:nvSpPr>
+        <p:spPr>
+          <a:xfrm>
+            <a:off x="415600" y="3778834"/>
+            <a:ext cx="11360880" cy="1056780"/>
+          </a:xfrm>
+          <a:prstGeom prst="rect">
+            <a:avLst/>
+          </a:prstGeom>
+        </p:spPr>
+        <p:txBody>
+          <a:bodyPr spcFirstLastPara="1" wrap="square" lIns="146725" tIns="146725" rIns="146725" bIns="146725" anchor="t" anchorCtr="0">
+            <a:noAutofit/>
+          </a:bodyPr>
+          <a:lstStyle>
+            <a:lvl1pPr lvl="0" algn="ctr">
+              <a:lnSpc>
+                <a:spcPct val="100000"/>
+              </a:lnSpc>
+              <a:spcBef>
+                <a:spcPts val="0"/>
+              </a:spcBef>
+              <a:spcAft>
+                <a:spcPts val="0"/>
+              </a:spcAft>
+              <a:buSzPts val="4500"/>
+              <a:buNone/>
+              <a:defRPr sz="3600"/>
+            </a:lvl1pPr>
+            <a:lvl2pPr lvl="1" algn="ctr">
+              <a:lnSpc>
+                <a:spcPct val="100000"/>
+              </a:lnSpc>
+              <a:spcBef>
+                <a:spcPts val="0"/>
+              </a:spcBef>
+              <a:spcAft>
+                <a:spcPts val="0"/>
+              </a:spcAft>
+              <a:buSzPts val="4500"/>
+              <a:buNone/>
+              <a:defRPr sz="3600"/>
+            </a:lvl2pPr>
+            <a:lvl3pPr lvl="2" algn="ctr">
+              <a:lnSpc>
+                <a:spcPct val="100000"/>
+              </a:lnSpc>
+              <a:spcBef>
+                <a:spcPts val="0"/>
+              </a:spcBef>
+              <a:spcAft>
+                <a:spcPts val="0"/>
+              </a:spcAft>
+              <a:buSzPts val="4500"/>
+              <a:buNone/>
+              <a:defRPr sz="3600"/>
+            </a:lvl3pPr>
+            <a:lvl4pPr lvl="3" algn="ctr">
+              <a:lnSpc>
+                <a:spcPct val="100000"/>
+              </a:lnSpc>
+              <a:spcBef>
+                <a:spcPts val="0"/>
+              </a:spcBef>
+              <a:spcAft>
+                <a:spcPts val="0"/>
+              </a:spcAft>
+              <a:buSzPts val="4500"/>
+              <a:buNone/>
+              <a:defRPr sz="3600"/>
+            </a:lvl4pPr>
+            <a:lvl5pPr lvl="4" algn="ctr">
+              <a:lnSpc>
+                <a:spcPct val="100000"/>
+              </a:lnSpc>
+              <a:spcBef>
+                <a:spcPts val="0"/>
+              </a:spcBef>
+              <a:spcAft>
+                <a:spcPts val="0"/>
+              </a:spcAft>
+              <a:buSzPts val="4500"/>
+              <a:buNone/>
+              <a:defRPr sz="3600"/>
+            </a:lvl5pPr>
+            <a:lvl6pPr lvl="5" algn="ctr">
+              <a:lnSpc>
+                <a:spcPct val="100000"/>
+              </a:lnSpc>
+              <a:spcBef>
+                <a:spcPts val="0"/>
+              </a:spcBef>
+              <a:spcAft>
+                <a:spcPts val="0"/>
+              </a:spcAft>
+              <a:buSzPts val="4500"/>
+              <a:buNone/>
+              <a:defRPr sz="3600"/>
+            </a:lvl6pPr>
+            <a:lvl7pPr lvl="6" algn="ctr">
+              <a:lnSpc>
+                <a:spcPct val="100000"/>
+              </a:lnSpc>
+              <a:spcBef>
+                <a:spcPts val="0"/>
+              </a:spcBef>
+              <a:spcAft>
+                <a:spcPts val="0"/>
+              </a:spcAft>
+              <a:buSzPts val="4500"/>
+              <a:buNone/>
+              <a:defRPr sz="3600"/>
+            </a:lvl7pPr>
+            <a:lvl8pPr lvl="7" algn="ctr">
+              <a:lnSpc>
+                <a:spcPct val="100000"/>
+              </a:lnSpc>
+              <a:spcBef>
+                <a:spcPts val="0"/>
+              </a:spcBef>
+              <a:spcAft>
+                <a:spcPts val="0"/>
+              </a:spcAft>
+              <a:buSzPts val="4500"/>
+              <a:buNone/>
+              <a:defRPr sz="3600"/>
+            </a:lvl8pPr>
+            <a:lvl9pPr lvl="8" algn="ctr">
+              <a:lnSpc>
+                <a:spcPct val="100000"/>
+              </a:lnSpc>
+              <a:spcBef>
+                <a:spcPts val="0"/>
+              </a:spcBef>
+              <a:spcAft>
+                <a:spcPts val="0"/>
+              </a:spcAft>
+              <a:buSzPts val="4500"/>
+              <a:buNone/>
+              <a:defRPr sz="3600"/>
+            </a:lvl9pPr>
+          </a:lstStyle>
+          <a:p>
+            <a:endParaRPr/>
+          </a:p>
+        </p:txBody>
+      </p:sp>
+      <p:sp>
+        <p:nvSpPr>
+          <p:cNvPr id="12" name="Google Shape;12;p2"/>
+          <p:cNvSpPr txBox="1">
+            <a:spLocks noGrp="1"/>
+          </p:cNvSpPr>
+          <p:nvPr>
+            <p:ph type="sldNum" idx="12"/>
+          </p:nvPr>
+        </p:nvSpPr>
+        <p:spPr>
+          <a:xfrm>
+            <a:off x="11296610" y="6217622"/>
+            <a:ext cx="731520" cy="524880"/>
+          </a:xfrm>
+          <a:prstGeom prst="rect">
+            <a:avLst/>
+          </a:prstGeom>
+        </p:spPr>
+        <p:txBody>
+          <a:bodyPr spcFirstLastPara="1" wrap="square" lIns="146725" tIns="146725" rIns="146725" bIns="146725" anchor="ctr" anchorCtr="0">
+            <a:noAutofit/>
+          </a:bodyPr>
+          <a:lstStyle>
+            <a:lvl1pPr lvl="0">
+              <a:buNone/>
+              <a:defRPr/>
+            </a:lvl1pPr>
+            <a:lvl2pPr lvl="1">
+              <a:buNone/>
+              <a:defRPr/>
+            </a:lvl2pPr>
+            <a:lvl3pPr lvl="2">
+              <a:buNone/>
+              <a:defRPr/>
+            </a:lvl3pPr>
+            <a:lvl4pPr lvl="3">
+              <a:buNone/>
+              <a:defRPr/>
+            </a:lvl4pPr>
+            <a:lvl5pPr lvl="4">
+              <a:buNone/>
+              <a:defRPr/>
+            </a:lvl5pPr>
+            <a:lvl6pPr lvl="5">
+              <a:buNone/>
+              <a:defRPr/>
+            </a:lvl6pPr>
+            <a:lvl7pPr lvl="6">
+              <a:buNone/>
+              <a:defRPr/>
+            </a:lvl7pPr>
+            <a:lvl8pPr lvl="7">
+              <a:buNone/>
+              <a:defRPr/>
+            </a:lvl8pPr>
+            <a:lvl9pPr lvl="8">
+              <a:buNone/>
+              <a:defRPr/>
+            </a:lvl9pPr>
+          </a:lstStyle>
+          <a:p>
+            <a:fld id="{00000000-1234-1234-1234-123412341234}" type="slidenum">
+              <a:rPr lang="en" smtClean="0"/>
+              <a:pPr/>
+              <a:t>‹#›</a:t>
+            </a:fld>
+            <a:endParaRPr lang="en"/>
+          </a:p>
+        </p:txBody>
+      </p:sp>
+    </p:spTree>
+    <p:extLst>
+      <p:ext uri="{BB962C8B-B14F-4D97-AF65-F5344CB8AC3E}">
+        <p14:creationId xmlns:p14="http://schemas.microsoft.com/office/powerpoint/2010/main" val="65402715"/>
+      </p:ext>
+    </p:extLst>
+  </p:cSld>
+  <p:clrMapOvr>
+    <a:masterClrMapping/>
+  </p:clrMapOvr>
+</p:sldLayout>
+</file>
+
+<file path=ppt/slideLayouts/slideLayout13.xml><?xml version="1.0" encoding="utf-8"?>
+<p:sldLayout xmlns:a="http://schemas.openxmlformats.org/drawingml/2006/main" xmlns:r="http://schemas.openxmlformats.org/officeDocument/2006/relationships" xmlns:p="http://schemas.openxmlformats.org/presentationml/2006/main" matchingName="Title and body" type="tx">
+  <p:cSld name="Title and body">
+    <p:spTree>
+      <p:nvGrpSpPr>
+        <p:cNvPr id="1" name="Shape 16"/>
+        <p:cNvGrpSpPr/>
+        <p:nvPr/>
+      </p:nvGrpSpPr>
+      <p:grpSpPr>
+        <a:xfrm>
+          <a:off x="0" y="0"/>
+          <a:ext cx="0" cy="0"/>
+          <a:chOff x="0" y="0"/>
+          <a:chExt cx="0" cy="0"/>
+        </a:xfrm>
+      </p:grpSpPr>
+      <p:sp>
+        <p:nvSpPr>
+          <p:cNvPr id="17" name="Google Shape;17;p4"/>
+          <p:cNvSpPr txBox="1">
+            <a:spLocks noGrp="1"/>
+          </p:cNvSpPr>
+          <p:nvPr>
+            <p:ph type="title"/>
+          </p:nvPr>
+        </p:nvSpPr>
+        <p:spPr>
+          <a:xfrm>
+            <a:off x="415600" y="593366"/>
+            <a:ext cx="11360880" cy="763560"/>
+          </a:xfrm>
+          <a:prstGeom prst="rect">
+            <a:avLst/>
+          </a:prstGeom>
+        </p:spPr>
+        <p:txBody>
+          <a:bodyPr spcFirstLastPara="1" wrap="square" lIns="146725" tIns="146725" rIns="146725" bIns="146725" anchor="t" anchorCtr="0">
+            <a:noAutofit/>
+          </a:bodyPr>
+          <a:lstStyle>
+            <a:lvl1pPr lvl="0">
+              <a:spcBef>
+                <a:spcPts val="0"/>
+              </a:spcBef>
+              <a:spcAft>
+                <a:spcPts val="0"/>
+              </a:spcAft>
+              <a:buSzPts val="4500"/>
+              <a:buNone/>
+              <a:defRPr/>
+            </a:lvl1pPr>
+            <a:lvl2pPr lvl="1">
+              <a:spcBef>
+                <a:spcPts val="0"/>
+              </a:spcBef>
+              <a:spcAft>
+                <a:spcPts val="0"/>
+              </a:spcAft>
+              <a:buSzPts val="4500"/>
+              <a:buNone/>
+              <a:defRPr/>
+            </a:lvl2pPr>
+            <a:lvl3pPr lvl="2">
+              <a:spcBef>
+                <a:spcPts val="0"/>
+              </a:spcBef>
+              <a:spcAft>
+                <a:spcPts val="0"/>
+              </a:spcAft>
+              <a:buSzPts val="4500"/>
+              <a:buNone/>
+              <a:defRPr/>
+            </a:lvl3pPr>
+            <a:lvl4pPr lvl="3">
+              <a:spcBef>
+                <a:spcPts val="0"/>
+              </a:spcBef>
+              <a:spcAft>
+                <a:spcPts val="0"/>
+              </a:spcAft>
+              <a:buSzPts val="4500"/>
+              <a:buNone/>
+              <a:defRPr/>
+            </a:lvl4pPr>
+            <a:lvl5pPr lvl="4">
+              <a:spcBef>
+                <a:spcPts val="0"/>
+              </a:spcBef>
+              <a:spcAft>
+                <a:spcPts val="0"/>
+              </a:spcAft>
+              <a:buSzPts val="4500"/>
+              <a:buNone/>
+              <a:defRPr/>
+            </a:lvl5pPr>
+            <a:lvl6pPr lvl="5">
+              <a:spcBef>
+                <a:spcPts val="0"/>
+              </a:spcBef>
+              <a:spcAft>
+                <a:spcPts val="0"/>
+              </a:spcAft>
+              <a:buSzPts val="4500"/>
+              <a:buNone/>
+              <a:defRPr/>
+            </a:lvl6pPr>
+            <a:lvl7pPr lvl="6">
+              <a:spcBef>
+                <a:spcPts val="0"/>
+              </a:spcBef>
+              <a:spcAft>
+                <a:spcPts val="0"/>
+              </a:spcAft>
+              <a:buSzPts val="4500"/>
+              <a:buNone/>
+              <a:defRPr/>
+            </a:lvl7pPr>
+            <a:lvl8pPr lvl="7">
+              <a:spcBef>
+                <a:spcPts val="0"/>
+              </a:spcBef>
+              <a:spcAft>
+                <a:spcPts val="0"/>
+              </a:spcAft>
+              <a:buSzPts val="4500"/>
+              <a:buNone/>
+              <a:defRPr/>
+            </a:lvl8pPr>
+            <a:lvl9pPr lvl="8">
+              <a:spcBef>
+                <a:spcPts val="0"/>
+              </a:spcBef>
+              <a:spcAft>
+                <a:spcPts val="0"/>
+              </a:spcAft>
+              <a:buSzPts val="4500"/>
+              <a:buNone/>
+              <a:defRPr/>
+            </a:lvl9pPr>
+          </a:lstStyle>
+          <a:p>
+            <a:endParaRPr/>
+          </a:p>
+        </p:txBody>
+      </p:sp>
+      <p:sp>
+        <p:nvSpPr>
+          <p:cNvPr id="18" name="Google Shape;18;p4"/>
+          <p:cNvSpPr txBox="1">
+            <a:spLocks noGrp="1"/>
+          </p:cNvSpPr>
+          <p:nvPr>
+            <p:ph type="body" idx="1"/>
+          </p:nvPr>
+        </p:nvSpPr>
+        <p:spPr>
+          <a:xfrm>
+            <a:off x="415600" y="1536633"/>
+            <a:ext cx="11360880" cy="4555170"/>
+          </a:xfrm>
+          <a:prstGeom prst="rect">
+            <a:avLst/>
+          </a:prstGeom>
+        </p:spPr>
+        <p:txBody>
+          <a:bodyPr spcFirstLastPara="1" wrap="square" lIns="146725" tIns="146725" rIns="146725" bIns="146725" anchor="t" anchorCtr="0">
+            <a:noAutofit/>
+          </a:bodyPr>
+          <a:lstStyle>
+            <a:lvl1pPr marL="365760" lvl="0" indent="-330200">
+              <a:spcBef>
+                <a:spcPts val="0"/>
+              </a:spcBef>
+              <a:spcAft>
+                <a:spcPts val="0"/>
+              </a:spcAft>
+              <a:buSzPts val="2900"/>
+              <a:buChar char="●"/>
+              <a:defRPr/>
+            </a:lvl1pPr>
+            <a:lvl2pPr marL="731520" lvl="1" indent="-294640">
+              <a:spcBef>
+                <a:spcPts val="2080"/>
+              </a:spcBef>
+              <a:spcAft>
+                <a:spcPts val="0"/>
+              </a:spcAft>
+              <a:buSzPts val="2200"/>
+              <a:buChar char="○"/>
+              <a:defRPr/>
+            </a:lvl2pPr>
+            <a:lvl3pPr marL="1097280" lvl="2" indent="-294640">
+              <a:spcBef>
+                <a:spcPts val="2080"/>
+              </a:spcBef>
+              <a:spcAft>
+                <a:spcPts val="0"/>
+              </a:spcAft>
+              <a:buSzPts val="2200"/>
+              <a:buChar char="■"/>
+              <a:defRPr/>
+            </a:lvl3pPr>
+            <a:lvl4pPr marL="1463040" lvl="3" indent="-294640">
+              <a:spcBef>
+                <a:spcPts val="2080"/>
+              </a:spcBef>
+              <a:spcAft>
+                <a:spcPts val="0"/>
+              </a:spcAft>
+              <a:buSzPts val="2200"/>
+              <a:buChar char="●"/>
+              <a:defRPr/>
+            </a:lvl4pPr>
+            <a:lvl5pPr marL="1828800" lvl="4" indent="-294640">
+              <a:spcBef>
+                <a:spcPts val="2080"/>
+              </a:spcBef>
+              <a:spcAft>
+                <a:spcPts val="0"/>
+              </a:spcAft>
+              <a:buSzPts val="2200"/>
+              <a:buChar char="○"/>
+              <a:defRPr/>
+            </a:lvl5pPr>
+            <a:lvl6pPr marL="2194560" lvl="5" indent="-294640">
+              <a:spcBef>
+                <a:spcPts val="2080"/>
+              </a:spcBef>
+              <a:spcAft>
+                <a:spcPts val="0"/>
+              </a:spcAft>
+              <a:buSzPts val="2200"/>
+              <a:buChar char="■"/>
+              <a:defRPr/>
+            </a:lvl6pPr>
+            <a:lvl7pPr marL="2560320" lvl="6" indent="-294640">
+              <a:spcBef>
+                <a:spcPts val="2080"/>
+              </a:spcBef>
+              <a:spcAft>
+                <a:spcPts val="0"/>
+              </a:spcAft>
+              <a:buSzPts val="2200"/>
+              <a:buChar char="●"/>
+              <a:defRPr/>
+            </a:lvl7pPr>
+            <a:lvl8pPr marL="2926080" lvl="7" indent="-294640">
+              <a:spcBef>
+                <a:spcPts val="2080"/>
+              </a:spcBef>
+              <a:spcAft>
+                <a:spcPts val="0"/>
+              </a:spcAft>
+              <a:buSzPts val="2200"/>
+              <a:buChar char="○"/>
+              <a:defRPr/>
+            </a:lvl8pPr>
+            <a:lvl9pPr marL="3291840" lvl="8" indent="-294640">
+              <a:spcBef>
+                <a:spcPts val="2080"/>
+              </a:spcBef>
+              <a:spcAft>
+                <a:spcPts val="2080"/>
+              </a:spcAft>
+              <a:buSzPts val="2200"/>
+              <a:buChar char="■"/>
+              <a:defRPr/>
+            </a:lvl9pPr>
+          </a:lstStyle>
+          <a:p>
+            <a:endParaRPr/>
+          </a:p>
+        </p:txBody>
+      </p:sp>
+      <p:sp>
+        <p:nvSpPr>
+          <p:cNvPr id="19" name="Google Shape;19;p4"/>
+          <p:cNvSpPr txBox="1">
+            <a:spLocks noGrp="1"/>
+          </p:cNvSpPr>
+          <p:nvPr>
+            <p:ph type="sldNum" idx="12"/>
+          </p:nvPr>
+        </p:nvSpPr>
+        <p:spPr>
+          <a:xfrm>
+            <a:off x="11296610" y="6217622"/>
+            <a:ext cx="731520" cy="524880"/>
+          </a:xfrm>
+          <a:prstGeom prst="rect">
+            <a:avLst/>
+          </a:prstGeom>
+        </p:spPr>
+        <p:txBody>
+          <a:bodyPr spcFirstLastPara="1" wrap="square" lIns="146725" tIns="146725" rIns="146725" bIns="146725" anchor="ctr" anchorCtr="0">
+            <a:noAutofit/>
+          </a:bodyPr>
+          <a:lstStyle>
+            <a:lvl1pPr lvl="0">
+              <a:buNone/>
+              <a:defRPr/>
+            </a:lvl1pPr>
+            <a:lvl2pPr lvl="1">
+              <a:buNone/>
+              <a:defRPr/>
+            </a:lvl2pPr>
+            <a:lvl3pPr lvl="2">
+              <a:buNone/>
+              <a:defRPr/>
+            </a:lvl3pPr>
+            <a:lvl4pPr lvl="3">
+              <a:buNone/>
+              <a:defRPr/>
+            </a:lvl4pPr>
+            <a:lvl5pPr lvl="4">
+              <a:buNone/>
+              <a:defRPr/>
+            </a:lvl5pPr>
+            <a:lvl6pPr lvl="5">
+              <a:buNone/>
+              <a:defRPr/>
+            </a:lvl6pPr>
+            <a:lvl7pPr lvl="6">
+              <a:buNone/>
+              <a:defRPr/>
+            </a:lvl7pPr>
+            <a:lvl8pPr lvl="7">
+              <a:buNone/>
+              <a:defRPr/>
+            </a:lvl8pPr>
+            <a:lvl9pPr lvl="8">
+              <a:buNone/>
+              <a:defRPr/>
+            </a:lvl9pPr>
+          </a:lstStyle>
+          <a:p>
+            <a:fld id="{00000000-1234-1234-1234-123412341234}" type="slidenum">
+              <a:rPr lang="en" smtClean="0"/>
+              <a:pPr/>
+              <a:t>‹#›</a:t>
+            </a:fld>
+            <a:endParaRPr lang="en"/>
+          </a:p>
+        </p:txBody>
+      </p:sp>
+    </p:spTree>
+    <p:extLst>
+      <p:ext uri="{BB962C8B-B14F-4D97-AF65-F5344CB8AC3E}">
+        <p14:creationId xmlns:p14="http://schemas.microsoft.com/office/powerpoint/2010/main" val="2295647288"/>
+      </p:ext>
+    </p:extLst>
+  </p:cSld>
+  <p:clrMapOvr>
+    <a:masterClrMapping/>
+  </p:clrMapOvr>
+</p:sldLayout>
+</file>
+
+<file path=ppt/slideLayouts/slideLayout14.xml><?xml version="1.0" encoding="utf-8"?>
+<p:sldLayout xmlns:a="http://schemas.openxmlformats.org/drawingml/2006/main" xmlns:r="http://schemas.openxmlformats.org/officeDocument/2006/relationships" xmlns:p="http://schemas.openxmlformats.org/presentationml/2006/main" matchingName="Title and two columns" type="twoColTx">
+  <p:cSld name="Title and two columns">
+    <p:spTree>
+      <p:nvGrpSpPr>
+        <p:cNvPr id="1" name="Shape 20"/>
+        <p:cNvGrpSpPr/>
+        <p:nvPr/>
+      </p:nvGrpSpPr>
+      <p:grpSpPr>
+        <a:xfrm>
+          <a:off x="0" y="0"/>
+          <a:ext cx="0" cy="0"/>
+          <a:chOff x="0" y="0"/>
+          <a:chExt cx="0" cy="0"/>
+        </a:xfrm>
+      </p:grpSpPr>
+      <p:sp>
+        <p:nvSpPr>
+          <p:cNvPr id="21" name="Google Shape;21;p5"/>
+          <p:cNvSpPr txBox="1">
+            <a:spLocks noGrp="1"/>
+          </p:cNvSpPr>
+          <p:nvPr>
+            <p:ph type="title"/>
+          </p:nvPr>
+        </p:nvSpPr>
+        <p:spPr>
+          <a:xfrm>
+            <a:off x="415600" y="593366"/>
+            <a:ext cx="11360880" cy="763560"/>
+          </a:xfrm>
+          <a:prstGeom prst="rect">
+            <a:avLst/>
+          </a:prstGeom>
+        </p:spPr>
+        <p:txBody>
+          <a:bodyPr spcFirstLastPara="1" wrap="square" lIns="146725" tIns="146725" rIns="146725" bIns="146725" anchor="t" anchorCtr="0">
+            <a:noAutofit/>
+          </a:bodyPr>
+          <a:lstStyle>
+            <a:lvl1pPr lvl="0">
+              <a:spcBef>
+                <a:spcPts val="0"/>
+              </a:spcBef>
+              <a:spcAft>
+                <a:spcPts val="0"/>
+              </a:spcAft>
+              <a:buSzPts val="4500"/>
+              <a:buNone/>
+              <a:defRPr/>
+            </a:lvl1pPr>
+            <a:lvl2pPr lvl="1">
+              <a:spcBef>
+                <a:spcPts val="0"/>
+              </a:spcBef>
+              <a:spcAft>
+                <a:spcPts val="0"/>
+              </a:spcAft>
+              <a:buSzPts val="4500"/>
+              <a:buNone/>
+              <a:defRPr/>
+            </a:lvl2pPr>
+            <a:lvl3pPr lvl="2">
+              <a:spcBef>
+                <a:spcPts val="0"/>
+              </a:spcBef>
+              <a:spcAft>
+                <a:spcPts val="0"/>
+              </a:spcAft>
+              <a:buSzPts val="4500"/>
+              <a:buNone/>
+              <a:defRPr/>
+            </a:lvl3pPr>
+            <a:lvl4pPr lvl="3">
+              <a:spcBef>
+                <a:spcPts val="0"/>
+              </a:spcBef>
+              <a:spcAft>
+                <a:spcPts val="0"/>
+              </a:spcAft>
+              <a:buSzPts val="4500"/>
+              <a:buNone/>
+              <a:defRPr/>
+            </a:lvl4pPr>
+            <a:lvl5pPr lvl="4">
+              <a:spcBef>
+                <a:spcPts val="0"/>
+              </a:spcBef>
+              <a:spcAft>
+                <a:spcPts val="0"/>
+              </a:spcAft>
+              <a:buSzPts val="4500"/>
+              <a:buNone/>
+              <a:defRPr/>
+            </a:lvl5pPr>
+            <a:lvl6pPr lvl="5">
+              <a:spcBef>
+                <a:spcPts val="0"/>
+              </a:spcBef>
+              <a:spcAft>
+                <a:spcPts val="0"/>
+              </a:spcAft>
+              <a:buSzPts val="4500"/>
+              <a:buNone/>
+              <a:defRPr/>
+            </a:lvl6pPr>
+            <a:lvl7pPr lvl="6">
+              <a:spcBef>
+                <a:spcPts val="0"/>
+              </a:spcBef>
+              <a:spcAft>
+                <a:spcPts val="0"/>
+              </a:spcAft>
+              <a:buSzPts val="4500"/>
+              <a:buNone/>
+              <a:defRPr/>
+            </a:lvl7pPr>
+            <a:lvl8pPr lvl="7">
+              <a:spcBef>
+                <a:spcPts val="0"/>
+              </a:spcBef>
+              <a:spcAft>
+                <a:spcPts val="0"/>
+              </a:spcAft>
+              <a:buSzPts val="4500"/>
+              <a:buNone/>
+              <a:defRPr/>
+            </a:lvl8pPr>
+            <a:lvl9pPr lvl="8">
+              <a:spcBef>
+                <a:spcPts val="0"/>
+              </a:spcBef>
+              <a:spcAft>
+                <a:spcPts val="0"/>
+              </a:spcAft>
+              <a:buSzPts val="4500"/>
+              <a:buNone/>
+              <a:defRPr/>
+            </a:lvl9pPr>
+          </a:lstStyle>
+          <a:p>
+            <a:endParaRPr/>
+          </a:p>
+        </p:txBody>
+      </p:sp>
+      <p:sp>
+        <p:nvSpPr>
+          <p:cNvPr id="22" name="Google Shape;22;p5"/>
+          <p:cNvSpPr txBox="1">
+            <a:spLocks noGrp="1"/>
+          </p:cNvSpPr>
+          <p:nvPr>
+            <p:ph type="body" idx="1"/>
+          </p:nvPr>
+        </p:nvSpPr>
+        <p:spPr>
+          <a:xfrm>
+            <a:off x="415600" y="1536633"/>
+            <a:ext cx="5333280" cy="4555170"/>
+          </a:xfrm>
+          <a:prstGeom prst="rect">
+            <a:avLst/>
+          </a:prstGeom>
+        </p:spPr>
+        <p:txBody>
+          <a:bodyPr spcFirstLastPara="1" wrap="square" lIns="146725" tIns="146725" rIns="146725" bIns="146725" anchor="t" anchorCtr="0">
+            <a:noAutofit/>
+          </a:bodyPr>
+          <a:lstStyle>
+            <a:lvl1pPr marL="365760" lvl="0" indent="-294640">
+              <a:spcBef>
+                <a:spcPts val="0"/>
+              </a:spcBef>
+              <a:spcAft>
+                <a:spcPts val="0"/>
+              </a:spcAft>
+              <a:buSzPts val="2200"/>
+              <a:buChar char="●"/>
+              <a:defRPr sz="1760"/>
+            </a:lvl1pPr>
+            <a:lvl2pPr marL="731520" lvl="1" indent="-279400">
+              <a:spcBef>
+                <a:spcPts val="2080"/>
+              </a:spcBef>
+              <a:spcAft>
+                <a:spcPts val="0"/>
+              </a:spcAft>
+              <a:buSzPts val="1900"/>
+              <a:buChar char="○"/>
+              <a:defRPr sz="1520"/>
+            </a:lvl2pPr>
+            <a:lvl3pPr marL="1097280" lvl="2" indent="-279400">
+              <a:spcBef>
+                <a:spcPts val="2080"/>
+              </a:spcBef>
+              <a:spcAft>
+                <a:spcPts val="0"/>
+              </a:spcAft>
+              <a:buSzPts val="1900"/>
+              <a:buChar char="■"/>
+              <a:defRPr sz="1520"/>
+            </a:lvl3pPr>
+            <a:lvl4pPr marL="1463040" lvl="3" indent="-279400">
+              <a:spcBef>
+                <a:spcPts val="2080"/>
+              </a:spcBef>
+              <a:spcAft>
+                <a:spcPts val="0"/>
+              </a:spcAft>
+              <a:buSzPts val="1900"/>
+              <a:buChar char="●"/>
+              <a:defRPr sz="1520"/>
+            </a:lvl4pPr>
+            <a:lvl5pPr marL="1828800" lvl="4" indent="-279400">
+              <a:spcBef>
+                <a:spcPts val="2080"/>
+              </a:spcBef>
+              <a:spcAft>
+                <a:spcPts val="0"/>
+              </a:spcAft>
+              <a:buSzPts val="1900"/>
+              <a:buChar char="○"/>
+              <a:defRPr sz="1520"/>
+            </a:lvl5pPr>
+            <a:lvl6pPr marL="2194560" lvl="5" indent="-279400">
+              <a:spcBef>
+                <a:spcPts val="2080"/>
+              </a:spcBef>
+              <a:spcAft>
+                <a:spcPts val="0"/>
+              </a:spcAft>
+              <a:buSzPts val="1900"/>
+              <a:buChar char="■"/>
+              <a:defRPr sz="1520"/>
+            </a:lvl6pPr>
+            <a:lvl7pPr marL="2560320" lvl="6" indent="-279400">
+              <a:spcBef>
+                <a:spcPts val="2080"/>
+              </a:spcBef>
+              <a:spcAft>
+                <a:spcPts val="0"/>
+              </a:spcAft>
+              <a:buSzPts val="1900"/>
+              <a:buChar char="●"/>
+              <a:defRPr sz="1520"/>
+            </a:lvl7pPr>
+            <a:lvl8pPr marL="2926080" lvl="7" indent="-279400">
+              <a:spcBef>
+                <a:spcPts val="2080"/>
+              </a:spcBef>
+              <a:spcAft>
+                <a:spcPts val="0"/>
+              </a:spcAft>
+              <a:buSzPts val="1900"/>
+              <a:buChar char="○"/>
+              <a:defRPr sz="1520"/>
+            </a:lvl8pPr>
+            <a:lvl9pPr marL="3291840" lvl="8" indent="-279400">
+              <a:spcBef>
+                <a:spcPts val="2080"/>
+              </a:spcBef>
+              <a:spcAft>
+                <a:spcPts val="2080"/>
+              </a:spcAft>
+              <a:buSzPts val="1900"/>
+              <a:buChar char="■"/>
+              <a:defRPr sz="1520"/>
+            </a:lvl9pPr>
+          </a:lstStyle>
+          <a:p>
+            <a:endParaRPr/>
+          </a:p>
+        </p:txBody>
+      </p:sp>
+      <p:sp>
+        <p:nvSpPr>
+          <p:cNvPr id="23" name="Google Shape;23;p5"/>
+          <p:cNvSpPr txBox="1">
+            <a:spLocks noGrp="1"/>
+          </p:cNvSpPr>
+          <p:nvPr>
+            <p:ph type="body" idx="2"/>
+          </p:nvPr>
+        </p:nvSpPr>
+        <p:spPr>
+          <a:xfrm>
+            <a:off x="6443200" y="1536633"/>
+            <a:ext cx="5333280" cy="4555170"/>
+          </a:xfrm>
+          <a:prstGeom prst="rect">
+            <a:avLst/>
+          </a:prstGeom>
+        </p:spPr>
+        <p:txBody>
+          <a:bodyPr spcFirstLastPara="1" wrap="square" lIns="146725" tIns="146725" rIns="146725" bIns="146725" anchor="t" anchorCtr="0">
+            <a:noAutofit/>
+          </a:bodyPr>
+          <a:lstStyle>
+            <a:lvl1pPr marL="365760" lvl="0" indent="-294640">
+              <a:spcBef>
+                <a:spcPts val="0"/>
+              </a:spcBef>
+              <a:spcAft>
+                <a:spcPts val="0"/>
+              </a:spcAft>
+              <a:buSzPts val="2200"/>
+              <a:buChar char="●"/>
+              <a:defRPr sz="1760"/>
+            </a:lvl1pPr>
+            <a:lvl2pPr marL="731520" lvl="1" indent="-279400">
+              <a:spcBef>
+                <a:spcPts val="2080"/>
+              </a:spcBef>
+              <a:spcAft>
+                <a:spcPts val="0"/>
+              </a:spcAft>
+              <a:buSzPts val="1900"/>
+              <a:buChar char="○"/>
+              <a:defRPr sz="1520"/>
+            </a:lvl2pPr>
+            <a:lvl3pPr marL="1097280" lvl="2" indent="-279400">
+              <a:spcBef>
+                <a:spcPts val="2080"/>
+              </a:spcBef>
+              <a:spcAft>
+                <a:spcPts val="0"/>
+              </a:spcAft>
+              <a:buSzPts val="1900"/>
+              <a:buChar char="■"/>
+              <a:defRPr sz="1520"/>
+            </a:lvl3pPr>
+            <a:lvl4pPr marL="1463040" lvl="3" indent="-279400">
+              <a:spcBef>
+                <a:spcPts val="2080"/>
+              </a:spcBef>
+              <a:spcAft>
+                <a:spcPts val="0"/>
+              </a:spcAft>
+              <a:buSzPts val="1900"/>
+              <a:buChar char="●"/>
+              <a:defRPr sz="1520"/>
+            </a:lvl4pPr>
+            <a:lvl5pPr marL="1828800" lvl="4" indent="-279400">
+              <a:spcBef>
+                <a:spcPts val="2080"/>
+              </a:spcBef>
+              <a:spcAft>
+                <a:spcPts val="0"/>
+              </a:spcAft>
+              <a:buSzPts val="1900"/>
+              <a:buChar char="○"/>
+              <a:defRPr sz="1520"/>
+            </a:lvl5pPr>
+            <a:lvl6pPr marL="2194560" lvl="5" indent="-279400">
+              <a:spcBef>
+                <a:spcPts val="2080"/>
+              </a:spcBef>
+              <a:spcAft>
+                <a:spcPts val="0"/>
+              </a:spcAft>
+              <a:buSzPts val="1900"/>
+              <a:buChar char="■"/>
+              <a:defRPr sz="1520"/>
+            </a:lvl6pPr>
+            <a:lvl7pPr marL="2560320" lvl="6" indent="-279400">
+              <a:spcBef>
+                <a:spcPts val="2080"/>
+              </a:spcBef>
+              <a:spcAft>
+                <a:spcPts val="0"/>
+              </a:spcAft>
+              <a:buSzPts val="1900"/>
+              <a:buChar char="●"/>
+              <a:defRPr sz="1520"/>
+            </a:lvl7pPr>
+            <a:lvl8pPr marL="2926080" lvl="7" indent="-279400">
+              <a:spcBef>
+                <a:spcPts val="2080"/>
+              </a:spcBef>
+              <a:spcAft>
+                <a:spcPts val="0"/>
+              </a:spcAft>
+              <a:buSzPts val="1900"/>
+              <a:buChar char="○"/>
+              <a:defRPr sz="1520"/>
+            </a:lvl8pPr>
+            <a:lvl9pPr marL="3291840" lvl="8" indent="-279400">
+              <a:spcBef>
+                <a:spcPts val="2080"/>
+              </a:spcBef>
+              <a:spcAft>
+                <a:spcPts val="2080"/>
+              </a:spcAft>
+              <a:buSzPts val="1900"/>
+              <a:buChar char="■"/>
+              <a:defRPr sz="1520"/>
+            </a:lvl9pPr>
+          </a:lstStyle>
+          <a:p>
+            <a:endParaRPr/>
+          </a:p>
+        </p:txBody>
+      </p:sp>
+      <p:sp>
+        <p:nvSpPr>
+          <p:cNvPr id="24" name="Google Shape;24;p5"/>
+          <p:cNvSpPr txBox="1">
+            <a:spLocks noGrp="1"/>
+          </p:cNvSpPr>
+          <p:nvPr>
+            <p:ph type="sldNum" idx="12"/>
+          </p:nvPr>
+        </p:nvSpPr>
+        <p:spPr>
+          <a:xfrm>
+            <a:off x="11296610" y="6217622"/>
+            <a:ext cx="731520" cy="524880"/>
+          </a:xfrm>
+          <a:prstGeom prst="rect">
+            <a:avLst/>
+          </a:prstGeom>
+        </p:spPr>
+        <p:txBody>
+          <a:bodyPr spcFirstLastPara="1" wrap="square" lIns="146725" tIns="146725" rIns="146725" bIns="146725" anchor="ctr" anchorCtr="0">
+            <a:noAutofit/>
+          </a:bodyPr>
+          <a:lstStyle>
+            <a:lvl1pPr lvl="0">
+              <a:buNone/>
+              <a:defRPr/>
+            </a:lvl1pPr>
+            <a:lvl2pPr lvl="1">
+              <a:buNone/>
+              <a:defRPr/>
+            </a:lvl2pPr>
+            <a:lvl3pPr lvl="2">
+              <a:buNone/>
+              <a:defRPr/>
+            </a:lvl3pPr>
+            <a:lvl4pPr lvl="3">
+              <a:buNone/>
+              <a:defRPr/>
+            </a:lvl4pPr>
+            <a:lvl5pPr lvl="4">
+              <a:buNone/>
+              <a:defRPr/>
+            </a:lvl5pPr>
+            <a:lvl6pPr lvl="5">
+              <a:buNone/>
+              <a:defRPr/>
+            </a:lvl6pPr>
+            <a:lvl7pPr lvl="6">
+              <a:buNone/>
+              <a:defRPr/>
+            </a:lvl7pPr>
+            <a:lvl8pPr lvl="7">
+              <a:buNone/>
+              <a:defRPr/>
+            </a:lvl8pPr>
+            <a:lvl9pPr lvl="8">
+              <a:buNone/>
+              <a:defRPr/>
+            </a:lvl9pPr>
+          </a:lstStyle>
+          <a:p>
+            <a:fld id="{00000000-1234-1234-1234-123412341234}" type="slidenum">
+              <a:rPr lang="en" smtClean="0"/>
+              <a:pPr/>
+              <a:t>‹#›</a:t>
+            </a:fld>
+            <a:endParaRPr lang="en"/>
+          </a:p>
+        </p:txBody>
+      </p:sp>
+    </p:spTree>
+    <p:extLst>
+      <p:ext uri="{BB962C8B-B14F-4D97-AF65-F5344CB8AC3E}">
+        <p14:creationId xmlns:p14="http://schemas.microsoft.com/office/powerpoint/2010/main" val="3655035844"/>
+      </p:ext>
+    </p:extLst>
+  </p:cSld>
+  <p:clrMapOvr>
+    <a:masterClrMapping/>
+  </p:clrMapOvr>
+</p:sldLayout>
+</file>
+
+<file path=ppt/slideLayouts/slideLayout15.xml><?xml version="1.0" encoding="utf-8"?>
+<p:sldLayout xmlns:a="http://schemas.openxmlformats.org/drawingml/2006/main" xmlns:r="http://schemas.openxmlformats.org/officeDocument/2006/relationships" xmlns:p="http://schemas.openxmlformats.org/presentationml/2006/main" matchingName="Title only" type="titleOnly">
+  <p:cSld name="Title only">
+    <p:spTree>
+      <p:nvGrpSpPr>
+        <p:cNvPr id="1" name="Shape 25"/>
+        <p:cNvGrpSpPr/>
+        <p:nvPr/>
+      </p:nvGrpSpPr>
+      <p:grpSpPr>
+        <a:xfrm>
+          <a:off x="0" y="0"/>
+          <a:ext cx="0" cy="0"/>
+          <a:chOff x="0" y="0"/>
+          <a:chExt cx="0" cy="0"/>
+        </a:xfrm>
+      </p:grpSpPr>
+      <p:sp>
+        <p:nvSpPr>
+          <p:cNvPr id="26" name="Google Shape;26;p6"/>
+          <p:cNvSpPr txBox="1">
+            <a:spLocks noGrp="1"/>
+          </p:cNvSpPr>
+          <p:nvPr>
+            <p:ph type="title"/>
+          </p:nvPr>
+        </p:nvSpPr>
+        <p:spPr>
+          <a:xfrm>
+            <a:off x="415600" y="593366"/>
+            <a:ext cx="11360880" cy="763560"/>
+          </a:xfrm>
+          <a:prstGeom prst="rect">
+            <a:avLst/>
+          </a:prstGeom>
+        </p:spPr>
+        <p:txBody>
+          <a:bodyPr spcFirstLastPara="1" wrap="square" lIns="146725" tIns="146725" rIns="146725" bIns="146725" anchor="t" anchorCtr="0">
+            <a:noAutofit/>
+          </a:bodyPr>
+          <a:lstStyle>
+            <a:lvl1pPr lvl="0">
+              <a:spcBef>
+                <a:spcPts val="0"/>
+              </a:spcBef>
+              <a:spcAft>
+                <a:spcPts val="0"/>
+              </a:spcAft>
+              <a:buSzPts val="4500"/>
+              <a:buNone/>
+              <a:defRPr/>
+            </a:lvl1pPr>
+            <a:lvl2pPr lvl="1">
+              <a:spcBef>
+                <a:spcPts val="0"/>
+              </a:spcBef>
+              <a:spcAft>
+                <a:spcPts val="0"/>
+              </a:spcAft>
+              <a:buSzPts val="4500"/>
+              <a:buNone/>
+              <a:defRPr/>
+            </a:lvl2pPr>
+            <a:lvl3pPr lvl="2">
+              <a:spcBef>
+                <a:spcPts val="0"/>
+              </a:spcBef>
+              <a:spcAft>
+                <a:spcPts val="0"/>
+              </a:spcAft>
+              <a:buSzPts val="4500"/>
+              <a:buNone/>
+              <a:defRPr/>
+            </a:lvl3pPr>
+            <a:lvl4pPr lvl="3">
+              <a:spcBef>
+                <a:spcPts val="0"/>
+              </a:spcBef>
+              <a:spcAft>
+                <a:spcPts val="0"/>
+              </a:spcAft>
+              <a:buSzPts val="4500"/>
+              <a:buNone/>
+              <a:defRPr/>
+            </a:lvl4pPr>
+            <a:lvl5pPr lvl="4">
+              <a:spcBef>
+                <a:spcPts val="0"/>
+              </a:spcBef>
+              <a:spcAft>
+                <a:spcPts val="0"/>
+              </a:spcAft>
+              <a:buSzPts val="4500"/>
+              <a:buNone/>
+              <a:defRPr/>
+            </a:lvl5pPr>
+            <a:lvl6pPr lvl="5">
+              <a:spcBef>
+                <a:spcPts val="0"/>
+              </a:spcBef>
+              <a:spcAft>
+                <a:spcPts val="0"/>
+              </a:spcAft>
+              <a:buSzPts val="4500"/>
+              <a:buNone/>
+              <a:defRPr/>
+            </a:lvl6pPr>
+            <a:lvl7pPr lvl="6">
+              <a:spcBef>
+                <a:spcPts val="0"/>
+              </a:spcBef>
+              <a:spcAft>
+                <a:spcPts val="0"/>
+              </a:spcAft>
+              <a:buSzPts val="4500"/>
+              <a:buNone/>
+              <a:defRPr/>
+            </a:lvl7pPr>
+            <a:lvl8pPr lvl="7">
+              <a:spcBef>
+                <a:spcPts val="0"/>
+              </a:spcBef>
+              <a:spcAft>
+                <a:spcPts val="0"/>
+              </a:spcAft>
+              <a:buSzPts val="4500"/>
+              <a:buNone/>
+              <a:defRPr/>
+            </a:lvl8pPr>
+            <a:lvl9pPr lvl="8">
+              <a:spcBef>
+                <a:spcPts val="0"/>
+              </a:spcBef>
+              <a:spcAft>
+                <a:spcPts val="0"/>
+              </a:spcAft>
+              <a:buSzPts val="4500"/>
+              <a:buNone/>
+              <a:defRPr/>
+            </a:lvl9pPr>
+          </a:lstStyle>
+          <a:p>
+            <a:endParaRPr/>
+          </a:p>
+        </p:txBody>
+      </p:sp>
+      <p:sp>
+        <p:nvSpPr>
+          <p:cNvPr id="27" name="Google Shape;27;p6"/>
+          <p:cNvSpPr txBox="1">
+            <a:spLocks noGrp="1"/>
+          </p:cNvSpPr>
+          <p:nvPr>
+            <p:ph type="sldNum" idx="12"/>
+          </p:nvPr>
+        </p:nvSpPr>
+        <p:spPr>
+          <a:xfrm>
+            <a:off x="11296610" y="6217622"/>
+            <a:ext cx="731520" cy="524880"/>
+          </a:xfrm>
+          <a:prstGeom prst="rect">
+            <a:avLst/>
+          </a:prstGeom>
+        </p:spPr>
+        <p:txBody>
+          <a:bodyPr spcFirstLastPara="1" wrap="square" lIns="146725" tIns="146725" rIns="146725" bIns="146725" anchor="ctr" anchorCtr="0">
+            <a:noAutofit/>
+          </a:bodyPr>
+          <a:lstStyle>
+            <a:lvl1pPr lvl="0">
+              <a:buNone/>
+              <a:defRPr/>
+            </a:lvl1pPr>
+            <a:lvl2pPr lvl="1">
+              <a:buNone/>
+              <a:defRPr/>
+            </a:lvl2pPr>
+            <a:lvl3pPr lvl="2">
+              <a:buNone/>
+              <a:defRPr/>
+            </a:lvl3pPr>
+            <a:lvl4pPr lvl="3">
+              <a:buNone/>
+              <a:defRPr/>
+            </a:lvl4pPr>
+            <a:lvl5pPr lvl="4">
+              <a:buNone/>
+              <a:defRPr/>
+            </a:lvl5pPr>
+            <a:lvl6pPr lvl="5">
+              <a:buNone/>
+              <a:defRPr/>
+            </a:lvl6pPr>
+            <a:lvl7pPr lvl="6">
+              <a:buNone/>
+              <a:defRPr/>
+            </a:lvl7pPr>
+            <a:lvl8pPr lvl="7">
+              <a:buNone/>
+              <a:defRPr/>
+            </a:lvl8pPr>
+            <a:lvl9pPr lvl="8">
+              <a:buNone/>
+              <a:defRPr/>
+            </a:lvl9pPr>
+          </a:lstStyle>
+          <a:p>
+            <a:fld id="{00000000-1234-1234-1234-123412341234}" type="slidenum">
+              <a:rPr lang="en" smtClean="0"/>
+              <a:pPr/>
+              <a:t>‹#›</a:t>
+            </a:fld>
+            <a:endParaRPr lang="en"/>
+          </a:p>
+        </p:txBody>
+      </p:sp>
+    </p:spTree>
+    <p:extLst>
+      <p:ext uri="{BB962C8B-B14F-4D97-AF65-F5344CB8AC3E}">
+        <p14:creationId xmlns:p14="http://schemas.microsoft.com/office/powerpoint/2010/main" val="1338759429"/>
+      </p:ext>
+    </p:extLst>
+  </p:cSld>
+  <p:clrMapOvr>
+    <a:masterClrMapping/>
+  </p:clrMapOvr>
+</p:sldLayout>
+</file>
+
+<file path=ppt/slideLayouts/slideLayout16.xml><?xml version="1.0" encoding="utf-8"?>
+<p:sldLayout xmlns:a="http://schemas.openxmlformats.org/drawingml/2006/main" xmlns:r="http://schemas.openxmlformats.org/officeDocument/2006/relationships" xmlns:p="http://schemas.openxmlformats.org/presentationml/2006/main" matchingName="One column text">
+  <p:cSld name="One column text">
+    <p:spTree>
+      <p:nvGrpSpPr>
+        <p:cNvPr id="1" name="Shape 28"/>
+        <p:cNvGrpSpPr/>
+        <p:nvPr/>
+      </p:nvGrpSpPr>
+      <p:grpSpPr>
+        <a:xfrm>
+          <a:off x="0" y="0"/>
+          <a:ext cx="0" cy="0"/>
+          <a:chOff x="0" y="0"/>
+          <a:chExt cx="0" cy="0"/>
+        </a:xfrm>
+      </p:grpSpPr>
+      <p:sp>
+        <p:nvSpPr>
+          <p:cNvPr id="29" name="Google Shape;29;p7"/>
+          <p:cNvSpPr txBox="1">
+            <a:spLocks noGrp="1"/>
+          </p:cNvSpPr>
+          <p:nvPr>
+            <p:ph type="title"/>
+          </p:nvPr>
+        </p:nvSpPr>
+        <p:spPr>
+          <a:xfrm>
+            <a:off x="415600" y="740800"/>
+            <a:ext cx="3744000" cy="1007640"/>
+          </a:xfrm>
+          <a:prstGeom prst="rect">
+            <a:avLst/>
+          </a:prstGeom>
+        </p:spPr>
+        <p:txBody>
+          <a:bodyPr spcFirstLastPara="1" wrap="square" lIns="146725" tIns="146725" rIns="146725" bIns="146725" anchor="b" anchorCtr="0">
+            <a:noAutofit/>
+          </a:bodyPr>
+          <a:lstStyle>
+            <a:lvl1pPr lvl="0">
+              <a:spcBef>
+                <a:spcPts val="0"/>
+              </a:spcBef>
+              <a:spcAft>
+                <a:spcPts val="0"/>
+              </a:spcAft>
+              <a:buSzPts val="3900"/>
+              <a:buNone/>
+              <a:defRPr sz="3120"/>
+            </a:lvl1pPr>
+            <a:lvl2pPr lvl="1">
+              <a:spcBef>
+                <a:spcPts val="0"/>
+              </a:spcBef>
+              <a:spcAft>
+                <a:spcPts val="0"/>
+              </a:spcAft>
+              <a:buSzPts val="3900"/>
+              <a:buNone/>
+              <a:defRPr sz="3120"/>
+            </a:lvl2pPr>
+            <a:lvl3pPr lvl="2">
+              <a:spcBef>
+                <a:spcPts val="0"/>
+              </a:spcBef>
+              <a:spcAft>
+                <a:spcPts val="0"/>
+              </a:spcAft>
+              <a:buSzPts val="3900"/>
+              <a:buNone/>
+              <a:defRPr sz="3120"/>
+            </a:lvl3pPr>
+            <a:lvl4pPr lvl="3">
+              <a:spcBef>
+                <a:spcPts val="0"/>
+              </a:spcBef>
+              <a:spcAft>
+                <a:spcPts val="0"/>
+              </a:spcAft>
+              <a:buSzPts val="3900"/>
+              <a:buNone/>
+              <a:defRPr sz="3120"/>
+            </a:lvl4pPr>
+            <a:lvl5pPr lvl="4">
+              <a:spcBef>
+                <a:spcPts val="0"/>
+              </a:spcBef>
+              <a:spcAft>
+                <a:spcPts val="0"/>
+              </a:spcAft>
+              <a:buSzPts val="3900"/>
+              <a:buNone/>
+              <a:defRPr sz="3120"/>
+            </a:lvl5pPr>
+            <a:lvl6pPr lvl="5">
+              <a:spcBef>
+                <a:spcPts val="0"/>
+              </a:spcBef>
+              <a:spcAft>
+                <a:spcPts val="0"/>
+              </a:spcAft>
+              <a:buSzPts val="3900"/>
+              <a:buNone/>
+              <a:defRPr sz="3120"/>
+            </a:lvl6pPr>
+            <a:lvl7pPr lvl="6">
+              <a:spcBef>
+                <a:spcPts val="0"/>
+              </a:spcBef>
+              <a:spcAft>
+                <a:spcPts val="0"/>
+              </a:spcAft>
+              <a:buSzPts val="3900"/>
+              <a:buNone/>
+              <a:defRPr sz="3120"/>
+            </a:lvl7pPr>
+            <a:lvl8pPr lvl="7">
+              <a:spcBef>
+                <a:spcPts val="0"/>
+              </a:spcBef>
+              <a:spcAft>
+                <a:spcPts val="0"/>
+              </a:spcAft>
+              <a:buSzPts val="3900"/>
+              <a:buNone/>
+              <a:defRPr sz="3120"/>
+            </a:lvl8pPr>
+            <a:lvl9pPr lvl="8">
+              <a:spcBef>
+                <a:spcPts val="0"/>
+              </a:spcBef>
+              <a:spcAft>
+                <a:spcPts val="0"/>
+              </a:spcAft>
+              <a:buSzPts val="3900"/>
+              <a:buNone/>
+              <a:defRPr sz="3120"/>
+            </a:lvl9pPr>
+          </a:lstStyle>
+          <a:p>
+            <a:endParaRPr/>
+          </a:p>
+        </p:txBody>
+      </p:sp>
+      <p:sp>
+        <p:nvSpPr>
+          <p:cNvPr id="30" name="Google Shape;30;p7"/>
+          <p:cNvSpPr txBox="1">
+            <a:spLocks noGrp="1"/>
+          </p:cNvSpPr>
+          <p:nvPr>
+            <p:ph type="body" idx="1"/>
+          </p:nvPr>
+        </p:nvSpPr>
+        <p:spPr>
+          <a:xfrm>
+            <a:off x="415600" y="1852800"/>
+            <a:ext cx="3744000" cy="4239270"/>
+          </a:xfrm>
+          <a:prstGeom prst="rect">
+            <a:avLst/>
+          </a:prstGeom>
+        </p:spPr>
+        <p:txBody>
+          <a:bodyPr spcFirstLastPara="1" wrap="square" lIns="146725" tIns="146725" rIns="146725" bIns="146725" anchor="t" anchorCtr="0">
+            <a:noAutofit/>
+          </a:bodyPr>
+          <a:lstStyle>
+            <a:lvl1pPr marL="365760" lvl="0" indent="-279400">
+              <a:spcBef>
+                <a:spcPts val="0"/>
+              </a:spcBef>
+              <a:spcAft>
+                <a:spcPts val="0"/>
+              </a:spcAft>
+              <a:buSzPts val="1900"/>
+              <a:buChar char="●"/>
+              <a:defRPr sz="1520"/>
+            </a:lvl1pPr>
+            <a:lvl2pPr marL="731520" lvl="1" indent="-279400">
+              <a:spcBef>
+                <a:spcPts val="2080"/>
+              </a:spcBef>
+              <a:spcAft>
+                <a:spcPts val="0"/>
+              </a:spcAft>
+              <a:buSzPts val="1900"/>
+              <a:buChar char="○"/>
+              <a:defRPr sz="1520"/>
+            </a:lvl2pPr>
+            <a:lvl3pPr marL="1097280" lvl="2" indent="-279400">
+              <a:spcBef>
+                <a:spcPts val="2080"/>
+              </a:spcBef>
+              <a:spcAft>
+                <a:spcPts val="0"/>
+              </a:spcAft>
+              <a:buSzPts val="1900"/>
+              <a:buChar char="■"/>
+              <a:defRPr sz="1520"/>
+            </a:lvl3pPr>
+            <a:lvl4pPr marL="1463040" lvl="3" indent="-279400">
+              <a:spcBef>
+                <a:spcPts val="2080"/>
+              </a:spcBef>
+              <a:spcAft>
+                <a:spcPts val="0"/>
+              </a:spcAft>
+              <a:buSzPts val="1900"/>
+              <a:buChar char="●"/>
+              <a:defRPr sz="1520"/>
+            </a:lvl4pPr>
+            <a:lvl5pPr marL="1828800" lvl="4" indent="-279400">
+              <a:spcBef>
+                <a:spcPts val="2080"/>
+              </a:spcBef>
+              <a:spcAft>
+                <a:spcPts val="0"/>
+              </a:spcAft>
+              <a:buSzPts val="1900"/>
+              <a:buChar char="○"/>
+              <a:defRPr sz="1520"/>
+            </a:lvl5pPr>
+            <a:lvl6pPr marL="2194560" lvl="5" indent="-279400">
+              <a:spcBef>
+                <a:spcPts val="2080"/>
+              </a:spcBef>
+              <a:spcAft>
+                <a:spcPts val="0"/>
+              </a:spcAft>
+              <a:buSzPts val="1900"/>
+              <a:buChar char="■"/>
+              <a:defRPr sz="1520"/>
+            </a:lvl6pPr>
+            <a:lvl7pPr marL="2560320" lvl="6" indent="-279400">
+              <a:spcBef>
+                <a:spcPts val="2080"/>
+              </a:spcBef>
+              <a:spcAft>
+                <a:spcPts val="0"/>
+              </a:spcAft>
+              <a:buSzPts val="1900"/>
+              <a:buChar char="●"/>
+              <a:defRPr sz="1520"/>
+            </a:lvl7pPr>
+            <a:lvl8pPr marL="2926080" lvl="7" indent="-279400">
+              <a:spcBef>
+                <a:spcPts val="2080"/>
+              </a:spcBef>
+              <a:spcAft>
+                <a:spcPts val="0"/>
+              </a:spcAft>
+              <a:buSzPts val="1900"/>
+              <a:buChar char="○"/>
+              <a:defRPr sz="1520"/>
+            </a:lvl8pPr>
+            <a:lvl9pPr marL="3291840" lvl="8" indent="-279400">
+              <a:spcBef>
+                <a:spcPts val="2080"/>
+              </a:spcBef>
+              <a:spcAft>
+                <a:spcPts val="2080"/>
+              </a:spcAft>
+              <a:buSzPts val="1900"/>
+              <a:buChar char="■"/>
+              <a:defRPr sz="1520"/>
+            </a:lvl9pPr>
+          </a:lstStyle>
+          <a:p>
+            <a:endParaRPr/>
+          </a:p>
+        </p:txBody>
+      </p:sp>
+      <p:sp>
+        <p:nvSpPr>
+          <p:cNvPr id="31" name="Google Shape;31;p7"/>
+          <p:cNvSpPr txBox="1">
+            <a:spLocks noGrp="1"/>
+          </p:cNvSpPr>
+          <p:nvPr>
+            <p:ph type="sldNum" idx="12"/>
+          </p:nvPr>
+        </p:nvSpPr>
+        <p:spPr>
+          <a:xfrm>
+            <a:off x="11296610" y="6217622"/>
+            <a:ext cx="731520" cy="524880"/>
+          </a:xfrm>
+          <a:prstGeom prst="rect">
+            <a:avLst/>
+          </a:prstGeom>
+        </p:spPr>
+        <p:txBody>
+          <a:bodyPr spcFirstLastPara="1" wrap="square" lIns="146725" tIns="146725" rIns="146725" bIns="146725" anchor="ctr" anchorCtr="0">
+            <a:noAutofit/>
+          </a:bodyPr>
+          <a:lstStyle>
+            <a:lvl1pPr lvl="0">
+              <a:buNone/>
+              <a:defRPr/>
+            </a:lvl1pPr>
+            <a:lvl2pPr lvl="1">
+              <a:buNone/>
+              <a:defRPr/>
+            </a:lvl2pPr>
+            <a:lvl3pPr lvl="2">
+              <a:buNone/>
+              <a:defRPr/>
+            </a:lvl3pPr>
+            <a:lvl4pPr lvl="3">
+              <a:buNone/>
+              <a:defRPr/>
+            </a:lvl4pPr>
+            <a:lvl5pPr lvl="4">
+              <a:buNone/>
+              <a:defRPr/>
+            </a:lvl5pPr>
+            <a:lvl6pPr lvl="5">
+              <a:buNone/>
+              <a:defRPr/>
+            </a:lvl6pPr>
+            <a:lvl7pPr lvl="6">
+              <a:buNone/>
+              <a:defRPr/>
+            </a:lvl7pPr>
+            <a:lvl8pPr lvl="7">
+              <a:buNone/>
+              <a:defRPr/>
+            </a:lvl8pPr>
+            <a:lvl9pPr lvl="8">
+              <a:buNone/>
+              <a:defRPr/>
+            </a:lvl9pPr>
+          </a:lstStyle>
+          <a:p>
+            <a:fld id="{00000000-1234-1234-1234-123412341234}" type="slidenum">
+              <a:rPr lang="en" smtClean="0"/>
+              <a:pPr/>
+              <a:t>‹#›</a:t>
+            </a:fld>
+            <a:endParaRPr lang="en"/>
+          </a:p>
+        </p:txBody>
+      </p:sp>
+    </p:spTree>
+    <p:extLst>
+      <p:ext uri="{BB962C8B-B14F-4D97-AF65-F5344CB8AC3E}">
+        <p14:creationId xmlns:p14="http://schemas.microsoft.com/office/powerpoint/2010/main" val="1198934262"/>
+      </p:ext>
+    </p:extLst>
+  </p:cSld>
+  <p:clrMapOvr>
+    <a:masterClrMapping/>
+  </p:clrMapOvr>
+</p:sldLayout>
+</file>
+
+<file path=ppt/slideLayouts/slideLayout17.xml><?xml version="1.0" encoding="utf-8"?>
+<p:sldLayout xmlns:a="http://schemas.openxmlformats.org/drawingml/2006/main" xmlns:r="http://schemas.openxmlformats.org/officeDocument/2006/relationships" xmlns:p="http://schemas.openxmlformats.org/presentationml/2006/main" matchingName="Main point">
+  <p:cSld name="Main point">
+    <p:spTree>
+      <p:nvGrpSpPr>
+        <p:cNvPr id="1" name="Shape 32"/>
+        <p:cNvGrpSpPr/>
+        <p:nvPr/>
+      </p:nvGrpSpPr>
+      <p:grpSpPr>
+        <a:xfrm>
+          <a:off x="0" y="0"/>
+          <a:ext cx="0" cy="0"/>
+          <a:chOff x="0" y="0"/>
+          <a:chExt cx="0" cy="0"/>
+        </a:xfrm>
+      </p:grpSpPr>
+      <p:sp>
+        <p:nvSpPr>
+          <p:cNvPr id="33" name="Google Shape;33;p8"/>
+          <p:cNvSpPr txBox="1">
+            <a:spLocks noGrp="1"/>
+          </p:cNvSpPr>
+          <p:nvPr>
+            <p:ph type="title"/>
+          </p:nvPr>
+        </p:nvSpPr>
+        <p:spPr>
+          <a:xfrm>
+            <a:off x="653666" y="600200"/>
+            <a:ext cx="8490480" cy="5454270"/>
+          </a:xfrm>
+          <a:prstGeom prst="rect">
+            <a:avLst/>
+          </a:prstGeom>
+        </p:spPr>
+        <p:txBody>
+          <a:bodyPr spcFirstLastPara="1" wrap="square" lIns="146725" tIns="146725" rIns="146725" bIns="146725" anchor="ctr" anchorCtr="0">
+            <a:noAutofit/>
+          </a:bodyPr>
+          <a:lstStyle>
+            <a:lvl1pPr lvl="0">
+              <a:spcBef>
+                <a:spcPts val="0"/>
+              </a:spcBef>
+              <a:spcAft>
+                <a:spcPts val="0"/>
+              </a:spcAft>
+              <a:buSzPts val="7700"/>
+              <a:buNone/>
+              <a:defRPr sz="6160"/>
+            </a:lvl1pPr>
+            <a:lvl2pPr lvl="1">
+              <a:spcBef>
+                <a:spcPts val="0"/>
+              </a:spcBef>
+              <a:spcAft>
+                <a:spcPts val="0"/>
+              </a:spcAft>
+              <a:buSzPts val="7700"/>
+              <a:buNone/>
+              <a:defRPr sz="6160"/>
+            </a:lvl2pPr>
+            <a:lvl3pPr lvl="2">
+              <a:spcBef>
+                <a:spcPts val="0"/>
+              </a:spcBef>
+              <a:spcAft>
+                <a:spcPts val="0"/>
+              </a:spcAft>
+              <a:buSzPts val="7700"/>
+              <a:buNone/>
+              <a:defRPr sz="6160"/>
+            </a:lvl3pPr>
+            <a:lvl4pPr lvl="3">
+              <a:spcBef>
+                <a:spcPts val="0"/>
+              </a:spcBef>
+              <a:spcAft>
+                <a:spcPts val="0"/>
+              </a:spcAft>
+              <a:buSzPts val="7700"/>
+              <a:buNone/>
+              <a:defRPr sz="6160"/>
+            </a:lvl4pPr>
+            <a:lvl5pPr lvl="4">
+              <a:spcBef>
+                <a:spcPts val="0"/>
+              </a:spcBef>
+              <a:spcAft>
+                <a:spcPts val="0"/>
+              </a:spcAft>
+              <a:buSzPts val="7700"/>
+              <a:buNone/>
+              <a:defRPr sz="6160"/>
+            </a:lvl5pPr>
+            <a:lvl6pPr lvl="5">
+              <a:spcBef>
+                <a:spcPts val="0"/>
+              </a:spcBef>
+              <a:spcAft>
+                <a:spcPts val="0"/>
+              </a:spcAft>
+              <a:buSzPts val="7700"/>
+              <a:buNone/>
+              <a:defRPr sz="6160"/>
+            </a:lvl6pPr>
+            <a:lvl7pPr lvl="6">
+              <a:spcBef>
+                <a:spcPts val="0"/>
+              </a:spcBef>
+              <a:spcAft>
+                <a:spcPts val="0"/>
+              </a:spcAft>
+              <a:buSzPts val="7700"/>
+              <a:buNone/>
+              <a:defRPr sz="6160"/>
+            </a:lvl7pPr>
+            <a:lvl8pPr lvl="7">
+              <a:spcBef>
+                <a:spcPts val="0"/>
+              </a:spcBef>
+              <a:spcAft>
+                <a:spcPts val="0"/>
+              </a:spcAft>
+              <a:buSzPts val="7700"/>
+              <a:buNone/>
+              <a:defRPr sz="6160"/>
+            </a:lvl8pPr>
+            <a:lvl9pPr lvl="8">
+              <a:spcBef>
+                <a:spcPts val="0"/>
+              </a:spcBef>
+              <a:spcAft>
+                <a:spcPts val="0"/>
+              </a:spcAft>
+              <a:buSzPts val="7700"/>
+              <a:buNone/>
+              <a:defRPr sz="6160"/>
+            </a:lvl9pPr>
+          </a:lstStyle>
+          <a:p>
+            <a:endParaRPr/>
+          </a:p>
+        </p:txBody>
+      </p:sp>
+      <p:sp>
+        <p:nvSpPr>
+          <p:cNvPr id="34" name="Google Shape;34;p8"/>
+          <p:cNvSpPr txBox="1">
+            <a:spLocks noGrp="1"/>
+          </p:cNvSpPr>
+          <p:nvPr>
+            <p:ph type="sldNum" idx="12"/>
+          </p:nvPr>
+        </p:nvSpPr>
+        <p:spPr>
+          <a:xfrm>
+            <a:off x="11296610" y="6217622"/>
+            <a:ext cx="731520" cy="524880"/>
+          </a:xfrm>
+          <a:prstGeom prst="rect">
+            <a:avLst/>
+          </a:prstGeom>
+        </p:spPr>
+        <p:txBody>
+          <a:bodyPr spcFirstLastPara="1" wrap="square" lIns="146725" tIns="146725" rIns="146725" bIns="146725" anchor="ctr" anchorCtr="0">
+            <a:noAutofit/>
+          </a:bodyPr>
+          <a:lstStyle>
+            <a:lvl1pPr lvl="0">
+              <a:buNone/>
+              <a:defRPr/>
+            </a:lvl1pPr>
+            <a:lvl2pPr lvl="1">
+              <a:buNone/>
+              <a:defRPr/>
+            </a:lvl2pPr>
+            <a:lvl3pPr lvl="2">
+              <a:buNone/>
+              <a:defRPr/>
+            </a:lvl3pPr>
+            <a:lvl4pPr lvl="3">
+              <a:buNone/>
+              <a:defRPr/>
+            </a:lvl4pPr>
+            <a:lvl5pPr lvl="4">
+              <a:buNone/>
+              <a:defRPr/>
+            </a:lvl5pPr>
+            <a:lvl6pPr lvl="5">
+              <a:buNone/>
+              <a:defRPr/>
+            </a:lvl6pPr>
+            <a:lvl7pPr lvl="6">
+              <a:buNone/>
+              <a:defRPr/>
+            </a:lvl7pPr>
+            <a:lvl8pPr lvl="7">
+              <a:buNone/>
+              <a:defRPr/>
+            </a:lvl8pPr>
+            <a:lvl9pPr lvl="8">
+              <a:buNone/>
+              <a:defRPr/>
+            </a:lvl9pPr>
+          </a:lstStyle>
+          <a:p>
+            <a:fld id="{00000000-1234-1234-1234-123412341234}" type="slidenum">
+              <a:rPr lang="en" smtClean="0"/>
+              <a:pPr/>
+              <a:t>‹#›</a:t>
+            </a:fld>
+            <a:endParaRPr lang="en"/>
+          </a:p>
+        </p:txBody>
+      </p:sp>
+    </p:spTree>
+    <p:extLst>
+      <p:ext uri="{BB962C8B-B14F-4D97-AF65-F5344CB8AC3E}">
+        <p14:creationId xmlns:p14="http://schemas.microsoft.com/office/powerpoint/2010/main" val="2764568487"/>
+      </p:ext>
+    </p:extLst>
+  </p:cSld>
+  <p:clrMapOvr>
+    <a:masterClrMapping/>
+  </p:clrMapOvr>
+</p:sldLayout>
+</file>
+
+<file path=ppt/slideLayouts/slideLayout18.xml><?xml version="1.0" encoding="utf-8"?>
+<p:sldLayout xmlns:a="http://schemas.openxmlformats.org/drawingml/2006/main" xmlns:r="http://schemas.openxmlformats.org/officeDocument/2006/relationships" xmlns:p="http://schemas.openxmlformats.org/presentationml/2006/main" matchingName="Section title and description">
+  <p:cSld name="Section title and description">
+    <p:spTree>
+      <p:nvGrpSpPr>
+        <p:cNvPr id="1" name="Shape 35"/>
+        <p:cNvGrpSpPr/>
+        <p:nvPr/>
+      </p:nvGrpSpPr>
+      <p:grpSpPr>
+        <a:xfrm>
+          <a:off x="0" y="0"/>
+          <a:ext cx="0" cy="0"/>
+          <a:chOff x="0" y="0"/>
+          <a:chExt cx="0" cy="0"/>
+        </a:xfrm>
+      </p:grpSpPr>
+      <p:sp>
+        <p:nvSpPr>
+          <p:cNvPr id="36" name="Google Shape;36;p9"/>
+          <p:cNvSpPr/>
+          <p:nvPr/>
+        </p:nvSpPr>
+        <p:spPr>
+          <a:xfrm>
+            <a:off x="6096000" y="-167"/>
+            <a:ext cx="6096000" cy="6858000"/>
+          </a:xfrm>
+          <a:prstGeom prst="rect">
+            <a:avLst/>
+          </a:prstGeom>
+          <a:solidFill>
+            <a:schemeClr val="lt2"/>
+          </a:solidFill>
+          <a:ln>
+            <a:noFill/>
+          </a:ln>
+        </p:spPr>
+        <p:txBody>
+          <a:bodyPr spcFirstLastPara="1" wrap="square" lIns="117380" tIns="117380" rIns="117380" bIns="117380" anchor="ctr" anchorCtr="0">
+            <a:noAutofit/>
+          </a:bodyPr>
+          <a:lstStyle/>
+          <a:p>
+            <a:pPr marL="0" lvl="0" indent="0" algn="l" rtl="0">
+              <a:spcBef>
+                <a:spcPts val="0"/>
+              </a:spcBef>
+              <a:spcAft>
+                <a:spcPts val="0"/>
+              </a:spcAft>
+              <a:buNone/>
+            </a:pPr>
+            <a:endParaRPr sz="1440"/>
+          </a:p>
+        </p:txBody>
+      </p:sp>
+      <p:sp>
+        <p:nvSpPr>
+          <p:cNvPr id="37" name="Google Shape;37;p9"/>
+          <p:cNvSpPr txBox="1">
+            <a:spLocks noGrp="1"/>
+          </p:cNvSpPr>
+          <p:nvPr>
+            <p:ph type="title"/>
+          </p:nvPr>
+        </p:nvSpPr>
+        <p:spPr>
+          <a:xfrm>
+            <a:off x="354000" y="1644233"/>
+            <a:ext cx="5393520" cy="1976400"/>
+          </a:xfrm>
+          <a:prstGeom prst="rect">
+            <a:avLst/>
+          </a:prstGeom>
+        </p:spPr>
+        <p:txBody>
+          <a:bodyPr spcFirstLastPara="1" wrap="square" lIns="146725" tIns="146725" rIns="146725" bIns="146725" anchor="b" anchorCtr="0">
+            <a:noAutofit/>
+          </a:bodyPr>
+          <a:lstStyle>
+            <a:lvl1pPr lvl="0" algn="ctr">
+              <a:spcBef>
+                <a:spcPts val="0"/>
+              </a:spcBef>
+              <a:spcAft>
+                <a:spcPts val="0"/>
+              </a:spcAft>
+              <a:buSzPts val="6700"/>
+              <a:buNone/>
+              <a:defRPr sz="5360"/>
+            </a:lvl1pPr>
+            <a:lvl2pPr lvl="1" algn="ctr">
+              <a:spcBef>
+                <a:spcPts val="0"/>
+              </a:spcBef>
+              <a:spcAft>
+                <a:spcPts val="0"/>
+              </a:spcAft>
+              <a:buSzPts val="6700"/>
+              <a:buNone/>
+              <a:defRPr sz="5360"/>
+            </a:lvl2pPr>
+            <a:lvl3pPr lvl="2" algn="ctr">
+              <a:spcBef>
+                <a:spcPts val="0"/>
+              </a:spcBef>
+              <a:spcAft>
+                <a:spcPts val="0"/>
+              </a:spcAft>
+              <a:buSzPts val="6700"/>
+              <a:buNone/>
+              <a:defRPr sz="5360"/>
+            </a:lvl3pPr>
+            <a:lvl4pPr lvl="3" algn="ctr">
+              <a:spcBef>
+                <a:spcPts val="0"/>
+              </a:spcBef>
+              <a:spcAft>
+                <a:spcPts val="0"/>
+              </a:spcAft>
+              <a:buSzPts val="6700"/>
+              <a:buNone/>
+              <a:defRPr sz="5360"/>
+            </a:lvl4pPr>
+            <a:lvl5pPr lvl="4" algn="ctr">
+              <a:spcBef>
+                <a:spcPts val="0"/>
+              </a:spcBef>
+              <a:spcAft>
+                <a:spcPts val="0"/>
+              </a:spcAft>
+              <a:buSzPts val="6700"/>
+              <a:buNone/>
+              <a:defRPr sz="5360"/>
+            </a:lvl5pPr>
+            <a:lvl6pPr lvl="5" algn="ctr">
+              <a:spcBef>
+                <a:spcPts val="0"/>
+              </a:spcBef>
+              <a:spcAft>
+                <a:spcPts val="0"/>
+              </a:spcAft>
+              <a:buSzPts val="6700"/>
+              <a:buNone/>
+              <a:defRPr sz="5360"/>
+            </a:lvl6pPr>
+            <a:lvl7pPr lvl="6" algn="ctr">
+              <a:spcBef>
+                <a:spcPts val="0"/>
+              </a:spcBef>
+              <a:spcAft>
+                <a:spcPts val="0"/>
+              </a:spcAft>
+              <a:buSzPts val="6700"/>
+              <a:buNone/>
+              <a:defRPr sz="5360"/>
+            </a:lvl7pPr>
+            <a:lvl8pPr lvl="7" algn="ctr">
+              <a:spcBef>
+                <a:spcPts val="0"/>
+              </a:spcBef>
+              <a:spcAft>
+                <a:spcPts val="0"/>
+              </a:spcAft>
+              <a:buSzPts val="6700"/>
+              <a:buNone/>
+              <a:defRPr sz="5360"/>
+            </a:lvl8pPr>
+            <a:lvl9pPr lvl="8" algn="ctr">
+              <a:spcBef>
+                <a:spcPts val="0"/>
+              </a:spcBef>
+              <a:spcAft>
+                <a:spcPts val="0"/>
+              </a:spcAft>
+              <a:buSzPts val="6700"/>
+              <a:buNone/>
+              <a:defRPr sz="5360"/>
+            </a:lvl9pPr>
+          </a:lstStyle>
+          <a:p>
+            <a:endParaRPr/>
+          </a:p>
+        </p:txBody>
+      </p:sp>
+      <p:sp>
+        <p:nvSpPr>
+          <p:cNvPr id="38" name="Google Shape;38;p9"/>
+          <p:cNvSpPr txBox="1">
+            <a:spLocks noGrp="1"/>
+          </p:cNvSpPr>
+          <p:nvPr>
+            <p:ph type="subTitle" idx="1"/>
+          </p:nvPr>
+        </p:nvSpPr>
+        <p:spPr>
+          <a:xfrm>
+            <a:off x="354000" y="3737434"/>
+            <a:ext cx="5393520" cy="1646730"/>
+          </a:xfrm>
+          <a:prstGeom prst="rect">
+            <a:avLst/>
+          </a:prstGeom>
+        </p:spPr>
+        <p:txBody>
+          <a:bodyPr spcFirstLastPara="1" wrap="square" lIns="146725" tIns="146725" rIns="146725" bIns="146725" anchor="t" anchorCtr="0">
+            <a:noAutofit/>
+          </a:bodyPr>
+          <a:lstStyle>
+            <a:lvl1pPr lvl="0" algn="ctr">
+              <a:lnSpc>
+                <a:spcPct val="100000"/>
+              </a:lnSpc>
+              <a:spcBef>
+                <a:spcPts val="0"/>
+              </a:spcBef>
+              <a:spcAft>
+                <a:spcPts val="0"/>
+              </a:spcAft>
+              <a:buSzPts val="3400"/>
+              <a:buNone/>
+              <a:defRPr sz="2720"/>
+            </a:lvl1pPr>
+            <a:lvl2pPr lvl="1" algn="ctr">
+              <a:lnSpc>
+                <a:spcPct val="100000"/>
+              </a:lnSpc>
+              <a:spcBef>
+                <a:spcPts val="0"/>
+              </a:spcBef>
+              <a:spcAft>
+                <a:spcPts val="0"/>
+              </a:spcAft>
+              <a:buSzPts val="3400"/>
+              <a:buNone/>
+              <a:defRPr sz="2720"/>
+            </a:lvl2pPr>
+            <a:lvl3pPr lvl="2" algn="ctr">
+              <a:lnSpc>
+                <a:spcPct val="100000"/>
+              </a:lnSpc>
+              <a:spcBef>
+                <a:spcPts val="0"/>
+              </a:spcBef>
+              <a:spcAft>
+                <a:spcPts val="0"/>
+              </a:spcAft>
+              <a:buSzPts val="3400"/>
+              <a:buNone/>
+              <a:defRPr sz="2720"/>
+            </a:lvl3pPr>
+            <a:lvl4pPr lvl="3" algn="ctr">
+              <a:lnSpc>
+                <a:spcPct val="100000"/>
+              </a:lnSpc>
+              <a:spcBef>
+                <a:spcPts val="0"/>
+              </a:spcBef>
+              <a:spcAft>
+                <a:spcPts val="0"/>
+              </a:spcAft>
+              <a:buSzPts val="3400"/>
+              <a:buNone/>
+              <a:defRPr sz="2720"/>
+            </a:lvl4pPr>
+            <a:lvl5pPr lvl="4" algn="ctr">
+              <a:lnSpc>
+                <a:spcPct val="100000"/>
+              </a:lnSpc>
+              <a:spcBef>
+                <a:spcPts val="0"/>
+              </a:spcBef>
+              <a:spcAft>
+                <a:spcPts val="0"/>
+              </a:spcAft>
+              <a:buSzPts val="3400"/>
+              <a:buNone/>
+              <a:defRPr sz="2720"/>
+            </a:lvl5pPr>
+            <a:lvl6pPr lvl="5" algn="ctr">
+              <a:lnSpc>
+                <a:spcPct val="100000"/>
+              </a:lnSpc>
+              <a:spcBef>
+                <a:spcPts val="0"/>
+              </a:spcBef>
+              <a:spcAft>
+                <a:spcPts val="0"/>
+              </a:spcAft>
+              <a:buSzPts val="3400"/>
+              <a:buNone/>
+              <a:defRPr sz="2720"/>
+            </a:lvl6pPr>
+            <a:lvl7pPr lvl="6" algn="ctr">
+              <a:lnSpc>
+                <a:spcPct val="100000"/>
+              </a:lnSpc>
+              <a:spcBef>
+                <a:spcPts val="0"/>
+              </a:spcBef>
+              <a:spcAft>
+                <a:spcPts val="0"/>
+              </a:spcAft>
+              <a:buSzPts val="3400"/>
+              <a:buNone/>
+              <a:defRPr sz="2720"/>
+            </a:lvl7pPr>
+            <a:lvl8pPr lvl="7" algn="ctr">
+              <a:lnSpc>
+                <a:spcPct val="100000"/>
+              </a:lnSpc>
+              <a:spcBef>
+                <a:spcPts val="0"/>
+              </a:spcBef>
+              <a:spcAft>
+                <a:spcPts val="0"/>
+              </a:spcAft>
+              <a:buSzPts val="3400"/>
+              <a:buNone/>
+              <a:defRPr sz="2720"/>
+            </a:lvl8pPr>
+            <a:lvl9pPr lvl="8" algn="ctr">
+              <a:lnSpc>
+                <a:spcPct val="100000"/>
+              </a:lnSpc>
+              <a:spcBef>
+                <a:spcPts val="0"/>
+              </a:spcBef>
+              <a:spcAft>
+                <a:spcPts val="0"/>
+              </a:spcAft>
+              <a:buSzPts val="3400"/>
+              <a:buNone/>
+              <a:defRPr sz="2720"/>
+            </a:lvl9pPr>
+          </a:lstStyle>
+          <a:p>
+            <a:endParaRPr/>
+          </a:p>
+        </p:txBody>
+      </p:sp>
+      <p:sp>
+        <p:nvSpPr>
+          <p:cNvPr id="39" name="Google Shape;39;p9"/>
+          <p:cNvSpPr txBox="1">
+            <a:spLocks noGrp="1"/>
+          </p:cNvSpPr>
+          <p:nvPr>
+            <p:ph type="body" idx="2"/>
+          </p:nvPr>
+        </p:nvSpPr>
+        <p:spPr>
+          <a:xfrm>
+            <a:off x="6586000" y="965434"/>
+            <a:ext cx="5116080" cy="4926690"/>
+          </a:xfrm>
+          <a:prstGeom prst="rect">
+            <a:avLst/>
+          </a:prstGeom>
+        </p:spPr>
+        <p:txBody>
+          <a:bodyPr spcFirstLastPara="1" wrap="square" lIns="146725" tIns="146725" rIns="146725" bIns="146725" anchor="ctr" anchorCtr="0">
+            <a:noAutofit/>
+          </a:bodyPr>
+          <a:lstStyle>
+            <a:lvl1pPr marL="365760" lvl="0" indent="-330200">
+              <a:spcBef>
+                <a:spcPts val="0"/>
+              </a:spcBef>
+              <a:spcAft>
+                <a:spcPts val="0"/>
+              </a:spcAft>
+              <a:buSzPts val="2900"/>
+              <a:buChar char="●"/>
+              <a:defRPr/>
+            </a:lvl1pPr>
+            <a:lvl2pPr marL="731520" lvl="1" indent="-294640">
+              <a:spcBef>
+                <a:spcPts val="2080"/>
+              </a:spcBef>
+              <a:spcAft>
+                <a:spcPts val="0"/>
+              </a:spcAft>
+              <a:buSzPts val="2200"/>
+              <a:buChar char="○"/>
+              <a:defRPr/>
+            </a:lvl2pPr>
+            <a:lvl3pPr marL="1097280" lvl="2" indent="-294640">
+              <a:spcBef>
+                <a:spcPts val="2080"/>
+              </a:spcBef>
+              <a:spcAft>
+                <a:spcPts val="0"/>
+              </a:spcAft>
+              <a:buSzPts val="2200"/>
+              <a:buChar char="■"/>
+              <a:defRPr/>
+            </a:lvl3pPr>
+            <a:lvl4pPr marL="1463040" lvl="3" indent="-294640">
+              <a:spcBef>
+                <a:spcPts val="2080"/>
+              </a:spcBef>
+              <a:spcAft>
+                <a:spcPts val="0"/>
+              </a:spcAft>
+              <a:buSzPts val="2200"/>
+              <a:buChar char="●"/>
+              <a:defRPr/>
+            </a:lvl4pPr>
+            <a:lvl5pPr marL="1828800" lvl="4" indent="-294640">
+              <a:spcBef>
+                <a:spcPts val="2080"/>
+              </a:spcBef>
+              <a:spcAft>
+                <a:spcPts val="0"/>
+              </a:spcAft>
+              <a:buSzPts val="2200"/>
+              <a:buChar char="○"/>
+              <a:defRPr/>
+            </a:lvl5pPr>
+            <a:lvl6pPr marL="2194560" lvl="5" indent="-294640">
+              <a:spcBef>
+                <a:spcPts val="2080"/>
+              </a:spcBef>
+              <a:spcAft>
+                <a:spcPts val="0"/>
+              </a:spcAft>
+              <a:buSzPts val="2200"/>
+              <a:buChar char="■"/>
+              <a:defRPr/>
+            </a:lvl6pPr>
+            <a:lvl7pPr marL="2560320" lvl="6" indent="-294640">
+              <a:spcBef>
+                <a:spcPts val="2080"/>
+              </a:spcBef>
+              <a:spcAft>
+                <a:spcPts val="0"/>
+              </a:spcAft>
+              <a:buSzPts val="2200"/>
+              <a:buChar char="●"/>
+              <a:defRPr/>
+            </a:lvl7pPr>
+            <a:lvl8pPr marL="2926080" lvl="7" indent="-294640">
+              <a:spcBef>
+                <a:spcPts val="2080"/>
+              </a:spcBef>
+              <a:spcAft>
+                <a:spcPts val="0"/>
+              </a:spcAft>
+              <a:buSzPts val="2200"/>
+              <a:buChar char="○"/>
+              <a:defRPr/>
+            </a:lvl8pPr>
+            <a:lvl9pPr marL="3291840" lvl="8" indent="-294640">
+              <a:spcBef>
+                <a:spcPts val="2080"/>
+              </a:spcBef>
+              <a:spcAft>
+                <a:spcPts val="2080"/>
+              </a:spcAft>
+              <a:buSzPts val="2200"/>
+              <a:buChar char="■"/>
+              <a:defRPr/>
+            </a:lvl9pPr>
+          </a:lstStyle>
+          <a:p>
+            <a:endParaRPr/>
+          </a:p>
+        </p:txBody>
+      </p:sp>
+      <p:sp>
+        <p:nvSpPr>
+          <p:cNvPr id="40" name="Google Shape;40;p9"/>
+          <p:cNvSpPr txBox="1">
+            <a:spLocks noGrp="1"/>
+          </p:cNvSpPr>
+          <p:nvPr>
+            <p:ph type="sldNum" idx="12"/>
+          </p:nvPr>
+        </p:nvSpPr>
+        <p:spPr>
+          <a:xfrm>
+            <a:off x="11296610" y="6217622"/>
+            <a:ext cx="731520" cy="524880"/>
+          </a:xfrm>
+          <a:prstGeom prst="rect">
+            <a:avLst/>
+          </a:prstGeom>
+        </p:spPr>
+        <p:txBody>
+          <a:bodyPr spcFirstLastPara="1" wrap="square" lIns="146725" tIns="146725" rIns="146725" bIns="146725" anchor="ctr" anchorCtr="0">
+            <a:noAutofit/>
+          </a:bodyPr>
+          <a:lstStyle>
+            <a:lvl1pPr lvl="0">
+              <a:buNone/>
+              <a:defRPr/>
+            </a:lvl1pPr>
+            <a:lvl2pPr lvl="1">
+              <a:buNone/>
+              <a:defRPr/>
+            </a:lvl2pPr>
+            <a:lvl3pPr lvl="2">
+              <a:buNone/>
+              <a:defRPr/>
+            </a:lvl3pPr>
+            <a:lvl4pPr lvl="3">
+              <a:buNone/>
+              <a:defRPr/>
+            </a:lvl4pPr>
+            <a:lvl5pPr lvl="4">
+              <a:buNone/>
+              <a:defRPr/>
+            </a:lvl5pPr>
+            <a:lvl6pPr lvl="5">
+              <a:buNone/>
+              <a:defRPr/>
+            </a:lvl6pPr>
+            <a:lvl7pPr lvl="6">
+              <a:buNone/>
+              <a:defRPr/>
+            </a:lvl7pPr>
+            <a:lvl8pPr lvl="7">
+              <a:buNone/>
+              <a:defRPr/>
+            </a:lvl8pPr>
+            <a:lvl9pPr lvl="8">
+              <a:buNone/>
+              <a:defRPr/>
+            </a:lvl9pPr>
+          </a:lstStyle>
+          <a:p>
+            <a:fld id="{00000000-1234-1234-1234-123412341234}" type="slidenum">
+              <a:rPr lang="en" smtClean="0"/>
+              <a:pPr/>
+              <a:t>‹#›</a:t>
+            </a:fld>
+            <a:endParaRPr lang="en"/>
+          </a:p>
+        </p:txBody>
+      </p:sp>
+    </p:spTree>
+    <p:extLst>
+      <p:ext uri="{BB962C8B-B14F-4D97-AF65-F5344CB8AC3E}">
+        <p14:creationId xmlns:p14="http://schemas.microsoft.com/office/powerpoint/2010/main" val="457265850"/>
+      </p:ext>
+    </p:extLst>
+  </p:cSld>
+  <p:clrMapOvr>
+    <a:masterClrMapping/>
+  </p:clrMapOvr>
+</p:sldLayout>
+</file>
+
+<file path=ppt/slideLayouts/slideLayout19.xml><?xml version="1.0" encoding="utf-8"?>
+<p:sldLayout xmlns:a="http://schemas.openxmlformats.org/drawingml/2006/main" xmlns:r="http://schemas.openxmlformats.org/officeDocument/2006/relationships" xmlns:p="http://schemas.openxmlformats.org/presentationml/2006/main" matchingName="Caption">
+  <p:cSld name="Caption">
+    <p:spTree>
+      <p:nvGrpSpPr>
+        <p:cNvPr id="1" name="Shape 41"/>
+        <p:cNvGrpSpPr/>
+        <p:nvPr/>
+      </p:nvGrpSpPr>
+      <p:grpSpPr>
+        <a:xfrm>
+          <a:off x="0" y="0"/>
+          <a:ext cx="0" cy="0"/>
+          <a:chOff x="0" y="0"/>
+          <a:chExt cx="0" cy="0"/>
+        </a:xfrm>
+      </p:grpSpPr>
+      <p:sp>
+        <p:nvSpPr>
+          <p:cNvPr id="42" name="Google Shape;42;p10"/>
+          <p:cNvSpPr txBox="1">
+            <a:spLocks noGrp="1"/>
+          </p:cNvSpPr>
+          <p:nvPr>
+            <p:ph type="body" idx="1"/>
+          </p:nvPr>
+        </p:nvSpPr>
+        <p:spPr>
+          <a:xfrm>
+            <a:off x="415600" y="5640767"/>
+            <a:ext cx="7998480" cy="806760"/>
+          </a:xfrm>
+          <a:prstGeom prst="rect">
+            <a:avLst/>
+          </a:prstGeom>
+        </p:spPr>
+        <p:txBody>
+          <a:bodyPr spcFirstLastPara="1" wrap="square" lIns="146725" tIns="146725" rIns="146725" bIns="146725" anchor="ctr" anchorCtr="0">
+            <a:noAutofit/>
+          </a:bodyPr>
+          <a:lstStyle>
+            <a:lvl1pPr marL="365760" lvl="0" indent="-182880">
+              <a:lnSpc>
+                <a:spcPct val="100000"/>
+              </a:lnSpc>
+              <a:spcBef>
+                <a:spcPts val="0"/>
+              </a:spcBef>
+              <a:spcAft>
+                <a:spcPts val="0"/>
+              </a:spcAft>
+              <a:buSzPts val="2900"/>
+              <a:buNone/>
+              <a:defRPr/>
+            </a:lvl1pPr>
+          </a:lstStyle>
+          <a:p>
+            <a:endParaRPr/>
+          </a:p>
+        </p:txBody>
+      </p:sp>
+      <p:sp>
+        <p:nvSpPr>
+          <p:cNvPr id="43" name="Google Shape;43;p10"/>
+          <p:cNvSpPr txBox="1">
+            <a:spLocks noGrp="1"/>
+          </p:cNvSpPr>
+          <p:nvPr>
+            <p:ph type="sldNum" idx="12"/>
+          </p:nvPr>
+        </p:nvSpPr>
+        <p:spPr>
+          <a:xfrm>
+            <a:off x="11296610" y="6217622"/>
+            <a:ext cx="731520" cy="524880"/>
+          </a:xfrm>
+          <a:prstGeom prst="rect">
+            <a:avLst/>
+          </a:prstGeom>
+        </p:spPr>
+        <p:txBody>
+          <a:bodyPr spcFirstLastPara="1" wrap="square" lIns="146725" tIns="146725" rIns="146725" bIns="146725" anchor="ctr" anchorCtr="0">
+            <a:noAutofit/>
+          </a:bodyPr>
+          <a:lstStyle>
+            <a:lvl1pPr lvl="0">
+              <a:buNone/>
+              <a:defRPr/>
+            </a:lvl1pPr>
+            <a:lvl2pPr lvl="1">
+              <a:buNone/>
+              <a:defRPr/>
+            </a:lvl2pPr>
+            <a:lvl3pPr lvl="2">
+              <a:buNone/>
+              <a:defRPr/>
+            </a:lvl3pPr>
+            <a:lvl4pPr lvl="3">
+              <a:buNone/>
+              <a:defRPr/>
+            </a:lvl4pPr>
+            <a:lvl5pPr lvl="4">
+              <a:buNone/>
+              <a:defRPr/>
+            </a:lvl5pPr>
+            <a:lvl6pPr lvl="5">
+              <a:buNone/>
+              <a:defRPr/>
+            </a:lvl6pPr>
+            <a:lvl7pPr lvl="6">
+              <a:buNone/>
+              <a:defRPr/>
+            </a:lvl7pPr>
+            <a:lvl8pPr lvl="7">
+              <a:buNone/>
+              <a:defRPr/>
+            </a:lvl8pPr>
+            <a:lvl9pPr lvl="8">
+              <a:buNone/>
+              <a:defRPr/>
+            </a:lvl9pPr>
+          </a:lstStyle>
+          <a:p>
+            <a:fld id="{00000000-1234-1234-1234-123412341234}" type="slidenum">
+              <a:rPr lang="en" smtClean="0"/>
+              <a:pPr/>
+              <a:t>‹#›</a:t>
+            </a:fld>
+            <a:endParaRPr lang="en"/>
+          </a:p>
+        </p:txBody>
+      </p:sp>
+    </p:spTree>
+    <p:extLst>
+      <p:ext uri="{BB962C8B-B14F-4D97-AF65-F5344CB8AC3E}">
+        <p14:creationId xmlns:p14="http://schemas.microsoft.com/office/powerpoint/2010/main" val="3194401056"/>
       </p:ext>
     </p:extLst>
   </p:cSld>
@@ -862,7 +4083,7 @@
           <a:p>
             <a:fld id="{1C91A1CB-CAEC-48CC-B519-8832EFE2A369}" type="datetimeFigureOut">
               <a:rPr lang="en-US" smtClean="0"/>
-              <a:t>7/8/2022</a:t>
+              <a:t>8/26/2022</a:t>
             </a:fld>
             <a:endParaRPr lang="en-US"/>
           </a:p>
@@ -926,6 +4147,468 @@
     <p:extLst>
       <p:ext uri="{BB962C8B-B14F-4D97-AF65-F5344CB8AC3E}">
         <p14:creationId xmlns:p14="http://schemas.microsoft.com/office/powerpoint/2010/main" val="1892846958"/>
+      </p:ext>
+    </p:extLst>
+  </p:cSld>
+  <p:clrMapOvr>
+    <a:masterClrMapping/>
+  </p:clrMapOvr>
+</p:sldLayout>
+</file>
+
+<file path=ppt/slideLayouts/slideLayout20.xml><?xml version="1.0" encoding="utf-8"?>
+<p:sldLayout xmlns:a="http://schemas.openxmlformats.org/drawingml/2006/main" xmlns:r="http://schemas.openxmlformats.org/officeDocument/2006/relationships" xmlns:p="http://schemas.openxmlformats.org/presentationml/2006/main" matchingName="Big number">
+  <p:cSld name="Big number">
+    <p:spTree>
+      <p:nvGrpSpPr>
+        <p:cNvPr id="1" name="Shape 44"/>
+        <p:cNvGrpSpPr/>
+        <p:nvPr/>
+      </p:nvGrpSpPr>
+      <p:grpSpPr>
+        <a:xfrm>
+          <a:off x="0" y="0"/>
+          <a:ext cx="0" cy="0"/>
+          <a:chOff x="0" y="0"/>
+          <a:chExt cx="0" cy="0"/>
+        </a:xfrm>
+      </p:grpSpPr>
+      <p:sp>
+        <p:nvSpPr>
+          <p:cNvPr id="45" name="Google Shape;45;p11"/>
+          <p:cNvSpPr txBox="1">
+            <a:spLocks noGrp="1"/>
+          </p:cNvSpPr>
+          <p:nvPr>
+            <p:ph type="title" hasCustomPrompt="1"/>
+          </p:nvPr>
+        </p:nvSpPr>
+        <p:spPr>
+          <a:xfrm>
+            <a:off x="415600" y="1474834"/>
+            <a:ext cx="11360880" cy="2617920"/>
+          </a:xfrm>
+          <a:prstGeom prst="rect">
+            <a:avLst/>
+          </a:prstGeom>
+        </p:spPr>
+        <p:txBody>
+          <a:bodyPr spcFirstLastPara="1" wrap="square" lIns="146725" tIns="146725" rIns="146725" bIns="146725" anchor="b" anchorCtr="0">
+            <a:noAutofit/>
+          </a:bodyPr>
+          <a:lstStyle>
+            <a:lvl1pPr lvl="0" algn="ctr">
+              <a:spcBef>
+                <a:spcPts val="0"/>
+              </a:spcBef>
+              <a:spcAft>
+                <a:spcPts val="0"/>
+              </a:spcAft>
+              <a:buSzPts val="19300"/>
+              <a:buNone/>
+              <a:defRPr sz="15440"/>
+            </a:lvl1pPr>
+            <a:lvl2pPr lvl="1" algn="ctr">
+              <a:spcBef>
+                <a:spcPts val="0"/>
+              </a:spcBef>
+              <a:spcAft>
+                <a:spcPts val="0"/>
+              </a:spcAft>
+              <a:buSzPts val="19300"/>
+              <a:buNone/>
+              <a:defRPr sz="15440"/>
+            </a:lvl2pPr>
+            <a:lvl3pPr lvl="2" algn="ctr">
+              <a:spcBef>
+                <a:spcPts val="0"/>
+              </a:spcBef>
+              <a:spcAft>
+                <a:spcPts val="0"/>
+              </a:spcAft>
+              <a:buSzPts val="19300"/>
+              <a:buNone/>
+              <a:defRPr sz="15440"/>
+            </a:lvl3pPr>
+            <a:lvl4pPr lvl="3" algn="ctr">
+              <a:spcBef>
+                <a:spcPts val="0"/>
+              </a:spcBef>
+              <a:spcAft>
+                <a:spcPts val="0"/>
+              </a:spcAft>
+              <a:buSzPts val="19300"/>
+              <a:buNone/>
+              <a:defRPr sz="15440"/>
+            </a:lvl4pPr>
+            <a:lvl5pPr lvl="4" algn="ctr">
+              <a:spcBef>
+                <a:spcPts val="0"/>
+              </a:spcBef>
+              <a:spcAft>
+                <a:spcPts val="0"/>
+              </a:spcAft>
+              <a:buSzPts val="19300"/>
+              <a:buNone/>
+              <a:defRPr sz="15440"/>
+            </a:lvl5pPr>
+            <a:lvl6pPr lvl="5" algn="ctr">
+              <a:spcBef>
+                <a:spcPts val="0"/>
+              </a:spcBef>
+              <a:spcAft>
+                <a:spcPts val="0"/>
+              </a:spcAft>
+              <a:buSzPts val="19300"/>
+              <a:buNone/>
+              <a:defRPr sz="15440"/>
+            </a:lvl6pPr>
+            <a:lvl7pPr lvl="6" algn="ctr">
+              <a:spcBef>
+                <a:spcPts val="0"/>
+              </a:spcBef>
+              <a:spcAft>
+                <a:spcPts val="0"/>
+              </a:spcAft>
+              <a:buSzPts val="19300"/>
+              <a:buNone/>
+              <a:defRPr sz="15440"/>
+            </a:lvl7pPr>
+            <a:lvl8pPr lvl="7" algn="ctr">
+              <a:spcBef>
+                <a:spcPts val="0"/>
+              </a:spcBef>
+              <a:spcAft>
+                <a:spcPts val="0"/>
+              </a:spcAft>
+              <a:buSzPts val="19300"/>
+              <a:buNone/>
+              <a:defRPr sz="15440"/>
+            </a:lvl8pPr>
+            <a:lvl9pPr lvl="8" algn="ctr">
+              <a:spcBef>
+                <a:spcPts val="0"/>
+              </a:spcBef>
+              <a:spcAft>
+                <a:spcPts val="0"/>
+              </a:spcAft>
+              <a:buSzPts val="19300"/>
+              <a:buNone/>
+              <a:defRPr sz="15440"/>
+            </a:lvl9pPr>
+          </a:lstStyle>
+          <a:p>
+            <a:r>
+              <a:t>xx%</a:t>
+            </a:r>
+          </a:p>
+        </p:txBody>
+      </p:sp>
+      <p:sp>
+        <p:nvSpPr>
+          <p:cNvPr id="46" name="Google Shape;46;p11"/>
+          <p:cNvSpPr txBox="1">
+            <a:spLocks noGrp="1"/>
+          </p:cNvSpPr>
+          <p:nvPr>
+            <p:ph type="body" idx="1"/>
+          </p:nvPr>
+        </p:nvSpPr>
+        <p:spPr>
+          <a:xfrm>
+            <a:off x="415600" y="4202967"/>
+            <a:ext cx="11360880" cy="1734480"/>
+          </a:xfrm>
+          <a:prstGeom prst="rect">
+            <a:avLst/>
+          </a:prstGeom>
+        </p:spPr>
+        <p:txBody>
+          <a:bodyPr spcFirstLastPara="1" wrap="square" lIns="146725" tIns="146725" rIns="146725" bIns="146725" anchor="t" anchorCtr="0">
+            <a:noAutofit/>
+          </a:bodyPr>
+          <a:lstStyle>
+            <a:lvl1pPr marL="365760" lvl="0" indent="-330200" algn="ctr">
+              <a:spcBef>
+                <a:spcPts val="0"/>
+              </a:spcBef>
+              <a:spcAft>
+                <a:spcPts val="0"/>
+              </a:spcAft>
+              <a:buSzPts val="2900"/>
+              <a:buChar char="●"/>
+              <a:defRPr/>
+            </a:lvl1pPr>
+            <a:lvl2pPr marL="731520" lvl="1" indent="-294640" algn="ctr">
+              <a:spcBef>
+                <a:spcPts val="2080"/>
+              </a:spcBef>
+              <a:spcAft>
+                <a:spcPts val="0"/>
+              </a:spcAft>
+              <a:buSzPts val="2200"/>
+              <a:buChar char="○"/>
+              <a:defRPr/>
+            </a:lvl2pPr>
+            <a:lvl3pPr marL="1097280" lvl="2" indent="-294640" algn="ctr">
+              <a:spcBef>
+                <a:spcPts val="2080"/>
+              </a:spcBef>
+              <a:spcAft>
+                <a:spcPts val="0"/>
+              </a:spcAft>
+              <a:buSzPts val="2200"/>
+              <a:buChar char="■"/>
+              <a:defRPr/>
+            </a:lvl3pPr>
+            <a:lvl4pPr marL="1463040" lvl="3" indent="-294640" algn="ctr">
+              <a:spcBef>
+                <a:spcPts val="2080"/>
+              </a:spcBef>
+              <a:spcAft>
+                <a:spcPts val="0"/>
+              </a:spcAft>
+              <a:buSzPts val="2200"/>
+              <a:buChar char="●"/>
+              <a:defRPr/>
+            </a:lvl4pPr>
+            <a:lvl5pPr marL="1828800" lvl="4" indent="-294640" algn="ctr">
+              <a:spcBef>
+                <a:spcPts val="2080"/>
+              </a:spcBef>
+              <a:spcAft>
+                <a:spcPts val="0"/>
+              </a:spcAft>
+              <a:buSzPts val="2200"/>
+              <a:buChar char="○"/>
+              <a:defRPr/>
+            </a:lvl5pPr>
+            <a:lvl6pPr marL="2194560" lvl="5" indent="-294640" algn="ctr">
+              <a:spcBef>
+                <a:spcPts val="2080"/>
+              </a:spcBef>
+              <a:spcAft>
+                <a:spcPts val="0"/>
+              </a:spcAft>
+              <a:buSzPts val="2200"/>
+              <a:buChar char="■"/>
+              <a:defRPr/>
+            </a:lvl6pPr>
+            <a:lvl7pPr marL="2560320" lvl="6" indent="-294640" algn="ctr">
+              <a:spcBef>
+                <a:spcPts val="2080"/>
+              </a:spcBef>
+              <a:spcAft>
+                <a:spcPts val="0"/>
+              </a:spcAft>
+              <a:buSzPts val="2200"/>
+              <a:buChar char="●"/>
+              <a:defRPr/>
+            </a:lvl7pPr>
+            <a:lvl8pPr marL="2926080" lvl="7" indent="-294640" algn="ctr">
+              <a:spcBef>
+                <a:spcPts val="2080"/>
+              </a:spcBef>
+              <a:spcAft>
+                <a:spcPts val="0"/>
+              </a:spcAft>
+              <a:buSzPts val="2200"/>
+              <a:buChar char="○"/>
+              <a:defRPr/>
+            </a:lvl8pPr>
+            <a:lvl9pPr marL="3291840" lvl="8" indent="-294640" algn="ctr">
+              <a:spcBef>
+                <a:spcPts val="2080"/>
+              </a:spcBef>
+              <a:spcAft>
+                <a:spcPts val="2080"/>
+              </a:spcAft>
+              <a:buSzPts val="2200"/>
+              <a:buChar char="■"/>
+              <a:defRPr/>
+            </a:lvl9pPr>
+          </a:lstStyle>
+          <a:p>
+            <a:endParaRPr/>
+          </a:p>
+        </p:txBody>
+      </p:sp>
+      <p:sp>
+        <p:nvSpPr>
+          <p:cNvPr id="47" name="Google Shape;47;p11"/>
+          <p:cNvSpPr txBox="1">
+            <a:spLocks noGrp="1"/>
+          </p:cNvSpPr>
+          <p:nvPr>
+            <p:ph type="sldNum" idx="12"/>
+          </p:nvPr>
+        </p:nvSpPr>
+        <p:spPr>
+          <a:xfrm>
+            <a:off x="11296610" y="6217622"/>
+            <a:ext cx="731520" cy="524880"/>
+          </a:xfrm>
+          <a:prstGeom prst="rect">
+            <a:avLst/>
+          </a:prstGeom>
+        </p:spPr>
+        <p:txBody>
+          <a:bodyPr spcFirstLastPara="1" wrap="square" lIns="146725" tIns="146725" rIns="146725" bIns="146725" anchor="ctr" anchorCtr="0">
+            <a:noAutofit/>
+          </a:bodyPr>
+          <a:lstStyle>
+            <a:lvl1pPr lvl="0">
+              <a:buNone/>
+              <a:defRPr/>
+            </a:lvl1pPr>
+            <a:lvl2pPr lvl="1">
+              <a:buNone/>
+              <a:defRPr/>
+            </a:lvl2pPr>
+            <a:lvl3pPr lvl="2">
+              <a:buNone/>
+              <a:defRPr/>
+            </a:lvl3pPr>
+            <a:lvl4pPr lvl="3">
+              <a:buNone/>
+              <a:defRPr/>
+            </a:lvl4pPr>
+            <a:lvl5pPr lvl="4">
+              <a:buNone/>
+              <a:defRPr/>
+            </a:lvl5pPr>
+            <a:lvl6pPr lvl="5">
+              <a:buNone/>
+              <a:defRPr/>
+            </a:lvl6pPr>
+            <a:lvl7pPr lvl="6">
+              <a:buNone/>
+              <a:defRPr/>
+            </a:lvl7pPr>
+            <a:lvl8pPr lvl="7">
+              <a:buNone/>
+              <a:defRPr/>
+            </a:lvl8pPr>
+            <a:lvl9pPr lvl="8">
+              <a:buNone/>
+              <a:defRPr/>
+            </a:lvl9pPr>
+          </a:lstStyle>
+          <a:p>
+            <a:fld id="{00000000-1234-1234-1234-123412341234}" type="slidenum">
+              <a:rPr lang="en" smtClean="0"/>
+              <a:pPr/>
+              <a:t>‹#›</a:t>
+            </a:fld>
+            <a:endParaRPr lang="en"/>
+          </a:p>
+        </p:txBody>
+      </p:sp>
+    </p:spTree>
+    <p:extLst>
+      <p:ext uri="{BB962C8B-B14F-4D97-AF65-F5344CB8AC3E}">
+        <p14:creationId xmlns:p14="http://schemas.microsoft.com/office/powerpoint/2010/main" val="4207841257"/>
+      </p:ext>
+    </p:extLst>
+  </p:cSld>
+  <p:clrMapOvr>
+    <a:masterClrMapping/>
+  </p:clrMapOvr>
+</p:sldLayout>
+</file>
+
+<file path=ppt/slideLayouts/slideLayout21.xml><?xml version="1.0" encoding="utf-8"?>
+<p:sldLayout xmlns:a="http://schemas.openxmlformats.org/drawingml/2006/main" xmlns:r="http://schemas.openxmlformats.org/officeDocument/2006/relationships" xmlns:p="http://schemas.openxmlformats.org/presentationml/2006/main" matchingName="Blank" type="blank">
+  <p:cSld name="Blank">
+    <p:spTree>
+      <p:nvGrpSpPr>
+        <p:cNvPr id="1" name="Shape 48"/>
+        <p:cNvGrpSpPr/>
+        <p:nvPr/>
+      </p:nvGrpSpPr>
+      <p:grpSpPr>
+        <a:xfrm>
+          <a:off x="0" y="0"/>
+          <a:ext cx="0" cy="0"/>
+          <a:chOff x="0" y="0"/>
+          <a:chExt cx="0" cy="0"/>
+        </a:xfrm>
+      </p:grpSpPr>
+      <p:sp>
+        <p:nvSpPr>
+          <p:cNvPr id="49" name="Google Shape;49;p12"/>
+          <p:cNvSpPr txBox="1">
+            <a:spLocks noGrp="1"/>
+          </p:cNvSpPr>
+          <p:nvPr>
+            <p:ph type="sldNum" idx="12"/>
+          </p:nvPr>
+        </p:nvSpPr>
+        <p:spPr>
+          <a:xfrm>
+            <a:off x="11296610" y="6217622"/>
+            <a:ext cx="731520" cy="524880"/>
+          </a:xfrm>
+          <a:prstGeom prst="rect">
+            <a:avLst/>
+          </a:prstGeom>
+        </p:spPr>
+        <p:txBody>
+          <a:bodyPr spcFirstLastPara="1" wrap="square" lIns="146725" tIns="146725" rIns="146725" bIns="146725" anchor="ctr" anchorCtr="0">
+            <a:noAutofit/>
+          </a:bodyPr>
+          <a:lstStyle>
+            <a:lvl1pPr lvl="0">
+              <a:buNone/>
+              <a:defRPr/>
+            </a:lvl1pPr>
+            <a:lvl2pPr lvl="1">
+              <a:buNone/>
+              <a:defRPr/>
+            </a:lvl2pPr>
+            <a:lvl3pPr lvl="2">
+              <a:buNone/>
+              <a:defRPr/>
+            </a:lvl3pPr>
+            <a:lvl4pPr lvl="3">
+              <a:buNone/>
+              <a:defRPr/>
+            </a:lvl4pPr>
+            <a:lvl5pPr lvl="4">
+              <a:buNone/>
+              <a:defRPr/>
+            </a:lvl5pPr>
+            <a:lvl6pPr lvl="5">
+              <a:buNone/>
+              <a:defRPr/>
+            </a:lvl6pPr>
+            <a:lvl7pPr lvl="6">
+              <a:buNone/>
+              <a:defRPr/>
+            </a:lvl7pPr>
+            <a:lvl8pPr lvl="7">
+              <a:buNone/>
+              <a:defRPr/>
+            </a:lvl8pPr>
+            <a:lvl9pPr lvl="8">
+              <a:buNone/>
+              <a:defRPr/>
+            </a:lvl9pPr>
+          </a:lstStyle>
+          <a:p>
+            <a:fld id="{00000000-1234-1234-1234-123412341234}" type="slidenum">
+              <a:rPr lang="en" smtClean="0"/>
+              <a:pPr/>
+              <a:t>‹#›</a:t>
+            </a:fld>
+            <a:endParaRPr lang="en"/>
+          </a:p>
+        </p:txBody>
+      </p:sp>
+    </p:spTree>
+    <p:extLst>
+      <p:ext uri="{BB962C8B-B14F-4D97-AF65-F5344CB8AC3E}">
+        <p14:creationId xmlns:p14="http://schemas.microsoft.com/office/powerpoint/2010/main" val="1217564393"/>
       </p:ext>
     </p:extLst>
   </p:cSld>
@@ -1137,7 +4820,7 @@
           <a:p>
             <a:fld id="{1C91A1CB-CAEC-48CC-B519-8832EFE2A369}" type="datetimeFigureOut">
               <a:rPr lang="en-US" smtClean="0"/>
-              <a:t>7/8/2022</a:t>
+              <a:t>8/26/2022</a:t>
             </a:fld>
             <a:endParaRPr lang="en-US"/>
           </a:p>
@@ -1402,7 +5085,7 @@
           <a:p>
             <a:fld id="{1C91A1CB-CAEC-48CC-B519-8832EFE2A369}" type="datetimeFigureOut">
               <a:rPr lang="en-US" smtClean="0"/>
-              <a:t>7/8/2022</a:t>
+              <a:t>8/26/2022</a:t>
             </a:fld>
             <a:endParaRPr lang="en-US"/>
           </a:p>
@@ -1814,7 +5497,7 @@
           <a:p>
             <a:fld id="{1C91A1CB-CAEC-48CC-B519-8832EFE2A369}" type="datetimeFigureOut">
               <a:rPr lang="en-US" smtClean="0"/>
-              <a:t>7/8/2022</a:t>
+              <a:t>8/26/2022</a:t>
             </a:fld>
             <a:endParaRPr lang="en-US"/>
           </a:p>
@@ -1955,7 +5638,7 @@
           <a:p>
             <a:fld id="{1C91A1CB-CAEC-48CC-B519-8832EFE2A369}" type="datetimeFigureOut">
               <a:rPr lang="en-US" smtClean="0"/>
-              <a:t>7/8/2022</a:t>
+              <a:t>8/26/2022</a:t>
             </a:fld>
             <a:endParaRPr lang="en-US"/>
           </a:p>
@@ -2068,7 +5751,7 @@
           <a:p>
             <a:fld id="{1C91A1CB-CAEC-48CC-B519-8832EFE2A369}" type="datetimeFigureOut">
               <a:rPr lang="en-US" smtClean="0"/>
-              <a:t>7/8/2022</a:t>
+              <a:t>8/26/2022</a:t>
             </a:fld>
             <a:endParaRPr lang="en-US"/>
           </a:p>
@@ -2379,7 +6062,7 @@
           <a:p>
             <a:fld id="{1C91A1CB-CAEC-48CC-B519-8832EFE2A369}" type="datetimeFigureOut">
               <a:rPr lang="en-US" smtClean="0"/>
-              <a:t>7/8/2022</a:t>
+              <a:t>8/26/2022</a:t>
             </a:fld>
             <a:endParaRPr lang="en-US"/>
           </a:p>
@@ -2667,7 +6350,7 @@
           <a:p>
             <a:fld id="{1C91A1CB-CAEC-48CC-B519-8832EFE2A369}" type="datetimeFigureOut">
               <a:rPr lang="en-US" smtClean="0"/>
-              <a:t>7/8/2022</a:t>
+              <a:t>8/26/2022</a:t>
             </a:fld>
             <a:endParaRPr lang="en-US"/>
           </a:p>
@@ -2908,7 +6591,7 @@
           <a:p>
             <a:fld id="{1C91A1CB-CAEC-48CC-B519-8832EFE2A369}" type="datetimeFigureOut">
               <a:rPr lang="en-US" smtClean="0"/>
-              <a:t>7/8/2022</a:t>
+              <a:t>8/26/2022</a:t>
             </a:fld>
             <a:endParaRPr lang="en-US"/>
           </a:p>
@@ -3308,7 +6991,1840 @@
 </p:sldMaster>
 </file>
 
+<file path=ppt/slideMasters/slideMaster2.xml><?xml version="1.0" encoding="utf-8"?>
+<p:sldMaster xmlns:a="http://schemas.openxmlformats.org/drawingml/2006/main" xmlns:r="http://schemas.openxmlformats.org/officeDocument/2006/relationships" xmlns:p="http://schemas.openxmlformats.org/presentationml/2006/main">
+  <p:cSld>
+    <p:bg>
+      <p:bgPr>
+        <a:solidFill>
+          <a:schemeClr val="lt1"/>
+        </a:solidFill>
+        <a:effectLst/>
+      </p:bgPr>
+    </p:bg>
+    <p:spTree>
+      <p:nvGrpSpPr>
+        <p:cNvPr id="1" name="Shape 5"/>
+        <p:cNvGrpSpPr/>
+        <p:nvPr/>
+      </p:nvGrpSpPr>
+      <p:grpSpPr>
+        <a:xfrm>
+          <a:off x="0" y="0"/>
+          <a:ext cx="0" cy="0"/>
+          <a:chOff x="0" y="0"/>
+          <a:chExt cx="0" cy="0"/>
+        </a:xfrm>
+      </p:grpSpPr>
+      <p:sp>
+        <p:nvSpPr>
+          <p:cNvPr id="6" name="Google Shape;6;p1"/>
+          <p:cNvSpPr txBox="1">
+            <a:spLocks noGrp="1"/>
+          </p:cNvSpPr>
+          <p:nvPr>
+            <p:ph type="title"/>
+          </p:nvPr>
+        </p:nvSpPr>
+        <p:spPr>
+          <a:xfrm>
+            <a:off x="415600" y="593366"/>
+            <a:ext cx="11360880" cy="763560"/>
+          </a:xfrm>
+          <a:prstGeom prst="rect">
+            <a:avLst/>
+          </a:prstGeom>
+          <a:noFill/>
+          <a:ln>
+            <a:noFill/>
+          </a:ln>
+        </p:spPr>
+        <p:txBody>
+          <a:bodyPr spcFirstLastPara="1" wrap="square" lIns="146725" tIns="146725" rIns="146725" bIns="146725" anchor="t" anchorCtr="0">
+            <a:noAutofit/>
+          </a:bodyPr>
+          <a:lstStyle>
+            <a:lvl1pPr lvl="0">
+              <a:spcBef>
+                <a:spcPts val="0"/>
+              </a:spcBef>
+              <a:spcAft>
+                <a:spcPts val="0"/>
+              </a:spcAft>
+              <a:buClr>
+                <a:schemeClr val="dk1"/>
+              </a:buClr>
+              <a:buSzPts val="4500"/>
+              <a:buNone/>
+              <a:defRPr sz="4500">
+                <a:solidFill>
+                  <a:schemeClr val="dk1"/>
+                </a:solidFill>
+              </a:defRPr>
+            </a:lvl1pPr>
+            <a:lvl2pPr lvl="1">
+              <a:spcBef>
+                <a:spcPts val="0"/>
+              </a:spcBef>
+              <a:spcAft>
+                <a:spcPts val="0"/>
+              </a:spcAft>
+              <a:buClr>
+                <a:schemeClr val="dk1"/>
+              </a:buClr>
+              <a:buSzPts val="4500"/>
+              <a:buNone/>
+              <a:defRPr sz="4500">
+                <a:solidFill>
+                  <a:schemeClr val="dk1"/>
+                </a:solidFill>
+              </a:defRPr>
+            </a:lvl2pPr>
+            <a:lvl3pPr lvl="2">
+              <a:spcBef>
+                <a:spcPts val="0"/>
+              </a:spcBef>
+              <a:spcAft>
+                <a:spcPts val="0"/>
+              </a:spcAft>
+              <a:buClr>
+                <a:schemeClr val="dk1"/>
+              </a:buClr>
+              <a:buSzPts val="4500"/>
+              <a:buNone/>
+              <a:defRPr sz="4500">
+                <a:solidFill>
+                  <a:schemeClr val="dk1"/>
+                </a:solidFill>
+              </a:defRPr>
+            </a:lvl3pPr>
+            <a:lvl4pPr lvl="3">
+              <a:spcBef>
+                <a:spcPts val="0"/>
+              </a:spcBef>
+              <a:spcAft>
+                <a:spcPts val="0"/>
+              </a:spcAft>
+              <a:buClr>
+                <a:schemeClr val="dk1"/>
+              </a:buClr>
+              <a:buSzPts val="4500"/>
+              <a:buNone/>
+              <a:defRPr sz="4500">
+                <a:solidFill>
+                  <a:schemeClr val="dk1"/>
+                </a:solidFill>
+              </a:defRPr>
+            </a:lvl4pPr>
+            <a:lvl5pPr lvl="4">
+              <a:spcBef>
+                <a:spcPts val="0"/>
+              </a:spcBef>
+              <a:spcAft>
+                <a:spcPts val="0"/>
+              </a:spcAft>
+              <a:buClr>
+                <a:schemeClr val="dk1"/>
+              </a:buClr>
+              <a:buSzPts val="4500"/>
+              <a:buNone/>
+              <a:defRPr sz="4500">
+                <a:solidFill>
+                  <a:schemeClr val="dk1"/>
+                </a:solidFill>
+              </a:defRPr>
+            </a:lvl5pPr>
+            <a:lvl6pPr lvl="5">
+              <a:spcBef>
+                <a:spcPts val="0"/>
+              </a:spcBef>
+              <a:spcAft>
+                <a:spcPts val="0"/>
+              </a:spcAft>
+              <a:buClr>
+                <a:schemeClr val="dk1"/>
+              </a:buClr>
+              <a:buSzPts val="4500"/>
+              <a:buNone/>
+              <a:defRPr sz="4500">
+                <a:solidFill>
+                  <a:schemeClr val="dk1"/>
+                </a:solidFill>
+              </a:defRPr>
+            </a:lvl6pPr>
+            <a:lvl7pPr lvl="6">
+              <a:spcBef>
+                <a:spcPts val="0"/>
+              </a:spcBef>
+              <a:spcAft>
+                <a:spcPts val="0"/>
+              </a:spcAft>
+              <a:buClr>
+                <a:schemeClr val="dk1"/>
+              </a:buClr>
+              <a:buSzPts val="4500"/>
+              <a:buNone/>
+              <a:defRPr sz="4500">
+                <a:solidFill>
+                  <a:schemeClr val="dk1"/>
+                </a:solidFill>
+              </a:defRPr>
+            </a:lvl7pPr>
+            <a:lvl8pPr lvl="7">
+              <a:spcBef>
+                <a:spcPts val="0"/>
+              </a:spcBef>
+              <a:spcAft>
+                <a:spcPts val="0"/>
+              </a:spcAft>
+              <a:buClr>
+                <a:schemeClr val="dk1"/>
+              </a:buClr>
+              <a:buSzPts val="4500"/>
+              <a:buNone/>
+              <a:defRPr sz="4500">
+                <a:solidFill>
+                  <a:schemeClr val="dk1"/>
+                </a:solidFill>
+              </a:defRPr>
+            </a:lvl8pPr>
+            <a:lvl9pPr lvl="8">
+              <a:spcBef>
+                <a:spcPts val="0"/>
+              </a:spcBef>
+              <a:spcAft>
+                <a:spcPts val="0"/>
+              </a:spcAft>
+              <a:buClr>
+                <a:schemeClr val="dk1"/>
+              </a:buClr>
+              <a:buSzPts val="4500"/>
+              <a:buNone/>
+              <a:defRPr sz="4500">
+                <a:solidFill>
+                  <a:schemeClr val="dk1"/>
+                </a:solidFill>
+              </a:defRPr>
+            </a:lvl9pPr>
+          </a:lstStyle>
+          <a:p>
+            <a:endParaRPr/>
+          </a:p>
+        </p:txBody>
+      </p:sp>
+      <p:sp>
+        <p:nvSpPr>
+          <p:cNvPr id="7" name="Google Shape;7;p1"/>
+          <p:cNvSpPr txBox="1">
+            <a:spLocks noGrp="1"/>
+          </p:cNvSpPr>
+          <p:nvPr>
+            <p:ph type="body" idx="1"/>
+          </p:nvPr>
+        </p:nvSpPr>
+        <p:spPr>
+          <a:xfrm>
+            <a:off x="415600" y="1536633"/>
+            <a:ext cx="11360880" cy="4555170"/>
+          </a:xfrm>
+          <a:prstGeom prst="rect">
+            <a:avLst/>
+          </a:prstGeom>
+          <a:noFill/>
+          <a:ln>
+            <a:noFill/>
+          </a:ln>
+        </p:spPr>
+        <p:txBody>
+          <a:bodyPr spcFirstLastPara="1" wrap="square" lIns="146725" tIns="146725" rIns="146725" bIns="146725" anchor="t" anchorCtr="0">
+            <a:noAutofit/>
+          </a:bodyPr>
+          <a:lstStyle>
+            <a:lvl1pPr marL="457200" lvl="0" indent="-412750">
+              <a:lnSpc>
+                <a:spcPct val="115000"/>
+              </a:lnSpc>
+              <a:spcBef>
+                <a:spcPts val="0"/>
+              </a:spcBef>
+              <a:spcAft>
+                <a:spcPts val="0"/>
+              </a:spcAft>
+              <a:buClr>
+                <a:schemeClr val="dk2"/>
+              </a:buClr>
+              <a:buSzPts val="2900"/>
+              <a:buChar char="●"/>
+              <a:defRPr sz="2900">
+                <a:solidFill>
+                  <a:schemeClr val="dk2"/>
+                </a:solidFill>
+              </a:defRPr>
+            </a:lvl1pPr>
+            <a:lvl2pPr marL="914400" lvl="1" indent="-368300">
+              <a:lnSpc>
+                <a:spcPct val="115000"/>
+              </a:lnSpc>
+              <a:spcBef>
+                <a:spcPts val="2600"/>
+              </a:spcBef>
+              <a:spcAft>
+                <a:spcPts val="0"/>
+              </a:spcAft>
+              <a:buClr>
+                <a:schemeClr val="dk2"/>
+              </a:buClr>
+              <a:buSzPts val="2200"/>
+              <a:buChar char="○"/>
+              <a:defRPr sz="2200">
+                <a:solidFill>
+                  <a:schemeClr val="dk2"/>
+                </a:solidFill>
+              </a:defRPr>
+            </a:lvl2pPr>
+            <a:lvl3pPr marL="1371600" lvl="2" indent="-368300">
+              <a:lnSpc>
+                <a:spcPct val="115000"/>
+              </a:lnSpc>
+              <a:spcBef>
+                <a:spcPts val="2600"/>
+              </a:spcBef>
+              <a:spcAft>
+                <a:spcPts val="0"/>
+              </a:spcAft>
+              <a:buClr>
+                <a:schemeClr val="dk2"/>
+              </a:buClr>
+              <a:buSzPts val="2200"/>
+              <a:buChar char="■"/>
+              <a:defRPr sz="2200">
+                <a:solidFill>
+                  <a:schemeClr val="dk2"/>
+                </a:solidFill>
+              </a:defRPr>
+            </a:lvl3pPr>
+            <a:lvl4pPr marL="1828800" lvl="3" indent="-368300">
+              <a:lnSpc>
+                <a:spcPct val="115000"/>
+              </a:lnSpc>
+              <a:spcBef>
+                <a:spcPts val="2600"/>
+              </a:spcBef>
+              <a:spcAft>
+                <a:spcPts val="0"/>
+              </a:spcAft>
+              <a:buClr>
+                <a:schemeClr val="dk2"/>
+              </a:buClr>
+              <a:buSzPts val="2200"/>
+              <a:buChar char="●"/>
+              <a:defRPr sz="2200">
+                <a:solidFill>
+                  <a:schemeClr val="dk2"/>
+                </a:solidFill>
+              </a:defRPr>
+            </a:lvl4pPr>
+            <a:lvl5pPr marL="2286000" lvl="4" indent="-368300">
+              <a:lnSpc>
+                <a:spcPct val="115000"/>
+              </a:lnSpc>
+              <a:spcBef>
+                <a:spcPts val="2600"/>
+              </a:spcBef>
+              <a:spcAft>
+                <a:spcPts val="0"/>
+              </a:spcAft>
+              <a:buClr>
+                <a:schemeClr val="dk2"/>
+              </a:buClr>
+              <a:buSzPts val="2200"/>
+              <a:buChar char="○"/>
+              <a:defRPr sz="2200">
+                <a:solidFill>
+                  <a:schemeClr val="dk2"/>
+                </a:solidFill>
+              </a:defRPr>
+            </a:lvl5pPr>
+            <a:lvl6pPr marL="2743200" lvl="5" indent="-368300">
+              <a:lnSpc>
+                <a:spcPct val="115000"/>
+              </a:lnSpc>
+              <a:spcBef>
+                <a:spcPts val="2600"/>
+              </a:spcBef>
+              <a:spcAft>
+                <a:spcPts val="0"/>
+              </a:spcAft>
+              <a:buClr>
+                <a:schemeClr val="dk2"/>
+              </a:buClr>
+              <a:buSzPts val="2200"/>
+              <a:buChar char="■"/>
+              <a:defRPr sz="2200">
+                <a:solidFill>
+                  <a:schemeClr val="dk2"/>
+                </a:solidFill>
+              </a:defRPr>
+            </a:lvl6pPr>
+            <a:lvl7pPr marL="3200400" lvl="6" indent="-368300">
+              <a:lnSpc>
+                <a:spcPct val="115000"/>
+              </a:lnSpc>
+              <a:spcBef>
+                <a:spcPts val="2600"/>
+              </a:spcBef>
+              <a:spcAft>
+                <a:spcPts val="0"/>
+              </a:spcAft>
+              <a:buClr>
+                <a:schemeClr val="dk2"/>
+              </a:buClr>
+              <a:buSzPts val="2200"/>
+              <a:buChar char="●"/>
+              <a:defRPr sz="2200">
+                <a:solidFill>
+                  <a:schemeClr val="dk2"/>
+                </a:solidFill>
+              </a:defRPr>
+            </a:lvl7pPr>
+            <a:lvl8pPr marL="3657600" lvl="7" indent="-368300">
+              <a:lnSpc>
+                <a:spcPct val="115000"/>
+              </a:lnSpc>
+              <a:spcBef>
+                <a:spcPts val="2600"/>
+              </a:spcBef>
+              <a:spcAft>
+                <a:spcPts val="0"/>
+              </a:spcAft>
+              <a:buClr>
+                <a:schemeClr val="dk2"/>
+              </a:buClr>
+              <a:buSzPts val="2200"/>
+              <a:buChar char="○"/>
+              <a:defRPr sz="2200">
+                <a:solidFill>
+                  <a:schemeClr val="dk2"/>
+                </a:solidFill>
+              </a:defRPr>
+            </a:lvl8pPr>
+            <a:lvl9pPr marL="4114800" lvl="8" indent="-368300">
+              <a:lnSpc>
+                <a:spcPct val="115000"/>
+              </a:lnSpc>
+              <a:spcBef>
+                <a:spcPts val="2600"/>
+              </a:spcBef>
+              <a:spcAft>
+                <a:spcPts val="2600"/>
+              </a:spcAft>
+              <a:buClr>
+                <a:schemeClr val="dk2"/>
+              </a:buClr>
+              <a:buSzPts val="2200"/>
+              <a:buChar char="■"/>
+              <a:defRPr sz="2200">
+                <a:solidFill>
+                  <a:schemeClr val="dk2"/>
+                </a:solidFill>
+              </a:defRPr>
+            </a:lvl9pPr>
+          </a:lstStyle>
+          <a:p>
+            <a:endParaRPr/>
+          </a:p>
+        </p:txBody>
+      </p:sp>
+      <p:sp>
+        <p:nvSpPr>
+          <p:cNvPr id="8" name="Google Shape;8;p1"/>
+          <p:cNvSpPr txBox="1">
+            <a:spLocks noGrp="1"/>
+          </p:cNvSpPr>
+          <p:nvPr>
+            <p:ph type="sldNum" idx="12"/>
+          </p:nvPr>
+        </p:nvSpPr>
+        <p:spPr>
+          <a:xfrm>
+            <a:off x="11296610" y="6217622"/>
+            <a:ext cx="731520" cy="524880"/>
+          </a:xfrm>
+          <a:prstGeom prst="rect">
+            <a:avLst/>
+          </a:prstGeom>
+          <a:noFill/>
+          <a:ln>
+            <a:noFill/>
+          </a:ln>
+        </p:spPr>
+        <p:txBody>
+          <a:bodyPr spcFirstLastPara="1" wrap="square" lIns="146725" tIns="146725" rIns="146725" bIns="146725" anchor="ctr" anchorCtr="0">
+            <a:noAutofit/>
+          </a:bodyPr>
+          <a:lstStyle>
+            <a:lvl1pPr lvl="0" algn="r">
+              <a:buNone/>
+              <a:defRPr sz="1280">
+                <a:solidFill>
+                  <a:schemeClr val="dk2"/>
+                </a:solidFill>
+              </a:defRPr>
+            </a:lvl1pPr>
+            <a:lvl2pPr lvl="1" algn="r">
+              <a:buNone/>
+              <a:defRPr sz="1280">
+                <a:solidFill>
+                  <a:schemeClr val="dk2"/>
+                </a:solidFill>
+              </a:defRPr>
+            </a:lvl2pPr>
+            <a:lvl3pPr lvl="2" algn="r">
+              <a:buNone/>
+              <a:defRPr sz="1280">
+                <a:solidFill>
+                  <a:schemeClr val="dk2"/>
+                </a:solidFill>
+              </a:defRPr>
+            </a:lvl3pPr>
+            <a:lvl4pPr lvl="3" algn="r">
+              <a:buNone/>
+              <a:defRPr sz="1280">
+                <a:solidFill>
+                  <a:schemeClr val="dk2"/>
+                </a:solidFill>
+              </a:defRPr>
+            </a:lvl4pPr>
+            <a:lvl5pPr lvl="4" algn="r">
+              <a:buNone/>
+              <a:defRPr sz="1280">
+                <a:solidFill>
+                  <a:schemeClr val="dk2"/>
+                </a:solidFill>
+              </a:defRPr>
+            </a:lvl5pPr>
+            <a:lvl6pPr lvl="5" algn="r">
+              <a:buNone/>
+              <a:defRPr sz="1280">
+                <a:solidFill>
+                  <a:schemeClr val="dk2"/>
+                </a:solidFill>
+              </a:defRPr>
+            </a:lvl6pPr>
+            <a:lvl7pPr lvl="6" algn="r">
+              <a:buNone/>
+              <a:defRPr sz="1280">
+                <a:solidFill>
+                  <a:schemeClr val="dk2"/>
+                </a:solidFill>
+              </a:defRPr>
+            </a:lvl7pPr>
+            <a:lvl8pPr lvl="7" algn="r">
+              <a:buNone/>
+              <a:defRPr sz="1280">
+                <a:solidFill>
+                  <a:schemeClr val="dk2"/>
+                </a:solidFill>
+              </a:defRPr>
+            </a:lvl8pPr>
+            <a:lvl9pPr lvl="8" algn="r">
+              <a:buNone/>
+              <a:defRPr sz="1280">
+                <a:solidFill>
+                  <a:schemeClr val="dk2"/>
+                </a:solidFill>
+              </a:defRPr>
+            </a:lvl9pPr>
+          </a:lstStyle>
+          <a:p>
+            <a:fld id="{00000000-1234-1234-1234-123412341234}" type="slidenum">
+              <a:rPr lang="en" smtClean="0"/>
+              <a:pPr/>
+              <a:t>‹#›</a:t>
+            </a:fld>
+            <a:endParaRPr lang="en"/>
+          </a:p>
+        </p:txBody>
+      </p:sp>
+    </p:spTree>
+    <p:extLst>
+      <p:ext uri="{BB962C8B-B14F-4D97-AF65-F5344CB8AC3E}">
+        <p14:creationId xmlns:p14="http://schemas.microsoft.com/office/powerpoint/2010/main" val="2554078696"/>
+      </p:ext>
+    </p:extLst>
+  </p:cSld>
+  <p:clrMap bg1="lt1" tx1="dk1" bg2="dk2" tx2="lt2" accent1="accent1" accent2="accent2" accent3="accent3" accent4="accent4" accent5="accent5" accent6="accent6" hlink="hlink" folHlink="folHlink"/>
+  <p:sldLayoutIdLst>
+    <p:sldLayoutId id="2147483661" r:id="rId1"/>
+    <p:sldLayoutId id="2147483663" r:id="rId2"/>
+    <p:sldLayoutId id="2147483664" r:id="rId3"/>
+    <p:sldLayoutId id="2147483665" r:id="rId4"/>
+    <p:sldLayoutId id="2147483666" r:id="rId5"/>
+    <p:sldLayoutId id="2147483667" r:id="rId6"/>
+    <p:sldLayoutId id="2147483668" r:id="rId7"/>
+    <p:sldLayoutId id="2147483669" r:id="rId8"/>
+    <p:sldLayoutId id="2147483670" r:id="rId9"/>
+    <p:sldLayoutId id="2147483671" r:id="rId10"/>
+  </p:sldLayoutIdLst>
+  <p:hf sldNum="0" hdr="0" ftr="0" dt="0"/>
+  <p:txStyles>
+    <p:titleStyle>
+      <a:defPPr marR="0" lvl="0" algn="l" rtl="0">
+        <a:lnSpc>
+          <a:spcPct val="100000"/>
+        </a:lnSpc>
+        <a:spcBef>
+          <a:spcPts val="0"/>
+        </a:spcBef>
+        <a:spcAft>
+          <a:spcPts val="0"/>
+        </a:spcAft>
+      </a:defPPr>
+      <a:lvl1pPr marR="0" lvl="0" algn="l" rtl="0">
+        <a:lnSpc>
+          <a:spcPct val="100000"/>
+        </a:lnSpc>
+        <a:spcBef>
+          <a:spcPts val="0"/>
+        </a:spcBef>
+        <a:spcAft>
+          <a:spcPts val="0"/>
+        </a:spcAft>
+        <a:buClr>
+          <a:srgbClr val="000000"/>
+        </a:buClr>
+        <a:buFont typeface="Arial"/>
+        <a:defRPr sz="1120" b="0" i="0" u="none" strike="noStrike" cap="none">
+          <a:solidFill>
+            <a:srgbClr val="000000"/>
+          </a:solidFill>
+          <a:latin typeface="Arial"/>
+          <a:ea typeface="Arial"/>
+          <a:cs typeface="Arial"/>
+          <a:sym typeface="Arial"/>
+        </a:defRPr>
+      </a:lvl1pPr>
+      <a:lvl2pPr marR="0" lvl="1" algn="l" rtl="0">
+        <a:lnSpc>
+          <a:spcPct val="100000"/>
+        </a:lnSpc>
+        <a:spcBef>
+          <a:spcPts val="0"/>
+        </a:spcBef>
+        <a:spcAft>
+          <a:spcPts val="0"/>
+        </a:spcAft>
+        <a:buClr>
+          <a:srgbClr val="000000"/>
+        </a:buClr>
+        <a:buFont typeface="Arial"/>
+        <a:defRPr sz="1120" b="0" i="0" u="none" strike="noStrike" cap="none">
+          <a:solidFill>
+            <a:srgbClr val="000000"/>
+          </a:solidFill>
+          <a:latin typeface="Arial"/>
+          <a:ea typeface="Arial"/>
+          <a:cs typeface="Arial"/>
+          <a:sym typeface="Arial"/>
+        </a:defRPr>
+      </a:lvl2pPr>
+      <a:lvl3pPr marR="0" lvl="2" algn="l" rtl="0">
+        <a:lnSpc>
+          <a:spcPct val="100000"/>
+        </a:lnSpc>
+        <a:spcBef>
+          <a:spcPts val="0"/>
+        </a:spcBef>
+        <a:spcAft>
+          <a:spcPts val="0"/>
+        </a:spcAft>
+        <a:buClr>
+          <a:srgbClr val="000000"/>
+        </a:buClr>
+        <a:buFont typeface="Arial"/>
+        <a:defRPr sz="1120" b="0" i="0" u="none" strike="noStrike" cap="none">
+          <a:solidFill>
+            <a:srgbClr val="000000"/>
+          </a:solidFill>
+          <a:latin typeface="Arial"/>
+          <a:ea typeface="Arial"/>
+          <a:cs typeface="Arial"/>
+          <a:sym typeface="Arial"/>
+        </a:defRPr>
+      </a:lvl3pPr>
+      <a:lvl4pPr marR="0" lvl="3" algn="l" rtl="0">
+        <a:lnSpc>
+          <a:spcPct val="100000"/>
+        </a:lnSpc>
+        <a:spcBef>
+          <a:spcPts val="0"/>
+        </a:spcBef>
+        <a:spcAft>
+          <a:spcPts val="0"/>
+        </a:spcAft>
+        <a:buClr>
+          <a:srgbClr val="000000"/>
+        </a:buClr>
+        <a:buFont typeface="Arial"/>
+        <a:defRPr sz="1120" b="0" i="0" u="none" strike="noStrike" cap="none">
+          <a:solidFill>
+            <a:srgbClr val="000000"/>
+          </a:solidFill>
+          <a:latin typeface="Arial"/>
+          <a:ea typeface="Arial"/>
+          <a:cs typeface="Arial"/>
+          <a:sym typeface="Arial"/>
+        </a:defRPr>
+      </a:lvl4pPr>
+      <a:lvl5pPr marR="0" lvl="4" algn="l" rtl="0">
+        <a:lnSpc>
+          <a:spcPct val="100000"/>
+        </a:lnSpc>
+        <a:spcBef>
+          <a:spcPts val="0"/>
+        </a:spcBef>
+        <a:spcAft>
+          <a:spcPts val="0"/>
+        </a:spcAft>
+        <a:buClr>
+          <a:srgbClr val="000000"/>
+        </a:buClr>
+        <a:buFont typeface="Arial"/>
+        <a:defRPr sz="1120" b="0" i="0" u="none" strike="noStrike" cap="none">
+          <a:solidFill>
+            <a:srgbClr val="000000"/>
+          </a:solidFill>
+          <a:latin typeface="Arial"/>
+          <a:ea typeface="Arial"/>
+          <a:cs typeface="Arial"/>
+          <a:sym typeface="Arial"/>
+        </a:defRPr>
+      </a:lvl5pPr>
+      <a:lvl6pPr marR="0" lvl="5" algn="l" rtl="0">
+        <a:lnSpc>
+          <a:spcPct val="100000"/>
+        </a:lnSpc>
+        <a:spcBef>
+          <a:spcPts val="0"/>
+        </a:spcBef>
+        <a:spcAft>
+          <a:spcPts val="0"/>
+        </a:spcAft>
+        <a:buClr>
+          <a:srgbClr val="000000"/>
+        </a:buClr>
+        <a:buFont typeface="Arial"/>
+        <a:defRPr sz="1120" b="0" i="0" u="none" strike="noStrike" cap="none">
+          <a:solidFill>
+            <a:srgbClr val="000000"/>
+          </a:solidFill>
+          <a:latin typeface="Arial"/>
+          <a:ea typeface="Arial"/>
+          <a:cs typeface="Arial"/>
+          <a:sym typeface="Arial"/>
+        </a:defRPr>
+      </a:lvl6pPr>
+      <a:lvl7pPr marR="0" lvl="6" algn="l" rtl="0">
+        <a:lnSpc>
+          <a:spcPct val="100000"/>
+        </a:lnSpc>
+        <a:spcBef>
+          <a:spcPts val="0"/>
+        </a:spcBef>
+        <a:spcAft>
+          <a:spcPts val="0"/>
+        </a:spcAft>
+        <a:buClr>
+          <a:srgbClr val="000000"/>
+        </a:buClr>
+        <a:buFont typeface="Arial"/>
+        <a:defRPr sz="1120" b="0" i="0" u="none" strike="noStrike" cap="none">
+          <a:solidFill>
+            <a:srgbClr val="000000"/>
+          </a:solidFill>
+          <a:latin typeface="Arial"/>
+          <a:ea typeface="Arial"/>
+          <a:cs typeface="Arial"/>
+          <a:sym typeface="Arial"/>
+        </a:defRPr>
+      </a:lvl7pPr>
+      <a:lvl8pPr marR="0" lvl="7" algn="l" rtl="0">
+        <a:lnSpc>
+          <a:spcPct val="100000"/>
+        </a:lnSpc>
+        <a:spcBef>
+          <a:spcPts val="0"/>
+        </a:spcBef>
+        <a:spcAft>
+          <a:spcPts val="0"/>
+        </a:spcAft>
+        <a:buClr>
+          <a:srgbClr val="000000"/>
+        </a:buClr>
+        <a:buFont typeface="Arial"/>
+        <a:defRPr sz="1120" b="0" i="0" u="none" strike="noStrike" cap="none">
+          <a:solidFill>
+            <a:srgbClr val="000000"/>
+          </a:solidFill>
+          <a:latin typeface="Arial"/>
+          <a:ea typeface="Arial"/>
+          <a:cs typeface="Arial"/>
+          <a:sym typeface="Arial"/>
+        </a:defRPr>
+      </a:lvl8pPr>
+      <a:lvl9pPr marR="0" lvl="8" algn="l" rtl="0">
+        <a:lnSpc>
+          <a:spcPct val="100000"/>
+        </a:lnSpc>
+        <a:spcBef>
+          <a:spcPts val="0"/>
+        </a:spcBef>
+        <a:spcAft>
+          <a:spcPts val="0"/>
+        </a:spcAft>
+        <a:buClr>
+          <a:srgbClr val="000000"/>
+        </a:buClr>
+        <a:buFont typeface="Arial"/>
+        <a:defRPr sz="1120" b="0" i="0" u="none" strike="noStrike" cap="none">
+          <a:solidFill>
+            <a:srgbClr val="000000"/>
+          </a:solidFill>
+          <a:latin typeface="Arial"/>
+          <a:ea typeface="Arial"/>
+          <a:cs typeface="Arial"/>
+          <a:sym typeface="Arial"/>
+        </a:defRPr>
+      </a:lvl9pPr>
+    </p:titleStyle>
+    <p:bodyStyle>
+      <a:defPPr marR="0" lvl="0" algn="l" rtl="0">
+        <a:lnSpc>
+          <a:spcPct val="100000"/>
+        </a:lnSpc>
+        <a:spcBef>
+          <a:spcPts val="0"/>
+        </a:spcBef>
+        <a:spcAft>
+          <a:spcPts val="0"/>
+        </a:spcAft>
+      </a:defPPr>
+      <a:lvl1pPr marR="0" lvl="0" algn="l" rtl="0">
+        <a:lnSpc>
+          <a:spcPct val="100000"/>
+        </a:lnSpc>
+        <a:spcBef>
+          <a:spcPts val="0"/>
+        </a:spcBef>
+        <a:spcAft>
+          <a:spcPts val="0"/>
+        </a:spcAft>
+        <a:buClr>
+          <a:srgbClr val="000000"/>
+        </a:buClr>
+        <a:buFont typeface="Arial"/>
+        <a:defRPr sz="1120" b="0" i="0" u="none" strike="noStrike" cap="none">
+          <a:solidFill>
+            <a:srgbClr val="000000"/>
+          </a:solidFill>
+          <a:latin typeface="Arial"/>
+          <a:ea typeface="Arial"/>
+          <a:cs typeface="Arial"/>
+          <a:sym typeface="Arial"/>
+        </a:defRPr>
+      </a:lvl1pPr>
+      <a:lvl2pPr marR="0" lvl="1" algn="l" rtl="0">
+        <a:lnSpc>
+          <a:spcPct val="100000"/>
+        </a:lnSpc>
+        <a:spcBef>
+          <a:spcPts val="0"/>
+        </a:spcBef>
+        <a:spcAft>
+          <a:spcPts val="0"/>
+        </a:spcAft>
+        <a:buClr>
+          <a:srgbClr val="000000"/>
+        </a:buClr>
+        <a:buFont typeface="Arial"/>
+        <a:defRPr sz="1120" b="0" i="0" u="none" strike="noStrike" cap="none">
+          <a:solidFill>
+            <a:srgbClr val="000000"/>
+          </a:solidFill>
+          <a:latin typeface="Arial"/>
+          <a:ea typeface="Arial"/>
+          <a:cs typeface="Arial"/>
+          <a:sym typeface="Arial"/>
+        </a:defRPr>
+      </a:lvl2pPr>
+      <a:lvl3pPr marR="0" lvl="2" algn="l" rtl="0">
+        <a:lnSpc>
+          <a:spcPct val="100000"/>
+        </a:lnSpc>
+        <a:spcBef>
+          <a:spcPts val="0"/>
+        </a:spcBef>
+        <a:spcAft>
+          <a:spcPts val="0"/>
+        </a:spcAft>
+        <a:buClr>
+          <a:srgbClr val="000000"/>
+        </a:buClr>
+        <a:buFont typeface="Arial"/>
+        <a:defRPr sz="1120" b="0" i="0" u="none" strike="noStrike" cap="none">
+          <a:solidFill>
+            <a:srgbClr val="000000"/>
+          </a:solidFill>
+          <a:latin typeface="Arial"/>
+          <a:ea typeface="Arial"/>
+          <a:cs typeface="Arial"/>
+          <a:sym typeface="Arial"/>
+        </a:defRPr>
+      </a:lvl3pPr>
+      <a:lvl4pPr marR="0" lvl="3" algn="l" rtl="0">
+        <a:lnSpc>
+          <a:spcPct val="100000"/>
+        </a:lnSpc>
+        <a:spcBef>
+          <a:spcPts val="0"/>
+        </a:spcBef>
+        <a:spcAft>
+          <a:spcPts val="0"/>
+        </a:spcAft>
+        <a:buClr>
+          <a:srgbClr val="000000"/>
+        </a:buClr>
+        <a:buFont typeface="Arial"/>
+        <a:defRPr sz="1120" b="0" i="0" u="none" strike="noStrike" cap="none">
+          <a:solidFill>
+            <a:srgbClr val="000000"/>
+          </a:solidFill>
+          <a:latin typeface="Arial"/>
+          <a:ea typeface="Arial"/>
+          <a:cs typeface="Arial"/>
+          <a:sym typeface="Arial"/>
+        </a:defRPr>
+      </a:lvl4pPr>
+      <a:lvl5pPr marR="0" lvl="4" algn="l" rtl="0">
+        <a:lnSpc>
+          <a:spcPct val="100000"/>
+        </a:lnSpc>
+        <a:spcBef>
+          <a:spcPts val="0"/>
+        </a:spcBef>
+        <a:spcAft>
+          <a:spcPts val="0"/>
+        </a:spcAft>
+        <a:buClr>
+          <a:srgbClr val="000000"/>
+        </a:buClr>
+        <a:buFont typeface="Arial"/>
+        <a:defRPr sz="1120" b="0" i="0" u="none" strike="noStrike" cap="none">
+          <a:solidFill>
+            <a:srgbClr val="000000"/>
+          </a:solidFill>
+          <a:latin typeface="Arial"/>
+          <a:ea typeface="Arial"/>
+          <a:cs typeface="Arial"/>
+          <a:sym typeface="Arial"/>
+        </a:defRPr>
+      </a:lvl5pPr>
+      <a:lvl6pPr marR="0" lvl="5" algn="l" rtl="0">
+        <a:lnSpc>
+          <a:spcPct val="100000"/>
+        </a:lnSpc>
+        <a:spcBef>
+          <a:spcPts val="0"/>
+        </a:spcBef>
+        <a:spcAft>
+          <a:spcPts val="0"/>
+        </a:spcAft>
+        <a:buClr>
+          <a:srgbClr val="000000"/>
+        </a:buClr>
+        <a:buFont typeface="Arial"/>
+        <a:defRPr sz="1120" b="0" i="0" u="none" strike="noStrike" cap="none">
+          <a:solidFill>
+            <a:srgbClr val="000000"/>
+          </a:solidFill>
+          <a:latin typeface="Arial"/>
+          <a:ea typeface="Arial"/>
+          <a:cs typeface="Arial"/>
+          <a:sym typeface="Arial"/>
+        </a:defRPr>
+      </a:lvl6pPr>
+      <a:lvl7pPr marR="0" lvl="6" algn="l" rtl="0">
+        <a:lnSpc>
+          <a:spcPct val="100000"/>
+        </a:lnSpc>
+        <a:spcBef>
+          <a:spcPts val="0"/>
+        </a:spcBef>
+        <a:spcAft>
+          <a:spcPts val="0"/>
+        </a:spcAft>
+        <a:buClr>
+          <a:srgbClr val="000000"/>
+        </a:buClr>
+        <a:buFont typeface="Arial"/>
+        <a:defRPr sz="1120" b="0" i="0" u="none" strike="noStrike" cap="none">
+          <a:solidFill>
+            <a:srgbClr val="000000"/>
+          </a:solidFill>
+          <a:latin typeface="Arial"/>
+          <a:ea typeface="Arial"/>
+          <a:cs typeface="Arial"/>
+          <a:sym typeface="Arial"/>
+        </a:defRPr>
+      </a:lvl7pPr>
+      <a:lvl8pPr marR="0" lvl="7" algn="l" rtl="0">
+        <a:lnSpc>
+          <a:spcPct val="100000"/>
+        </a:lnSpc>
+        <a:spcBef>
+          <a:spcPts val="0"/>
+        </a:spcBef>
+        <a:spcAft>
+          <a:spcPts val="0"/>
+        </a:spcAft>
+        <a:buClr>
+          <a:srgbClr val="000000"/>
+        </a:buClr>
+        <a:buFont typeface="Arial"/>
+        <a:defRPr sz="1120" b="0" i="0" u="none" strike="noStrike" cap="none">
+          <a:solidFill>
+            <a:srgbClr val="000000"/>
+          </a:solidFill>
+          <a:latin typeface="Arial"/>
+          <a:ea typeface="Arial"/>
+          <a:cs typeface="Arial"/>
+          <a:sym typeface="Arial"/>
+        </a:defRPr>
+      </a:lvl8pPr>
+      <a:lvl9pPr marR="0" lvl="8" algn="l" rtl="0">
+        <a:lnSpc>
+          <a:spcPct val="100000"/>
+        </a:lnSpc>
+        <a:spcBef>
+          <a:spcPts val="0"/>
+        </a:spcBef>
+        <a:spcAft>
+          <a:spcPts val="0"/>
+        </a:spcAft>
+        <a:buClr>
+          <a:srgbClr val="000000"/>
+        </a:buClr>
+        <a:buFont typeface="Arial"/>
+        <a:defRPr sz="1120" b="0" i="0" u="none" strike="noStrike" cap="none">
+          <a:solidFill>
+            <a:srgbClr val="000000"/>
+          </a:solidFill>
+          <a:latin typeface="Arial"/>
+          <a:ea typeface="Arial"/>
+          <a:cs typeface="Arial"/>
+          <a:sym typeface="Arial"/>
+        </a:defRPr>
+      </a:lvl9pPr>
+    </p:bodyStyle>
+    <p:otherStyle>
+      <a:defPPr marR="0" lvl="0" algn="l" rtl="0">
+        <a:lnSpc>
+          <a:spcPct val="100000"/>
+        </a:lnSpc>
+        <a:spcBef>
+          <a:spcPts val="0"/>
+        </a:spcBef>
+        <a:spcAft>
+          <a:spcPts val="0"/>
+        </a:spcAft>
+      </a:defPPr>
+      <a:lvl1pPr marR="0" lvl="0" algn="l" rtl="0">
+        <a:lnSpc>
+          <a:spcPct val="100000"/>
+        </a:lnSpc>
+        <a:spcBef>
+          <a:spcPts val="0"/>
+        </a:spcBef>
+        <a:spcAft>
+          <a:spcPts val="0"/>
+        </a:spcAft>
+        <a:buClr>
+          <a:srgbClr val="000000"/>
+        </a:buClr>
+        <a:buFont typeface="Arial"/>
+        <a:defRPr sz="1120" b="0" i="0" u="none" strike="noStrike" cap="none">
+          <a:solidFill>
+            <a:srgbClr val="000000"/>
+          </a:solidFill>
+          <a:latin typeface="Arial"/>
+          <a:ea typeface="Arial"/>
+          <a:cs typeface="Arial"/>
+          <a:sym typeface="Arial"/>
+        </a:defRPr>
+      </a:lvl1pPr>
+      <a:lvl2pPr marR="0" lvl="1" algn="l" rtl="0">
+        <a:lnSpc>
+          <a:spcPct val="100000"/>
+        </a:lnSpc>
+        <a:spcBef>
+          <a:spcPts val="0"/>
+        </a:spcBef>
+        <a:spcAft>
+          <a:spcPts val="0"/>
+        </a:spcAft>
+        <a:buClr>
+          <a:srgbClr val="000000"/>
+        </a:buClr>
+        <a:buFont typeface="Arial"/>
+        <a:defRPr sz="1120" b="0" i="0" u="none" strike="noStrike" cap="none">
+          <a:solidFill>
+            <a:srgbClr val="000000"/>
+          </a:solidFill>
+          <a:latin typeface="Arial"/>
+          <a:ea typeface="Arial"/>
+          <a:cs typeface="Arial"/>
+          <a:sym typeface="Arial"/>
+        </a:defRPr>
+      </a:lvl2pPr>
+      <a:lvl3pPr marR="0" lvl="2" algn="l" rtl="0">
+        <a:lnSpc>
+          <a:spcPct val="100000"/>
+        </a:lnSpc>
+        <a:spcBef>
+          <a:spcPts val="0"/>
+        </a:spcBef>
+        <a:spcAft>
+          <a:spcPts val="0"/>
+        </a:spcAft>
+        <a:buClr>
+          <a:srgbClr val="000000"/>
+        </a:buClr>
+        <a:buFont typeface="Arial"/>
+        <a:defRPr sz="1120" b="0" i="0" u="none" strike="noStrike" cap="none">
+          <a:solidFill>
+            <a:srgbClr val="000000"/>
+          </a:solidFill>
+          <a:latin typeface="Arial"/>
+          <a:ea typeface="Arial"/>
+          <a:cs typeface="Arial"/>
+          <a:sym typeface="Arial"/>
+        </a:defRPr>
+      </a:lvl3pPr>
+      <a:lvl4pPr marR="0" lvl="3" algn="l" rtl="0">
+        <a:lnSpc>
+          <a:spcPct val="100000"/>
+        </a:lnSpc>
+        <a:spcBef>
+          <a:spcPts val="0"/>
+        </a:spcBef>
+        <a:spcAft>
+          <a:spcPts val="0"/>
+        </a:spcAft>
+        <a:buClr>
+          <a:srgbClr val="000000"/>
+        </a:buClr>
+        <a:buFont typeface="Arial"/>
+        <a:defRPr sz="1120" b="0" i="0" u="none" strike="noStrike" cap="none">
+          <a:solidFill>
+            <a:srgbClr val="000000"/>
+          </a:solidFill>
+          <a:latin typeface="Arial"/>
+          <a:ea typeface="Arial"/>
+          <a:cs typeface="Arial"/>
+          <a:sym typeface="Arial"/>
+        </a:defRPr>
+      </a:lvl4pPr>
+      <a:lvl5pPr marR="0" lvl="4" algn="l" rtl="0">
+        <a:lnSpc>
+          <a:spcPct val="100000"/>
+        </a:lnSpc>
+        <a:spcBef>
+          <a:spcPts val="0"/>
+        </a:spcBef>
+        <a:spcAft>
+          <a:spcPts val="0"/>
+        </a:spcAft>
+        <a:buClr>
+          <a:srgbClr val="000000"/>
+        </a:buClr>
+        <a:buFont typeface="Arial"/>
+        <a:defRPr sz="1120" b="0" i="0" u="none" strike="noStrike" cap="none">
+          <a:solidFill>
+            <a:srgbClr val="000000"/>
+          </a:solidFill>
+          <a:latin typeface="Arial"/>
+          <a:ea typeface="Arial"/>
+          <a:cs typeface="Arial"/>
+          <a:sym typeface="Arial"/>
+        </a:defRPr>
+      </a:lvl5pPr>
+      <a:lvl6pPr marR="0" lvl="5" algn="l" rtl="0">
+        <a:lnSpc>
+          <a:spcPct val="100000"/>
+        </a:lnSpc>
+        <a:spcBef>
+          <a:spcPts val="0"/>
+        </a:spcBef>
+        <a:spcAft>
+          <a:spcPts val="0"/>
+        </a:spcAft>
+        <a:buClr>
+          <a:srgbClr val="000000"/>
+        </a:buClr>
+        <a:buFont typeface="Arial"/>
+        <a:defRPr sz="1120" b="0" i="0" u="none" strike="noStrike" cap="none">
+          <a:solidFill>
+            <a:srgbClr val="000000"/>
+          </a:solidFill>
+          <a:latin typeface="Arial"/>
+          <a:ea typeface="Arial"/>
+          <a:cs typeface="Arial"/>
+          <a:sym typeface="Arial"/>
+        </a:defRPr>
+      </a:lvl6pPr>
+      <a:lvl7pPr marR="0" lvl="6" algn="l" rtl="0">
+        <a:lnSpc>
+          <a:spcPct val="100000"/>
+        </a:lnSpc>
+        <a:spcBef>
+          <a:spcPts val="0"/>
+        </a:spcBef>
+        <a:spcAft>
+          <a:spcPts val="0"/>
+        </a:spcAft>
+        <a:buClr>
+          <a:srgbClr val="000000"/>
+        </a:buClr>
+        <a:buFont typeface="Arial"/>
+        <a:defRPr sz="1120" b="0" i="0" u="none" strike="noStrike" cap="none">
+          <a:solidFill>
+            <a:srgbClr val="000000"/>
+          </a:solidFill>
+          <a:latin typeface="Arial"/>
+          <a:ea typeface="Arial"/>
+          <a:cs typeface="Arial"/>
+          <a:sym typeface="Arial"/>
+        </a:defRPr>
+      </a:lvl7pPr>
+      <a:lvl8pPr marR="0" lvl="7" algn="l" rtl="0">
+        <a:lnSpc>
+          <a:spcPct val="100000"/>
+        </a:lnSpc>
+        <a:spcBef>
+          <a:spcPts val="0"/>
+        </a:spcBef>
+        <a:spcAft>
+          <a:spcPts val="0"/>
+        </a:spcAft>
+        <a:buClr>
+          <a:srgbClr val="000000"/>
+        </a:buClr>
+        <a:buFont typeface="Arial"/>
+        <a:defRPr sz="1120" b="0" i="0" u="none" strike="noStrike" cap="none">
+          <a:solidFill>
+            <a:srgbClr val="000000"/>
+          </a:solidFill>
+          <a:latin typeface="Arial"/>
+          <a:ea typeface="Arial"/>
+          <a:cs typeface="Arial"/>
+          <a:sym typeface="Arial"/>
+        </a:defRPr>
+      </a:lvl8pPr>
+      <a:lvl9pPr marR="0" lvl="8" algn="l" rtl="0">
+        <a:lnSpc>
+          <a:spcPct val="100000"/>
+        </a:lnSpc>
+        <a:spcBef>
+          <a:spcPts val="0"/>
+        </a:spcBef>
+        <a:spcAft>
+          <a:spcPts val="0"/>
+        </a:spcAft>
+        <a:buClr>
+          <a:srgbClr val="000000"/>
+        </a:buClr>
+        <a:buFont typeface="Arial"/>
+        <a:defRPr sz="1120" b="0" i="0" u="none" strike="noStrike" cap="none">
+          <a:solidFill>
+            <a:srgbClr val="000000"/>
+          </a:solidFill>
+          <a:latin typeface="Arial"/>
+          <a:ea typeface="Arial"/>
+          <a:cs typeface="Arial"/>
+          <a:sym typeface="Arial"/>
+        </a:defRPr>
+      </a:lvl9pPr>
+    </p:otherStyle>
+  </p:txStyles>
+</p:sldMaster>
+</file>
+
 <file path=ppt/slides/slide1.xml><?xml version="1.0" encoding="utf-8"?>
+<p:sld xmlns:a="http://schemas.openxmlformats.org/drawingml/2006/main" xmlns:r="http://schemas.openxmlformats.org/officeDocument/2006/relationships" xmlns:p="http://schemas.openxmlformats.org/presentationml/2006/main">
+  <p:cSld>
+    <p:bg>
+      <p:bgPr>
+        <a:solidFill>
+          <a:schemeClr val="lt1"/>
+        </a:solidFill>
+        <a:effectLst/>
+      </p:bgPr>
+    </p:bg>
+    <p:spTree>
+      <p:nvGrpSpPr>
+        <p:cNvPr id="1" name="Shape 53"/>
+        <p:cNvGrpSpPr/>
+        <p:nvPr/>
+      </p:nvGrpSpPr>
+      <p:grpSpPr>
+        <a:xfrm>
+          <a:off x="0" y="0"/>
+          <a:ext cx="0" cy="0"/>
+          <a:chOff x="0" y="0"/>
+          <a:chExt cx="0" cy="0"/>
+        </a:xfrm>
+      </p:grpSpPr>
+      <p:pic>
+        <p:nvPicPr>
+          <p:cNvPr id="54" name="Google Shape;54;p13"/>
+          <p:cNvPicPr preferRelativeResize="0"/>
+          <p:nvPr/>
+        </p:nvPicPr>
+        <p:blipFill>
+          <a:blip r:embed="rId3">
+            <a:alphaModFix/>
+          </a:blip>
+          <a:stretch>
+            <a:fillRect/>
+          </a:stretch>
+        </p:blipFill>
+        <p:spPr>
+          <a:xfrm>
+            <a:off x="1144633" y="514791"/>
+            <a:ext cx="4817760" cy="4817760"/>
+          </a:xfrm>
+          <a:prstGeom prst="rect">
+            <a:avLst/>
+          </a:prstGeom>
+          <a:noFill/>
+          <a:ln>
+            <a:noFill/>
+          </a:ln>
+        </p:spPr>
+      </p:pic>
+      <p:pic>
+        <p:nvPicPr>
+          <p:cNvPr id="55" name="Google Shape;55;p13"/>
+          <p:cNvPicPr preferRelativeResize="0"/>
+          <p:nvPr/>
+        </p:nvPicPr>
+        <p:blipFill>
+          <a:blip r:embed="rId4">
+            <a:alphaModFix/>
+          </a:blip>
+          <a:stretch>
+            <a:fillRect/>
+          </a:stretch>
+        </p:blipFill>
+        <p:spPr>
+          <a:xfrm>
+            <a:off x="1010820" y="381001"/>
+            <a:ext cx="5085180" cy="5085159"/>
+          </a:xfrm>
+          <a:prstGeom prst="rect">
+            <a:avLst/>
+          </a:prstGeom>
+          <a:noFill/>
+          <a:ln>
+            <a:noFill/>
+          </a:ln>
+        </p:spPr>
+      </p:pic>
+      <p:sp>
+        <p:nvSpPr>
+          <p:cNvPr id="56" name="Google Shape;56;p13"/>
+          <p:cNvSpPr txBox="1"/>
+          <p:nvPr/>
+        </p:nvSpPr>
+        <p:spPr>
+          <a:xfrm>
+            <a:off x="5753460" y="649320"/>
+            <a:ext cx="4921200" cy="1620960"/>
+          </a:xfrm>
+          <a:prstGeom prst="rect">
+            <a:avLst/>
+          </a:prstGeom>
+          <a:noFill/>
+          <a:ln>
+            <a:noFill/>
+          </a:ln>
+        </p:spPr>
+        <p:txBody>
+          <a:bodyPr spcFirstLastPara="1" wrap="square" lIns="73140" tIns="73140" rIns="73140" bIns="73140" anchor="ctr" anchorCtr="0">
+            <a:noAutofit/>
+          </a:bodyPr>
+          <a:lstStyle/>
+          <a:p>
+            <a:pPr algn="ctr" defTabSz="731520">
+              <a:lnSpc>
+                <a:spcPct val="80000"/>
+              </a:lnSpc>
+              <a:buClr>
+                <a:srgbClr val="000000"/>
+              </a:buClr>
+            </a:pPr>
+            <a:r>
+              <a:rPr lang="en" sz="4000" b="1" kern="0">
+                <a:solidFill>
+                  <a:srgbClr val="000000"/>
+                </a:solidFill>
+                <a:latin typeface="Montserrat"/>
+                <a:ea typeface="Montserrat"/>
+                <a:cs typeface="Montserrat"/>
+                <a:sym typeface="Montserrat"/>
+              </a:rPr>
+              <a:t>Spencer Swindell</a:t>
+            </a:r>
+            <a:endParaRPr sz="4000" b="1" kern="0">
+              <a:solidFill>
+                <a:srgbClr val="000000"/>
+              </a:solidFill>
+              <a:latin typeface="Montserrat"/>
+              <a:ea typeface="Montserrat"/>
+              <a:cs typeface="Montserrat"/>
+              <a:sym typeface="Montserrat"/>
+            </a:endParaRPr>
+          </a:p>
+        </p:txBody>
+      </p:sp>
+      <p:sp>
+        <p:nvSpPr>
+          <p:cNvPr id="57" name="Google Shape;57;p13"/>
+          <p:cNvSpPr/>
+          <p:nvPr/>
+        </p:nvSpPr>
+        <p:spPr>
+          <a:xfrm>
+            <a:off x="-12880" y="5332560"/>
+            <a:ext cx="12192000" cy="1144560"/>
+          </a:xfrm>
+          <a:prstGeom prst="rect">
+            <a:avLst/>
+          </a:prstGeom>
+          <a:solidFill>
+            <a:srgbClr val="EF7928"/>
+          </a:solidFill>
+          <a:ln>
+            <a:noFill/>
+          </a:ln>
+        </p:spPr>
+        <p:txBody>
+          <a:bodyPr spcFirstLastPara="1" wrap="square" lIns="73140" tIns="73140" rIns="73140" bIns="73140" anchor="ctr" anchorCtr="0">
+            <a:noAutofit/>
+          </a:bodyPr>
+          <a:lstStyle/>
+          <a:p>
+            <a:pPr defTabSz="731520">
+              <a:buClr>
+                <a:srgbClr val="000000"/>
+              </a:buClr>
+            </a:pPr>
+            <a:endParaRPr sz="1120" kern="0">
+              <a:solidFill>
+                <a:srgbClr val="000000"/>
+              </a:solidFill>
+              <a:latin typeface="Arial"/>
+              <a:cs typeface="Arial"/>
+              <a:sym typeface="Arial"/>
+            </a:endParaRPr>
+          </a:p>
+        </p:txBody>
+      </p:sp>
+      <p:sp>
+        <p:nvSpPr>
+          <p:cNvPr id="58" name="Google Shape;58;p13"/>
+          <p:cNvSpPr txBox="1"/>
+          <p:nvPr/>
+        </p:nvSpPr>
+        <p:spPr>
+          <a:xfrm>
+            <a:off x="5753460" y="1890700"/>
+            <a:ext cx="4921200" cy="869520"/>
+          </a:xfrm>
+          <a:prstGeom prst="rect">
+            <a:avLst/>
+          </a:prstGeom>
+          <a:noFill/>
+          <a:ln>
+            <a:noFill/>
+          </a:ln>
+        </p:spPr>
+        <p:txBody>
+          <a:bodyPr spcFirstLastPara="1" wrap="square" lIns="73140" tIns="73140" rIns="73140" bIns="73140" anchor="ctr" anchorCtr="0">
+            <a:noAutofit/>
+          </a:bodyPr>
+          <a:lstStyle/>
+          <a:p>
+            <a:pPr algn="ctr" defTabSz="731520">
+              <a:buClr>
+                <a:srgbClr val="000000"/>
+              </a:buClr>
+            </a:pPr>
+            <a:r>
+              <a:rPr lang="en" sz="3200" b="1" kern="0">
+                <a:solidFill>
+                  <a:srgbClr val="EF7928"/>
+                </a:solidFill>
+                <a:latin typeface="Montserrat"/>
+                <a:ea typeface="Montserrat"/>
+                <a:cs typeface="Montserrat"/>
+                <a:sym typeface="Montserrat"/>
+              </a:rPr>
+              <a:t>Health Trust</a:t>
+            </a:r>
+            <a:endParaRPr sz="3200" b="1" kern="0">
+              <a:solidFill>
+                <a:srgbClr val="EF7928"/>
+              </a:solidFill>
+              <a:latin typeface="Montserrat"/>
+              <a:ea typeface="Montserrat"/>
+              <a:cs typeface="Montserrat"/>
+              <a:sym typeface="Montserrat"/>
+            </a:endParaRPr>
+          </a:p>
+        </p:txBody>
+      </p:sp>
+      <p:sp>
+        <p:nvSpPr>
+          <p:cNvPr id="59" name="Google Shape;59;p13"/>
+          <p:cNvSpPr txBox="1"/>
+          <p:nvPr/>
+        </p:nvSpPr>
+        <p:spPr>
+          <a:xfrm>
+            <a:off x="5753460" y="3406220"/>
+            <a:ext cx="4921200" cy="1811040"/>
+          </a:xfrm>
+          <a:prstGeom prst="rect">
+            <a:avLst/>
+          </a:prstGeom>
+          <a:noFill/>
+          <a:ln>
+            <a:noFill/>
+          </a:ln>
+        </p:spPr>
+        <p:txBody>
+          <a:bodyPr spcFirstLastPara="1" wrap="square" lIns="73140" tIns="73140" rIns="73140" bIns="73140" anchor="ctr" anchorCtr="0">
+            <a:noAutofit/>
+          </a:bodyPr>
+          <a:lstStyle/>
+          <a:p>
+            <a:pPr algn="ctr" defTabSz="731520">
+              <a:buClr>
+                <a:srgbClr val="000000"/>
+              </a:buClr>
+            </a:pPr>
+            <a:r>
+              <a:rPr lang="en" sz="3040" b="1" kern="0">
+                <a:solidFill>
+                  <a:srgbClr val="000000"/>
+                </a:solidFill>
+                <a:latin typeface="Montserrat"/>
+                <a:ea typeface="Montserrat"/>
+                <a:cs typeface="Montserrat"/>
+                <a:sym typeface="Montserrat"/>
+              </a:rPr>
+              <a:t>Building a Data Lakehouse</a:t>
+            </a:r>
+            <a:endParaRPr sz="3040" b="1" kern="0">
+              <a:solidFill>
+                <a:srgbClr val="000000"/>
+              </a:solidFill>
+              <a:latin typeface="Montserrat"/>
+              <a:ea typeface="Montserrat"/>
+              <a:cs typeface="Montserrat"/>
+              <a:sym typeface="Montserrat"/>
+            </a:endParaRPr>
+          </a:p>
+        </p:txBody>
+      </p:sp>
+      <p:sp>
+        <p:nvSpPr>
+          <p:cNvPr id="60" name="Google Shape;60;p13"/>
+          <p:cNvSpPr/>
+          <p:nvPr/>
+        </p:nvSpPr>
+        <p:spPr>
+          <a:xfrm>
+            <a:off x="1462146" y="836162"/>
+            <a:ext cx="4182480" cy="4175280"/>
+          </a:xfrm>
+          <a:prstGeom prst="ellipse">
+            <a:avLst/>
+          </a:prstGeom>
+          <a:noFill/>
+          <a:ln w="228600" cap="flat" cmpd="sng">
+            <a:solidFill>
+              <a:srgbClr val="EF7928"/>
+            </a:solidFill>
+            <a:prstDash val="solid"/>
+            <a:round/>
+            <a:headEnd type="none" w="sm" len="sm"/>
+            <a:tailEnd type="none" w="sm" len="sm"/>
+          </a:ln>
+        </p:spPr>
+        <p:txBody>
+          <a:bodyPr spcFirstLastPara="1" wrap="square" lIns="73140" tIns="73140" rIns="73140" bIns="73140" anchor="ctr" anchorCtr="0">
+            <a:noAutofit/>
+          </a:bodyPr>
+          <a:lstStyle/>
+          <a:p>
+            <a:pPr defTabSz="731520">
+              <a:buClr>
+                <a:srgbClr val="000000"/>
+              </a:buClr>
+            </a:pPr>
+            <a:endParaRPr sz="1120" kern="0">
+              <a:solidFill>
+                <a:srgbClr val="000000"/>
+              </a:solidFill>
+              <a:latin typeface="Arial"/>
+              <a:cs typeface="Arial"/>
+              <a:sym typeface="Arial"/>
+            </a:endParaRPr>
+          </a:p>
+        </p:txBody>
+      </p:sp>
+      <p:pic>
+        <p:nvPicPr>
+          <p:cNvPr id="61" name="Google Shape;61;p13"/>
+          <p:cNvPicPr preferRelativeResize="0"/>
+          <p:nvPr/>
+        </p:nvPicPr>
+        <p:blipFill rotWithShape="1">
+          <a:blip r:embed="rId5">
+            <a:alphaModFix/>
+          </a:blip>
+          <a:srcRect t="33403" b="35370"/>
+          <a:stretch/>
+        </p:blipFill>
+        <p:spPr>
+          <a:xfrm>
+            <a:off x="2193870" y="5470081"/>
+            <a:ext cx="2719300" cy="869519"/>
+          </a:xfrm>
+          <a:prstGeom prst="rect">
+            <a:avLst/>
+          </a:prstGeom>
+          <a:noFill/>
+          <a:ln>
+            <a:noFill/>
+          </a:ln>
+        </p:spPr>
+      </p:pic>
+      <p:sp>
+        <p:nvSpPr>
+          <p:cNvPr id="62" name="Google Shape;62;p13"/>
+          <p:cNvSpPr txBox="1"/>
+          <p:nvPr/>
+        </p:nvSpPr>
+        <p:spPr>
+          <a:xfrm>
+            <a:off x="5398020" y="5466120"/>
+            <a:ext cx="5632080" cy="877440"/>
+          </a:xfrm>
+          <a:prstGeom prst="rect">
+            <a:avLst/>
+          </a:prstGeom>
+          <a:noFill/>
+          <a:ln>
+            <a:noFill/>
+          </a:ln>
+        </p:spPr>
+        <p:txBody>
+          <a:bodyPr spcFirstLastPara="1" wrap="square" lIns="73140" tIns="73140" rIns="73140" bIns="73140" anchor="ctr" anchorCtr="0">
+            <a:noAutofit/>
+          </a:bodyPr>
+          <a:lstStyle/>
+          <a:p>
+            <a:pPr algn="ctr" defTabSz="731520">
+              <a:buClr>
+                <a:srgbClr val="000000"/>
+              </a:buClr>
+            </a:pPr>
+            <a:r>
+              <a:rPr lang="en" sz="2560" b="1" kern="0">
+                <a:solidFill>
+                  <a:srgbClr val="FFFFFF"/>
+                </a:solidFill>
+                <a:latin typeface="Montserrat"/>
+                <a:ea typeface="Montserrat"/>
+                <a:cs typeface="Montserrat"/>
+                <a:sym typeface="Montserrat"/>
+              </a:rPr>
+              <a:t>www.TheAnalyticsSummit.com</a:t>
+            </a:r>
+            <a:endParaRPr sz="2560" b="1" kern="0">
+              <a:solidFill>
+                <a:srgbClr val="FFFFFF"/>
+              </a:solidFill>
+              <a:latin typeface="Montserrat"/>
+              <a:ea typeface="Montserrat"/>
+              <a:cs typeface="Montserrat"/>
+              <a:sym typeface="Montserrat"/>
+            </a:endParaRPr>
+          </a:p>
+        </p:txBody>
+      </p:sp>
+      <p:sp>
+        <p:nvSpPr>
+          <p:cNvPr id="63" name="Google Shape;63;p13"/>
+          <p:cNvSpPr/>
+          <p:nvPr/>
+        </p:nvSpPr>
+        <p:spPr>
+          <a:xfrm>
+            <a:off x="5644620" y="2760220"/>
+            <a:ext cx="6588960" cy="492960"/>
+          </a:xfrm>
+          <a:prstGeom prst="rect">
+            <a:avLst/>
+          </a:prstGeom>
+          <a:solidFill>
+            <a:srgbClr val="EF7928"/>
+          </a:solidFill>
+          <a:ln>
+            <a:noFill/>
+          </a:ln>
+        </p:spPr>
+        <p:txBody>
+          <a:bodyPr spcFirstLastPara="1" wrap="square" lIns="73140" tIns="73140" rIns="73140" bIns="73140" anchor="ctr" anchorCtr="0">
+            <a:noAutofit/>
+          </a:bodyPr>
+          <a:lstStyle/>
+          <a:p>
+            <a:pPr defTabSz="731520">
+              <a:buClr>
+                <a:srgbClr val="000000"/>
+              </a:buClr>
+            </a:pPr>
+            <a:endParaRPr sz="1120" kern="0">
+              <a:solidFill>
+                <a:srgbClr val="000000"/>
+              </a:solidFill>
+              <a:latin typeface="Arial"/>
+              <a:cs typeface="Arial"/>
+              <a:sym typeface="Arial"/>
+            </a:endParaRPr>
+          </a:p>
+        </p:txBody>
+      </p:sp>
+      <p:sp>
+        <p:nvSpPr>
+          <p:cNvPr id="64" name="Google Shape;64;p13"/>
+          <p:cNvSpPr/>
+          <p:nvPr/>
+        </p:nvSpPr>
+        <p:spPr>
+          <a:xfrm rot="-2460181">
+            <a:off x="-157497" y="5053291"/>
+            <a:ext cx="2602657" cy="493000"/>
+          </a:xfrm>
+          <a:prstGeom prst="rect">
+            <a:avLst/>
+          </a:prstGeom>
+          <a:solidFill>
+            <a:srgbClr val="EF7928"/>
+          </a:solidFill>
+          <a:ln>
+            <a:noFill/>
+          </a:ln>
+        </p:spPr>
+        <p:txBody>
+          <a:bodyPr spcFirstLastPara="1" wrap="square" lIns="73140" tIns="73140" rIns="73140" bIns="73140" anchor="ctr" anchorCtr="0">
+            <a:noAutofit/>
+          </a:bodyPr>
+          <a:lstStyle/>
+          <a:p>
+            <a:pPr defTabSz="731520">
+              <a:buClr>
+                <a:srgbClr val="000000"/>
+              </a:buClr>
+            </a:pPr>
+            <a:endParaRPr sz="1120" kern="0">
+              <a:solidFill>
+                <a:srgbClr val="000000"/>
+              </a:solidFill>
+              <a:latin typeface="Arial"/>
+              <a:cs typeface="Arial"/>
+              <a:sym typeface="Arial"/>
+            </a:endParaRPr>
+          </a:p>
+        </p:txBody>
+      </p:sp>
+      <p:sp>
+        <p:nvSpPr>
+          <p:cNvPr id="65" name="Google Shape;65;p13"/>
+          <p:cNvSpPr txBox="1"/>
+          <p:nvPr/>
+        </p:nvSpPr>
+        <p:spPr>
+          <a:xfrm>
+            <a:off x="6187260" y="2760220"/>
+            <a:ext cx="4053600" cy="492960"/>
+          </a:xfrm>
+          <a:prstGeom prst="rect">
+            <a:avLst/>
+          </a:prstGeom>
+          <a:noFill/>
+          <a:ln>
+            <a:noFill/>
+          </a:ln>
+        </p:spPr>
+        <p:txBody>
+          <a:bodyPr spcFirstLastPara="1" wrap="square" lIns="73140" tIns="73140" rIns="73140" bIns="73140" anchor="ctr" anchorCtr="0">
+            <a:noAutofit/>
+          </a:bodyPr>
+          <a:lstStyle/>
+          <a:p>
+            <a:pPr algn="ctr" defTabSz="731520">
+              <a:buClr>
+                <a:srgbClr val="000000"/>
+              </a:buClr>
+            </a:pPr>
+            <a:r>
+              <a:rPr lang="en" sz="2560" b="1" kern="0" dirty="0">
+                <a:solidFill>
+                  <a:srgbClr val="FFFFFF"/>
+                </a:solidFill>
+                <a:latin typeface="Montserrat"/>
+                <a:ea typeface="Montserrat"/>
+                <a:cs typeface="Montserrat"/>
+                <a:sym typeface="Montserrat"/>
+              </a:rPr>
+              <a:t>PRESENTING</a:t>
+            </a:r>
+            <a:endParaRPr sz="2560" b="1" kern="0" dirty="0">
+              <a:solidFill>
+                <a:srgbClr val="FFFFFF"/>
+              </a:solidFill>
+              <a:latin typeface="Montserrat"/>
+              <a:ea typeface="Montserrat"/>
+              <a:cs typeface="Montserrat"/>
+              <a:sym typeface="Montserrat"/>
+            </a:endParaRPr>
+          </a:p>
+        </p:txBody>
+      </p:sp>
+    </p:spTree>
+  </p:cSld>
+  <p:clrMapOvr>
+    <a:masterClrMapping/>
+  </p:clrMapOvr>
+</p:sld>
+</file>
+
+<file path=ppt/slides/slide10.xml><?xml version="1.0" encoding="utf-8"?>
 <p:sld xmlns:a="http://schemas.openxmlformats.org/drawingml/2006/main" xmlns:r="http://schemas.openxmlformats.org/officeDocument/2006/relationships" xmlns:p="http://schemas.openxmlformats.org/presentationml/2006/main">
   <p:cSld>
     <p:spTree>
@@ -3330,7 +8846,7 @@
           <p:cNvPr id="2" name="Title 1">
             <a:extLst>
               <a:ext uri="{FF2B5EF4-FFF2-40B4-BE49-F238E27FC236}">
-                <a16:creationId xmlns:a16="http://schemas.microsoft.com/office/drawing/2014/main" id="{6C9C376F-6651-45F6-B125-71009516B0BF}"/>
+                <a16:creationId xmlns:a16="http://schemas.microsoft.com/office/drawing/2014/main" id="{D067E1E9-B921-47D1-B08B-95395FE21BDA}"/>
               </a:ext>
             </a:extLst>
           </p:cNvPr>
@@ -3338,7 +8854,7 @@
             <a:spLocks noGrp="1"/>
           </p:cNvSpPr>
           <p:nvPr>
-            <p:ph type="ctrTitle"/>
+            <p:ph type="title"/>
           </p:nvPr>
         </p:nvSpPr>
         <p:spPr/>
@@ -3348,17 +8864,17 @@
           <a:p>
             <a:r>
               <a:rPr lang="en-US" dirty="0"/>
-              <a:t>Building a Data Lakehouse</a:t>
-            </a:r>
-          </a:p>
-        </p:txBody>
-      </p:sp>
-      <p:sp>
-        <p:nvSpPr>
-          <p:cNvPr id="3" name="Subtitle 2">
+              <a:t>Delta Lake</a:t>
+            </a:r>
+          </a:p>
+        </p:txBody>
+      </p:sp>
+      <p:sp>
+        <p:nvSpPr>
+          <p:cNvPr id="3" name="Content Placeholder 2">
             <a:extLst>
               <a:ext uri="{FF2B5EF4-FFF2-40B4-BE49-F238E27FC236}">
-                <a16:creationId xmlns:a16="http://schemas.microsoft.com/office/drawing/2014/main" id="{D5F07A3D-B4AA-4DBC-93F5-B1FF5BFA23F8}"/>
+                <a16:creationId xmlns:a16="http://schemas.microsoft.com/office/drawing/2014/main" id="{E41ACCCE-1037-4DDA-9794-2048BDFE3BB9}"/>
               </a:ext>
             </a:extLst>
           </p:cNvPr>
@@ -3366,7 +8882,7 @@
             <a:spLocks noGrp="1"/>
           </p:cNvSpPr>
           <p:nvPr>
-            <p:ph type="subTitle" idx="1"/>
+            <p:ph idx="1"/>
           </p:nvPr>
         </p:nvSpPr>
         <p:spPr/>
@@ -3374,14 +8890,326 @@
           <a:bodyPr/>
           <a:lstStyle/>
           <a:p>
+            <a:r>
+              <a:rPr lang="en-US" dirty="0"/>
+              <a:t>A Delta Lake table is </a:t>
+            </a:r>
+          </a:p>
+          <a:p>
+            <a:pPr lvl="1"/>
+            <a:r>
+              <a:rPr lang="en-US" dirty="0"/>
+              <a:t>A directory of data objects</a:t>
+            </a:r>
+          </a:p>
+          <a:p>
+            <a:pPr lvl="2"/>
+            <a:r>
+              <a:rPr lang="en-US" dirty="0"/>
+              <a:t>These are stored as parquet files</a:t>
+            </a:r>
+          </a:p>
+          <a:p>
+            <a:pPr lvl="1"/>
+            <a:r>
+              <a:rPr lang="en-US" dirty="0"/>
+              <a:t>A log of transactions and metadata</a:t>
+            </a:r>
+          </a:p>
+          <a:p>
+            <a:pPr lvl="2"/>
+            <a:r>
+              <a:rPr lang="en-US" dirty="0"/>
+              <a:t>Called _</a:t>
+            </a:r>
+            <a:r>
+              <a:rPr lang="en-US" dirty="0" err="1"/>
+              <a:t>delta_log</a:t>
+            </a:r>
             <a:endParaRPr lang="en-US" dirty="0"/>
+          </a:p>
+          <a:p>
+            <a:pPr lvl="2"/>
+            <a:r>
+              <a:rPr lang="en-US" dirty="0"/>
+              <a:t>Json files, with checkpoints as parquet files</a:t>
+            </a:r>
+          </a:p>
+          <a:p>
+            <a:r>
+              <a:rPr lang="en-US" dirty="0"/>
+              <a:t>The data objects are immutable</a:t>
+            </a:r>
+          </a:p>
+          <a:p>
+            <a:r>
+              <a:rPr lang="en-US" dirty="0"/>
+              <a:t>The log tracks which files belong to which “version” of the table</a:t>
+            </a:r>
           </a:p>
         </p:txBody>
       </p:sp>
     </p:spTree>
     <p:extLst>
       <p:ext uri="{BB962C8B-B14F-4D97-AF65-F5344CB8AC3E}">
-        <p14:creationId xmlns:p14="http://schemas.microsoft.com/office/powerpoint/2010/main" val="1418545270"/>
+        <p14:creationId xmlns:p14="http://schemas.microsoft.com/office/powerpoint/2010/main" val="1450727058"/>
+      </p:ext>
+    </p:extLst>
+  </p:cSld>
+  <p:clrMapOvr>
+    <a:masterClrMapping/>
+  </p:clrMapOvr>
+</p:sld>
+</file>
+
+<file path=ppt/slides/slide11.xml><?xml version="1.0" encoding="utf-8"?>
+<p:sld xmlns:a="http://schemas.openxmlformats.org/drawingml/2006/main" xmlns:r="http://schemas.openxmlformats.org/officeDocument/2006/relationships" xmlns:p="http://schemas.openxmlformats.org/presentationml/2006/main">
+  <p:cSld>
+    <p:spTree>
+      <p:nvGrpSpPr>
+        <p:cNvPr id="1" name=""/>
+        <p:cNvGrpSpPr/>
+        <p:nvPr/>
+      </p:nvGrpSpPr>
+      <p:grpSpPr>
+        <a:xfrm>
+          <a:off x="0" y="0"/>
+          <a:ext cx="0" cy="0"/>
+          <a:chOff x="0" y="0"/>
+          <a:chExt cx="0" cy="0"/>
+        </a:xfrm>
+      </p:grpSpPr>
+      <p:sp>
+        <p:nvSpPr>
+          <p:cNvPr id="2" name="Title 1">
+            <a:extLst>
+              <a:ext uri="{FF2B5EF4-FFF2-40B4-BE49-F238E27FC236}">
+                <a16:creationId xmlns:a16="http://schemas.microsoft.com/office/drawing/2014/main" id="{D0D9A6CD-338D-43AA-B4C5-B3AF3B2966FD}"/>
+              </a:ext>
+            </a:extLst>
+          </p:cNvPr>
+          <p:cNvSpPr>
+            <a:spLocks noGrp="1"/>
+          </p:cNvSpPr>
+          <p:nvPr>
+            <p:ph type="title"/>
+          </p:nvPr>
+        </p:nvSpPr>
+        <p:spPr/>
+        <p:txBody>
+          <a:bodyPr/>
+          <a:lstStyle/>
+          <a:p>
+            <a:endParaRPr lang="en-US" dirty="0"/>
+          </a:p>
+        </p:txBody>
+      </p:sp>
+      <p:pic>
+        <p:nvPicPr>
+          <p:cNvPr id="3076" name="Picture 4" descr="Diagram of an advanced analytics architecture using Azure Synapse Analytics with Azure Data Lake Storage Gen2, Azure Analysis Services, Azure Cosmos DB, and Power BI.">
+            <a:extLst>
+              <a:ext uri="{FF2B5EF4-FFF2-40B4-BE49-F238E27FC236}">
+                <a16:creationId xmlns:a16="http://schemas.microsoft.com/office/drawing/2014/main" id="{B0C12309-9CBD-421B-9446-925F2CFAE6F5}"/>
+              </a:ext>
+            </a:extLst>
+          </p:cNvPr>
+          <p:cNvPicPr>
+            <a:picLocks noGrp="1" noChangeAspect="1" noChangeArrowheads="1"/>
+          </p:cNvPicPr>
+          <p:nvPr>
+            <p:ph idx="1"/>
+          </p:nvPr>
+        </p:nvPicPr>
+        <p:blipFill>
+          <a:blip r:embed="rId2">
+            <a:extLst>
+              <a:ext uri="{28A0092B-C50C-407E-A947-70E740481C1C}">
+                <a14:useLocalDpi xmlns:a14="http://schemas.microsoft.com/office/drawing/2010/main" val="0"/>
+              </a:ext>
+            </a:extLst>
+          </a:blip>
+          <a:srcRect/>
+          <a:stretch>
+            <a:fillRect/>
+          </a:stretch>
+        </p:blipFill>
+        <p:spPr bwMode="auto">
+          <a:xfrm>
+            <a:off x="2848733" y="1825625"/>
+            <a:ext cx="6494533" cy="4351338"/>
+          </a:xfrm>
+          <a:prstGeom prst="rect">
+            <a:avLst/>
+          </a:prstGeom>
+          <a:noFill/>
+          <a:extLst>
+            <a:ext uri="{909E8E84-426E-40DD-AFC4-6F175D3DCCD1}">
+              <a14:hiddenFill xmlns:a14="http://schemas.microsoft.com/office/drawing/2010/main">
+                <a:solidFill>
+                  <a:srgbClr val="FFFFFF"/>
+                </a:solidFill>
+              </a14:hiddenFill>
+            </a:ext>
+          </a:extLst>
+        </p:spPr>
+      </p:pic>
+    </p:spTree>
+    <p:extLst>
+      <p:ext uri="{BB962C8B-B14F-4D97-AF65-F5344CB8AC3E}">
+        <p14:creationId xmlns:p14="http://schemas.microsoft.com/office/powerpoint/2010/main" val="1118245519"/>
+      </p:ext>
+    </p:extLst>
+  </p:cSld>
+  <p:clrMapOvr>
+    <a:masterClrMapping/>
+  </p:clrMapOvr>
+</p:sld>
+</file>
+
+<file path=ppt/slides/slide12.xml><?xml version="1.0" encoding="utf-8"?>
+<p:sld xmlns:a="http://schemas.openxmlformats.org/drawingml/2006/main" xmlns:r="http://schemas.openxmlformats.org/officeDocument/2006/relationships" xmlns:p="http://schemas.openxmlformats.org/presentationml/2006/main">
+  <p:cSld>
+    <p:spTree>
+      <p:nvGrpSpPr>
+        <p:cNvPr id="1" name=""/>
+        <p:cNvGrpSpPr/>
+        <p:nvPr/>
+      </p:nvGrpSpPr>
+      <p:grpSpPr>
+        <a:xfrm>
+          <a:off x="0" y="0"/>
+          <a:ext cx="0" cy="0"/>
+          <a:chOff x="0" y="0"/>
+          <a:chExt cx="0" cy="0"/>
+        </a:xfrm>
+      </p:grpSpPr>
+      <p:sp>
+        <p:nvSpPr>
+          <p:cNvPr id="2" name="Title 1">
+            <a:extLst>
+              <a:ext uri="{FF2B5EF4-FFF2-40B4-BE49-F238E27FC236}">
+                <a16:creationId xmlns:a16="http://schemas.microsoft.com/office/drawing/2014/main" id="{21846E06-3172-4242-9629-BBE178FF9646}"/>
+              </a:ext>
+            </a:extLst>
+          </p:cNvPr>
+          <p:cNvSpPr>
+            <a:spLocks noGrp="1"/>
+          </p:cNvSpPr>
+          <p:nvPr>
+            <p:ph type="title"/>
+          </p:nvPr>
+        </p:nvSpPr>
+        <p:spPr/>
+        <p:txBody>
+          <a:bodyPr/>
+          <a:lstStyle/>
+          <a:p>
+            <a:r>
+              <a:rPr lang="en-US" dirty="0"/>
+              <a:t>Related Resources</a:t>
+            </a:r>
+          </a:p>
+        </p:txBody>
+      </p:sp>
+      <p:sp>
+        <p:nvSpPr>
+          <p:cNvPr id="3" name="Content Placeholder 2">
+            <a:extLst>
+              <a:ext uri="{FF2B5EF4-FFF2-40B4-BE49-F238E27FC236}">
+                <a16:creationId xmlns:a16="http://schemas.microsoft.com/office/drawing/2014/main" id="{1DFD461C-5301-4B01-B3B5-295651386685}"/>
+              </a:ext>
+            </a:extLst>
+          </p:cNvPr>
+          <p:cNvSpPr>
+            <a:spLocks noGrp="1"/>
+          </p:cNvSpPr>
+          <p:nvPr>
+            <p:ph idx="1"/>
+          </p:nvPr>
+        </p:nvSpPr>
+        <p:spPr/>
+        <p:txBody>
+          <a:bodyPr>
+            <a:normAutofit fontScale="92500" lnSpcReduction="10000"/>
+          </a:bodyPr>
+          <a:lstStyle/>
+          <a:p>
+            <a:r>
+              <a:rPr lang="en-US" dirty="0"/>
+              <a:t>Data Warehouse Toolkit</a:t>
+            </a:r>
+          </a:p>
+          <a:p>
+            <a:r>
+              <a:rPr lang="en-US" dirty="0"/>
+              <a:t>Lakehouse Whitepaper - </a:t>
+            </a:r>
+            <a:r>
+              <a:rPr lang="en-US" dirty="0">
+                <a:hlinkClick r:id="rId2"/>
+              </a:rPr>
+              <a:t>https://www.cidrdb.org/cidr2021/papers/cidr2021_paper17.pdf</a:t>
+            </a:r>
+            <a:r>
+              <a:rPr lang="en-US" dirty="0"/>
+              <a:t> </a:t>
+            </a:r>
+          </a:p>
+          <a:p>
+            <a:r>
+              <a:rPr lang="en-US" dirty="0"/>
+              <a:t>Delta Lake whitepaper - </a:t>
+            </a:r>
+            <a:r>
+              <a:rPr lang="en-US" dirty="0">
+                <a:hlinkClick r:id="rId3"/>
+              </a:rPr>
+              <a:t>https://www.databricks.com/wp-content/uploads/2020/08/p975-armbrust.pdf</a:t>
+            </a:r>
+            <a:endParaRPr lang="en-US" dirty="0"/>
+          </a:p>
+          <a:p>
+            <a:r>
+              <a:rPr lang="en-US" dirty="0"/>
+              <a:t>Azure Architectures</a:t>
+            </a:r>
+          </a:p>
+          <a:p>
+            <a:pPr lvl="1"/>
+            <a:r>
+              <a:rPr lang="en-US" dirty="0">
+                <a:hlinkClick r:id="rId4"/>
+              </a:rPr>
+              <a:t>https://docs.microsoft.com/en-us/azure/architecture/reference-architectures/data/enterprise-bi-synapse</a:t>
+            </a:r>
+            <a:endParaRPr lang="en-US" dirty="0"/>
+          </a:p>
+          <a:p>
+            <a:pPr lvl="1"/>
+            <a:r>
+              <a:rPr lang="en-US" dirty="0">
+                <a:hlinkClick r:id="rId5"/>
+              </a:rPr>
+              <a:t>https://docs.microsoft.com/en-us/azure/architecture/data-guide/relational-data/online-analytical-processing</a:t>
+            </a:r>
+            <a:endParaRPr lang="en-US" dirty="0"/>
+          </a:p>
+          <a:p>
+            <a:pPr lvl="1"/>
+            <a:r>
+              <a:rPr lang="en-US" dirty="0">
+                <a:hlinkClick r:id="rId6"/>
+              </a:rPr>
+              <a:t>https://docs.microsoft.com/en-us/azure/architecture/solution-ideas/articles/advanced-analytics-on-big-data</a:t>
+            </a:r>
+            <a:endParaRPr lang="en-US" dirty="0"/>
+          </a:p>
+        </p:txBody>
+      </p:sp>
+    </p:spTree>
+    <p:extLst>
+      <p:ext uri="{BB962C8B-B14F-4D97-AF65-F5344CB8AC3E}">
+        <p14:creationId xmlns:p14="http://schemas.microsoft.com/office/powerpoint/2010/main" val="2131389031"/>
       </p:ext>
     </p:extLst>
   </p:cSld>
@@ -3413,7 +9241,7 @@
           <p:cNvPr id="2" name="Title 1">
             <a:extLst>
               <a:ext uri="{FF2B5EF4-FFF2-40B4-BE49-F238E27FC236}">
-                <a16:creationId xmlns:a16="http://schemas.microsoft.com/office/drawing/2014/main" id="{0AF2541A-0558-46F5-8F4C-7C1B3727D96F}"/>
+                <a16:creationId xmlns:a16="http://schemas.microsoft.com/office/drawing/2014/main" id="{5D810B04-79E1-4F72-BF9D-28EB3FC6D953}"/>
               </a:ext>
             </a:extLst>
           </p:cNvPr>
@@ -3431,17 +9259,17 @@
           <a:p>
             <a:r>
               <a:rPr lang="en-US" dirty="0"/>
-              <a:t>Intro of Data Warehousing</a:t>
-            </a:r>
-          </a:p>
-        </p:txBody>
-      </p:sp>
-      <p:sp>
-        <p:nvSpPr>
-          <p:cNvPr id="3" name="Content Placeholder 2">
+              <a:t>README</a:t>
+            </a:r>
+          </a:p>
+        </p:txBody>
+      </p:sp>
+      <p:sp>
+        <p:nvSpPr>
+          <p:cNvPr id="3" name="Text Placeholder 2">
             <a:extLst>
               <a:ext uri="{FF2B5EF4-FFF2-40B4-BE49-F238E27FC236}">
-                <a16:creationId xmlns:a16="http://schemas.microsoft.com/office/drawing/2014/main" id="{51D0D2B5-7401-4092-9E30-443C7CAF7CC4}"/>
+                <a16:creationId xmlns:a16="http://schemas.microsoft.com/office/drawing/2014/main" id="{7400D52E-C144-4B2B-AD49-1F7B39CF6DD9}"/>
               </a:ext>
             </a:extLst>
           </p:cNvPr>
@@ -3449,7 +9277,7 @@
             <a:spLocks noGrp="1"/>
           </p:cNvSpPr>
           <p:nvPr>
-            <p:ph idx="1"/>
+            <p:ph type="body" idx="1"/>
           </p:nvPr>
         </p:nvSpPr>
         <p:spPr/>
@@ -3457,44 +9285,85 @@
           <a:bodyPr/>
           <a:lstStyle/>
           <a:p>
-            <a:r>
-              <a:rPr lang="en-US" dirty="0"/>
-              <a:t>OLTP vs OLAP</a:t>
-            </a:r>
-          </a:p>
-          <a:p>
-            <a:r>
-              <a:rPr lang="en-US" dirty="0"/>
-              <a:t>Kimball and the Dimensional Model</a:t>
-            </a:r>
-          </a:p>
-          <a:p>
-            <a:endParaRPr lang="en-US" dirty="0"/>
-          </a:p>
-          <a:p>
-            <a:r>
-              <a:rPr lang="en-US" dirty="0"/>
-              <a:t>Data read into staging tables and transformed using SQL</a:t>
-            </a:r>
-          </a:p>
-          <a:p>
-            <a:endParaRPr lang="en-US" dirty="0"/>
-          </a:p>
-          <a:p>
-            <a:r>
-              <a:rPr lang="en-US" dirty="0"/>
-              <a:t>Rigid schema on write</a:t>
-            </a:r>
-          </a:p>
-          <a:p>
-            <a:endParaRPr lang="en-US" dirty="0"/>
+            <a:pPr>
+              <a:buFont typeface="Arial" panose="020B0604020202020204" pitchFamily="34" charset="0"/>
+              <a:buChar char="•"/>
+            </a:pPr>
+            <a:r>
+              <a:rPr lang="en-US" sz="2800" dirty="0">
+                <a:latin typeface="Calibri" panose="020F0502020204030204" pitchFamily="34" charset="0"/>
+                <a:cs typeface="Calibri" panose="020F0502020204030204" pitchFamily="34" charset="0"/>
+              </a:rPr>
+              <a:t>Live in Mount Juliet, grew up here in Nashville</a:t>
+            </a:r>
+          </a:p>
+          <a:p>
+            <a:pPr>
+              <a:buFont typeface="Arial" panose="020B0604020202020204" pitchFamily="34" charset="0"/>
+              <a:buChar char="•"/>
+            </a:pPr>
+            <a:r>
+              <a:rPr lang="en-US" sz="2800" dirty="0">
+                <a:latin typeface="Calibri" panose="020F0502020204030204" pitchFamily="34" charset="0"/>
+                <a:cs typeface="Calibri" panose="020F0502020204030204" pitchFamily="34" charset="0"/>
+              </a:rPr>
+              <a:t>Computer Science at TTU</a:t>
+            </a:r>
+          </a:p>
+          <a:p>
+            <a:pPr>
+              <a:buFont typeface="Arial" panose="020B0604020202020204" pitchFamily="34" charset="0"/>
+              <a:buChar char="•"/>
+            </a:pPr>
+            <a:r>
+              <a:rPr lang="en-US" sz="2800" dirty="0">
+                <a:latin typeface="Calibri" panose="020F0502020204030204" pitchFamily="34" charset="0"/>
+                <a:cs typeface="Calibri" panose="020F0502020204030204" pitchFamily="34" charset="0"/>
+              </a:rPr>
+              <a:t>10 years working in data and analytics</a:t>
+            </a:r>
+          </a:p>
+          <a:p>
+            <a:pPr>
+              <a:buFont typeface="Arial" panose="020B0604020202020204" pitchFamily="34" charset="0"/>
+              <a:buChar char="•"/>
+            </a:pPr>
+            <a:endParaRPr lang="en-US" sz="2800" dirty="0">
+              <a:latin typeface="Calibri" panose="020F0502020204030204" pitchFamily="34" charset="0"/>
+              <a:cs typeface="Calibri" panose="020F0502020204030204" pitchFamily="34" charset="0"/>
+            </a:endParaRPr>
+          </a:p>
+          <a:p>
+            <a:pPr>
+              <a:buFont typeface="Arial" panose="020B0604020202020204" pitchFamily="34" charset="0"/>
+              <a:buChar char="•"/>
+            </a:pPr>
+            <a:r>
+              <a:rPr lang="en-US" sz="2800" dirty="0">
+                <a:latin typeface="Calibri" panose="020F0502020204030204" pitchFamily="34" charset="0"/>
+                <a:cs typeface="Calibri" panose="020F0502020204030204" pitchFamily="34" charset="0"/>
+              </a:rPr>
+              <a:t>This presentation is open source! Materials for this presentation, including this presentation, can be found at </a:t>
+            </a:r>
+            <a:r>
+              <a:rPr lang="en-US" sz="2800" dirty="0">
+                <a:latin typeface="Calibri" panose="020F0502020204030204" pitchFamily="34" charset="0"/>
+                <a:cs typeface="Calibri" panose="020F0502020204030204" pitchFamily="34" charset="0"/>
+                <a:hlinkClick r:id="rId2"/>
+              </a:rPr>
+              <a:t>https://github.com/shswindell42/Presentations/tree/main/Building%20a%20Data%20Lakehouse</a:t>
+            </a:r>
+            <a:endParaRPr lang="en-US" sz="2800" dirty="0">
+              <a:latin typeface="Calibri" panose="020F0502020204030204" pitchFamily="34" charset="0"/>
+              <a:cs typeface="Calibri" panose="020F0502020204030204" pitchFamily="34" charset="0"/>
+            </a:endParaRPr>
           </a:p>
         </p:txBody>
       </p:sp>
     </p:spTree>
     <p:extLst>
       <p:ext uri="{BB962C8B-B14F-4D97-AF65-F5344CB8AC3E}">
-        <p14:creationId xmlns:p14="http://schemas.microsoft.com/office/powerpoint/2010/main" val="1646018496"/>
+        <p14:creationId xmlns:p14="http://schemas.microsoft.com/office/powerpoint/2010/main" val="3486043381"/>
       </p:ext>
     </p:extLst>
   </p:cSld>
@@ -3526,7 +9395,7 @@
           <p:cNvPr id="2" name="Title 1">
             <a:extLst>
               <a:ext uri="{FF2B5EF4-FFF2-40B4-BE49-F238E27FC236}">
-                <a16:creationId xmlns:a16="http://schemas.microsoft.com/office/drawing/2014/main" id="{4B57E9E2-2EF9-49B4-A0D7-4EE1A2A5351E}"/>
+                <a16:creationId xmlns:a16="http://schemas.microsoft.com/office/drawing/2014/main" id="{0AF2541A-0558-46F5-8F4C-7C1B3727D96F}"/>
               </a:ext>
             </a:extLst>
           </p:cNvPr>
@@ -3544,7 +9413,7 @@
           <a:p>
             <a:r>
               <a:rPr lang="en-US" dirty="0"/>
-              <a:t>Enter Data Lake</a:t>
+              <a:t>Introduction of Data Warehousing</a:t>
             </a:r>
           </a:p>
         </p:txBody>
@@ -3554,7 +9423,7 @@
           <p:cNvPr id="3" name="Content Placeholder 2">
             <a:extLst>
               <a:ext uri="{FF2B5EF4-FFF2-40B4-BE49-F238E27FC236}">
-                <a16:creationId xmlns:a16="http://schemas.microsoft.com/office/drawing/2014/main" id="{AC74B832-4A56-4145-9672-DDA0E6213DEF}"/>
+                <a16:creationId xmlns:a16="http://schemas.microsoft.com/office/drawing/2014/main" id="{51D0D2B5-7401-4092-9E30-443C7CAF7CC4}"/>
               </a:ext>
             </a:extLst>
           </p:cNvPr>
@@ -3565,32 +9434,41 @@
             <p:ph idx="1"/>
           </p:nvPr>
         </p:nvSpPr>
-        <p:spPr/>
-        <p:txBody>
-          <a:bodyPr/>
+        <p:spPr>
+          <a:xfrm>
+            <a:off x="838200" y="1825625"/>
+            <a:ext cx="7076090" cy="4351338"/>
+          </a:xfrm>
+        </p:spPr>
+        <p:txBody>
+          <a:bodyPr>
+            <a:normAutofit/>
+          </a:bodyPr>
           <a:lstStyle/>
           <a:p>
             <a:r>
               <a:rPr lang="en-US" dirty="0"/>
-              <a:t>More flexible storage of data</a:t>
+              <a:t>OLTP vs OLAP</a:t>
             </a:r>
           </a:p>
           <a:p>
             <a:r>
               <a:rPr lang="en-US" dirty="0"/>
-              <a:t>Separation of storage and compute</a:t>
-            </a:r>
-          </a:p>
-          <a:p>
+              <a:t>The Dimensional Model</a:t>
+            </a:r>
+          </a:p>
+          <a:p>
+            <a:pPr lvl="1"/>
             <a:r>
               <a:rPr lang="en-US" dirty="0"/>
-              <a:t>Some transformation in the Data Lake</a:t>
-            </a:r>
-          </a:p>
-          <a:p>
+              <a:t>Introduced by Ralph Kimball</a:t>
+            </a:r>
+          </a:p>
+          <a:p>
+            <a:pPr lvl="1"/>
             <a:r>
               <a:rPr lang="en-US" dirty="0"/>
-              <a:t>Data copied into data warehouse system</a:t>
+              <a:t>See “The Data Warehouse Toolkit”</a:t>
             </a:r>
           </a:p>
           <a:p>
@@ -3599,15 +9477,74 @@
           <a:p>
             <a:r>
               <a:rPr lang="en-US" dirty="0"/>
-              <a:t>Cost to keep a DW system up and running w/ no activity</a:t>
-            </a:r>
-          </a:p>
-        </p:txBody>
-      </p:sp>
+              <a:t>Data read into staging tables and transformed using SQL</a:t>
+            </a:r>
+          </a:p>
+          <a:p>
+            <a:endParaRPr lang="en-US" dirty="0"/>
+          </a:p>
+          <a:p>
+            <a:r>
+              <a:rPr lang="en-US" dirty="0"/>
+              <a:t>Rigid schema on write</a:t>
+            </a:r>
+          </a:p>
+          <a:p>
+            <a:endParaRPr lang="en-US" dirty="0"/>
+          </a:p>
+        </p:txBody>
+      </p:sp>
+      <p:pic>
+        <p:nvPicPr>
+          <p:cNvPr id="1028" name="Picture 4" descr="Amazon.com: The Data Warehouse Toolkit: The Definitive Guide to Dimensional  Modeling, 3rd Edition: 8601405019745: Kimball, Ralph, Ross, Margy: Libros">
+            <a:extLst>
+              <a:ext uri="{FF2B5EF4-FFF2-40B4-BE49-F238E27FC236}">
+                <a16:creationId xmlns:a16="http://schemas.microsoft.com/office/drawing/2014/main" id="{0B659808-3E22-4995-AA51-BF9C9BAEC7EE}"/>
+              </a:ext>
+            </a:extLst>
+          </p:cNvPr>
+          <p:cNvPicPr>
+            <a:picLocks noChangeAspect="1" noChangeArrowheads="1"/>
+          </p:cNvPicPr>
+          <p:nvPr/>
+        </p:nvPicPr>
+        <p:blipFill>
+          <a:blip r:embed="rId2">
+            <a:extLst>
+              <a:ext uri="{28A0092B-C50C-407E-A947-70E740481C1C}">
+                <a14:useLocalDpi xmlns:a14="http://schemas.microsoft.com/office/drawing/2010/main" val="0"/>
+              </a:ext>
+            </a:extLst>
+          </a:blip>
+          <a:srcRect/>
+          <a:stretch>
+            <a:fillRect/>
+          </a:stretch>
+        </p:blipFill>
+        <p:spPr bwMode="auto">
+          <a:xfrm>
+            <a:off x="8450097" y="1898965"/>
+            <a:ext cx="3353020" cy="4204658"/>
+          </a:xfrm>
+          <a:prstGeom prst="rect">
+            <a:avLst/>
+          </a:prstGeom>
+          <a:noFill/>
+          <a:extLst>
+            <a:ext uri="{909E8E84-426E-40DD-AFC4-6F175D3DCCD1}">
+              <a14:hiddenFill xmlns:a14="http://schemas.microsoft.com/office/drawing/2010/main">
+                <a:solidFill>
+                  <a:srgbClr val="FFFFFF"/>
+                </a:solidFill>
+              </a14:hiddenFill>
+            </a:ext>
+          </a:extLst>
+        </p:spPr>
+      </p:pic>
     </p:spTree>
     <p:extLst>
       <p:ext uri="{BB962C8B-B14F-4D97-AF65-F5344CB8AC3E}">
-        <p14:creationId xmlns:p14="http://schemas.microsoft.com/office/powerpoint/2010/main" val="3097239555"/>
+        <p14:creationId xmlns:p14="http://schemas.microsoft.com/office/powerpoint/2010/main" val="1646018496"/>
       </p:ext>
     </p:extLst>
   </p:cSld>
@@ -3639,7 +9576,7 @@
           <p:cNvPr id="2" name="Title 1">
             <a:extLst>
               <a:ext uri="{FF2B5EF4-FFF2-40B4-BE49-F238E27FC236}">
-                <a16:creationId xmlns:a16="http://schemas.microsoft.com/office/drawing/2014/main" id="{B0BAC832-A0D1-470B-9332-30AEB7D4F21F}"/>
+                <a16:creationId xmlns:a16="http://schemas.microsoft.com/office/drawing/2014/main" id="{5D18F17C-2EAF-46FF-AEE9-A31020676381}"/>
               </a:ext>
             </a:extLst>
           </p:cNvPr>
@@ -3657,97 +9594,64 @@
           <a:p>
             <a:r>
               <a:rPr lang="en-US" dirty="0"/>
-              <a:t>Challenges with Data Lakes</a:t>
-            </a:r>
-          </a:p>
-        </p:txBody>
-      </p:sp>
-      <p:sp>
-        <p:nvSpPr>
-          <p:cNvPr id="3" name="Content Placeholder 2">
+              <a:t>Early days of Data Warehousing</a:t>
+            </a:r>
+          </a:p>
+        </p:txBody>
+      </p:sp>
+      <p:pic>
+        <p:nvPicPr>
+          <p:cNvPr id="4102" name="Picture 6" descr="Example diagram of a semantic layer between a data warehouse and a reporting tool">
             <a:extLst>
               <a:ext uri="{FF2B5EF4-FFF2-40B4-BE49-F238E27FC236}">
-                <a16:creationId xmlns:a16="http://schemas.microsoft.com/office/drawing/2014/main" id="{1F4B06AC-2AEB-4F92-893F-BF9F57AF2781}"/>
+                <a16:creationId xmlns:a16="http://schemas.microsoft.com/office/drawing/2014/main" id="{2AEFED9B-18B1-491B-B7AD-D2CCFAAC8718}"/>
               </a:ext>
             </a:extLst>
           </p:cNvPr>
-          <p:cNvSpPr>
-            <a:spLocks noGrp="1"/>
-          </p:cNvSpPr>
+          <p:cNvPicPr>
+            <a:picLocks noGrp="1" noChangeAspect="1" noChangeArrowheads="1"/>
+          </p:cNvPicPr>
           <p:nvPr>
             <p:ph idx="1"/>
           </p:nvPr>
-        </p:nvSpPr>
-        <p:spPr/>
-        <p:txBody>
-          <a:bodyPr/>
-          <a:lstStyle/>
-          <a:p>
-            <a:r>
-              <a:rPr lang="en-US" dirty="0"/>
-              <a:t>No ability update data in place </a:t>
-            </a:r>
-          </a:p>
-          <a:p>
-            <a:pPr lvl="1"/>
-            <a:r>
-              <a:rPr lang="en-US" dirty="0"/>
-              <a:t>Files have to be totally rewritten</a:t>
-            </a:r>
-          </a:p>
-          <a:p>
-            <a:pPr lvl="1"/>
-            <a:endParaRPr lang="en-US" dirty="0"/>
-          </a:p>
-          <a:p>
-            <a:r>
-              <a:rPr lang="en-US" dirty="0"/>
-              <a:t>ACID compliance</a:t>
-            </a:r>
-          </a:p>
-          <a:p>
-            <a:pPr lvl="1"/>
-            <a:r>
-              <a:rPr lang="en-US" dirty="0"/>
-              <a:t>Atomicity</a:t>
-            </a:r>
-          </a:p>
-          <a:p>
-            <a:pPr lvl="1"/>
-            <a:r>
-              <a:rPr lang="en-US" dirty="0"/>
-              <a:t>Consistency</a:t>
-            </a:r>
-          </a:p>
-          <a:p>
-            <a:pPr lvl="1"/>
-            <a:r>
-              <a:rPr lang="en-US" dirty="0"/>
-              <a:t>Isolation</a:t>
-            </a:r>
-          </a:p>
-          <a:p>
-            <a:pPr lvl="1"/>
-            <a:r>
-              <a:rPr lang="en-US" dirty="0"/>
-              <a:t>Durability</a:t>
-            </a:r>
-          </a:p>
-          <a:p>
-            <a:endParaRPr lang="en-US" dirty="0"/>
-          </a:p>
-          <a:p>
-            <a:pPr marL="0" indent="0">
-              <a:buNone/>
-            </a:pPr>
-            <a:endParaRPr lang="en-US" dirty="0"/>
-          </a:p>
-        </p:txBody>
-      </p:sp>
+        </p:nvPicPr>
+        <p:blipFill>
+          <a:blip r:embed="rId2">
+            <a:extLst>
+              <a:ext uri="{28A0092B-C50C-407E-A947-70E740481C1C}">
+                <a14:useLocalDpi xmlns:a14="http://schemas.microsoft.com/office/drawing/2010/main" val="0"/>
+              </a:ext>
+            </a:extLst>
+          </a:blip>
+          <a:srcRect/>
+          <a:stretch>
+            <a:fillRect/>
+          </a:stretch>
+        </p:blipFill>
+        <p:spPr bwMode="auto">
+          <a:xfrm>
+            <a:off x="1071691" y="2260241"/>
+            <a:ext cx="9513490" cy="3184213"/>
+          </a:xfrm>
+          <a:prstGeom prst="rect">
+            <a:avLst/>
+          </a:prstGeom>
+          <a:noFill/>
+          <a:extLst>
+            <a:ext uri="{909E8E84-426E-40DD-AFC4-6F175D3DCCD1}">
+              <a14:hiddenFill xmlns:a14="http://schemas.microsoft.com/office/drawing/2010/main">
+                <a:solidFill>
+                  <a:srgbClr val="FFFFFF"/>
+                </a:solidFill>
+              </a14:hiddenFill>
+            </a:ext>
+          </a:extLst>
+        </p:spPr>
+      </p:pic>
     </p:spTree>
     <p:extLst>
       <p:ext uri="{BB962C8B-B14F-4D97-AF65-F5344CB8AC3E}">
-        <p14:creationId xmlns:p14="http://schemas.microsoft.com/office/powerpoint/2010/main" val="1861245517"/>
+        <p14:creationId xmlns:p14="http://schemas.microsoft.com/office/powerpoint/2010/main" val="3871207223"/>
       </p:ext>
     </p:extLst>
   </p:cSld>
@@ -3779,6 +9683,556 @@
           <p:cNvPr id="2" name="Title 1">
             <a:extLst>
               <a:ext uri="{FF2B5EF4-FFF2-40B4-BE49-F238E27FC236}">
+                <a16:creationId xmlns:a16="http://schemas.microsoft.com/office/drawing/2014/main" id="{4B57E9E2-2EF9-49B4-A0D7-4EE1A2A5351E}"/>
+              </a:ext>
+            </a:extLst>
+          </p:cNvPr>
+          <p:cNvSpPr>
+            <a:spLocks noGrp="1"/>
+          </p:cNvSpPr>
+          <p:nvPr>
+            <p:ph type="title"/>
+          </p:nvPr>
+        </p:nvSpPr>
+        <p:spPr/>
+        <p:txBody>
+          <a:bodyPr/>
+          <a:lstStyle/>
+          <a:p>
+            <a:r>
+              <a:rPr lang="en-US" dirty="0"/>
+              <a:t>Introduction of the Data Lake</a:t>
+            </a:r>
+          </a:p>
+        </p:txBody>
+      </p:sp>
+      <p:sp>
+        <p:nvSpPr>
+          <p:cNvPr id="3" name="Content Placeholder 2">
+            <a:extLst>
+              <a:ext uri="{FF2B5EF4-FFF2-40B4-BE49-F238E27FC236}">
+                <a16:creationId xmlns:a16="http://schemas.microsoft.com/office/drawing/2014/main" id="{AC74B832-4A56-4145-9672-DDA0E6213DEF}"/>
+              </a:ext>
+            </a:extLst>
+          </p:cNvPr>
+          <p:cNvSpPr>
+            <a:spLocks noGrp="1"/>
+          </p:cNvSpPr>
+          <p:nvPr>
+            <p:ph idx="1"/>
+          </p:nvPr>
+        </p:nvSpPr>
+        <p:spPr/>
+        <p:txBody>
+          <a:bodyPr/>
+          <a:lstStyle/>
+          <a:p>
+            <a:r>
+              <a:rPr lang="en-US" dirty="0"/>
+              <a:t>Data Lakes allow for more flexible storage of data</a:t>
+            </a:r>
+          </a:p>
+          <a:p>
+            <a:pPr lvl="1"/>
+            <a:r>
+              <a:rPr lang="en-US" dirty="0"/>
+              <a:t>It’s just file storage!</a:t>
+            </a:r>
+          </a:p>
+          <a:p>
+            <a:r>
+              <a:rPr lang="en-US" dirty="0"/>
+              <a:t>Data first loaded into the Data Lake</a:t>
+            </a:r>
+          </a:p>
+          <a:p>
+            <a:pPr lvl="1"/>
+            <a:r>
+              <a:rPr lang="en-US" dirty="0"/>
+              <a:t>Keep a copy of everything</a:t>
+            </a:r>
+          </a:p>
+          <a:p>
+            <a:pPr lvl="1"/>
+            <a:endParaRPr lang="en-US" dirty="0"/>
+          </a:p>
+          <a:p>
+            <a:r>
+              <a:rPr lang="en-US" dirty="0"/>
+              <a:t>Data copied into data warehouse system</a:t>
+            </a:r>
+          </a:p>
+        </p:txBody>
+      </p:sp>
+    </p:spTree>
+    <p:extLst>
+      <p:ext uri="{BB962C8B-B14F-4D97-AF65-F5344CB8AC3E}">
+        <p14:creationId xmlns:p14="http://schemas.microsoft.com/office/powerpoint/2010/main" val="3097239555"/>
+      </p:ext>
+    </p:extLst>
+  </p:cSld>
+  <p:clrMapOvr>
+    <a:masterClrMapping/>
+  </p:clrMapOvr>
+</p:sld>
+</file>
+
+<file path=ppt/slides/slide6.xml><?xml version="1.0" encoding="utf-8"?>
+<p:sld xmlns:a="http://schemas.openxmlformats.org/drawingml/2006/main" xmlns:r="http://schemas.openxmlformats.org/officeDocument/2006/relationships" xmlns:p="http://schemas.openxmlformats.org/presentationml/2006/main">
+  <p:cSld>
+    <p:spTree>
+      <p:nvGrpSpPr>
+        <p:cNvPr id="1" name=""/>
+        <p:cNvGrpSpPr/>
+        <p:nvPr/>
+      </p:nvGrpSpPr>
+      <p:grpSpPr>
+        <a:xfrm>
+          <a:off x="0" y="0"/>
+          <a:ext cx="0" cy="0"/>
+          <a:chOff x="0" y="0"/>
+          <a:chExt cx="0" cy="0"/>
+        </a:xfrm>
+      </p:grpSpPr>
+      <p:sp>
+        <p:nvSpPr>
+          <p:cNvPr id="2" name="Title 1">
+            <a:extLst>
+              <a:ext uri="{FF2B5EF4-FFF2-40B4-BE49-F238E27FC236}">
+                <a16:creationId xmlns:a16="http://schemas.microsoft.com/office/drawing/2014/main" id="{598D7AF9-26A6-4B5D-8C8C-166539A55064}"/>
+              </a:ext>
+            </a:extLst>
+          </p:cNvPr>
+          <p:cNvSpPr>
+            <a:spLocks noGrp="1"/>
+          </p:cNvSpPr>
+          <p:nvPr>
+            <p:ph type="title"/>
+          </p:nvPr>
+        </p:nvSpPr>
+        <p:spPr/>
+        <p:txBody>
+          <a:bodyPr/>
+          <a:lstStyle/>
+          <a:p>
+            <a:r>
+              <a:rPr lang="en-US" dirty="0"/>
+              <a:t>Data Warehouse with Data Lake</a:t>
+            </a:r>
+          </a:p>
+        </p:txBody>
+      </p:sp>
+      <p:pic>
+        <p:nvPicPr>
+          <p:cNvPr id="2050" name="Picture 2" descr="Diagram showing the architecture for Enterprise BI in Azure with Azure Synapse.">
+            <a:extLst>
+              <a:ext uri="{FF2B5EF4-FFF2-40B4-BE49-F238E27FC236}">
+                <a16:creationId xmlns:a16="http://schemas.microsoft.com/office/drawing/2014/main" id="{CD2E55FE-4D23-438D-B952-9A8280A8266F}"/>
+              </a:ext>
+            </a:extLst>
+          </p:cNvPr>
+          <p:cNvPicPr>
+            <a:picLocks noGrp="1" noChangeAspect="1" noChangeArrowheads="1"/>
+          </p:cNvPicPr>
+          <p:nvPr>
+            <p:ph idx="1"/>
+          </p:nvPr>
+        </p:nvPicPr>
+        <p:blipFill>
+          <a:blip r:embed="rId2">
+            <a:extLst>
+              <a:ext uri="{28A0092B-C50C-407E-A947-70E740481C1C}">
+                <a14:useLocalDpi xmlns:a14="http://schemas.microsoft.com/office/drawing/2010/main" val="0"/>
+              </a:ext>
+            </a:extLst>
+          </a:blip>
+          <a:srcRect/>
+          <a:stretch>
+            <a:fillRect/>
+          </a:stretch>
+        </p:blipFill>
+        <p:spPr bwMode="auto">
+          <a:xfrm>
+            <a:off x="1877964" y="2218059"/>
+            <a:ext cx="8436071" cy="3566469"/>
+          </a:xfrm>
+          <a:prstGeom prst="rect">
+            <a:avLst/>
+          </a:prstGeom>
+          <a:noFill/>
+          <a:extLst>
+            <a:ext uri="{909E8E84-426E-40DD-AFC4-6F175D3DCCD1}">
+              <a14:hiddenFill xmlns:a14="http://schemas.microsoft.com/office/drawing/2010/main">
+                <a:solidFill>
+                  <a:srgbClr val="FFFFFF"/>
+                </a:solidFill>
+              </a14:hiddenFill>
+            </a:ext>
+          </a:extLst>
+        </p:spPr>
+      </p:pic>
+    </p:spTree>
+    <p:extLst>
+      <p:ext uri="{BB962C8B-B14F-4D97-AF65-F5344CB8AC3E}">
+        <p14:creationId xmlns:p14="http://schemas.microsoft.com/office/powerpoint/2010/main" val="305817966"/>
+      </p:ext>
+    </p:extLst>
+  </p:cSld>
+  <p:clrMapOvr>
+    <a:masterClrMapping/>
+  </p:clrMapOvr>
+</p:sld>
+</file>
+
+<file path=ppt/slides/slide7.xml><?xml version="1.0" encoding="utf-8"?>
+<p:sld xmlns:a="http://schemas.openxmlformats.org/drawingml/2006/main" xmlns:r="http://schemas.openxmlformats.org/officeDocument/2006/relationships" xmlns:p="http://schemas.openxmlformats.org/presentationml/2006/main">
+  <p:cSld>
+    <p:spTree>
+      <p:nvGrpSpPr>
+        <p:cNvPr id="1" name=""/>
+        <p:cNvGrpSpPr/>
+        <p:nvPr/>
+      </p:nvGrpSpPr>
+      <p:grpSpPr>
+        <a:xfrm>
+          <a:off x="0" y="0"/>
+          <a:ext cx="0" cy="0"/>
+          <a:chOff x="0" y="0"/>
+          <a:chExt cx="0" cy="0"/>
+        </a:xfrm>
+      </p:grpSpPr>
+      <p:sp>
+        <p:nvSpPr>
+          <p:cNvPr id="2" name="Title 1">
+            <a:extLst>
+              <a:ext uri="{FF2B5EF4-FFF2-40B4-BE49-F238E27FC236}">
+                <a16:creationId xmlns:a16="http://schemas.microsoft.com/office/drawing/2014/main" id="{B3722F41-925D-4B3C-AD33-1421C184652D}"/>
+              </a:ext>
+            </a:extLst>
+          </p:cNvPr>
+          <p:cNvSpPr>
+            <a:spLocks noGrp="1"/>
+          </p:cNvSpPr>
+          <p:nvPr>
+            <p:ph type="title"/>
+          </p:nvPr>
+        </p:nvSpPr>
+        <p:spPr/>
+        <p:txBody>
+          <a:bodyPr/>
+          <a:lstStyle/>
+          <a:p>
+            <a:r>
+              <a:rPr lang="en-US" dirty="0"/>
+              <a:t>Data Lake Advantages</a:t>
+            </a:r>
+          </a:p>
+        </p:txBody>
+      </p:sp>
+      <p:sp>
+        <p:nvSpPr>
+          <p:cNvPr id="3" name="Content Placeholder 2">
+            <a:extLst>
+              <a:ext uri="{FF2B5EF4-FFF2-40B4-BE49-F238E27FC236}">
+                <a16:creationId xmlns:a16="http://schemas.microsoft.com/office/drawing/2014/main" id="{D4280EBD-DA54-4D1F-B612-294D681E707F}"/>
+              </a:ext>
+            </a:extLst>
+          </p:cNvPr>
+          <p:cNvSpPr>
+            <a:spLocks noGrp="1"/>
+          </p:cNvSpPr>
+          <p:nvPr>
+            <p:ph idx="1"/>
+          </p:nvPr>
+        </p:nvSpPr>
+        <p:spPr/>
+        <p:txBody>
+          <a:bodyPr>
+            <a:normAutofit fontScale="92500"/>
+          </a:bodyPr>
+          <a:lstStyle/>
+          <a:p>
+            <a:r>
+              <a:rPr lang="en-US" dirty="0"/>
+              <a:t>Separation of storage and compute</a:t>
+            </a:r>
+          </a:p>
+          <a:p>
+            <a:pPr lvl="1"/>
+            <a:r>
+              <a:rPr lang="en-US" dirty="0"/>
+              <a:t>Consider the cost to keep a DW system up and running w/ little to no activity</a:t>
+            </a:r>
+          </a:p>
+          <a:p>
+            <a:pPr lvl="1"/>
+            <a:r>
+              <a:rPr lang="en-US" dirty="0"/>
+              <a:t>Storage in a data lake is cheap</a:t>
+            </a:r>
+          </a:p>
+          <a:p>
+            <a:pPr lvl="1"/>
+            <a:r>
+              <a:rPr lang="en-US" dirty="0"/>
+              <a:t>Turn on compute only when needed</a:t>
+            </a:r>
+          </a:p>
+          <a:p>
+            <a:r>
+              <a:rPr lang="en-US" dirty="0"/>
+              <a:t>Schema on Read</a:t>
+            </a:r>
+          </a:p>
+          <a:p>
+            <a:pPr lvl="1"/>
+            <a:r>
+              <a:rPr lang="en-US" dirty="0"/>
+              <a:t>Store data in its native format, apply schema when attempting to read the data</a:t>
+            </a:r>
+          </a:p>
+          <a:p>
+            <a:r>
+              <a:rPr lang="en-US" dirty="0"/>
+              <a:t>Polyglot compute</a:t>
+            </a:r>
+          </a:p>
+          <a:p>
+            <a:pPr lvl="1"/>
+            <a:r>
+              <a:rPr lang="en-US" dirty="0"/>
+              <a:t>The right tool for the right job</a:t>
+            </a:r>
+          </a:p>
+          <a:p>
+            <a:pPr lvl="2"/>
+            <a:r>
+              <a:rPr lang="en-US" dirty="0"/>
+              <a:t>SQL</a:t>
+            </a:r>
+          </a:p>
+          <a:p>
+            <a:pPr lvl="2"/>
+            <a:r>
+              <a:rPr lang="en-US" dirty="0"/>
+              <a:t>Spark</a:t>
+            </a:r>
+          </a:p>
+          <a:p>
+            <a:pPr lvl="2"/>
+            <a:r>
+              <a:rPr lang="en-US" dirty="0"/>
+              <a:t>Custom code</a:t>
+            </a:r>
+          </a:p>
+          <a:p>
+            <a:pPr lvl="2"/>
+            <a:endParaRPr lang="en-US" dirty="0"/>
+          </a:p>
+          <a:p>
+            <a:pPr lvl="1"/>
+            <a:endParaRPr lang="en-US" dirty="0"/>
+          </a:p>
+        </p:txBody>
+      </p:sp>
+    </p:spTree>
+    <p:extLst>
+      <p:ext uri="{BB962C8B-B14F-4D97-AF65-F5344CB8AC3E}">
+        <p14:creationId xmlns:p14="http://schemas.microsoft.com/office/powerpoint/2010/main" val="3120855108"/>
+      </p:ext>
+    </p:extLst>
+  </p:cSld>
+  <p:clrMapOvr>
+    <a:masterClrMapping/>
+  </p:clrMapOvr>
+</p:sld>
+</file>
+
+<file path=ppt/slides/slide8.xml><?xml version="1.0" encoding="utf-8"?>
+<p:sld xmlns:a="http://schemas.openxmlformats.org/drawingml/2006/main" xmlns:r="http://schemas.openxmlformats.org/officeDocument/2006/relationships" xmlns:p="http://schemas.openxmlformats.org/presentationml/2006/main">
+  <p:cSld>
+    <p:spTree>
+      <p:nvGrpSpPr>
+        <p:cNvPr id="1" name=""/>
+        <p:cNvGrpSpPr/>
+        <p:nvPr/>
+      </p:nvGrpSpPr>
+      <p:grpSpPr>
+        <a:xfrm>
+          <a:off x="0" y="0"/>
+          <a:ext cx="0" cy="0"/>
+          <a:chOff x="0" y="0"/>
+          <a:chExt cx="0" cy="0"/>
+        </a:xfrm>
+      </p:grpSpPr>
+      <p:sp>
+        <p:nvSpPr>
+          <p:cNvPr id="2" name="Title 1">
+            <a:extLst>
+              <a:ext uri="{FF2B5EF4-FFF2-40B4-BE49-F238E27FC236}">
+                <a16:creationId xmlns:a16="http://schemas.microsoft.com/office/drawing/2014/main" id="{B0BAC832-A0D1-470B-9332-30AEB7D4F21F}"/>
+              </a:ext>
+            </a:extLst>
+          </p:cNvPr>
+          <p:cNvSpPr>
+            <a:spLocks noGrp="1"/>
+          </p:cNvSpPr>
+          <p:nvPr>
+            <p:ph type="title"/>
+          </p:nvPr>
+        </p:nvSpPr>
+        <p:spPr/>
+        <p:txBody>
+          <a:bodyPr/>
+          <a:lstStyle/>
+          <a:p>
+            <a:r>
+              <a:rPr lang="en-US" dirty="0"/>
+              <a:t>Challenges with Data Lakes</a:t>
+            </a:r>
+          </a:p>
+        </p:txBody>
+      </p:sp>
+      <p:sp>
+        <p:nvSpPr>
+          <p:cNvPr id="3" name="Content Placeholder 2">
+            <a:extLst>
+              <a:ext uri="{FF2B5EF4-FFF2-40B4-BE49-F238E27FC236}">
+                <a16:creationId xmlns:a16="http://schemas.microsoft.com/office/drawing/2014/main" id="{1F4B06AC-2AEB-4F92-893F-BF9F57AF2781}"/>
+              </a:ext>
+            </a:extLst>
+          </p:cNvPr>
+          <p:cNvSpPr>
+            <a:spLocks noGrp="1"/>
+          </p:cNvSpPr>
+          <p:nvPr>
+            <p:ph idx="1"/>
+          </p:nvPr>
+        </p:nvSpPr>
+        <p:spPr/>
+        <p:txBody>
+          <a:bodyPr/>
+          <a:lstStyle/>
+          <a:p>
+            <a:r>
+              <a:rPr lang="en-US" dirty="0"/>
+              <a:t>No ability update data in place </a:t>
+            </a:r>
+          </a:p>
+          <a:p>
+            <a:pPr lvl="1"/>
+            <a:r>
+              <a:rPr lang="en-US" dirty="0"/>
+              <a:t>Files have to be totally rewritten</a:t>
+            </a:r>
+          </a:p>
+          <a:p>
+            <a:endParaRPr lang="en-US" dirty="0"/>
+          </a:p>
+          <a:p>
+            <a:r>
+              <a:rPr lang="en-US" dirty="0"/>
+              <a:t>Dependent on the compute layer to handle ACID Compliance</a:t>
+            </a:r>
+          </a:p>
+          <a:p>
+            <a:pPr lvl="1"/>
+            <a:r>
+              <a:rPr lang="en-US" dirty="0"/>
+              <a:t>No native ability to recover from a crashed job</a:t>
+            </a:r>
+          </a:p>
+          <a:p>
+            <a:pPr lvl="2"/>
+            <a:r>
+              <a:rPr lang="en-US" dirty="0"/>
+              <a:t>Files could get left in a corrupted state</a:t>
+            </a:r>
+          </a:p>
+          <a:p>
+            <a:pPr lvl="1"/>
+            <a:r>
+              <a:rPr lang="en-US" dirty="0"/>
+              <a:t>No Consistency checks</a:t>
+            </a:r>
+          </a:p>
+          <a:p>
+            <a:pPr lvl="1"/>
+            <a:r>
+              <a:rPr lang="en-US" dirty="0"/>
+              <a:t>No Isolation</a:t>
+            </a:r>
+          </a:p>
+          <a:p>
+            <a:pPr lvl="2"/>
+            <a:r>
+              <a:rPr lang="en-US" dirty="0"/>
+              <a:t>A file re-write could impact other users attempting to read the data</a:t>
+            </a:r>
+          </a:p>
+          <a:p>
+            <a:pPr lvl="1"/>
+            <a:r>
+              <a:rPr lang="en-US" dirty="0"/>
+              <a:t>Data Lake does handle Durability</a:t>
+            </a:r>
+          </a:p>
+          <a:p>
+            <a:pPr lvl="1"/>
+            <a:endParaRPr lang="en-US" dirty="0"/>
+          </a:p>
+          <a:p>
+            <a:endParaRPr lang="en-US" dirty="0"/>
+          </a:p>
+          <a:p>
+            <a:pPr marL="0" indent="0">
+              <a:buNone/>
+            </a:pPr>
+            <a:endParaRPr lang="en-US" dirty="0"/>
+          </a:p>
+          <a:p>
+            <a:pPr marL="0" indent="0">
+              <a:buNone/>
+            </a:pPr>
+            <a:endParaRPr lang="en-US" dirty="0"/>
+          </a:p>
+        </p:txBody>
+      </p:sp>
+    </p:spTree>
+    <p:extLst>
+      <p:ext uri="{BB962C8B-B14F-4D97-AF65-F5344CB8AC3E}">
+        <p14:creationId xmlns:p14="http://schemas.microsoft.com/office/powerpoint/2010/main" val="1861245517"/>
+      </p:ext>
+    </p:extLst>
+  </p:cSld>
+  <p:clrMapOvr>
+    <a:masterClrMapping/>
+  </p:clrMapOvr>
+</p:sld>
+</file>
+
+<file path=ppt/slides/slide9.xml><?xml version="1.0" encoding="utf-8"?>
+<p:sld xmlns:a="http://schemas.openxmlformats.org/drawingml/2006/main" xmlns:r="http://schemas.openxmlformats.org/officeDocument/2006/relationships" xmlns:p="http://schemas.openxmlformats.org/presentationml/2006/main">
+  <p:cSld>
+    <p:spTree>
+      <p:nvGrpSpPr>
+        <p:cNvPr id="1" name=""/>
+        <p:cNvGrpSpPr/>
+        <p:nvPr/>
+      </p:nvGrpSpPr>
+      <p:grpSpPr>
+        <a:xfrm>
+          <a:off x="0" y="0"/>
+          <a:ext cx="0" cy="0"/>
+          <a:chOff x="0" y="0"/>
+          <a:chExt cx="0" cy="0"/>
+        </a:xfrm>
+      </p:grpSpPr>
+      <p:sp>
+        <p:nvSpPr>
+          <p:cNvPr id="2" name="Title 1">
+            <a:extLst>
+              <a:ext uri="{FF2B5EF4-FFF2-40B4-BE49-F238E27FC236}">
                 <a16:creationId xmlns:a16="http://schemas.microsoft.com/office/drawing/2014/main" id="{52729D4B-5CB1-426F-9233-D0DF565EB13A}"/>
               </a:ext>
             </a:extLst>
@@ -3797,7 +10251,7 @@
           <a:p>
             <a:r>
               <a:rPr lang="en-US" dirty="0"/>
-              <a:t>Data Lakehouse</a:t>
+              <a:t>Solving these challenges</a:t>
             </a:r>
           </a:p>
         </p:txBody>
@@ -3818,18 +10272,164 @@
             <p:ph idx="1"/>
           </p:nvPr>
         </p:nvSpPr>
-        <p:spPr/>
-        <p:txBody>
-          <a:bodyPr/>
+        <p:spPr>
+          <a:xfrm>
+            <a:off x="838200" y="1825625"/>
+            <a:ext cx="10515600" cy="4351338"/>
+          </a:xfrm>
+        </p:spPr>
+        <p:txBody>
+          <a:bodyPr>
+            <a:normAutofit lnSpcReduction="10000"/>
+          </a:bodyPr>
           <a:lstStyle/>
           <a:p>
             <a:r>
               <a:rPr lang="en-US" dirty="0"/>
-              <a:t>Data Lakehouse hopes to solve the challenges presented </a:t>
-            </a:r>
-          </a:p>
-        </p:txBody>
-      </p:sp>
+              <a:t>Many metadata layers have come up to try and solve these problems</a:t>
+            </a:r>
+          </a:p>
+          <a:p>
+            <a:pPr lvl="1"/>
+            <a:r>
+              <a:rPr lang="en-US" dirty="0"/>
+              <a:t>Apache Iceberg – https://iceberg.apache.org/</a:t>
+            </a:r>
+          </a:p>
+          <a:p>
+            <a:pPr lvl="1"/>
+            <a:r>
+              <a:rPr lang="en-US" dirty="0"/>
+              <a:t>Apache </a:t>
+            </a:r>
+            <a:r>
+              <a:rPr lang="en-US" dirty="0" err="1"/>
+              <a:t>Hudi</a:t>
+            </a:r>
+            <a:r>
+              <a:rPr lang="en-US" dirty="0"/>
+              <a:t> - https://hudi.apache.org/</a:t>
+            </a:r>
+          </a:p>
+          <a:p>
+            <a:pPr lvl="1"/>
+            <a:r>
+              <a:rPr lang="en-US" dirty="0"/>
+              <a:t>Delta Lake - </a:t>
+            </a:r>
+            <a:r>
+              <a:rPr lang="en-US" dirty="0">
+                <a:hlinkClick r:id="rId2"/>
+              </a:rPr>
+              <a:t>https://delta.io/</a:t>
+            </a:r>
+            <a:endParaRPr lang="en-US" dirty="0"/>
+          </a:p>
+          <a:p>
+            <a:pPr lvl="1"/>
+            <a:endParaRPr lang="en-US" dirty="0"/>
+          </a:p>
+          <a:p>
+            <a:r>
+              <a:rPr lang="en-US" dirty="0"/>
+              <a:t>We will use Delta Lake in the examples today</a:t>
+            </a:r>
+          </a:p>
+          <a:p>
+            <a:pPr lvl="1"/>
+            <a:r>
+              <a:rPr lang="en-US" dirty="0"/>
+              <a:t>Delta Lake developed by Databricks</a:t>
+            </a:r>
+          </a:p>
+          <a:p>
+            <a:pPr lvl="1"/>
+            <a:r>
+              <a:rPr lang="en-US" dirty="0"/>
+              <a:t>Works well with Spark</a:t>
+            </a:r>
+          </a:p>
+          <a:p>
+            <a:pPr lvl="1"/>
+            <a:r>
+              <a:rPr lang="en-US" dirty="0"/>
+              <a:t>Integrations with</a:t>
+            </a:r>
+          </a:p>
+          <a:p>
+            <a:pPr lvl="2"/>
+            <a:r>
+              <a:rPr lang="en-US" dirty="0"/>
+              <a:t>Azure Synapse Analytics</a:t>
+            </a:r>
+          </a:p>
+          <a:p>
+            <a:pPr lvl="2"/>
+            <a:r>
+              <a:rPr lang="en-US" dirty="0"/>
+              <a:t>Snowflake</a:t>
+            </a:r>
+          </a:p>
+          <a:p>
+            <a:pPr lvl="2"/>
+            <a:r>
+              <a:rPr lang="en-US" dirty="0"/>
+              <a:t>AWS Redshift</a:t>
+            </a:r>
+          </a:p>
+          <a:p>
+            <a:pPr lvl="1"/>
+            <a:endParaRPr lang="en-US" dirty="0"/>
+          </a:p>
+        </p:txBody>
+      </p:sp>
+      <p:pic>
+        <p:nvPicPr>
+          <p:cNvPr id="5126" name="Picture 6" descr="GitHub - delta-io/delta: This connector allows Apache Spark™ to read from  and write to Delta Lake.">
+            <a:extLst>
+              <a:ext uri="{FF2B5EF4-FFF2-40B4-BE49-F238E27FC236}">
+                <a16:creationId xmlns:a16="http://schemas.microsoft.com/office/drawing/2014/main" id="{BA1121BF-7E17-4998-BBE3-37298347F909}"/>
+              </a:ext>
+            </a:extLst>
+          </p:cNvPr>
+          <p:cNvPicPr>
+            <a:picLocks noChangeAspect="1" noChangeArrowheads="1"/>
+          </p:cNvPicPr>
+          <p:nvPr/>
+        </p:nvPicPr>
+        <p:blipFill>
+          <a:blip r:embed="rId3">
+            <a:extLst>
+              <a:ext uri="{28A0092B-C50C-407E-A947-70E740481C1C}">
+                <a14:useLocalDpi xmlns:a14="http://schemas.microsoft.com/office/drawing/2010/main" val="0"/>
+              </a:ext>
+            </a:extLst>
+          </a:blip>
+          <a:srcRect/>
+          <a:stretch>
+            <a:fillRect/>
+          </a:stretch>
+        </p:blipFill>
+        <p:spPr bwMode="auto">
+          <a:xfrm>
+            <a:off x="7751429" y="3355040"/>
+            <a:ext cx="3042494" cy="2490164"/>
+          </a:xfrm>
+          <a:prstGeom prst="rect">
+            <a:avLst/>
+          </a:prstGeom>
+          <a:noFill/>
+          <a:extLst>
+            <a:ext uri="{909E8E84-426E-40DD-AFC4-6F175D3DCCD1}">
+              <a14:hiddenFill xmlns:a14="http://schemas.microsoft.com/office/drawing/2010/main">
+                <a:solidFill>
+                  <a:srgbClr val="FFFFFF"/>
+                </a:solidFill>
+              </a14:hiddenFill>
+            </a:ext>
+          </a:extLst>
+        </p:spPr>
+      </p:pic>
     </p:spTree>
     <p:extLst>
       <p:ext uri="{BB962C8B-B14F-4D97-AF65-F5344CB8AC3E}">
@@ -4136,4 +10736,580 @@
     </a:ext>
   </a:extLst>
 </a:theme>
+</file>
+
+<file path=ppt/theme/theme2.xml><?xml version="1.0" encoding="utf-8"?>
+<a:theme xmlns:a="http://schemas.openxmlformats.org/drawingml/2006/main" name="Simple Light">
+  <a:themeElements>
+    <a:clrScheme name="Simple Light">
+      <a:dk1>
+        <a:srgbClr val="000000"/>
+      </a:dk1>
+      <a:lt1>
+        <a:srgbClr val="FFFFFF"/>
+      </a:lt1>
+      <a:dk2>
+        <a:srgbClr val="595959"/>
+      </a:dk2>
+      <a:lt2>
+        <a:srgbClr val="EEEEEE"/>
+      </a:lt2>
+      <a:accent1>
+        <a:srgbClr val="FFAB40"/>
+      </a:accent1>
+      <a:accent2>
+        <a:srgbClr val="212121"/>
+      </a:accent2>
+      <a:accent3>
+        <a:srgbClr val="78909C"/>
+      </a:accent3>
+      <a:accent4>
+        <a:srgbClr val="FFAB40"/>
+      </a:accent4>
+      <a:accent5>
+        <a:srgbClr val="0097A7"/>
+      </a:accent5>
+      <a:accent6>
+        <a:srgbClr val="EEFF41"/>
+      </a:accent6>
+      <a:hlink>
+        <a:srgbClr val="0097A7"/>
+      </a:hlink>
+      <a:folHlink>
+        <a:srgbClr val="0097A7"/>
+      </a:folHlink>
+    </a:clrScheme>
+    <a:fontScheme name="Office">
+      <a:majorFont>
+        <a:latin typeface="Arial"/>
+        <a:ea typeface=""/>
+        <a:cs typeface=""/>
+        <a:font script="Jpan" typeface="ＭＳ Ｐゴシック"/>
+        <a:font script="Hang" typeface="맑은 고딕"/>
+        <a:font script="Hans" typeface="宋体"/>
+        <a:font script="Hant" typeface="新細明體"/>
+        <a:font script="Arab" typeface="Times New Roman"/>
+        <a:font script="Hebr" typeface="Times New Roman"/>
+        <a:font script="Thai" typeface="Angsana New"/>
+        <a:font script="Ethi" typeface="Nyala"/>
+        <a:font script="Beng" typeface="Vrinda"/>
+        <a:font script="Gujr" typeface="Shruti"/>
+        <a:font script="Khmr" typeface="MoolBoran"/>
+        <a:font script="Knda" typeface="Tunga"/>
+        <a:font script="Guru" typeface="Raavi"/>
+        <a:font script="Cans" typeface="Euphemia"/>
+        <a:font script="Cher" typeface="Plantagenet Cherokee"/>
+        <a:font script="Yiii" typeface="Microsoft Yi Baiti"/>
+        <a:font script="Tibt" typeface="Microsoft Himalaya"/>
+        <a:font script="Thaa" typeface="MV Boli"/>
+        <a:font script="Deva" typeface="Mangal"/>
+        <a:font script="Telu" typeface="Gautami"/>
+        <a:font script="Taml" typeface="Latha"/>
+        <a:font script="Syrc" typeface="Estrangelo Edessa"/>
+        <a:font script="Orya" typeface="Kalinga"/>
+        <a:font script="Mlym" typeface="Kartika"/>
+        <a:font script="Laoo" typeface="DokChampa"/>
+        <a:font script="Sinh" typeface="Iskoola Pota"/>
+        <a:font script="Mong" typeface="Mongolian Baiti"/>
+        <a:font script="Viet" typeface="Times New Roman"/>
+        <a:font script="Uigh" typeface="Microsoft Uighur"/>
+        <a:font script="Geor" typeface="Sylfaen"/>
+      </a:majorFont>
+      <a:minorFont>
+        <a:latin typeface="Arial"/>
+        <a:ea typeface=""/>
+        <a:cs typeface=""/>
+        <a:font script="Jpan" typeface="ＭＳ Ｐゴシック"/>
+        <a:font script="Hang" typeface="맑은 고딕"/>
+        <a:font script="Hans" typeface="宋体"/>
+        <a:font script="Hant" typeface="新細明體"/>
+        <a:font script="Arab" typeface="Arial"/>
+        <a:font script="Hebr" typeface="Arial"/>
+        <a:font script="Thai" typeface="Cordia New"/>
+        <a:font script="Ethi" typeface="Nyala"/>
+        <a:font script="Beng" typeface="Vrinda"/>
+        <a:font script="Gujr" typeface="Shruti"/>
+        <a:font script="Khmr" typeface="DaunPenh"/>
+        <a:font script="Knda" typeface="Tunga"/>
+        <a:font script="Guru" typeface="Raavi"/>
+        <a:font script="Cans" typeface="Euphemia"/>
+        <a:font script="Cher" typeface="Plantagenet Cherokee"/>
+        <a:font script="Yiii" typeface="Microsoft Yi Baiti"/>
+        <a:font script="Tibt" typeface="Microsoft Himalaya"/>
+        <a:font script="Thaa" typeface="MV Boli"/>
+        <a:font script="Deva" typeface="Mangal"/>
+        <a:font script="Telu" typeface="Gautami"/>
+        <a:font script="Taml" typeface="Latha"/>
+        <a:font script="Syrc" typeface="Estrangelo Edessa"/>
+        <a:font script="Orya" typeface="Kalinga"/>
+        <a:font script="Mlym" typeface="Kartika"/>
+        <a:font script="Laoo" typeface="DokChampa"/>
+        <a:font script="Sinh" typeface="Iskoola Pota"/>
+        <a:font script="Mong" typeface="Mongolian Baiti"/>
+        <a:font script="Viet" typeface="Arial"/>
+        <a:font script="Uigh" typeface="Microsoft Uighur"/>
+        <a:font script="Geor" typeface="Sylfaen"/>
+      </a:minorFont>
+    </a:fontScheme>
+    <a:fmtScheme name="Office">
+      <a:fillStyleLst>
+        <a:solidFill>
+          <a:schemeClr val="phClr"/>
+        </a:solidFill>
+        <a:gradFill rotWithShape="1">
+          <a:gsLst>
+            <a:gs pos="0">
+              <a:schemeClr val="phClr">
+                <a:tint val="50000"/>
+                <a:satMod val="300000"/>
+              </a:schemeClr>
+            </a:gs>
+            <a:gs pos="35000">
+              <a:schemeClr val="phClr">
+                <a:tint val="37000"/>
+                <a:satMod val="300000"/>
+              </a:schemeClr>
+            </a:gs>
+            <a:gs pos="100000">
+              <a:schemeClr val="phClr">
+                <a:tint val="15000"/>
+                <a:satMod val="350000"/>
+              </a:schemeClr>
+            </a:gs>
+          </a:gsLst>
+          <a:lin ang="16200000" scaled="1"/>
+        </a:gradFill>
+        <a:gradFill rotWithShape="1">
+          <a:gsLst>
+            <a:gs pos="0">
+              <a:schemeClr val="phClr">
+                <a:tint val="100000"/>
+                <a:shade val="100000"/>
+                <a:satMod val="130000"/>
+              </a:schemeClr>
+            </a:gs>
+            <a:gs pos="100000">
+              <a:schemeClr val="phClr">
+                <a:tint val="50000"/>
+                <a:shade val="100000"/>
+                <a:satMod val="350000"/>
+              </a:schemeClr>
+            </a:gs>
+          </a:gsLst>
+          <a:lin ang="16200000" scaled="0"/>
+        </a:gradFill>
+      </a:fillStyleLst>
+      <a:lnStyleLst>
+        <a:ln w="9525" cap="flat" cmpd="sng" algn="ctr">
+          <a:solidFill>
+            <a:schemeClr val="phClr">
+              <a:shade val="95000"/>
+              <a:satMod val="105000"/>
+            </a:schemeClr>
+          </a:solidFill>
+          <a:prstDash val="solid"/>
+        </a:ln>
+        <a:ln w="25400" cap="flat" cmpd="sng" algn="ctr">
+          <a:solidFill>
+            <a:schemeClr val="phClr"/>
+          </a:solidFill>
+          <a:prstDash val="solid"/>
+        </a:ln>
+        <a:ln w="38100" cap="flat" cmpd="sng" algn="ctr">
+          <a:solidFill>
+            <a:schemeClr val="phClr"/>
+          </a:solidFill>
+          <a:prstDash val="solid"/>
+        </a:ln>
+      </a:lnStyleLst>
+      <a:effectStyleLst>
+        <a:effectStyle>
+          <a:effectLst>
+            <a:outerShdw blurRad="40000" dist="20000" dir="5400000" rotWithShape="0">
+              <a:srgbClr val="000000">
+                <a:alpha val="38000"/>
+              </a:srgbClr>
+            </a:outerShdw>
+          </a:effectLst>
+        </a:effectStyle>
+        <a:effectStyle>
+          <a:effectLst>
+            <a:outerShdw blurRad="40000" dist="23000" dir="5400000" rotWithShape="0">
+              <a:srgbClr val="000000">
+                <a:alpha val="35000"/>
+              </a:srgbClr>
+            </a:outerShdw>
+          </a:effectLst>
+        </a:effectStyle>
+        <a:effectStyle>
+          <a:effectLst>
+            <a:outerShdw blurRad="40000" dist="23000" dir="5400000" rotWithShape="0">
+              <a:srgbClr val="000000">
+                <a:alpha val="35000"/>
+              </a:srgbClr>
+            </a:outerShdw>
+          </a:effectLst>
+          <a:scene3d>
+            <a:camera prst="orthographicFront">
+              <a:rot lat="0" lon="0" rev="0"/>
+            </a:camera>
+            <a:lightRig rig="threePt" dir="t">
+              <a:rot lat="0" lon="0" rev="1200000"/>
+            </a:lightRig>
+          </a:scene3d>
+          <a:sp3d>
+            <a:bevelT w="63500" h="25400"/>
+          </a:sp3d>
+        </a:effectStyle>
+      </a:effectStyleLst>
+      <a:bgFillStyleLst>
+        <a:solidFill>
+          <a:schemeClr val="phClr"/>
+        </a:solidFill>
+        <a:gradFill rotWithShape="1">
+          <a:gsLst>
+            <a:gs pos="0">
+              <a:schemeClr val="phClr">
+                <a:tint val="40000"/>
+                <a:satMod val="350000"/>
+              </a:schemeClr>
+            </a:gs>
+            <a:gs pos="40000">
+              <a:schemeClr val="phClr">
+                <a:tint val="45000"/>
+                <a:shade val="99000"/>
+                <a:satMod val="350000"/>
+              </a:schemeClr>
+            </a:gs>
+            <a:gs pos="100000">
+              <a:schemeClr val="phClr">
+                <a:shade val="20000"/>
+                <a:satMod val="255000"/>
+              </a:schemeClr>
+            </a:gs>
+          </a:gsLst>
+          <a:path path="circle">
+            <a:fillToRect l="50000" t="-80000" r="50000" b="180000"/>
+          </a:path>
+        </a:gradFill>
+        <a:gradFill rotWithShape="1">
+          <a:gsLst>
+            <a:gs pos="0">
+              <a:schemeClr val="phClr">
+                <a:tint val="80000"/>
+                <a:satMod val="300000"/>
+              </a:schemeClr>
+            </a:gs>
+            <a:gs pos="100000">
+              <a:schemeClr val="phClr">
+                <a:shade val="30000"/>
+                <a:satMod val="200000"/>
+              </a:schemeClr>
+            </a:gs>
+          </a:gsLst>
+          <a:path path="circle">
+            <a:fillToRect l="50000" t="50000" r="50000" b="50000"/>
+          </a:path>
+        </a:gradFill>
+      </a:bgFillStyleLst>
+    </a:fmtScheme>
+  </a:themeElements>
+  <a:objectDefaults/>
+  <a:extraClrSchemeLst/>
+</a:theme>
+</file>
+
+<file path=ppt/theme/theme3.xml><?xml version="1.0" encoding="utf-8"?>
+<a:theme xmlns:a="http://schemas.openxmlformats.org/drawingml/2006/main" name="Office Theme">
+  <a:themeElements>
+    <a:clrScheme name="Office">
+      <a:dk1>
+        <a:sysClr val="windowText" lastClr="000000"/>
+      </a:dk1>
+      <a:lt1>
+        <a:sysClr val="window" lastClr="FFFFFF"/>
+      </a:lt1>
+      <a:dk2>
+        <a:srgbClr val="44546A"/>
+      </a:dk2>
+      <a:lt2>
+        <a:srgbClr val="E7E6E6"/>
+      </a:lt2>
+      <a:accent1>
+        <a:srgbClr val="4472C4"/>
+      </a:accent1>
+      <a:accent2>
+        <a:srgbClr val="ED7D31"/>
+      </a:accent2>
+      <a:accent3>
+        <a:srgbClr val="A5A5A5"/>
+      </a:accent3>
+      <a:accent4>
+        <a:srgbClr val="FFC000"/>
+      </a:accent4>
+      <a:accent5>
+        <a:srgbClr val="5B9BD5"/>
+      </a:accent5>
+      <a:accent6>
+        <a:srgbClr val="70AD47"/>
+      </a:accent6>
+      <a:hlink>
+        <a:srgbClr val="0563C1"/>
+      </a:hlink>
+      <a:folHlink>
+        <a:srgbClr val="954F72"/>
+      </a:folHlink>
+    </a:clrScheme>
+    <a:fontScheme name="Office">
+      <a:majorFont>
+        <a:latin typeface="Calibri Light" panose="020F0302020204030204"/>
+        <a:ea typeface=""/>
+        <a:cs typeface=""/>
+        <a:font script="Jpan" typeface="游ゴシック Light"/>
+        <a:font script="Hang" typeface="맑은 고딕"/>
+        <a:font script="Hans" typeface="等线 Light"/>
+        <a:font script="Hant" typeface="新細明體"/>
+        <a:font script="Arab" typeface="Times New Roman"/>
+        <a:font script="Hebr" typeface="Times New Roman"/>
+        <a:font script="Thai" typeface="Angsana New"/>
+        <a:font script="Ethi" typeface="Nyala"/>
+        <a:font script="Beng" typeface="Vrinda"/>
+        <a:font script="Gujr" typeface="Shruti"/>
+        <a:font script="Khmr" typeface="MoolBoran"/>
+        <a:font script="Knda" typeface="Tunga"/>
+        <a:font script="Guru" typeface="Raavi"/>
+        <a:font script="Cans" typeface="Euphemia"/>
+        <a:font script="Cher" typeface="Plantagenet Cherokee"/>
+        <a:font script="Yiii" typeface="Microsoft Yi Baiti"/>
+        <a:font script="Tibt" typeface="Microsoft Himalaya"/>
+        <a:font script="Thaa" typeface="MV Boli"/>
+        <a:font script="Deva" typeface="Mangal"/>
+        <a:font script="Telu" typeface="Gautami"/>
+        <a:font script="Taml" typeface="Latha"/>
+        <a:font script="Syrc" typeface="Estrangelo Edessa"/>
+        <a:font script="Orya" typeface="Kalinga"/>
+        <a:font script="Mlym" typeface="Kartika"/>
+        <a:font script="Laoo" typeface="DokChampa"/>
+        <a:font script="Sinh" typeface="Iskoola Pota"/>
+        <a:font script="Mong" typeface="Mongolian Baiti"/>
+        <a:font script="Viet" typeface="Times New Roman"/>
+        <a:font script="Uigh" typeface="Microsoft Uighur"/>
+        <a:font script="Geor" typeface="Sylfaen"/>
+        <a:font script="Armn" typeface="Arial"/>
+        <a:font script="Bugi" typeface="Leelawadee UI"/>
+        <a:font script="Bopo" typeface="Microsoft JhengHei"/>
+        <a:font script="Java" typeface="Javanese Text"/>
+        <a:font script="Lisu" typeface="Segoe UI"/>
+        <a:font script="Mymr" typeface="Myanmar Text"/>
+        <a:font script="Nkoo" typeface="Ebrima"/>
+        <a:font script="Olck" typeface="Nirmala UI"/>
+        <a:font script="Osma" typeface="Ebrima"/>
+        <a:font script="Phag" typeface="Phagspa"/>
+        <a:font script="Syrn" typeface="Estrangelo Edessa"/>
+        <a:font script="Syrj" typeface="Estrangelo Edessa"/>
+        <a:font script="Syre" typeface="Estrangelo Edessa"/>
+        <a:font script="Sora" typeface="Nirmala UI"/>
+        <a:font script="Tale" typeface="Microsoft Tai Le"/>
+        <a:font script="Talu" typeface="Microsoft New Tai Lue"/>
+        <a:font script="Tfng" typeface="Ebrima"/>
+      </a:majorFont>
+      <a:minorFont>
+        <a:latin typeface="Calibri" panose="020F0502020204030204"/>
+        <a:ea typeface=""/>
+        <a:cs typeface=""/>
+        <a:font script="Jpan" typeface="游ゴシック"/>
+        <a:font script="Hang" typeface="맑은 고딕"/>
+        <a:font script="Hans" typeface="等线"/>
+        <a:font script="Hant" typeface="新細明體"/>
+        <a:font script="Arab" typeface="Arial"/>
+        <a:font script="Hebr" typeface="Arial"/>
+        <a:font script="Thai" typeface="Cordia New"/>
+        <a:font script="Ethi" typeface="Nyala"/>
+        <a:font script="Beng" typeface="Vrinda"/>
+        <a:font script="Gujr" typeface="Shruti"/>
+        <a:font script="Khmr" typeface="DaunPenh"/>
+        <a:font script="Knda" typeface="Tunga"/>
+        <a:font script="Guru" typeface="Raavi"/>
+        <a:font script="Cans" typeface="Euphemia"/>
+        <a:font script="Cher" typeface="Plantagenet Cherokee"/>
+        <a:font script="Yiii" typeface="Microsoft Yi Baiti"/>
+        <a:font script="Tibt" typeface="Microsoft Himalaya"/>
+        <a:font script="Thaa" typeface="MV Boli"/>
+        <a:font script="Deva" typeface="Mangal"/>
+        <a:font script="Telu" typeface="Gautami"/>
+        <a:font script="Taml" typeface="Latha"/>
+        <a:font script="Syrc" typeface="Estrangelo Edessa"/>
+        <a:font script="Orya" typeface="Kalinga"/>
+        <a:font script="Mlym" typeface="Kartika"/>
+        <a:font script="Laoo" typeface="DokChampa"/>
+        <a:font script="Sinh" typeface="Iskoola Pota"/>
+        <a:font script="Mong" typeface="Mongolian Baiti"/>
+        <a:font script="Viet" typeface="Arial"/>
+        <a:font script="Uigh" typeface="Microsoft Uighur"/>
+        <a:font script="Geor" typeface="Sylfaen"/>
+        <a:font script="Armn" typeface="Arial"/>
+        <a:font script="Bugi" typeface="Leelawadee UI"/>
+        <a:font script="Bopo" typeface="Microsoft JhengHei"/>
+        <a:font script="Java" typeface="Javanese Text"/>
+        <a:font script="Lisu" typeface="Segoe UI"/>
+        <a:font script="Mymr" typeface="Myanmar Text"/>
+        <a:font script="Nkoo" typeface="Ebrima"/>
+        <a:font script="Olck" typeface="Nirmala UI"/>
+        <a:font script="Osma" typeface="Ebrima"/>
+        <a:font script="Phag" typeface="Phagspa"/>
+        <a:font script="Syrn" typeface="Estrangelo Edessa"/>
+        <a:font script="Syrj" typeface="Estrangelo Edessa"/>
+        <a:font script="Syre" typeface="Estrangelo Edessa"/>
+        <a:font script="Sora" typeface="Nirmala UI"/>
+        <a:font script="Tale" typeface="Microsoft Tai Le"/>
+        <a:font script="Talu" typeface="Microsoft New Tai Lue"/>
+        <a:font script="Tfng" typeface="Ebrima"/>
+      </a:minorFont>
+    </a:fontScheme>
+    <a:fmtScheme name="Office">
+      <a:fillStyleLst>
+        <a:solidFill>
+          <a:schemeClr val="phClr"/>
+        </a:solidFill>
+        <a:gradFill rotWithShape="1">
+          <a:gsLst>
+            <a:gs pos="0">
+              <a:schemeClr val="phClr">
+                <a:lumMod val="110000"/>
+                <a:satMod val="105000"/>
+                <a:tint val="67000"/>
+              </a:schemeClr>
+            </a:gs>
+            <a:gs pos="50000">
+              <a:schemeClr val="phClr">
+                <a:lumMod val="105000"/>
+                <a:satMod val="103000"/>
+                <a:tint val="73000"/>
+              </a:schemeClr>
+            </a:gs>
+            <a:gs pos="100000">
+              <a:schemeClr val="phClr">
+                <a:lumMod val="105000"/>
+                <a:satMod val="109000"/>
+                <a:tint val="81000"/>
+              </a:schemeClr>
+            </a:gs>
+          </a:gsLst>
+          <a:lin ang="5400000" scaled="0"/>
+        </a:gradFill>
+        <a:gradFill rotWithShape="1">
+          <a:gsLst>
+            <a:gs pos="0">
+              <a:schemeClr val="phClr">
+                <a:satMod val="103000"/>
+                <a:lumMod val="102000"/>
+                <a:tint val="94000"/>
+              </a:schemeClr>
+            </a:gs>
+            <a:gs pos="50000">
+              <a:schemeClr val="phClr">
+                <a:satMod val="110000"/>
+                <a:lumMod val="100000"/>
+                <a:shade val="100000"/>
+              </a:schemeClr>
+            </a:gs>
+            <a:gs pos="100000">
+              <a:schemeClr val="phClr">
+                <a:lumMod val="99000"/>
+                <a:satMod val="120000"/>
+                <a:shade val="78000"/>
+              </a:schemeClr>
+            </a:gs>
+          </a:gsLst>
+          <a:lin ang="5400000" scaled="0"/>
+        </a:gradFill>
+      </a:fillStyleLst>
+      <a:lnStyleLst>
+        <a:ln w="6350" cap="flat" cmpd="sng" algn="ctr">
+          <a:solidFill>
+            <a:schemeClr val="phClr"/>
+          </a:solidFill>
+          <a:prstDash val="solid"/>
+          <a:miter lim="800000"/>
+        </a:ln>
+        <a:ln w="12700" cap="flat" cmpd="sng" algn="ctr">
+          <a:solidFill>
+            <a:schemeClr val="phClr"/>
+          </a:solidFill>
+          <a:prstDash val="solid"/>
+          <a:miter lim="800000"/>
+        </a:ln>
+        <a:ln w="19050" cap="flat" cmpd="sng" algn="ctr">
+          <a:solidFill>
+            <a:schemeClr val="phClr"/>
+          </a:solidFill>
+          <a:prstDash val="solid"/>
+          <a:miter lim="800000"/>
+        </a:ln>
+      </a:lnStyleLst>
+      <a:effectStyleLst>
+        <a:effectStyle>
+          <a:effectLst/>
+        </a:effectStyle>
+        <a:effectStyle>
+          <a:effectLst/>
+        </a:effectStyle>
+        <a:effectStyle>
+          <a:effectLst>
+            <a:outerShdw blurRad="57150" dist="19050" dir="5400000" algn="ctr" rotWithShape="0">
+              <a:srgbClr val="000000">
+                <a:alpha val="63000"/>
+              </a:srgbClr>
+            </a:outerShdw>
+          </a:effectLst>
+        </a:effectStyle>
+      </a:effectStyleLst>
+      <a:bgFillStyleLst>
+        <a:solidFill>
+          <a:schemeClr val="phClr"/>
+        </a:solidFill>
+        <a:solidFill>
+          <a:schemeClr val="phClr">
+            <a:tint val="95000"/>
+            <a:satMod val="170000"/>
+          </a:schemeClr>
+        </a:solidFill>
+        <a:gradFill rotWithShape="1">
+          <a:gsLst>
+            <a:gs pos="0">
+              <a:schemeClr val="phClr">
+                <a:tint val="93000"/>
+                <a:satMod val="150000"/>
+                <a:shade val="98000"/>
+                <a:lumMod val="102000"/>
+              </a:schemeClr>
+            </a:gs>
+            <a:gs pos="50000">
+              <a:schemeClr val="phClr">
+                <a:tint val="98000"/>
+                <a:satMod val="130000"/>
+                <a:shade val="90000"/>
+                <a:lumMod val="103000"/>
+              </a:schemeClr>
+            </a:gs>
+            <a:gs pos="100000">
+              <a:schemeClr val="phClr">
+                <a:shade val="63000"/>
+                <a:satMod val="120000"/>
+              </a:schemeClr>
+            </a:gs>
+          </a:gsLst>
+          <a:lin ang="5400000" scaled="0"/>
+        </a:gradFill>
+      </a:bgFillStyleLst>
+    </a:fmtScheme>
+  </a:themeElements>
+  <a:objectDefaults/>
+  <a:extraClrSchemeLst/>
+  <a:extLst>
+    <a:ext uri="{05A4C25C-085E-4340-85A3-A5531E510DB2}">
+      <thm15:themeFamily xmlns:thm15="http://schemas.microsoft.com/office/thememl/2012/main" name="Office Theme" id="{62F939B6-93AF-4DB8-9C6B-D6C7DFDC589F}" vid="{4A3C46E8-61CC-4603-A589-7422A47A8E4A}"/>
+    </a:ext>
+  </a:extLst>
+</a:theme>
 </file>
--- a/Building a Data Lakehouse/Building a Data Lakehouse.pptx
+++ b/Building a Data Lakehouse/Building a Data Lakehouse.pptx
@@ -6,7 +6,7 @@
     <p:sldMasterId id="2147483660" r:id="rId2"/>
   </p:sldMasterIdLst>
   <p:notesMasterIdLst>
-    <p:notesMasterId r:id="rId15"/>
+    <p:notesMasterId r:id="rId21"/>
   </p:notesMasterIdLst>
   <p:sldIdLst>
     <p:sldId id="261" r:id="rId3"/>
@@ -19,8 +19,14 @@
     <p:sldId id="260" r:id="rId10"/>
     <p:sldId id="259" r:id="rId11"/>
     <p:sldId id="268" r:id="rId12"/>
-    <p:sldId id="263" r:id="rId13"/>
-    <p:sldId id="266" r:id="rId14"/>
+    <p:sldId id="269" r:id="rId13"/>
+    <p:sldId id="270" r:id="rId14"/>
+    <p:sldId id="271" r:id="rId15"/>
+    <p:sldId id="272" r:id="rId16"/>
+    <p:sldId id="263" r:id="rId17"/>
+    <p:sldId id="273" r:id="rId18"/>
+    <p:sldId id="274" r:id="rId19"/>
+    <p:sldId id="266" r:id="rId20"/>
   </p:sldIdLst>
   <p:sldSz cx="12192000" cy="6858000"/>
   <p:notesSz cx="6858000" cy="9144000"/>
@@ -127,6 +133,3167 @@
 </p:presentation>
 </file>
 
+<file path=ppt/diagrams/colors1.xml><?xml version="1.0" encoding="utf-8"?>
+<dgm:colorsDef xmlns:dgm="http://schemas.openxmlformats.org/drawingml/2006/diagram" xmlns:a="http://schemas.openxmlformats.org/drawingml/2006/main" uniqueId="urn:microsoft.com/office/officeart/2005/8/colors/accent1_2">
+  <dgm:title val=""/>
+  <dgm:desc val=""/>
+  <dgm:catLst>
+    <dgm:cat type="accent1" pri="11200"/>
+  </dgm:catLst>
+  <dgm:styleLbl name="node0">
+    <dgm:fillClrLst meth="repeat">
+      <a:schemeClr val="accent1"/>
+    </dgm:fillClrLst>
+    <dgm:linClrLst meth="repeat">
+      <a:schemeClr val="lt1"/>
+    </dgm:linClrLst>
+    <dgm:effectClrLst/>
+    <dgm:txLinClrLst/>
+    <dgm:txFillClrLst/>
+    <dgm:txEffectClrLst/>
+  </dgm:styleLbl>
+  <dgm:styleLbl name="alignNode1">
+    <dgm:fillClrLst meth="repeat">
+      <a:schemeClr val="accent1"/>
+    </dgm:fillClrLst>
+    <dgm:linClrLst meth="repeat">
+      <a:schemeClr val="accent1"/>
+    </dgm:linClrLst>
+    <dgm:effectClrLst/>
+    <dgm:txLinClrLst/>
+    <dgm:txFillClrLst/>
+    <dgm:txEffectClrLst/>
+  </dgm:styleLbl>
+  <dgm:styleLbl name="node1">
+    <dgm:fillClrLst meth="repeat">
+      <a:schemeClr val="accent1"/>
+    </dgm:fillClrLst>
+    <dgm:linClrLst meth="repeat">
+      <a:schemeClr val="lt1"/>
+    </dgm:linClrLst>
+    <dgm:effectClrLst/>
+    <dgm:txLinClrLst/>
+    <dgm:txFillClrLst/>
+    <dgm:txEffectClrLst/>
+  </dgm:styleLbl>
+  <dgm:styleLbl name="lnNode1">
+    <dgm:fillClrLst meth="repeat">
+      <a:schemeClr val="accent1"/>
+    </dgm:fillClrLst>
+    <dgm:linClrLst meth="repeat">
+      <a:schemeClr val="lt1"/>
+    </dgm:linClrLst>
+    <dgm:effectClrLst/>
+    <dgm:txLinClrLst/>
+    <dgm:txFillClrLst/>
+    <dgm:txEffectClrLst/>
+  </dgm:styleLbl>
+  <dgm:styleLbl name="vennNode1">
+    <dgm:fillClrLst meth="repeat">
+      <a:schemeClr val="accent1">
+        <a:alpha val="50000"/>
+      </a:schemeClr>
+    </dgm:fillClrLst>
+    <dgm:linClrLst meth="repeat">
+      <a:schemeClr val="lt1"/>
+    </dgm:linClrLst>
+    <dgm:effectClrLst/>
+    <dgm:txLinClrLst/>
+    <dgm:txFillClrLst/>
+    <dgm:txEffectClrLst/>
+  </dgm:styleLbl>
+  <dgm:styleLbl name="node2">
+    <dgm:fillClrLst meth="repeat">
+      <a:schemeClr val="accent1"/>
+    </dgm:fillClrLst>
+    <dgm:linClrLst meth="repeat">
+      <a:schemeClr val="lt1"/>
+    </dgm:linClrLst>
+    <dgm:effectClrLst/>
+    <dgm:txLinClrLst/>
+    <dgm:txFillClrLst/>
+    <dgm:txEffectClrLst/>
+  </dgm:styleLbl>
+  <dgm:styleLbl name="node3">
+    <dgm:fillClrLst meth="repeat">
+      <a:schemeClr val="accent1"/>
+    </dgm:fillClrLst>
+    <dgm:linClrLst meth="repeat">
+      <a:schemeClr val="lt1"/>
+    </dgm:linClrLst>
+    <dgm:effectClrLst/>
+    <dgm:txLinClrLst/>
+    <dgm:txFillClrLst/>
+    <dgm:txEffectClrLst/>
+  </dgm:styleLbl>
+  <dgm:styleLbl name="node4">
+    <dgm:fillClrLst meth="repeat">
+      <a:schemeClr val="accent1"/>
+    </dgm:fillClrLst>
+    <dgm:linClrLst meth="repeat">
+      <a:schemeClr val="lt1"/>
+    </dgm:linClrLst>
+    <dgm:effectClrLst/>
+    <dgm:txLinClrLst/>
+    <dgm:txFillClrLst/>
+    <dgm:txEffectClrLst/>
+  </dgm:styleLbl>
+  <dgm:styleLbl name="fgImgPlace1">
+    <dgm:fillClrLst meth="repeat">
+      <a:schemeClr val="accent1">
+        <a:tint val="50000"/>
+      </a:schemeClr>
+    </dgm:fillClrLst>
+    <dgm:linClrLst meth="repeat">
+      <a:schemeClr val="lt1"/>
+    </dgm:linClrLst>
+    <dgm:effectClrLst/>
+    <dgm:txLinClrLst/>
+    <dgm:txFillClrLst meth="repeat">
+      <a:schemeClr val="lt1"/>
+    </dgm:txFillClrLst>
+    <dgm:txEffectClrLst/>
+  </dgm:styleLbl>
+  <dgm:styleLbl name="alignImgPlace1">
+    <dgm:fillClrLst meth="repeat">
+      <a:schemeClr val="accent1">
+        <a:tint val="50000"/>
+      </a:schemeClr>
+    </dgm:fillClrLst>
+    <dgm:linClrLst meth="repeat">
+      <a:schemeClr val="lt1"/>
+    </dgm:linClrLst>
+    <dgm:effectClrLst/>
+    <dgm:txLinClrLst/>
+    <dgm:txFillClrLst meth="repeat">
+      <a:schemeClr val="lt1"/>
+    </dgm:txFillClrLst>
+    <dgm:txEffectClrLst/>
+  </dgm:styleLbl>
+  <dgm:styleLbl name="bgImgPlace1">
+    <dgm:fillClrLst meth="repeat">
+      <a:schemeClr val="accent1">
+        <a:tint val="50000"/>
+      </a:schemeClr>
+    </dgm:fillClrLst>
+    <dgm:linClrLst meth="repeat">
+      <a:schemeClr val="lt1"/>
+    </dgm:linClrLst>
+    <dgm:effectClrLst/>
+    <dgm:txLinClrLst/>
+    <dgm:txFillClrLst meth="repeat">
+      <a:schemeClr val="lt1"/>
+    </dgm:txFillClrLst>
+    <dgm:txEffectClrLst/>
+  </dgm:styleLbl>
+  <dgm:styleLbl name="sibTrans2D1">
+    <dgm:fillClrLst meth="repeat">
+      <a:schemeClr val="accent1">
+        <a:tint val="60000"/>
+      </a:schemeClr>
+    </dgm:fillClrLst>
+    <dgm:linClrLst meth="repeat">
+      <a:schemeClr val="accent1">
+        <a:tint val="60000"/>
+      </a:schemeClr>
+    </dgm:linClrLst>
+    <dgm:effectClrLst/>
+    <dgm:txLinClrLst/>
+    <dgm:txFillClrLst/>
+    <dgm:txEffectClrLst/>
+  </dgm:styleLbl>
+  <dgm:styleLbl name="fgSibTrans2D1">
+    <dgm:fillClrLst meth="repeat">
+      <a:schemeClr val="accent1">
+        <a:tint val="60000"/>
+      </a:schemeClr>
+    </dgm:fillClrLst>
+    <dgm:linClrLst meth="repeat">
+      <a:schemeClr val="accent1">
+        <a:tint val="60000"/>
+      </a:schemeClr>
+    </dgm:linClrLst>
+    <dgm:effectClrLst/>
+    <dgm:txLinClrLst/>
+    <dgm:txFillClrLst/>
+    <dgm:txEffectClrLst/>
+  </dgm:styleLbl>
+  <dgm:styleLbl name="bgSibTrans2D1">
+    <dgm:fillClrLst meth="repeat">
+      <a:schemeClr val="accent1">
+        <a:tint val="60000"/>
+      </a:schemeClr>
+    </dgm:fillClrLst>
+    <dgm:linClrLst meth="repeat">
+      <a:schemeClr val="accent1">
+        <a:tint val="60000"/>
+      </a:schemeClr>
+    </dgm:linClrLst>
+    <dgm:effectClrLst/>
+    <dgm:txLinClrLst/>
+    <dgm:txFillClrLst/>
+    <dgm:txEffectClrLst/>
+  </dgm:styleLbl>
+  <dgm:styleLbl name="sibTrans1D1">
+    <dgm:fillClrLst meth="repeat">
+      <a:schemeClr val="accent1"/>
+    </dgm:fillClrLst>
+    <dgm:linClrLst meth="repeat">
+      <a:schemeClr val="accent1"/>
+    </dgm:linClrLst>
+    <dgm:effectClrLst/>
+    <dgm:txLinClrLst/>
+    <dgm:txFillClrLst meth="repeat">
+      <a:schemeClr val="tx1"/>
+    </dgm:txFillClrLst>
+    <dgm:txEffectClrLst/>
+  </dgm:styleLbl>
+  <dgm:styleLbl name="callout">
+    <dgm:fillClrLst meth="repeat">
+      <a:schemeClr val="accent1"/>
+    </dgm:fillClrLst>
+    <dgm:linClrLst meth="repeat">
+      <a:schemeClr val="accent1">
+        <a:tint val="50000"/>
+      </a:schemeClr>
+    </dgm:linClrLst>
+    <dgm:effectClrLst/>
+    <dgm:txLinClrLst/>
+    <dgm:txFillClrLst meth="repeat">
+      <a:schemeClr val="tx1"/>
+    </dgm:txFillClrLst>
+    <dgm:txEffectClrLst/>
+  </dgm:styleLbl>
+  <dgm:styleLbl name="asst0">
+    <dgm:fillClrLst meth="repeat">
+      <a:schemeClr val="accent1"/>
+    </dgm:fillClrLst>
+    <dgm:linClrLst meth="repeat">
+      <a:schemeClr val="lt1"/>
+    </dgm:linClrLst>
+    <dgm:effectClrLst/>
+    <dgm:txLinClrLst/>
+    <dgm:txFillClrLst/>
+    <dgm:txEffectClrLst/>
+  </dgm:styleLbl>
+  <dgm:styleLbl name="asst1">
+    <dgm:fillClrLst meth="repeat">
+      <a:schemeClr val="accent1"/>
+    </dgm:fillClrLst>
+    <dgm:linClrLst meth="repeat">
+      <a:schemeClr val="lt1"/>
+    </dgm:linClrLst>
+    <dgm:effectClrLst/>
+    <dgm:txLinClrLst/>
+    <dgm:txFillClrLst/>
+    <dgm:txEffectClrLst/>
+  </dgm:styleLbl>
+  <dgm:styleLbl name="asst2">
+    <dgm:fillClrLst meth="repeat">
+      <a:schemeClr val="accent1"/>
+    </dgm:fillClrLst>
+    <dgm:linClrLst meth="repeat">
+      <a:schemeClr val="lt1"/>
+    </dgm:linClrLst>
+    <dgm:effectClrLst/>
+    <dgm:txLinClrLst/>
+    <dgm:txFillClrLst/>
+    <dgm:txEffectClrLst/>
+  </dgm:styleLbl>
+  <dgm:styleLbl name="asst3">
+    <dgm:fillClrLst meth="repeat">
+      <a:schemeClr val="accent1"/>
+    </dgm:fillClrLst>
+    <dgm:linClrLst meth="repeat">
+      <a:schemeClr val="lt1"/>
+    </dgm:linClrLst>
+    <dgm:effectClrLst/>
+    <dgm:txLinClrLst/>
+    <dgm:txFillClrLst/>
+    <dgm:txEffectClrLst/>
+  </dgm:styleLbl>
+  <dgm:styleLbl name="asst4">
+    <dgm:fillClrLst meth="repeat">
+      <a:schemeClr val="accent1"/>
+    </dgm:fillClrLst>
+    <dgm:linClrLst meth="repeat">
+      <a:schemeClr val="lt1"/>
+    </dgm:linClrLst>
+    <dgm:effectClrLst/>
+    <dgm:txLinClrLst/>
+    <dgm:txFillClrLst/>
+    <dgm:txEffectClrLst/>
+  </dgm:styleLbl>
+  <dgm:styleLbl name="parChTrans2D1">
+    <dgm:fillClrLst meth="repeat">
+      <a:schemeClr val="accent1">
+        <a:tint val="60000"/>
+      </a:schemeClr>
+    </dgm:fillClrLst>
+    <dgm:linClrLst meth="repeat">
+      <a:schemeClr val="accent1">
+        <a:tint val="60000"/>
+      </a:schemeClr>
+    </dgm:linClrLst>
+    <dgm:effectClrLst/>
+    <dgm:txLinClrLst/>
+    <dgm:txFillClrLst meth="repeat">
+      <a:schemeClr val="lt1"/>
+    </dgm:txFillClrLst>
+    <dgm:txEffectClrLst/>
+  </dgm:styleLbl>
+  <dgm:styleLbl name="parChTrans2D2">
+    <dgm:fillClrLst meth="repeat">
+      <a:schemeClr val="accent1"/>
+    </dgm:fillClrLst>
+    <dgm:linClrLst meth="repeat">
+      <a:schemeClr val="accent1"/>
+    </dgm:linClrLst>
+    <dgm:effectClrLst/>
+    <dgm:txLinClrLst/>
+    <dgm:txFillClrLst meth="repeat">
+      <a:schemeClr val="lt1"/>
+    </dgm:txFillClrLst>
+    <dgm:txEffectClrLst/>
+  </dgm:styleLbl>
+  <dgm:styleLbl name="parChTrans2D3">
+    <dgm:fillClrLst meth="repeat">
+      <a:schemeClr val="accent1"/>
+    </dgm:fillClrLst>
+    <dgm:linClrLst meth="repeat">
+      <a:schemeClr val="accent1"/>
+    </dgm:linClrLst>
+    <dgm:effectClrLst/>
+    <dgm:txLinClrLst/>
+    <dgm:txFillClrLst meth="repeat">
+      <a:schemeClr val="lt1"/>
+    </dgm:txFillClrLst>
+    <dgm:txEffectClrLst/>
+  </dgm:styleLbl>
+  <dgm:styleLbl name="parChTrans2D4">
+    <dgm:fillClrLst meth="repeat">
+      <a:schemeClr val="accent1"/>
+    </dgm:fillClrLst>
+    <dgm:linClrLst meth="repeat">
+      <a:schemeClr val="accent1"/>
+    </dgm:linClrLst>
+    <dgm:effectClrLst/>
+    <dgm:txLinClrLst/>
+    <dgm:txFillClrLst meth="repeat">
+      <a:schemeClr val="lt1"/>
+    </dgm:txFillClrLst>
+    <dgm:txEffectClrLst/>
+  </dgm:styleLbl>
+  <dgm:styleLbl name="parChTrans1D1">
+    <dgm:fillClrLst meth="repeat">
+      <a:schemeClr val="accent1"/>
+    </dgm:fillClrLst>
+    <dgm:linClrLst meth="repeat">
+      <a:schemeClr val="accent1">
+        <a:shade val="60000"/>
+      </a:schemeClr>
+    </dgm:linClrLst>
+    <dgm:effectClrLst/>
+    <dgm:txLinClrLst/>
+    <dgm:txFillClrLst meth="repeat">
+      <a:schemeClr val="tx1"/>
+    </dgm:txFillClrLst>
+    <dgm:txEffectClrLst/>
+  </dgm:styleLbl>
+  <dgm:styleLbl name="parChTrans1D2">
+    <dgm:fillClrLst meth="repeat">
+      <a:schemeClr val="accent1"/>
+    </dgm:fillClrLst>
+    <dgm:linClrLst meth="repeat">
+      <a:schemeClr val="accent1">
+        <a:shade val="60000"/>
+      </a:schemeClr>
+    </dgm:linClrLst>
+    <dgm:effectClrLst/>
+    <dgm:txLinClrLst/>
+    <dgm:txFillClrLst meth="repeat">
+      <a:schemeClr val="tx1"/>
+    </dgm:txFillClrLst>
+    <dgm:txEffectClrLst/>
+  </dgm:styleLbl>
+  <dgm:styleLbl name="parChTrans1D3">
+    <dgm:fillClrLst meth="repeat">
+      <a:schemeClr val="accent1"/>
+    </dgm:fillClrLst>
+    <dgm:linClrLst meth="repeat">
+      <a:schemeClr val="accent1">
+        <a:shade val="80000"/>
+      </a:schemeClr>
+    </dgm:linClrLst>
+    <dgm:effectClrLst/>
+    <dgm:txLinClrLst/>
+    <dgm:txFillClrLst meth="repeat">
+      <a:schemeClr val="tx1"/>
+    </dgm:txFillClrLst>
+    <dgm:txEffectClrLst/>
+  </dgm:styleLbl>
+  <dgm:styleLbl name="parChTrans1D4">
+    <dgm:fillClrLst meth="repeat">
+      <a:schemeClr val="accent1"/>
+    </dgm:fillClrLst>
+    <dgm:linClrLst meth="repeat">
+      <a:schemeClr val="accent1">
+        <a:shade val="80000"/>
+      </a:schemeClr>
+    </dgm:linClrLst>
+    <dgm:effectClrLst/>
+    <dgm:txLinClrLst/>
+    <dgm:txFillClrLst meth="repeat">
+      <a:schemeClr val="tx1"/>
+    </dgm:txFillClrLst>
+    <dgm:txEffectClrLst/>
+  </dgm:styleLbl>
+  <dgm:styleLbl name="fgAcc1">
+    <dgm:fillClrLst meth="repeat">
+      <a:schemeClr val="lt1">
+        <a:alpha val="90000"/>
+      </a:schemeClr>
+    </dgm:fillClrLst>
+    <dgm:linClrLst meth="repeat">
+      <a:schemeClr val="accent1"/>
+    </dgm:linClrLst>
+    <dgm:effectClrLst/>
+    <dgm:txLinClrLst/>
+    <dgm:txFillClrLst meth="repeat">
+      <a:schemeClr val="dk1"/>
+    </dgm:txFillClrLst>
+    <dgm:txEffectClrLst/>
+  </dgm:styleLbl>
+  <dgm:styleLbl name="conFgAcc1">
+    <dgm:fillClrLst meth="repeat">
+      <a:schemeClr val="lt1">
+        <a:alpha val="90000"/>
+      </a:schemeClr>
+    </dgm:fillClrLst>
+    <dgm:linClrLst meth="repeat">
+      <a:schemeClr val="accent1"/>
+    </dgm:linClrLst>
+    <dgm:effectClrLst/>
+    <dgm:txLinClrLst/>
+    <dgm:txFillClrLst meth="repeat">
+      <a:schemeClr val="dk1"/>
+    </dgm:txFillClrLst>
+    <dgm:txEffectClrLst/>
+  </dgm:styleLbl>
+  <dgm:styleLbl name="alignAcc1">
+    <dgm:fillClrLst meth="repeat">
+      <a:schemeClr val="lt1">
+        <a:alpha val="90000"/>
+      </a:schemeClr>
+    </dgm:fillClrLst>
+    <dgm:linClrLst meth="repeat">
+      <a:schemeClr val="accent1"/>
+    </dgm:linClrLst>
+    <dgm:effectClrLst/>
+    <dgm:txLinClrLst/>
+    <dgm:txFillClrLst meth="repeat">
+      <a:schemeClr val="dk1"/>
+    </dgm:txFillClrLst>
+    <dgm:txEffectClrLst/>
+  </dgm:styleLbl>
+  <dgm:styleLbl name="trAlignAcc1">
+    <dgm:fillClrLst meth="repeat">
+      <a:schemeClr val="lt1">
+        <a:alpha val="40000"/>
+      </a:schemeClr>
+    </dgm:fillClrLst>
+    <dgm:linClrLst meth="repeat">
+      <a:schemeClr val="accent1"/>
+    </dgm:linClrLst>
+    <dgm:effectClrLst/>
+    <dgm:txLinClrLst/>
+    <dgm:txFillClrLst meth="repeat">
+      <a:schemeClr val="dk1"/>
+    </dgm:txFillClrLst>
+    <dgm:txEffectClrLst/>
+  </dgm:styleLbl>
+  <dgm:styleLbl name="bgAcc1">
+    <dgm:fillClrLst meth="repeat">
+      <a:schemeClr val="lt1">
+        <a:alpha val="90000"/>
+      </a:schemeClr>
+    </dgm:fillClrLst>
+    <dgm:linClrLst meth="repeat">
+      <a:schemeClr val="accent1"/>
+    </dgm:linClrLst>
+    <dgm:effectClrLst/>
+    <dgm:txLinClrLst/>
+    <dgm:txFillClrLst meth="repeat">
+      <a:schemeClr val="dk1"/>
+    </dgm:txFillClrLst>
+    <dgm:txEffectClrLst/>
+  </dgm:styleLbl>
+  <dgm:styleLbl name="solidFgAcc1">
+    <dgm:fillClrLst meth="repeat">
+      <a:schemeClr val="lt1"/>
+    </dgm:fillClrLst>
+    <dgm:linClrLst meth="repeat">
+      <a:schemeClr val="accent1"/>
+    </dgm:linClrLst>
+    <dgm:effectClrLst/>
+    <dgm:txLinClrLst/>
+    <dgm:txFillClrLst meth="repeat">
+      <a:schemeClr val="dk1"/>
+    </dgm:txFillClrLst>
+    <dgm:txEffectClrLst/>
+  </dgm:styleLbl>
+  <dgm:styleLbl name="solidAlignAcc1">
+    <dgm:fillClrLst meth="repeat">
+      <a:schemeClr val="lt1"/>
+    </dgm:fillClrLst>
+    <dgm:linClrLst meth="repeat">
+      <a:schemeClr val="accent1"/>
+    </dgm:linClrLst>
+    <dgm:effectClrLst/>
+    <dgm:txLinClrLst/>
+    <dgm:txFillClrLst meth="repeat">
+      <a:schemeClr val="dk1"/>
+    </dgm:txFillClrLst>
+    <dgm:txEffectClrLst/>
+  </dgm:styleLbl>
+  <dgm:styleLbl name="solidBgAcc1">
+    <dgm:fillClrLst meth="repeat">
+      <a:schemeClr val="lt1"/>
+    </dgm:fillClrLst>
+    <dgm:linClrLst meth="repeat">
+      <a:schemeClr val="accent1"/>
+    </dgm:linClrLst>
+    <dgm:effectClrLst/>
+    <dgm:txLinClrLst/>
+    <dgm:txFillClrLst meth="repeat">
+      <a:schemeClr val="dk1"/>
+    </dgm:txFillClrLst>
+    <dgm:txEffectClrLst/>
+  </dgm:styleLbl>
+  <dgm:styleLbl name="fgAccFollowNode1">
+    <dgm:fillClrLst meth="repeat">
+      <a:schemeClr val="accent1">
+        <a:alpha val="90000"/>
+        <a:tint val="40000"/>
+      </a:schemeClr>
+    </dgm:fillClrLst>
+    <dgm:linClrLst meth="repeat">
+      <a:schemeClr val="accent1">
+        <a:alpha val="90000"/>
+        <a:tint val="40000"/>
+      </a:schemeClr>
+    </dgm:linClrLst>
+    <dgm:effectClrLst/>
+    <dgm:txLinClrLst/>
+    <dgm:txFillClrLst meth="repeat">
+      <a:schemeClr val="dk1"/>
+    </dgm:txFillClrLst>
+    <dgm:txEffectClrLst/>
+  </dgm:styleLbl>
+  <dgm:styleLbl name="alignAccFollowNode1">
+    <dgm:fillClrLst meth="repeat">
+      <a:schemeClr val="accent1">
+        <a:alpha val="90000"/>
+        <a:tint val="40000"/>
+      </a:schemeClr>
+    </dgm:fillClrLst>
+    <dgm:linClrLst meth="repeat">
+      <a:schemeClr val="accent1">
+        <a:alpha val="90000"/>
+        <a:tint val="40000"/>
+      </a:schemeClr>
+    </dgm:linClrLst>
+    <dgm:effectClrLst/>
+    <dgm:txLinClrLst/>
+    <dgm:txFillClrLst meth="repeat">
+      <a:schemeClr val="dk1"/>
+    </dgm:txFillClrLst>
+    <dgm:txEffectClrLst/>
+  </dgm:styleLbl>
+  <dgm:styleLbl name="bgAccFollowNode1">
+    <dgm:fillClrLst meth="repeat">
+      <a:schemeClr val="accent1">
+        <a:alpha val="90000"/>
+        <a:tint val="40000"/>
+      </a:schemeClr>
+    </dgm:fillClrLst>
+    <dgm:linClrLst meth="repeat">
+      <a:schemeClr val="accent1">
+        <a:alpha val="90000"/>
+        <a:tint val="40000"/>
+      </a:schemeClr>
+    </dgm:linClrLst>
+    <dgm:effectClrLst/>
+    <dgm:txLinClrLst/>
+    <dgm:txFillClrLst meth="repeat">
+      <a:schemeClr val="dk1"/>
+    </dgm:txFillClrLst>
+    <dgm:txEffectClrLst/>
+  </dgm:styleLbl>
+  <dgm:styleLbl name="fgAcc0">
+    <dgm:fillClrLst meth="repeat">
+      <a:schemeClr val="lt1">
+        <a:alpha val="90000"/>
+      </a:schemeClr>
+    </dgm:fillClrLst>
+    <dgm:linClrLst meth="repeat">
+      <a:schemeClr val="accent1"/>
+    </dgm:linClrLst>
+    <dgm:effectClrLst/>
+    <dgm:txLinClrLst/>
+    <dgm:txFillClrLst meth="repeat">
+      <a:schemeClr val="dk1"/>
+    </dgm:txFillClrLst>
+    <dgm:txEffectClrLst/>
+  </dgm:styleLbl>
+  <dgm:styleLbl name="fgAcc2">
+    <dgm:fillClrLst meth="repeat">
+      <a:schemeClr val="lt1">
+        <a:alpha val="90000"/>
+      </a:schemeClr>
+    </dgm:fillClrLst>
+    <dgm:linClrLst meth="repeat">
+      <a:schemeClr val="accent1"/>
+    </dgm:linClrLst>
+    <dgm:effectClrLst/>
+    <dgm:txLinClrLst/>
+    <dgm:txFillClrLst meth="repeat">
+      <a:schemeClr val="dk1"/>
+    </dgm:txFillClrLst>
+    <dgm:txEffectClrLst/>
+  </dgm:styleLbl>
+  <dgm:styleLbl name="fgAcc3">
+    <dgm:fillClrLst meth="repeat">
+      <a:schemeClr val="lt1">
+        <a:alpha val="90000"/>
+      </a:schemeClr>
+    </dgm:fillClrLst>
+    <dgm:linClrLst meth="repeat">
+      <a:schemeClr val="accent1"/>
+    </dgm:linClrLst>
+    <dgm:effectClrLst/>
+    <dgm:txLinClrLst/>
+    <dgm:txFillClrLst meth="repeat">
+      <a:schemeClr val="dk1"/>
+    </dgm:txFillClrLst>
+    <dgm:txEffectClrLst/>
+  </dgm:styleLbl>
+  <dgm:styleLbl name="fgAcc4">
+    <dgm:fillClrLst meth="repeat">
+      <a:schemeClr val="lt1">
+        <a:alpha val="90000"/>
+      </a:schemeClr>
+    </dgm:fillClrLst>
+    <dgm:linClrLst meth="repeat">
+      <a:schemeClr val="accent1"/>
+    </dgm:linClrLst>
+    <dgm:effectClrLst/>
+    <dgm:txLinClrLst/>
+    <dgm:txFillClrLst meth="repeat">
+      <a:schemeClr val="dk1"/>
+    </dgm:txFillClrLst>
+    <dgm:txEffectClrLst/>
+  </dgm:styleLbl>
+  <dgm:styleLbl name="bgShp">
+    <dgm:fillClrLst meth="repeat">
+      <a:schemeClr val="accent1">
+        <a:tint val="40000"/>
+      </a:schemeClr>
+    </dgm:fillClrLst>
+    <dgm:linClrLst meth="repeat">
+      <a:schemeClr val="accent1"/>
+    </dgm:linClrLst>
+    <dgm:effectClrLst/>
+    <dgm:txLinClrLst/>
+    <dgm:txFillClrLst meth="repeat">
+      <a:schemeClr val="dk1"/>
+    </dgm:txFillClrLst>
+    <dgm:txEffectClrLst/>
+  </dgm:styleLbl>
+  <dgm:styleLbl name="dkBgShp">
+    <dgm:fillClrLst meth="repeat">
+      <a:schemeClr val="accent1">
+        <a:shade val="80000"/>
+      </a:schemeClr>
+    </dgm:fillClrLst>
+    <dgm:linClrLst meth="repeat">
+      <a:schemeClr val="accent1"/>
+    </dgm:linClrLst>
+    <dgm:effectClrLst/>
+    <dgm:txLinClrLst/>
+    <dgm:txFillClrLst meth="repeat">
+      <a:schemeClr val="lt1"/>
+    </dgm:txFillClrLst>
+    <dgm:txEffectClrLst/>
+  </dgm:styleLbl>
+  <dgm:styleLbl name="trBgShp">
+    <dgm:fillClrLst meth="repeat">
+      <a:schemeClr val="accent1">
+        <a:tint val="50000"/>
+        <a:alpha val="40000"/>
+      </a:schemeClr>
+    </dgm:fillClrLst>
+    <dgm:linClrLst meth="repeat">
+      <a:schemeClr val="accent1"/>
+    </dgm:linClrLst>
+    <dgm:effectClrLst/>
+    <dgm:txLinClrLst/>
+    <dgm:txFillClrLst meth="repeat">
+      <a:schemeClr val="lt1"/>
+    </dgm:txFillClrLst>
+    <dgm:txEffectClrLst/>
+  </dgm:styleLbl>
+  <dgm:styleLbl name="fgShp">
+    <dgm:fillClrLst meth="repeat">
+      <a:schemeClr val="accent1">
+        <a:tint val="60000"/>
+      </a:schemeClr>
+    </dgm:fillClrLst>
+    <dgm:linClrLst meth="repeat">
+      <a:schemeClr val="lt1"/>
+    </dgm:linClrLst>
+    <dgm:effectClrLst/>
+    <dgm:txLinClrLst/>
+    <dgm:txFillClrLst meth="repeat">
+      <a:schemeClr val="dk1"/>
+    </dgm:txFillClrLst>
+    <dgm:txEffectClrLst/>
+  </dgm:styleLbl>
+  <dgm:styleLbl name="revTx">
+    <dgm:fillClrLst meth="repeat">
+      <a:schemeClr val="lt1">
+        <a:alpha val="0"/>
+      </a:schemeClr>
+    </dgm:fillClrLst>
+    <dgm:linClrLst meth="repeat">
+      <a:schemeClr val="dk1">
+        <a:alpha val="0"/>
+      </a:schemeClr>
+    </dgm:linClrLst>
+    <dgm:effectClrLst/>
+    <dgm:txLinClrLst/>
+    <dgm:txFillClrLst meth="repeat">
+      <a:schemeClr val="tx1"/>
+    </dgm:txFillClrLst>
+    <dgm:txEffectClrLst/>
+  </dgm:styleLbl>
+</dgm:colorsDef>
+</file>
+
+<file path=ppt/diagrams/data1.xml><?xml version="1.0" encoding="utf-8"?>
+<dgm:dataModel xmlns:dgm="http://schemas.openxmlformats.org/drawingml/2006/diagram" xmlns:a="http://schemas.openxmlformats.org/drawingml/2006/main">
+  <dgm:ptLst>
+    <dgm:pt modelId="{9C67BA9F-ACCB-49E7-A4DD-65E4B1DD4781}" type="doc">
+      <dgm:prSet loTypeId="urn:microsoft.com/office/officeart/2018/2/layout/IconVerticalSolidList" loCatId="icon" qsTypeId="urn:microsoft.com/office/officeart/2005/8/quickstyle/simple1" qsCatId="simple" csTypeId="urn:microsoft.com/office/officeart/2005/8/colors/accent1_2" csCatId="accent1" phldr="1"/>
+      <dgm:spPr/>
+      <dgm:t>
+        <a:bodyPr/>
+        <a:lstStyle/>
+        <a:p>
+          <a:endParaRPr lang="en-US"/>
+        </a:p>
+      </dgm:t>
+    </dgm:pt>
+    <dgm:pt modelId="{5DD2E1F4-B0D0-418F-85C4-D60B6ABA0763}">
+      <dgm:prSet/>
+      <dgm:spPr/>
+      <dgm:t>
+        <a:bodyPr/>
+        <a:lstStyle/>
+        <a:p>
+          <a:pPr>
+            <a:lnSpc>
+              <a:spcPct val="100000"/>
+            </a:lnSpc>
+          </a:pPr>
+          <a:r>
+            <a:rPr lang="en-US"/>
+            <a:t>Live in Mount Juliet, grew up here in Nashville</a:t>
+          </a:r>
+        </a:p>
+      </dgm:t>
+    </dgm:pt>
+    <dgm:pt modelId="{D0A447D4-E7C5-439F-8B44-E90E4901E340}" type="parTrans" cxnId="{B3B3FE31-77CC-4935-AB93-4CF5CA660779}">
+      <dgm:prSet/>
+      <dgm:spPr/>
+      <dgm:t>
+        <a:bodyPr/>
+        <a:lstStyle/>
+        <a:p>
+          <a:endParaRPr lang="en-US"/>
+        </a:p>
+      </dgm:t>
+    </dgm:pt>
+    <dgm:pt modelId="{B954202D-ABE1-4123-A075-E698DBDF1DE1}" type="sibTrans" cxnId="{B3B3FE31-77CC-4935-AB93-4CF5CA660779}">
+      <dgm:prSet/>
+      <dgm:spPr/>
+      <dgm:t>
+        <a:bodyPr/>
+        <a:lstStyle/>
+        <a:p>
+          <a:endParaRPr lang="en-US"/>
+        </a:p>
+      </dgm:t>
+    </dgm:pt>
+    <dgm:pt modelId="{08DD40BD-B11D-4B15-8C4B-3B683E2462DE}">
+      <dgm:prSet/>
+      <dgm:spPr/>
+      <dgm:t>
+        <a:bodyPr/>
+        <a:lstStyle/>
+        <a:p>
+          <a:pPr>
+            <a:lnSpc>
+              <a:spcPct val="100000"/>
+            </a:lnSpc>
+          </a:pPr>
+          <a:r>
+            <a:rPr lang="en-US"/>
+            <a:t>Computer Science at TTU</a:t>
+          </a:r>
+        </a:p>
+      </dgm:t>
+    </dgm:pt>
+    <dgm:pt modelId="{37C5162C-3023-4267-A001-D876AE36E360}" type="parTrans" cxnId="{70084387-BE49-4505-811C-19C6A66EBA94}">
+      <dgm:prSet/>
+      <dgm:spPr/>
+      <dgm:t>
+        <a:bodyPr/>
+        <a:lstStyle/>
+        <a:p>
+          <a:endParaRPr lang="en-US"/>
+        </a:p>
+      </dgm:t>
+    </dgm:pt>
+    <dgm:pt modelId="{9CB75DCB-20F1-4267-BC14-EB934557B002}" type="sibTrans" cxnId="{70084387-BE49-4505-811C-19C6A66EBA94}">
+      <dgm:prSet/>
+      <dgm:spPr/>
+      <dgm:t>
+        <a:bodyPr/>
+        <a:lstStyle/>
+        <a:p>
+          <a:endParaRPr lang="en-US"/>
+        </a:p>
+      </dgm:t>
+    </dgm:pt>
+    <dgm:pt modelId="{85EB184E-4ECD-42EA-999A-E69D4FD3A83B}">
+      <dgm:prSet/>
+      <dgm:spPr/>
+      <dgm:t>
+        <a:bodyPr/>
+        <a:lstStyle/>
+        <a:p>
+          <a:pPr>
+            <a:lnSpc>
+              <a:spcPct val="100000"/>
+            </a:lnSpc>
+          </a:pPr>
+          <a:r>
+            <a:rPr lang="en-US"/>
+            <a:t>10 years working in data and analytics</a:t>
+          </a:r>
+        </a:p>
+      </dgm:t>
+    </dgm:pt>
+    <dgm:pt modelId="{0735F49D-8ACD-45F0-BC2E-9B698CDB9C6D}" type="parTrans" cxnId="{52B0A22C-5627-4379-B822-40201FD9DB49}">
+      <dgm:prSet/>
+      <dgm:spPr/>
+      <dgm:t>
+        <a:bodyPr/>
+        <a:lstStyle/>
+        <a:p>
+          <a:endParaRPr lang="en-US"/>
+        </a:p>
+      </dgm:t>
+    </dgm:pt>
+    <dgm:pt modelId="{AED515D6-EAA7-413B-9056-8E9FBC4751C5}" type="sibTrans" cxnId="{52B0A22C-5627-4379-B822-40201FD9DB49}">
+      <dgm:prSet/>
+      <dgm:spPr/>
+      <dgm:t>
+        <a:bodyPr/>
+        <a:lstStyle/>
+        <a:p>
+          <a:endParaRPr lang="en-US"/>
+        </a:p>
+      </dgm:t>
+    </dgm:pt>
+    <dgm:pt modelId="{72E3922A-61BA-4813-863B-94533387A172}">
+      <dgm:prSet/>
+      <dgm:spPr/>
+      <dgm:t>
+        <a:bodyPr/>
+        <a:lstStyle/>
+        <a:p>
+          <a:pPr>
+            <a:lnSpc>
+              <a:spcPct val="100000"/>
+            </a:lnSpc>
+          </a:pPr>
+          <a:r>
+            <a:rPr lang="en-US"/>
+            <a:t>This presentation is open source! Materials for this presentation, including this presentation, can be found at </a:t>
+          </a:r>
+          <a:r>
+            <a:rPr lang="en-US">
+              <a:hlinkClick xmlns:r="http://schemas.openxmlformats.org/officeDocument/2006/relationships" r:id="rId1"/>
+            </a:rPr>
+            <a:t>https://github.com/shswindell42/Presentations/tree/main/Building%20a%20Data%20Lakehouse</a:t>
+          </a:r>
+          <a:endParaRPr lang="en-US"/>
+        </a:p>
+      </dgm:t>
+    </dgm:pt>
+    <dgm:pt modelId="{9E4A066F-4B27-44AC-82CE-44ABC19A7986}" type="parTrans" cxnId="{F6F18272-C39C-40E8-ADF4-A8987825008E}">
+      <dgm:prSet/>
+      <dgm:spPr/>
+      <dgm:t>
+        <a:bodyPr/>
+        <a:lstStyle/>
+        <a:p>
+          <a:endParaRPr lang="en-US"/>
+        </a:p>
+      </dgm:t>
+    </dgm:pt>
+    <dgm:pt modelId="{397AD3B5-1F5D-4F7A-8D00-431CFB09B993}" type="sibTrans" cxnId="{F6F18272-C39C-40E8-ADF4-A8987825008E}">
+      <dgm:prSet/>
+      <dgm:spPr/>
+      <dgm:t>
+        <a:bodyPr/>
+        <a:lstStyle/>
+        <a:p>
+          <a:endParaRPr lang="en-US"/>
+        </a:p>
+      </dgm:t>
+    </dgm:pt>
+    <dgm:pt modelId="{43B9CED5-1888-47AE-A09C-38FB70994455}" type="pres">
+      <dgm:prSet presAssocID="{9C67BA9F-ACCB-49E7-A4DD-65E4B1DD4781}" presName="root" presStyleCnt="0">
+        <dgm:presLayoutVars>
+          <dgm:dir/>
+          <dgm:resizeHandles val="exact"/>
+        </dgm:presLayoutVars>
+      </dgm:prSet>
+      <dgm:spPr/>
+    </dgm:pt>
+    <dgm:pt modelId="{63A3796B-3E67-4A22-A030-99473BDBABB0}" type="pres">
+      <dgm:prSet presAssocID="{5DD2E1F4-B0D0-418F-85C4-D60B6ABA0763}" presName="compNode" presStyleCnt="0"/>
+      <dgm:spPr/>
+    </dgm:pt>
+    <dgm:pt modelId="{C1DD6AA0-C8A3-4E49-8F09-85EE7BA8D16A}" type="pres">
+      <dgm:prSet presAssocID="{5DD2E1F4-B0D0-418F-85C4-D60B6ABA0763}" presName="bgRect" presStyleLbl="bgShp" presStyleIdx="0" presStyleCnt="4"/>
+      <dgm:spPr/>
+    </dgm:pt>
+    <dgm:pt modelId="{21E4074B-1FF6-4BE4-B86A-F22BD841BD3B}" type="pres">
+      <dgm:prSet presAssocID="{5DD2E1F4-B0D0-418F-85C4-D60B6ABA0763}" presName="iconRect" presStyleLbl="node1" presStyleIdx="0" presStyleCnt="4"/>
+      <dgm:spPr>
+        <a:blipFill>
+          <a:blip xmlns:r="http://schemas.openxmlformats.org/officeDocument/2006/relationships" r:embed="rId2">
+            <a:extLst>
+              <a:ext uri="{28A0092B-C50C-407E-A947-70E740481C1C}">
+                <a14:useLocalDpi xmlns:a14="http://schemas.microsoft.com/office/drawing/2010/main" val="0"/>
+              </a:ext>
+              <a:ext uri="{96DAC541-7B7A-43D3-8B79-37D633B846F1}">
+                <asvg:svgBlip xmlns:asvg="http://schemas.microsoft.com/office/drawing/2016/SVG/main" r:embed="rId3"/>
+              </a:ext>
+            </a:extLst>
+          </a:blip>
+          <a:stretch>
+            <a:fillRect/>
+          </a:stretch>
+        </a:blipFill>
+      </dgm:spPr>
+      <dgm:extLst>
+        <a:ext uri="{E40237B7-FDA0-4F09-8148-C483321AD2D9}">
+          <dgm14:cNvPr xmlns:dgm14="http://schemas.microsoft.com/office/drawing/2010/diagram" id="0" name="" descr="Canyon scene"/>
+        </a:ext>
+      </dgm:extLst>
+    </dgm:pt>
+    <dgm:pt modelId="{51B984E7-AFBA-476D-AB16-0891021B4DCC}" type="pres">
+      <dgm:prSet presAssocID="{5DD2E1F4-B0D0-418F-85C4-D60B6ABA0763}" presName="spaceRect" presStyleCnt="0"/>
+      <dgm:spPr/>
+    </dgm:pt>
+    <dgm:pt modelId="{7E9617A1-E8AD-4E8B-8882-84638FF2DA48}" type="pres">
+      <dgm:prSet presAssocID="{5DD2E1F4-B0D0-418F-85C4-D60B6ABA0763}" presName="parTx" presStyleLbl="revTx" presStyleIdx="0" presStyleCnt="4">
+        <dgm:presLayoutVars>
+          <dgm:chMax val="0"/>
+          <dgm:chPref val="0"/>
+        </dgm:presLayoutVars>
+      </dgm:prSet>
+      <dgm:spPr/>
+    </dgm:pt>
+    <dgm:pt modelId="{4343C8F9-1D9D-4EC3-A062-14ACA829ADEE}" type="pres">
+      <dgm:prSet presAssocID="{B954202D-ABE1-4123-A075-E698DBDF1DE1}" presName="sibTrans" presStyleCnt="0"/>
+      <dgm:spPr/>
+    </dgm:pt>
+    <dgm:pt modelId="{897D03B1-36CE-4E1E-A0DB-F674C3C3BDC2}" type="pres">
+      <dgm:prSet presAssocID="{08DD40BD-B11D-4B15-8C4B-3B683E2462DE}" presName="compNode" presStyleCnt="0"/>
+      <dgm:spPr/>
+    </dgm:pt>
+    <dgm:pt modelId="{58B54ABB-2943-4FE1-82A8-5F5EB03FF6EA}" type="pres">
+      <dgm:prSet presAssocID="{08DD40BD-B11D-4B15-8C4B-3B683E2462DE}" presName="bgRect" presStyleLbl="bgShp" presStyleIdx="1" presStyleCnt="4"/>
+      <dgm:spPr/>
+    </dgm:pt>
+    <dgm:pt modelId="{B6680B60-0F19-48A6-A7B3-0E8A0CD007BE}" type="pres">
+      <dgm:prSet presAssocID="{08DD40BD-B11D-4B15-8C4B-3B683E2462DE}" presName="iconRect" presStyleLbl="node1" presStyleIdx="1" presStyleCnt="4"/>
+      <dgm:spPr>
+        <a:blipFill>
+          <a:blip xmlns:r="http://schemas.openxmlformats.org/officeDocument/2006/relationships" r:embed="rId4">
+            <a:extLst>
+              <a:ext uri="{28A0092B-C50C-407E-A947-70E740481C1C}">
+                <a14:useLocalDpi xmlns:a14="http://schemas.microsoft.com/office/drawing/2010/main" val="0"/>
+              </a:ext>
+              <a:ext uri="{96DAC541-7B7A-43D3-8B79-37D633B846F1}">
+                <asvg:svgBlip xmlns:asvg="http://schemas.microsoft.com/office/drawing/2016/SVG/main" r:embed="rId5"/>
+              </a:ext>
+            </a:extLst>
+          </a:blip>
+          <a:stretch>
+            <a:fillRect/>
+          </a:stretch>
+        </a:blipFill>
+      </dgm:spPr>
+      <dgm:extLst>
+        <a:ext uri="{E40237B7-FDA0-4F09-8148-C483321AD2D9}">
+          <dgm14:cNvPr xmlns:dgm14="http://schemas.microsoft.com/office/drawing/2010/diagram" id="0" name="" descr="Computer"/>
+        </a:ext>
+      </dgm:extLst>
+    </dgm:pt>
+    <dgm:pt modelId="{200C71B0-6B75-48C9-99B6-C93B9E532DFC}" type="pres">
+      <dgm:prSet presAssocID="{08DD40BD-B11D-4B15-8C4B-3B683E2462DE}" presName="spaceRect" presStyleCnt="0"/>
+      <dgm:spPr/>
+    </dgm:pt>
+    <dgm:pt modelId="{91B3CB97-21F9-43FC-AF94-D71B8A4F5201}" type="pres">
+      <dgm:prSet presAssocID="{08DD40BD-B11D-4B15-8C4B-3B683E2462DE}" presName="parTx" presStyleLbl="revTx" presStyleIdx="1" presStyleCnt="4">
+        <dgm:presLayoutVars>
+          <dgm:chMax val="0"/>
+          <dgm:chPref val="0"/>
+        </dgm:presLayoutVars>
+      </dgm:prSet>
+      <dgm:spPr/>
+    </dgm:pt>
+    <dgm:pt modelId="{646E6A76-C505-44B7-9E92-DEC7B196B6F1}" type="pres">
+      <dgm:prSet presAssocID="{9CB75DCB-20F1-4267-BC14-EB934557B002}" presName="sibTrans" presStyleCnt="0"/>
+      <dgm:spPr/>
+    </dgm:pt>
+    <dgm:pt modelId="{B517C2D4-B4D8-4F64-A3A1-B076CFF2777D}" type="pres">
+      <dgm:prSet presAssocID="{85EB184E-4ECD-42EA-999A-E69D4FD3A83B}" presName="compNode" presStyleCnt="0"/>
+      <dgm:spPr/>
+    </dgm:pt>
+    <dgm:pt modelId="{A9372D65-2B97-4C10-B9A8-2FBD6DB03151}" type="pres">
+      <dgm:prSet presAssocID="{85EB184E-4ECD-42EA-999A-E69D4FD3A83B}" presName="bgRect" presStyleLbl="bgShp" presStyleIdx="2" presStyleCnt="4"/>
+      <dgm:spPr/>
+    </dgm:pt>
+    <dgm:pt modelId="{FC1DCA5C-3027-4E66-8917-38538C25D3D7}" type="pres">
+      <dgm:prSet presAssocID="{85EB184E-4ECD-42EA-999A-E69D4FD3A83B}" presName="iconRect" presStyleLbl="node1" presStyleIdx="2" presStyleCnt="4"/>
+      <dgm:spPr>
+        <a:blipFill>
+          <a:blip xmlns:r="http://schemas.openxmlformats.org/officeDocument/2006/relationships" r:embed="rId6">
+            <a:extLst>
+              <a:ext uri="{28A0092B-C50C-407E-A947-70E740481C1C}">
+                <a14:useLocalDpi xmlns:a14="http://schemas.microsoft.com/office/drawing/2010/main" val="0"/>
+              </a:ext>
+              <a:ext uri="{96DAC541-7B7A-43D3-8B79-37D633B846F1}">
+                <asvg:svgBlip xmlns:asvg="http://schemas.microsoft.com/office/drawing/2016/SVG/main" r:embed="rId7"/>
+              </a:ext>
+            </a:extLst>
+          </a:blip>
+          <a:stretch>
+            <a:fillRect/>
+          </a:stretch>
+        </a:blipFill>
+      </dgm:spPr>
+      <dgm:extLst>
+        <a:ext uri="{E40237B7-FDA0-4F09-8148-C483321AD2D9}">
+          <dgm14:cNvPr xmlns:dgm14="http://schemas.microsoft.com/office/drawing/2010/diagram" id="0" name="" descr="Upward trend"/>
+        </a:ext>
+      </dgm:extLst>
+    </dgm:pt>
+    <dgm:pt modelId="{8B917494-50A9-487A-B60B-C45A4613518A}" type="pres">
+      <dgm:prSet presAssocID="{85EB184E-4ECD-42EA-999A-E69D4FD3A83B}" presName="spaceRect" presStyleCnt="0"/>
+      <dgm:spPr/>
+    </dgm:pt>
+    <dgm:pt modelId="{77CE9FE8-09C9-4093-A8D4-9D9D4C3C0A44}" type="pres">
+      <dgm:prSet presAssocID="{85EB184E-4ECD-42EA-999A-E69D4FD3A83B}" presName="parTx" presStyleLbl="revTx" presStyleIdx="2" presStyleCnt="4">
+        <dgm:presLayoutVars>
+          <dgm:chMax val="0"/>
+          <dgm:chPref val="0"/>
+        </dgm:presLayoutVars>
+      </dgm:prSet>
+      <dgm:spPr/>
+    </dgm:pt>
+    <dgm:pt modelId="{F95970E4-82AB-4C51-AE0F-458CAA0E3C51}" type="pres">
+      <dgm:prSet presAssocID="{AED515D6-EAA7-413B-9056-8E9FBC4751C5}" presName="sibTrans" presStyleCnt="0"/>
+      <dgm:spPr/>
+    </dgm:pt>
+    <dgm:pt modelId="{7DEFFB2E-D523-43D0-A9A5-0C8F16C09A4C}" type="pres">
+      <dgm:prSet presAssocID="{72E3922A-61BA-4813-863B-94533387A172}" presName="compNode" presStyleCnt="0"/>
+      <dgm:spPr/>
+    </dgm:pt>
+    <dgm:pt modelId="{7BAFFAA6-4CFD-4B81-B328-CD21BECDFE41}" type="pres">
+      <dgm:prSet presAssocID="{72E3922A-61BA-4813-863B-94533387A172}" presName="bgRect" presStyleLbl="bgShp" presStyleIdx="3" presStyleCnt="4"/>
+      <dgm:spPr/>
+    </dgm:pt>
+    <dgm:pt modelId="{3324CF50-B954-416F-ABC2-48BE28029DA7}" type="pres">
+      <dgm:prSet presAssocID="{72E3922A-61BA-4813-863B-94533387A172}" presName="iconRect" presStyleLbl="node1" presStyleIdx="3" presStyleCnt="4"/>
+      <dgm:spPr>
+        <a:blipFill>
+          <a:blip xmlns:r="http://schemas.openxmlformats.org/officeDocument/2006/relationships" r:embed="rId8">
+            <a:extLst>
+              <a:ext uri="{28A0092B-C50C-407E-A947-70E740481C1C}">
+                <a14:useLocalDpi xmlns:a14="http://schemas.microsoft.com/office/drawing/2010/main" val="0"/>
+              </a:ext>
+              <a:ext uri="{96DAC541-7B7A-43D3-8B79-37D633B846F1}">
+                <asvg:svgBlip xmlns:asvg="http://schemas.microsoft.com/office/drawing/2016/SVG/main" r:embed="rId9"/>
+              </a:ext>
+            </a:extLst>
+          </a:blip>
+          <a:stretch>
+            <a:fillRect/>
+          </a:stretch>
+        </a:blipFill>
+      </dgm:spPr>
+      <dgm:extLst>
+        <a:ext uri="{E40237B7-FDA0-4F09-8148-C483321AD2D9}">
+          <dgm14:cNvPr xmlns:dgm14="http://schemas.microsoft.com/office/drawing/2010/diagram" id="0" name="" descr="Research"/>
+        </a:ext>
+      </dgm:extLst>
+    </dgm:pt>
+    <dgm:pt modelId="{7CBE9D60-1D5B-49F9-B695-53B358FDFFB0}" type="pres">
+      <dgm:prSet presAssocID="{72E3922A-61BA-4813-863B-94533387A172}" presName="spaceRect" presStyleCnt="0"/>
+      <dgm:spPr/>
+    </dgm:pt>
+    <dgm:pt modelId="{08AA4593-7FBA-4EFB-B5DA-829581F93A5F}" type="pres">
+      <dgm:prSet presAssocID="{72E3922A-61BA-4813-863B-94533387A172}" presName="parTx" presStyleLbl="revTx" presStyleIdx="3" presStyleCnt="4">
+        <dgm:presLayoutVars>
+          <dgm:chMax val="0"/>
+          <dgm:chPref val="0"/>
+        </dgm:presLayoutVars>
+      </dgm:prSet>
+      <dgm:spPr/>
+    </dgm:pt>
+  </dgm:ptLst>
+  <dgm:cxnLst>
+    <dgm:cxn modelId="{52B0A22C-5627-4379-B822-40201FD9DB49}" srcId="{9C67BA9F-ACCB-49E7-A4DD-65E4B1DD4781}" destId="{85EB184E-4ECD-42EA-999A-E69D4FD3A83B}" srcOrd="2" destOrd="0" parTransId="{0735F49D-8ACD-45F0-BC2E-9B698CDB9C6D}" sibTransId="{AED515D6-EAA7-413B-9056-8E9FBC4751C5}"/>
+    <dgm:cxn modelId="{B3B3FE31-77CC-4935-AB93-4CF5CA660779}" srcId="{9C67BA9F-ACCB-49E7-A4DD-65E4B1DD4781}" destId="{5DD2E1F4-B0D0-418F-85C4-D60B6ABA0763}" srcOrd="0" destOrd="0" parTransId="{D0A447D4-E7C5-439F-8B44-E90E4901E340}" sibTransId="{B954202D-ABE1-4123-A075-E698DBDF1DE1}"/>
+    <dgm:cxn modelId="{7F904637-A91B-4E4F-B68A-EE1D3FD375D4}" type="presOf" srcId="{9C67BA9F-ACCB-49E7-A4DD-65E4B1DD4781}" destId="{43B9CED5-1888-47AE-A09C-38FB70994455}" srcOrd="0" destOrd="0" presId="urn:microsoft.com/office/officeart/2018/2/layout/IconVerticalSolidList"/>
+    <dgm:cxn modelId="{039AC848-28EE-407B-BA9A-8545B6C37246}" type="presOf" srcId="{08DD40BD-B11D-4B15-8C4B-3B683E2462DE}" destId="{91B3CB97-21F9-43FC-AF94-D71B8A4F5201}" srcOrd="0" destOrd="0" presId="urn:microsoft.com/office/officeart/2018/2/layout/IconVerticalSolidList"/>
+    <dgm:cxn modelId="{4F1DC86C-0D1A-45A2-9610-2CFDD3D4749D}" type="presOf" srcId="{5DD2E1F4-B0D0-418F-85C4-D60B6ABA0763}" destId="{7E9617A1-E8AD-4E8B-8882-84638FF2DA48}" srcOrd="0" destOrd="0" presId="urn:microsoft.com/office/officeart/2018/2/layout/IconVerticalSolidList"/>
+    <dgm:cxn modelId="{F6F18272-C39C-40E8-ADF4-A8987825008E}" srcId="{9C67BA9F-ACCB-49E7-A4DD-65E4B1DD4781}" destId="{72E3922A-61BA-4813-863B-94533387A172}" srcOrd="3" destOrd="0" parTransId="{9E4A066F-4B27-44AC-82CE-44ABC19A7986}" sibTransId="{397AD3B5-1F5D-4F7A-8D00-431CFB09B993}"/>
+    <dgm:cxn modelId="{70084387-BE49-4505-811C-19C6A66EBA94}" srcId="{9C67BA9F-ACCB-49E7-A4DD-65E4B1DD4781}" destId="{08DD40BD-B11D-4B15-8C4B-3B683E2462DE}" srcOrd="1" destOrd="0" parTransId="{37C5162C-3023-4267-A001-D876AE36E360}" sibTransId="{9CB75DCB-20F1-4267-BC14-EB934557B002}"/>
+    <dgm:cxn modelId="{BEF1729A-8C22-444A-AC72-F9F2E7B9BD39}" type="presOf" srcId="{72E3922A-61BA-4813-863B-94533387A172}" destId="{08AA4593-7FBA-4EFB-B5DA-829581F93A5F}" srcOrd="0" destOrd="0" presId="urn:microsoft.com/office/officeart/2018/2/layout/IconVerticalSolidList"/>
+    <dgm:cxn modelId="{AAE210F2-4CAA-4FF8-ADB5-534EB97AF5D6}" type="presOf" srcId="{85EB184E-4ECD-42EA-999A-E69D4FD3A83B}" destId="{77CE9FE8-09C9-4093-A8D4-9D9D4C3C0A44}" srcOrd="0" destOrd="0" presId="urn:microsoft.com/office/officeart/2018/2/layout/IconVerticalSolidList"/>
+    <dgm:cxn modelId="{D40CFD89-1299-48AD-899D-D8BAAB79F785}" type="presParOf" srcId="{43B9CED5-1888-47AE-A09C-38FB70994455}" destId="{63A3796B-3E67-4A22-A030-99473BDBABB0}" srcOrd="0" destOrd="0" presId="urn:microsoft.com/office/officeart/2018/2/layout/IconVerticalSolidList"/>
+    <dgm:cxn modelId="{15981BE0-70C7-46CD-A7A3-466E5F9A31DE}" type="presParOf" srcId="{63A3796B-3E67-4A22-A030-99473BDBABB0}" destId="{C1DD6AA0-C8A3-4E49-8F09-85EE7BA8D16A}" srcOrd="0" destOrd="0" presId="urn:microsoft.com/office/officeart/2018/2/layout/IconVerticalSolidList"/>
+    <dgm:cxn modelId="{EA28DFBD-5FE6-4024-A522-09C8A4428737}" type="presParOf" srcId="{63A3796B-3E67-4A22-A030-99473BDBABB0}" destId="{21E4074B-1FF6-4BE4-B86A-F22BD841BD3B}" srcOrd="1" destOrd="0" presId="urn:microsoft.com/office/officeart/2018/2/layout/IconVerticalSolidList"/>
+    <dgm:cxn modelId="{A0B818D5-FB55-4A4D-A5B6-FF909E267B88}" type="presParOf" srcId="{63A3796B-3E67-4A22-A030-99473BDBABB0}" destId="{51B984E7-AFBA-476D-AB16-0891021B4DCC}" srcOrd="2" destOrd="0" presId="urn:microsoft.com/office/officeart/2018/2/layout/IconVerticalSolidList"/>
+    <dgm:cxn modelId="{0FAFA875-C32A-4C60-A3C6-21807CB84020}" type="presParOf" srcId="{63A3796B-3E67-4A22-A030-99473BDBABB0}" destId="{7E9617A1-E8AD-4E8B-8882-84638FF2DA48}" srcOrd="3" destOrd="0" presId="urn:microsoft.com/office/officeart/2018/2/layout/IconVerticalSolidList"/>
+    <dgm:cxn modelId="{D3C89B31-EA12-4254-BC9D-BC56091412E2}" type="presParOf" srcId="{43B9CED5-1888-47AE-A09C-38FB70994455}" destId="{4343C8F9-1D9D-4EC3-A062-14ACA829ADEE}" srcOrd="1" destOrd="0" presId="urn:microsoft.com/office/officeart/2018/2/layout/IconVerticalSolidList"/>
+    <dgm:cxn modelId="{CDD0CFD6-D41D-4743-A334-48762C886B37}" type="presParOf" srcId="{43B9CED5-1888-47AE-A09C-38FB70994455}" destId="{897D03B1-36CE-4E1E-A0DB-F674C3C3BDC2}" srcOrd="2" destOrd="0" presId="urn:microsoft.com/office/officeart/2018/2/layout/IconVerticalSolidList"/>
+    <dgm:cxn modelId="{769A3727-24F1-4FC5-BE78-CCFFBCEAF550}" type="presParOf" srcId="{897D03B1-36CE-4E1E-A0DB-F674C3C3BDC2}" destId="{58B54ABB-2943-4FE1-82A8-5F5EB03FF6EA}" srcOrd="0" destOrd="0" presId="urn:microsoft.com/office/officeart/2018/2/layout/IconVerticalSolidList"/>
+    <dgm:cxn modelId="{69CC726D-A68F-46B6-824F-19BF13E1BB9E}" type="presParOf" srcId="{897D03B1-36CE-4E1E-A0DB-F674C3C3BDC2}" destId="{B6680B60-0F19-48A6-A7B3-0E8A0CD007BE}" srcOrd="1" destOrd="0" presId="urn:microsoft.com/office/officeart/2018/2/layout/IconVerticalSolidList"/>
+    <dgm:cxn modelId="{151B730B-D033-4BD5-8810-EE3C136C8670}" type="presParOf" srcId="{897D03B1-36CE-4E1E-A0DB-F674C3C3BDC2}" destId="{200C71B0-6B75-48C9-99B6-C93B9E532DFC}" srcOrd="2" destOrd="0" presId="urn:microsoft.com/office/officeart/2018/2/layout/IconVerticalSolidList"/>
+    <dgm:cxn modelId="{8FF82959-C803-471F-BBB2-346C790A4735}" type="presParOf" srcId="{897D03B1-36CE-4E1E-A0DB-F674C3C3BDC2}" destId="{91B3CB97-21F9-43FC-AF94-D71B8A4F5201}" srcOrd="3" destOrd="0" presId="urn:microsoft.com/office/officeart/2018/2/layout/IconVerticalSolidList"/>
+    <dgm:cxn modelId="{73D9656F-9C39-404C-8DA5-DDE84FA6E6A5}" type="presParOf" srcId="{43B9CED5-1888-47AE-A09C-38FB70994455}" destId="{646E6A76-C505-44B7-9E92-DEC7B196B6F1}" srcOrd="3" destOrd="0" presId="urn:microsoft.com/office/officeart/2018/2/layout/IconVerticalSolidList"/>
+    <dgm:cxn modelId="{E456CCE2-7B07-4834-8CF2-8FE449A288A3}" type="presParOf" srcId="{43B9CED5-1888-47AE-A09C-38FB70994455}" destId="{B517C2D4-B4D8-4F64-A3A1-B076CFF2777D}" srcOrd="4" destOrd="0" presId="urn:microsoft.com/office/officeart/2018/2/layout/IconVerticalSolidList"/>
+    <dgm:cxn modelId="{F8CDC04C-67B6-45AE-B987-1A0EA1D4BBAF}" type="presParOf" srcId="{B517C2D4-B4D8-4F64-A3A1-B076CFF2777D}" destId="{A9372D65-2B97-4C10-B9A8-2FBD6DB03151}" srcOrd="0" destOrd="0" presId="urn:microsoft.com/office/officeart/2018/2/layout/IconVerticalSolidList"/>
+    <dgm:cxn modelId="{2B50D1D4-2EA7-4778-9293-759C29F1C401}" type="presParOf" srcId="{B517C2D4-B4D8-4F64-A3A1-B076CFF2777D}" destId="{FC1DCA5C-3027-4E66-8917-38538C25D3D7}" srcOrd="1" destOrd="0" presId="urn:microsoft.com/office/officeart/2018/2/layout/IconVerticalSolidList"/>
+    <dgm:cxn modelId="{9E6D175E-2075-4B81-98D4-B0EDCD1AE701}" type="presParOf" srcId="{B517C2D4-B4D8-4F64-A3A1-B076CFF2777D}" destId="{8B917494-50A9-487A-B60B-C45A4613518A}" srcOrd="2" destOrd="0" presId="urn:microsoft.com/office/officeart/2018/2/layout/IconVerticalSolidList"/>
+    <dgm:cxn modelId="{E1A0E39C-CDB3-49BB-871B-CDB568E76F84}" type="presParOf" srcId="{B517C2D4-B4D8-4F64-A3A1-B076CFF2777D}" destId="{77CE9FE8-09C9-4093-A8D4-9D9D4C3C0A44}" srcOrd="3" destOrd="0" presId="urn:microsoft.com/office/officeart/2018/2/layout/IconVerticalSolidList"/>
+    <dgm:cxn modelId="{7D1A3647-F13B-4B24-91B1-D3C482D5DA67}" type="presParOf" srcId="{43B9CED5-1888-47AE-A09C-38FB70994455}" destId="{F95970E4-82AB-4C51-AE0F-458CAA0E3C51}" srcOrd="5" destOrd="0" presId="urn:microsoft.com/office/officeart/2018/2/layout/IconVerticalSolidList"/>
+    <dgm:cxn modelId="{BCDE3CAA-279E-4061-8330-770FCB9A65B9}" type="presParOf" srcId="{43B9CED5-1888-47AE-A09C-38FB70994455}" destId="{7DEFFB2E-D523-43D0-A9A5-0C8F16C09A4C}" srcOrd="6" destOrd="0" presId="urn:microsoft.com/office/officeart/2018/2/layout/IconVerticalSolidList"/>
+    <dgm:cxn modelId="{377816FD-0768-475D-BAB5-7FAD448BD4E0}" type="presParOf" srcId="{7DEFFB2E-D523-43D0-A9A5-0C8F16C09A4C}" destId="{7BAFFAA6-4CFD-4B81-B328-CD21BECDFE41}" srcOrd="0" destOrd="0" presId="urn:microsoft.com/office/officeart/2018/2/layout/IconVerticalSolidList"/>
+    <dgm:cxn modelId="{FAC35506-A845-4004-A52A-BA2A043C7195}" type="presParOf" srcId="{7DEFFB2E-D523-43D0-A9A5-0C8F16C09A4C}" destId="{3324CF50-B954-416F-ABC2-48BE28029DA7}" srcOrd="1" destOrd="0" presId="urn:microsoft.com/office/officeart/2018/2/layout/IconVerticalSolidList"/>
+    <dgm:cxn modelId="{50533ED9-CF0C-4A89-BE2B-4B08D610745A}" type="presParOf" srcId="{7DEFFB2E-D523-43D0-A9A5-0C8F16C09A4C}" destId="{7CBE9D60-1D5B-49F9-B695-53B358FDFFB0}" srcOrd="2" destOrd="0" presId="urn:microsoft.com/office/officeart/2018/2/layout/IconVerticalSolidList"/>
+    <dgm:cxn modelId="{7F725D06-C77B-49A8-8DF7-0D338ECAEB37}" type="presParOf" srcId="{7DEFFB2E-D523-43D0-A9A5-0C8F16C09A4C}" destId="{08AA4593-7FBA-4EFB-B5DA-829581F93A5F}" srcOrd="3" destOrd="0" presId="urn:microsoft.com/office/officeart/2018/2/layout/IconVerticalSolidList"/>
+  </dgm:cxnLst>
+  <dgm:bg/>
+  <dgm:whole/>
+  <dgm:extLst>
+    <a:ext uri="http://schemas.microsoft.com/office/drawing/2008/diagram">
+      <dsp:dataModelExt xmlns:dsp="http://schemas.microsoft.com/office/drawing/2008/diagram" relId="rId6" minVer="http://schemas.openxmlformats.org/drawingml/2006/diagram"/>
+    </a:ext>
+  </dgm:extLst>
+</dgm:dataModel>
+</file>
+
+<file path=ppt/diagrams/drawing1.xml><?xml version="1.0" encoding="utf-8"?>
+<dsp:drawing xmlns:dgm="http://schemas.openxmlformats.org/drawingml/2006/diagram" xmlns:dsp="http://schemas.microsoft.com/office/drawing/2008/diagram" xmlns:a="http://schemas.openxmlformats.org/drawingml/2006/main">
+  <dsp:spTree>
+    <dsp:nvGrpSpPr>
+      <dsp:cNvPr id="0" name=""/>
+      <dsp:cNvGrpSpPr/>
+    </dsp:nvGrpSpPr>
+    <dsp:grpSpPr/>
+    <dsp:sp modelId="{C1DD6AA0-C8A3-4E49-8F09-85EE7BA8D16A}">
+      <dsp:nvSpPr>
+        <dsp:cNvPr id="0" name=""/>
+        <dsp:cNvSpPr/>
+      </dsp:nvSpPr>
+      <dsp:spPr>
+        <a:xfrm>
+          <a:off x="0" y="1890"/>
+          <a:ext cx="11360880" cy="958187"/>
+        </a:xfrm>
+        <a:prstGeom prst="roundRect">
+          <a:avLst>
+            <a:gd name="adj" fmla="val 10000"/>
+          </a:avLst>
+        </a:prstGeom>
+        <a:solidFill>
+          <a:schemeClr val="accent1">
+            <a:tint val="40000"/>
+            <a:hueOff val="0"/>
+            <a:satOff val="0"/>
+            <a:lumOff val="0"/>
+            <a:alphaOff val="0"/>
+          </a:schemeClr>
+        </a:solidFill>
+        <a:ln>
+          <a:noFill/>
+        </a:ln>
+        <a:effectLst/>
+      </dsp:spPr>
+      <dsp:style>
+        <a:lnRef idx="0">
+          <a:scrgbClr r="0" g="0" b="0"/>
+        </a:lnRef>
+        <a:fillRef idx="1">
+          <a:scrgbClr r="0" g="0" b="0"/>
+        </a:fillRef>
+        <a:effectRef idx="0">
+          <a:scrgbClr r="0" g="0" b="0"/>
+        </a:effectRef>
+        <a:fontRef idx="minor"/>
+      </dsp:style>
+    </dsp:sp>
+    <dsp:sp modelId="{21E4074B-1FF6-4BE4-B86A-F22BD841BD3B}">
+      <dsp:nvSpPr>
+        <dsp:cNvPr id="0" name=""/>
+        <dsp:cNvSpPr/>
+      </dsp:nvSpPr>
+      <dsp:spPr>
+        <a:xfrm>
+          <a:off x="289851" y="217482"/>
+          <a:ext cx="527002" cy="527002"/>
+        </a:xfrm>
+        <a:prstGeom prst="rect">
+          <a:avLst/>
+        </a:prstGeom>
+        <a:blipFill>
+          <a:blip xmlns:r="http://schemas.openxmlformats.org/officeDocument/2006/relationships" r:embed="rId1">
+            <a:extLst>
+              <a:ext uri="{28A0092B-C50C-407E-A947-70E740481C1C}">
+                <a14:useLocalDpi xmlns:a14="http://schemas.microsoft.com/office/drawing/2010/main" val="0"/>
+              </a:ext>
+              <a:ext uri="{96DAC541-7B7A-43D3-8B79-37D633B846F1}">
+                <asvg:svgBlip xmlns:asvg="http://schemas.microsoft.com/office/drawing/2016/SVG/main" r:embed="rId2"/>
+              </a:ext>
+            </a:extLst>
+          </a:blip>
+          <a:stretch>
+            <a:fillRect/>
+          </a:stretch>
+        </a:blipFill>
+        <a:ln w="25400" cap="flat" cmpd="sng" algn="ctr">
+          <a:solidFill>
+            <a:schemeClr val="lt1">
+              <a:hueOff val="0"/>
+              <a:satOff val="0"/>
+              <a:lumOff val="0"/>
+              <a:alphaOff val="0"/>
+            </a:schemeClr>
+          </a:solidFill>
+          <a:prstDash val="solid"/>
+        </a:ln>
+        <a:effectLst/>
+      </dsp:spPr>
+      <dsp:style>
+        <a:lnRef idx="2">
+          <a:scrgbClr r="0" g="0" b="0"/>
+        </a:lnRef>
+        <a:fillRef idx="1">
+          <a:scrgbClr r="0" g="0" b="0"/>
+        </a:fillRef>
+        <a:effectRef idx="0">
+          <a:scrgbClr r="0" g="0" b="0"/>
+        </a:effectRef>
+        <a:fontRef idx="minor">
+          <a:schemeClr val="lt1"/>
+        </a:fontRef>
+      </dsp:style>
+    </dsp:sp>
+    <dsp:sp modelId="{7E9617A1-E8AD-4E8B-8882-84638FF2DA48}">
+      <dsp:nvSpPr>
+        <dsp:cNvPr id="0" name=""/>
+        <dsp:cNvSpPr/>
+      </dsp:nvSpPr>
+      <dsp:spPr>
+        <a:xfrm>
+          <a:off x="1106706" y="1890"/>
+          <a:ext cx="10254173" cy="958187"/>
+        </a:xfrm>
+        <a:prstGeom prst="rect">
+          <a:avLst/>
+        </a:prstGeom>
+        <a:noFill/>
+        <a:ln>
+          <a:noFill/>
+        </a:ln>
+        <a:effectLst/>
+      </dsp:spPr>
+      <dsp:style>
+        <a:lnRef idx="0">
+          <a:scrgbClr r="0" g="0" b="0"/>
+        </a:lnRef>
+        <a:fillRef idx="0">
+          <a:scrgbClr r="0" g="0" b="0"/>
+        </a:fillRef>
+        <a:effectRef idx="0">
+          <a:scrgbClr r="0" g="0" b="0"/>
+        </a:effectRef>
+        <a:fontRef idx="minor"/>
+      </dsp:style>
+      <dsp:txBody>
+        <a:bodyPr spcFirstLastPara="0" vert="horz" wrap="square" lIns="101408" tIns="101408" rIns="101408" bIns="101408" numCol="1" spcCol="1270" anchor="ctr" anchorCtr="0">
+          <a:noAutofit/>
+        </a:bodyPr>
+        <a:lstStyle/>
+        <a:p>
+          <a:pPr marL="0" lvl="0" indent="0" algn="l" defTabSz="755650">
+            <a:lnSpc>
+              <a:spcPct val="100000"/>
+            </a:lnSpc>
+            <a:spcBef>
+              <a:spcPct val="0"/>
+            </a:spcBef>
+            <a:spcAft>
+              <a:spcPct val="35000"/>
+            </a:spcAft>
+            <a:buNone/>
+          </a:pPr>
+          <a:r>
+            <a:rPr lang="en-US" sz="1700" kern="1200"/>
+            <a:t>Live in Mount Juliet, grew up here in Nashville</a:t>
+          </a:r>
+        </a:p>
+      </dsp:txBody>
+      <dsp:txXfrm>
+        <a:off x="1106706" y="1890"/>
+        <a:ext cx="10254173" cy="958187"/>
+      </dsp:txXfrm>
+    </dsp:sp>
+    <dsp:sp modelId="{58B54ABB-2943-4FE1-82A8-5F5EB03FF6EA}">
+      <dsp:nvSpPr>
+        <dsp:cNvPr id="0" name=""/>
+        <dsp:cNvSpPr/>
+      </dsp:nvSpPr>
+      <dsp:spPr>
+        <a:xfrm>
+          <a:off x="0" y="1199624"/>
+          <a:ext cx="11360880" cy="958187"/>
+        </a:xfrm>
+        <a:prstGeom prst="roundRect">
+          <a:avLst>
+            <a:gd name="adj" fmla="val 10000"/>
+          </a:avLst>
+        </a:prstGeom>
+        <a:solidFill>
+          <a:schemeClr val="accent1">
+            <a:tint val="40000"/>
+            <a:hueOff val="0"/>
+            <a:satOff val="0"/>
+            <a:lumOff val="0"/>
+            <a:alphaOff val="0"/>
+          </a:schemeClr>
+        </a:solidFill>
+        <a:ln>
+          <a:noFill/>
+        </a:ln>
+        <a:effectLst/>
+      </dsp:spPr>
+      <dsp:style>
+        <a:lnRef idx="0">
+          <a:scrgbClr r="0" g="0" b="0"/>
+        </a:lnRef>
+        <a:fillRef idx="1">
+          <a:scrgbClr r="0" g="0" b="0"/>
+        </a:fillRef>
+        <a:effectRef idx="0">
+          <a:scrgbClr r="0" g="0" b="0"/>
+        </a:effectRef>
+        <a:fontRef idx="minor"/>
+      </dsp:style>
+    </dsp:sp>
+    <dsp:sp modelId="{B6680B60-0F19-48A6-A7B3-0E8A0CD007BE}">
+      <dsp:nvSpPr>
+        <dsp:cNvPr id="0" name=""/>
+        <dsp:cNvSpPr/>
+      </dsp:nvSpPr>
+      <dsp:spPr>
+        <a:xfrm>
+          <a:off x="289851" y="1415216"/>
+          <a:ext cx="527002" cy="527002"/>
+        </a:xfrm>
+        <a:prstGeom prst="rect">
+          <a:avLst/>
+        </a:prstGeom>
+        <a:blipFill>
+          <a:blip xmlns:r="http://schemas.openxmlformats.org/officeDocument/2006/relationships" r:embed="rId3">
+            <a:extLst>
+              <a:ext uri="{28A0092B-C50C-407E-A947-70E740481C1C}">
+                <a14:useLocalDpi xmlns:a14="http://schemas.microsoft.com/office/drawing/2010/main" val="0"/>
+              </a:ext>
+              <a:ext uri="{96DAC541-7B7A-43D3-8B79-37D633B846F1}">
+                <asvg:svgBlip xmlns:asvg="http://schemas.microsoft.com/office/drawing/2016/SVG/main" r:embed="rId4"/>
+              </a:ext>
+            </a:extLst>
+          </a:blip>
+          <a:stretch>
+            <a:fillRect/>
+          </a:stretch>
+        </a:blipFill>
+        <a:ln w="25400" cap="flat" cmpd="sng" algn="ctr">
+          <a:solidFill>
+            <a:schemeClr val="lt1">
+              <a:hueOff val="0"/>
+              <a:satOff val="0"/>
+              <a:lumOff val="0"/>
+              <a:alphaOff val="0"/>
+            </a:schemeClr>
+          </a:solidFill>
+          <a:prstDash val="solid"/>
+        </a:ln>
+        <a:effectLst/>
+      </dsp:spPr>
+      <dsp:style>
+        <a:lnRef idx="2">
+          <a:scrgbClr r="0" g="0" b="0"/>
+        </a:lnRef>
+        <a:fillRef idx="1">
+          <a:scrgbClr r="0" g="0" b="0"/>
+        </a:fillRef>
+        <a:effectRef idx="0">
+          <a:scrgbClr r="0" g="0" b="0"/>
+        </a:effectRef>
+        <a:fontRef idx="minor">
+          <a:schemeClr val="lt1"/>
+        </a:fontRef>
+      </dsp:style>
+    </dsp:sp>
+    <dsp:sp modelId="{91B3CB97-21F9-43FC-AF94-D71B8A4F5201}">
+      <dsp:nvSpPr>
+        <dsp:cNvPr id="0" name=""/>
+        <dsp:cNvSpPr/>
+      </dsp:nvSpPr>
+      <dsp:spPr>
+        <a:xfrm>
+          <a:off x="1106706" y="1199624"/>
+          <a:ext cx="10254173" cy="958187"/>
+        </a:xfrm>
+        <a:prstGeom prst="rect">
+          <a:avLst/>
+        </a:prstGeom>
+        <a:noFill/>
+        <a:ln>
+          <a:noFill/>
+        </a:ln>
+        <a:effectLst/>
+      </dsp:spPr>
+      <dsp:style>
+        <a:lnRef idx="0">
+          <a:scrgbClr r="0" g="0" b="0"/>
+        </a:lnRef>
+        <a:fillRef idx="0">
+          <a:scrgbClr r="0" g="0" b="0"/>
+        </a:fillRef>
+        <a:effectRef idx="0">
+          <a:scrgbClr r="0" g="0" b="0"/>
+        </a:effectRef>
+        <a:fontRef idx="minor"/>
+      </dsp:style>
+      <dsp:txBody>
+        <a:bodyPr spcFirstLastPara="0" vert="horz" wrap="square" lIns="101408" tIns="101408" rIns="101408" bIns="101408" numCol="1" spcCol="1270" anchor="ctr" anchorCtr="0">
+          <a:noAutofit/>
+        </a:bodyPr>
+        <a:lstStyle/>
+        <a:p>
+          <a:pPr marL="0" lvl="0" indent="0" algn="l" defTabSz="755650">
+            <a:lnSpc>
+              <a:spcPct val="100000"/>
+            </a:lnSpc>
+            <a:spcBef>
+              <a:spcPct val="0"/>
+            </a:spcBef>
+            <a:spcAft>
+              <a:spcPct val="35000"/>
+            </a:spcAft>
+            <a:buNone/>
+          </a:pPr>
+          <a:r>
+            <a:rPr lang="en-US" sz="1700" kern="1200"/>
+            <a:t>Computer Science at TTU</a:t>
+          </a:r>
+        </a:p>
+      </dsp:txBody>
+      <dsp:txXfrm>
+        <a:off x="1106706" y="1199624"/>
+        <a:ext cx="10254173" cy="958187"/>
+      </dsp:txXfrm>
+    </dsp:sp>
+    <dsp:sp modelId="{A9372D65-2B97-4C10-B9A8-2FBD6DB03151}">
+      <dsp:nvSpPr>
+        <dsp:cNvPr id="0" name=""/>
+        <dsp:cNvSpPr/>
+      </dsp:nvSpPr>
+      <dsp:spPr>
+        <a:xfrm>
+          <a:off x="0" y="2397358"/>
+          <a:ext cx="11360880" cy="958187"/>
+        </a:xfrm>
+        <a:prstGeom prst="roundRect">
+          <a:avLst>
+            <a:gd name="adj" fmla="val 10000"/>
+          </a:avLst>
+        </a:prstGeom>
+        <a:solidFill>
+          <a:schemeClr val="accent1">
+            <a:tint val="40000"/>
+            <a:hueOff val="0"/>
+            <a:satOff val="0"/>
+            <a:lumOff val="0"/>
+            <a:alphaOff val="0"/>
+          </a:schemeClr>
+        </a:solidFill>
+        <a:ln>
+          <a:noFill/>
+        </a:ln>
+        <a:effectLst/>
+      </dsp:spPr>
+      <dsp:style>
+        <a:lnRef idx="0">
+          <a:scrgbClr r="0" g="0" b="0"/>
+        </a:lnRef>
+        <a:fillRef idx="1">
+          <a:scrgbClr r="0" g="0" b="0"/>
+        </a:fillRef>
+        <a:effectRef idx="0">
+          <a:scrgbClr r="0" g="0" b="0"/>
+        </a:effectRef>
+        <a:fontRef idx="minor"/>
+      </dsp:style>
+    </dsp:sp>
+    <dsp:sp modelId="{FC1DCA5C-3027-4E66-8917-38538C25D3D7}">
+      <dsp:nvSpPr>
+        <dsp:cNvPr id="0" name=""/>
+        <dsp:cNvSpPr/>
+      </dsp:nvSpPr>
+      <dsp:spPr>
+        <a:xfrm>
+          <a:off x="289851" y="2612950"/>
+          <a:ext cx="527002" cy="527002"/>
+        </a:xfrm>
+        <a:prstGeom prst="rect">
+          <a:avLst/>
+        </a:prstGeom>
+        <a:blipFill>
+          <a:blip xmlns:r="http://schemas.openxmlformats.org/officeDocument/2006/relationships" r:embed="rId5">
+            <a:extLst>
+              <a:ext uri="{28A0092B-C50C-407E-A947-70E740481C1C}">
+                <a14:useLocalDpi xmlns:a14="http://schemas.microsoft.com/office/drawing/2010/main" val="0"/>
+              </a:ext>
+              <a:ext uri="{96DAC541-7B7A-43D3-8B79-37D633B846F1}">
+                <asvg:svgBlip xmlns:asvg="http://schemas.microsoft.com/office/drawing/2016/SVG/main" r:embed="rId6"/>
+              </a:ext>
+            </a:extLst>
+          </a:blip>
+          <a:stretch>
+            <a:fillRect/>
+          </a:stretch>
+        </a:blipFill>
+        <a:ln w="25400" cap="flat" cmpd="sng" algn="ctr">
+          <a:solidFill>
+            <a:schemeClr val="lt1">
+              <a:hueOff val="0"/>
+              <a:satOff val="0"/>
+              <a:lumOff val="0"/>
+              <a:alphaOff val="0"/>
+            </a:schemeClr>
+          </a:solidFill>
+          <a:prstDash val="solid"/>
+        </a:ln>
+        <a:effectLst/>
+      </dsp:spPr>
+      <dsp:style>
+        <a:lnRef idx="2">
+          <a:scrgbClr r="0" g="0" b="0"/>
+        </a:lnRef>
+        <a:fillRef idx="1">
+          <a:scrgbClr r="0" g="0" b="0"/>
+        </a:fillRef>
+        <a:effectRef idx="0">
+          <a:scrgbClr r="0" g="0" b="0"/>
+        </a:effectRef>
+        <a:fontRef idx="minor">
+          <a:schemeClr val="lt1"/>
+        </a:fontRef>
+      </dsp:style>
+    </dsp:sp>
+    <dsp:sp modelId="{77CE9FE8-09C9-4093-A8D4-9D9D4C3C0A44}">
+      <dsp:nvSpPr>
+        <dsp:cNvPr id="0" name=""/>
+        <dsp:cNvSpPr/>
+      </dsp:nvSpPr>
+      <dsp:spPr>
+        <a:xfrm>
+          <a:off x="1106706" y="2397358"/>
+          <a:ext cx="10254173" cy="958187"/>
+        </a:xfrm>
+        <a:prstGeom prst="rect">
+          <a:avLst/>
+        </a:prstGeom>
+        <a:noFill/>
+        <a:ln>
+          <a:noFill/>
+        </a:ln>
+        <a:effectLst/>
+      </dsp:spPr>
+      <dsp:style>
+        <a:lnRef idx="0">
+          <a:scrgbClr r="0" g="0" b="0"/>
+        </a:lnRef>
+        <a:fillRef idx="0">
+          <a:scrgbClr r="0" g="0" b="0"/>
+        </a:fillRef>
+        <a:effectRef idx="0">
+          <a:scrgbClr r="0" g="0" b="0"/>
+        </a:effectRef>
+        <a:fontRef idx="minor"/>
+      </dsp:style>
+      <dsp:txBody>
+        <a:bodyPr spcFirstLastPara="0" vert="horz" wrap="square" lIns="101408" tIns="101408" rIns="101408" bIns="101408" numCol="1" spcCol="1270" anchor="ctr" anchorCtr="0">
+          <a:noAutofit/>
+        </a:bodyPr>
+        <a:lstStyle/>
+        <a:p>
+          <a:pPr marL="0" lvl="0" indent="0" algn="l" defTabSz="755650">
+            <a:lnSpc>
+              <a:spcPct val="100000"/>
+            </a:lnSpc>
+            <a:spcBef>
+              <a:spcPct val="0"/>
+            </a:spcBef>
+            <a:spcAft>
+              <a:spcPct val="35000"/>
+            </a:spcAft>
+            <a:buNone/>
+          </a:pPr>
+          <a:r>
+            <a:rPr lang="en-US" sz="1700" kern="1200"/>
+            <a:t>10 years working in data and analytics</a:t>
+          </a:r>
+        </a:p>
+      </dsp:txBody>
+      <dsp:txXfrm>
+        <a:off x="1106706" y="2397358"/>
+        <a:ext cx="10254173" cy="958187"/>
+      </dsp:txXfrm>
+    </dsp:sp>
+    <dsp:sp modelId="{7BAFFAA6-4CFD-4B81-B328-CD21BECDFE41}">
+      <dsp:nvSpPr>
+        <dsp:cNvPr id="0" name=""/>
+        <dsp:cNvSpPr/>
+      </dsp:nvSpPr>
+      <dsp:spPr>
+        <a:xfrm>
+          <a:off x="0" y="3595092"/>
+          <a:ext cx="11360880" cy="958187"/>
+        </a:xfrm>
+        <a:prstGeom prst="roundRect">
+          <a:avLst>
+            <a:gd name="adj" fmla="val 10000"/>
+          </a:avLst>
+        </a:prstGeom>
+        <a:solidFill>
+          <a:schemeClr val="accent1">
+            <a:tint val="40000"/>
+            <a:hueOff val="0"/>
+            <a:satOff val="0"/>
+            <a:lumOff val="0"/>
+            <a:alphaOff val="0"/>
+          </a:schemeClr>
+        </a:solidFill>
+        <a:ln>
+          <a:noFill/>
+        </a:ln>
+        <a:effectLst/>
+      </dsp:spPr>
+      <dsp:style>
+        <a:lnRef idx="0">
+          <a:scrgbClr r="0" g="0" b="0"/>
+        </a:lnRef>
+        <a:fillRef idx="1">
+          <a:scrgbClr r="0" g="0" b="0"/>
+        </a:fillRef>
+        <a:effectRef idx="0">
+          <a:scrgbClr r="0" g="0" b="0"/>
+        </a:effectRef>
+        <a:fontRef idx="minor"/>
+      </dsp:style>
+    </dsp:sp>
+    <dsp:sp modelId="{3324CF50-B954-416F-ABC2-48BE28029DA7}">
+      <dsp:nvSpPr>
+        <dsp:cNvPr id="0" name=""/>
+        <dsp:cNvSpPr/>
+      </dsp:nvSpPr>
+      <dsp:spPr>
+        <a:xfrm>
+          <a:off x="289851" y="3810684"/>
+          <a:ext cx="527002" cy="527002"/>
+        </a:xfrm>
+        <a:prstGeom prst="rect">
+          <a:avLst/>
+        </a:prstGeom>
+        <a:blipFill>
+          <a:blip xmlns:r="http://schemas.openxmlformats.org/officeDocument/2006/relationships" r:embed="rId7">
+            <a:extLst>
+              <a:ext uri="{28A0092B-C50C-407E-A947-70E740481C1C}">
+                <a14:useLocalDpi xmlns:a14="http://schemas.microsoft.com/office/drawing/2010/main" val="0"/>
+              </a:ext>
+              <a:ext uri="{96DAC541-7B7A-43D3-8B79-37D633B846F1}">
+                <asvg:svgBlip xmlns:asvg="http://schemas.microsoft.com/office/drawing/2016/SVG/main" r:embed="rId8"/>
+              </a:ext>
+            </a:extLst>
+          </a:blip>
+          <a:stretch>
+            <a:fillRect/>
+          </a:stretch>
+        </a:blipFill>
+        <a:ln w="25400" cap="flat" cmpd="sng" algn="ctr">
+          <a:solidFill>
+            <a:schemeClr val="lt1">
+              <a:hueOff val="0"/>
+              <a:satOff val="0"/>
+              <a:lumOff val="0"/>
+              <a:alphaOff val="0"/>
+            </a:schemeClr>
+          </a:solidFill>
+          <a:prstDash val="solid"/>
+        </a:ln>
+        <a:effectLst/>
+      </dsp:spPr>
+      <dsp:style>
+        <a:lnRef idx="2">
+          <a:scrgbClr r="0" g="0" b="0"/>
+        </a:lnRef>
+        <a:fillRef idx="1">
+          <a:scrgbClr r="0" g="0" b="0"/>
+        </a:fillRef>
+        <a:effectRef idx="0">
+          <a:scrgbClr r="0" g="0" b="0"/>
+        </a:effectRef>
+        <a:fontRef idx="minor">
+          <a:schemeClr val="lt1"/>
+        </a:fontRef>
+      </dsp:style>
+    </dsp:sp>
+    <dsp:sp modelId="{08AA4593-7FBA-4EFB-B5DA-829581F93A5F}">
+      <dsp:nvSpPr>
+        <dsp:cNvPr id="0" name=""/>
+        <dsp:cNvSpPr/>
+      </dsp:nvSpPr>
+      <dsp:spPr>
+        <a:xfrm>
+          <a:off x="1106706" y="3595092"/>
+          <a:ext cx="10254173" cy="958187"/>
+        </a:xfrm>
+        <a:prstGeom prst="rect">
+          <a:avLst/>
+        </a:prstGeom>
+        <a:noFill/>
+        <a:ln>
+          <a:noFill/>
+        </a:ln>
+        <a:effectLst/>
+      </dsp:spPr>
+      <dsp:style>
+        <a:lnRef idx="0">
+          <a:scrgbClr r="0" g="0" b="0"/>
+        </a:lnRef>
+        <a:fillRef idx="0">
+          <a:scrgbClr r="0" g="0" b="0"/>
+        </a:fillRef>
+        <a:effectRef idx="0">
+          <a:scrgbClr r="0" g="0" b="0"/>
+        </a:effectRef>
+        <a:fontRef idx="minor"/>
+      </dsp:style>
+      <dsp:txBody>
+        <a:bodyPr spcFirstLastPara="0" vert="horz" wrap="square" lIns="101408" tIns="101408" rIns="101408" bIns="101408" numCol="1" spcCol="1270" anchor="ctr" anchorCtr="0">
+          <a:noAutofit/>
+        </a:bodyPr>
+        <a:lstStyle/>
+        <a:p>
+          <a:pPr marL="0" lvl="0" indent="0" algn="l" defTabSz="755650">
+            <a:lnSpc>
+              <a:spcPct val="100000"/>
+            </a:lnSpc>
+            <a:spcBef>
+              <a:spcPct val="0"/>
+            </a:spcBef>
+            <a:spcAft>
+              <a:spcPct val="35000"/>
+            </a:spcAft>
+            <a:buNone/>
+          </a:pPr>
+          <a:r>
+            <a:rPr lang="en-US" sz="1700" kern="1200"/>
+            <a:t>This presentation is open source! Materials for this presentation, including this presentation, can be found at </a:t>
+          </a:r>
+          <a:r>
+            <a:rPr lang="en-US" sz="1700" kern="1200">
+              <a:hlinkClick xmlns:r="http://schemas.openxmlformats.org/officeDocument/2006/relationships" r:id="rId9"/>
+            </a:rPr>
+            <a:t>https://github.com/shswindell42/Presentations/tree/main/Building%20a%20Data%20Lakehouse</a:t>
+          </a:r>
+          <a:endParaRPr lang="en-US" sz="1700" kern="1200"/>
+        </a:p>
+      </dsp:txBody>
+      <dsp:txXfrm>
+        <a:off x="1106706" y="3595092"/>
+        <a:ext cx="10254173" cy="958187"/>
+      </dsp:txXfrm>
+    </dsp:sp>
+  </dsp:spTree>
+</dsp:drawing>
+</file>
+
+<file path=ppt/diagrams/layout1.xml><?xml version="1.0" encoding="utf-8"?>
+<dgm:layoutDef xmlns:dgm="http://schemas.openxmlformats.org/drawingml/2006/diagram" xmlns:a="http://schemas.openxmlformats.org/drawingml/2006/main" uniqueId="urn:microsoft.com/office/officeart/2018/2/layout/IconVerticalSolidList">
+  <dgm:title val="Icon Vertical Solid List"/>
+  <dgm:desc val="Use to show a series of visuals from top to bottom with Level 1 or Level 1 and Level 2 text grouped in a shape. Works best with icons or small pictures with lengthier descriptions."/>
+  <dgm:catLst>
+    <dgm:cat type="icon" pri="500"/>
+  </dgm:catLst>
+  <dgm:sampData useDef="1">
+    <dgm:dataModel>
+      <dgm:ptLst/>
+      <dgm:bg/>
+      <dgm:whole/>
+    </dgm:dataModel>
+  </dgm:sampData>
+  <dgm:styleData useDef="1">
+    <dgm:dataModel>
+      <dgm:ptLst/>
+      <dgm:bg/>
+      <dgm:whole/>
+    </dgm:dataModel>
+  </dgm:styleData>
+  <dgm:clrData useDef="1">
+    <dgm:dataModel>
+      <dgm:ptLst/>
+      <dgm:bg/>
+      <dgm:whole/>
+    </dgm:dataModel>
+  </dgm:clrData>
+  <dgm:layoutNode name="root">
+    <dgm:varLst>
+      <dgm:dir/>
+      <dgm:resizeHandles val="exact"/>
+    </dgm:varLst>
+    <dgm:choose name="Name0">
+      <dgm:if name="Name1" axis="self" func="var" arg="dir" op="equ" val="norm">
+        <dgm:alg type="lin">
+          <dgm:param type="linDir" val="fromT"/>
+          <dgm:param type="nodeHorzAlign" val="l"/>
+        </dgm:alg>
+      </dgm:if>
+      <dgm:else name="Name2">
+        <dgm:alg type="lin">
+          <dgm:param type="linDir" val="fromT"/>
+          <dgm:param type="nodeHorzAlign" val="r"/>
+        </dgm:alg>
+      </dgm:else>
+    </dgm:choose>
+    <dgm:shape xmlns:r="http://schemas.openxmlformats.org/officeDocument/2006/relationships" r:blip="">
+      <dgm:adjLst/>
+    </dgm:shape>
+    <dgm:presOf/>
+    <dgm:choose name="Name3">
+      <dgm:if name="Name4" axis="ch" ptType="node" func="cnt" op="lte" val="3">
+        <dgm:constrLst>
+          <dgm:constr type="h" for="ch" forName="compNode" refType="h" fact="0.3"/>
+          <dgm:constr type="w" for="ch" forName="compNode" refType="w"/>
+          <dgm:constr type="h" for="ch" forName="sibTrans" refType="h" refFor="ch" refForName="compNode" fact="0.25"/>
+          <dgm:constr type="primFontSz" for="des" forName="parTx" val="25"/>
+          <dgm:constr type="primFontSz" for="des" forName="desTx" refType="primFontSz" refFor="des" refForName="parTx" op="lte" fact="0.75"/>
+          <dgm:constr type="h" for="des" forName="compNode" op="equ"/>
+          <dgm:constr type="h" for="des" forName="bgRect" op="equ"/>
+          <dgm:constr type="h" for="des" forName="iconRect" op="equ"/>
+          <dgm:constr type="w" for="des" forName="iconRect" op="equ"/>
+          <dgm:constr type="h" for="des" forName="spaceRect" op="equ"/>
+          <dgm:constr type="h" for="des" forName="parTx" op="equ"/>
+          <dgm:constr type="h" for="des" forName="desTx" op="equ"/>
+        </dgm:constrLst>
+      </dgm:if>
+      <dgm:if name="Name5" axis="ch" ptType="node" func="cnt" op="lte" val="4">
+        <dgm:constrLst>
+          <dgm:constr type="h" for="ch" forName="compNode" refType="h" fact="0.3"/>
+          <dgm:constr type="w" for="ch" forName="compNode" refType="w"/>
+          <dgm:constr type="h" for="ch" forName="sibTrans" refType="h" refFor="ch" refForName="compNode" fact="0.25"/>
+          <dgm:constr type="primFontSz" for="des" forName="parTx" val="22"/>
+          <dgm:constr type="primFontSz" for="des" forName="desTx" refType="primFontSz" refFor="des" refForName="parTx" op="lte" fact="0.75"/>
+          <dgm:constr type="h" for="des" forName="compNode" op="equ"/>
+          <dgm:constr type="h" for="des" forName="bgRect" op="equ"/>
+          <dgm:constr type="h" for="des" forName="iconRect" op="equ"/>
+          <dgm:constr type="w" for="des" forName="iconRect" op="equ"/>
+          <dgm:constr type="h" for="des" forName="spaceRect" op="equ"/>
+          <dgm:constr type="h" for="des" forName="parTx" op="equ"/>
+          <dgm:constr type="h" for="des" forName="desTx" op="equ"/>
+        </dgm:constrLst>
+      </dgm:if>
+      <dgm:if name="Name6" axis="ch" ptType="node" func="cnt" op="lte" val="6">
+        <dgm:constrLst>
+          <dgm:constr type="h" for="ch" forName="compNode" refType="h" fact="0.3"/>
+          <dgm:constr type="w" for="ch" forName="compNode" refType="w"/>
+          <dgm:constr type="h" for="ch" forName="sibTrans" refType="h" refFor="ch" refForName="compNode" fact="0.25"/>
+          <dgm:constr type="primFontSz" for="des" forName="parTx" val="19"/>
+          <dgm:constr type="primFontSz" for="des" forName="desTx" refType="primFontSz" refFor="des" refForName="parTx" op="lte" fact="0.75"/>
+          <dgm:constr type="h" for="des" forName="compNode" op="equ"/>
+          <dgm:constr type="h" for="des" forName="bgRect" op="equ"/>
+          <dgm:constr type="h" for="des" forName="iconRect" op="equ"/>
+          <dgm:constr type="w" for="des" forName="iconRect" op="equ"/>
+          <dgm:constr type="h" for="des" forName="spaceRect" op="equ"/>
+          <dgm:constr type="h" for="des" forName="parTx" op="equ"/>
+          <dgm:constr type="h" for="des" forName="desTx" op="equ"/>
+        </dgm:constrLst>
+      </dgm:if>
+      <dgm:else name="Name7">
+        <dgm:constrLst>
+          <dgm:constr type="h" for="ch" forName="compNode" refType="h" fact="0.3"/>
+          <dgm:constr type="w" for="ch" forName="compNode" refType="w"/>
+          <dgm:constr type="h" for="ch" forName="sibTrans" refType="h" refFor="ch" refForName="compNode" fact="0.25"/>
+          <dgm:constr type="primFontSz" for="des" forName="parTx" val="16"/>
+          <dgm:constr type="primFontSz" for="des" forName="desTx" refType="primFontSz" refFor="des" refForName="parTx" op="lte" fact="0.75"/>
+          <dgm:constr type="h" for="des" forName="compNode" op="equ"/>
+          <dgm:constr type="h" for="des" forName="bgRect" op="equ"/>
+          <dgm:constr type="h" for="des" forName="iconRect" op="equ"/>
+          <dgm:constr type="w" for="des" forName="iconRect" op="equ"/>
+          <dgm:constr type="h" for="des" forName="spaceRect" op="equ"/>
+          <dgm:constr type="h" for="des" forName="parTx" op="equ"/>
+          <dgm:constr type="h" for="des" forName="desTx" op="equ"/>
+        </dgm:constrLst>
+      </dgm:else>
+    </dgm:choose>
+    <dgm:ruleLst>
+      <dgm:rule type="h" for="ch" forName="compNode" val="0" fact="NaN" max="NaN"/>
+    </dgm:ruleLst>
+    <dgm:forEach name="Name8" axis="ch" ptType="node">
+      <dgm:layoutNode name="compNode">
+        <dgm:alg type="composite"/>
+        <dgm:shape xmlns:r="http://schemas.openxmlformats.org/officeDocument/2006/relationships" r:blip="">
+          <dgm:adjLst/>
+        </dgm:shape>
+        <dgm:presOf axis="self"/>
+        <dgm:choose name="Name9">
+          <dgm:if name="Name10" axis="ch" ptType="node" func="cnt" op="gte" val="1">
+            <dgm:constrLst>
+              <dgm:constr type="w" for="ch" forName="bgRect" refType="w"/>
+              <dgm:constr type="h" for="ch" forName="bgRect" refType="h"/>
+              <dgm:constr type="l" for="ch" forName="bgRect"/>
+              <dgm:constr type="t" for="ch" forName="bgRect"/>
+              <dgm:constr type="h" for="ch" forName="iconRect" refType="h" fact="0.55"/>
+              <dgm:constr type="w" for="ch" forName="iconRect" refType="h" refFor="ch" refForName="iconRect"/>
+              <dgm:constr type="l" for="ch" forName="iconRect" refType="h" refFor="ch" refForName="iconRect" fact="0.55"/>
+              <dgm:constr type="ctrY" for="ch" forName="iconRect" refType="ctrY" refFor="ch" refForName="bgRect"/>
+              <dgm:constr type="w" for="ch" forName="spaceRect" refType="l" refFor="ch" refForName="iconRect"/>
+              <dgm:constr type="h" for="ch" forName="spaceRect" refType="h"/>
+              <dgm:constr type="l" for="ch" forName="spaceRect" refType="r" refFor="ch" refForName="iconRect"/>
+              <dgm:constr type="t" for="ch" forName="spaceRect"/>
+              <dgm:constr type="w" for="ch" forName="parTx" refType="w" fact="0.45"/>
+              <dgm:constr type="h" for="ch" forName="parTx" refType="h"/>
+              <dgm:constr type="l" for="ch" forName="parTx" refType="r" refFor="ch" refForName="spaceRect"/>
+              <dgm:constr type="t" for="ch" forName="parTx"/>
+              <dgm:constr type="h" for="ch" forName="desTx" refType="h"/>
+              <dgm:constr type="l" for="ch" forName="desTx" refType="r" refFor="ch" refForName="parTx"/>
+              <dgm:constr type="t" for="ch" forName="desTx"/>
+            </dgm:constrLst>
+          </dgm:if>
+          <dgm:else name="Name11">
+            <dgm:constrLst>
+              <dgm:constr type="w" for="ch" forName="bgRect" refType="w"/>
+              <dgm:constr type="h" for="ch" forName="bgRect" refType="h"/>
+              <dgm:constr type="l" for="ch" forName="bgRect"/>
+              <dgm:constr type="t" for="ch" forName="bgRect"/>
+              <dgm:constr type="h" for="ch" forName="iconRect" refType="h" fact="0.55"/>
+              <dgm:constr type="w" for="ch" forName="iconRect" refType="h" refFor="ch" refForName="iconRect"/>
+              <dgm:constr type="l" for="ch" forName="iconRect" refType="h" refFor="ch" refForName="iconRect" fact="0.55"/>
+              <dgm:constr type="ctrY" for="ch" forName="iconRect" refType="ctrY" refFor="ch" refForName="bgRect"/>
+              <dgm:constr type="w" for="ch" forName="spaceRect" refType="l" refFor="ch" refForName="iconRect"/>
+              <dgm:constr type="h" for="ch" forName="spaceRect" refType="h"/>
+              <dgm:constr type="l" for="ch" forName="spaceRect" refType="r" refFor="ch" refForName="iconRect"/>
+              <dgm:constr type="t" for="ch" forName="spaceRect"/>
+              <dgm:constr type="h" for="ch" forName="parTx" refType="h"/>
+              <dgm:constr type="l" for="ch" forName="parTx" refType="r" refFor="ch" refForName="spaceRect"/>
+              <dgm:constr type="t" for="ch" forName="parTx"/>
+            </dgm:constrLst>
+          </dgm:else>
+        </dgm:choose>
+        <dgm:ruleLst>
+          <dgm:rule type="h" val="INF" fact="NaN" max="NaN"/>
+        </dgm:ruleLst>
+        <dgm:layoutNode name="bgRect" styleLbl="bgShp">
+          <dgm:alg type="sp"/>
+          <dgm:shape xmlns:r="http://schemas.openxmlformats.org/officeDocument/2006/relationships" type="roundRect" r:blip="">
+            <dgm:adjLst>
+              <dgm:adj idx="1" val="0.1"/>
+            </dgm:adjLst>
+          </dgm:shape>
+          <dgm:presOf/>
+          <dgm:constrLst/>
+          <dgm:ruleLst/>
+        </dgm:layoutNode>
+        <dgm:layoutNode name="iconRect" styleLbl="node1">
+          <dgm:alg type="sp"/>
+          <dgm:shape xmlns:r="http://schemas.openxmlformats.org/officeDocument/2006/relationships" type="rect" r:blip="" blipPhldr="1">
+            <dgm:adjLst/>
+          </dgm:shape>
+          <dgm:presOf/>
+          <dgm:constrLst/>
+          <dgm:ruleLst/>
+        </dgm:layoutNode>
+        <dgm:layoutNode name="spaceRect">
+          <dgm:alg type="sp"/>
+          <dgm:shape xmlns:r="http://schemas.openxmlformats.org/officeDocument/2006/relationships" r:blip="">
+            <dgm:adjLst/>
+          </dgm:shape>
+          <dgm:presOf/>
+          <dgm:constrLst/>
+          <dgm:ruleLst/>
+        </dgm:layoutNode>
+        <dgm:layoutNode name="parTx" styleLbl="revTx">
+          <dgm:varLst>
+            <dgm:chMax val="0"/>
+            <dgm:chPref val="0"/>
+          </dgm:varLst>
+          <dgm:alg type="tx">
+            <dgm:param type="txAnchorVert" val="mid"/>
+            <dgm:param type="parTxLTRAlign" val="l"/>
+            <dgm:param type="shpTxLTRAlignCh" val="l"/>
+            <dgm:param type="parTxRTLAlign" val="r"/>
+            <dgm:param type="shpTxRTLAlignCh" val="r"/>
+          </dgm:alg>
+          <dgm:shape xmlns:r="http://schemas.openxmlformats.org/officeDocument/2006/relationships" type="rect" r:blip="">
+            <dgm:adjLst/>
+          </dgm:shape>
+          <dgm:presOf axis="self" ptType="node"/>
+          <dgm:constrLst>
+            <dgm:constr type="lMarg" refType="h" fact="0.3"/>
+            <dgm:constr type="rMarg" refType="h" fact="0.3"/>
+            <dgm:constr type="tMarg" refType="h" fact="0.3"/>
+            <dgm:constr type="bMarg" refType="h" fact="0.3"/>
+          </dgm:constrLst>
+          <dgm:ruleLst>
+            <dgm:rule type="primFontSz" val="14" fact="NaN" max="NaN"/>
+            <dgm:rule type="h" val="INF" fact="NaN" max="NaN"/>
+          </dgm:ruleLst>
+        </dgm:layoutNode>
+        <dgm:choose name="Name12">
+          <dgm:if name="Name13" axis="ch" ptType="node" func="cnt" op="gte" val="1">
+            <dgm:layoutNode name="desTx" styleLbl="revTx">
+              <dgm:varLst/>
+              <dgm:alg type="tx">
+                <dgm:param type="txAnchorVertCh" val="mid"/>
+                <dgm:param type="parTxLTRAlign" val="l"/>
+                <dgm:param type="shpTxLTRAlignCh" val="l"/>
+                <dgm:param type="parTxRTLAlign" val="r"/>
+                <dgm:param type="shpTxRTLAlignCh" val="r"/>
+                <dgm:param type="stBulletLvl" val="0"/>
+              </dgm:alg>
+              <dgm:shape xmlns:r="http://schemas.openxmlformats.org/officeDocument/2006/relationships" type="rect" r:blip="">
+                <dgm:adjLst/>
+              </dgm:shape>
+              <dgm:presOf axis="des" ptType="node"/>
+              <dgm:constrLst>
+                <dgm:constr type="primFontSz" val="18"/>
+                <dgm:constr type="secFontSz" refType="primFontSz"/>
+                <dgm:constr type="lMarg" refType="h" fact="0.3"/>
+                <dgm:constr type="rMarg" refType="h" fact="0.3"/>
+                <dgm:constr type="tMarg" refType="h" fact="0.3"/>
+                <dgm:constr type="bMarg" refType="h" fact="0.3"/>
+              </dgm:constrLst>
+              <dgm:ruleLst>
+                <dgm:rule type="primFontSz" val="11" fact="NaN" max="NaN"/>
+              </dgm:ruleLst>
+            </dgm:layoutNode>
+          </dgm:if>
+          <dgm:else name="Name14"/>
+        </dgm:choose>
+      </dgm:layoutNode>
+      <dgm:forEach name="Name15" axis="followSib" ptType="sibTrans" cnt="1">
+        <dgm:layoutNode name="sibTrans">
+          <dgm:alg type="sp"/>
+          <dgm:shape xmlns:r="http://schemas.openxmlformats.org/officeDocument/2006/relationships" r:blip="">
+            <dgm:adjLst/>
+          </dgm:shape>
+          <dgm:presOf axis="self"/>
+          <dgm:constrLst/>
+          <dgm:ruleLst/>
+        </dgm:layoutNode>
+      </dgm:forEach>
+    </dgm:forEach>
+  </dgm:layoutNode>
+  <dgm:extLst>
+    <a:ext uri="{68A01E43-0DF5-4B5B-8FA6-DAF915123BFB}">
+      <dgm1612:lstStyle xmlns:dgm1612="http://schemas.microsoft.com/office/drawing/2016/12/diagram">
+        <a:lvl1pPr>
+          <a:lnSpc>
+            <a:spcPct val="100000"/>
+          </a:lnSpc>
+        </a:lvl1pPr>
+        <a:lvl2pPr>
+          <a:lnSpc>
+            <a:spcPct val="100000"/>
+          </a:lnSpc>
+        </a:lvl2pPr>
+      </dgm1612:lstStyle>
+    </a:ext>
+  </dgm:extLst>
+</dgm:layoutDef>
+</file>
+
+<file path=ppt/diagrams/quickStyle1.xml><?xml version="1.0" encoding="utf-8"?>
+<dgm:styleDef xmlns:dgm="http://schemas.openxmlformats.org/drawingml/2006/diagram" xmlns:a="http://schemas.openxmlformats.org/drawingml/2006/main" uniqueId="urn:microsoft.com/office/officeart/2005/8/quickstyle/simple1">
+  <dgm:title val=""/>
+  <dgm:desc val=""/>
+  <dgm:catLst>
+    <dgm:cat type="simple" pri="10100"/>
+  </dgm:catLst>
+  <dgm:scene3d>
+    <a:camera prst="orthographicFront"/>
+    <a:lightRig rig="threePt" dir="t"/>
+  </dgm:scene3d>
+  <dgm:styleLbl name="node0">
+    <dgm:scene3d>
+      <a:camera prst="orthographicFront"/>
+      <a:lightRig rig="threePt" dir="t"/>
+    </dgm:scene3d>
+    <dgm:sp3d/>
+    <dgm:txPr/>
+    <dgm:style>
+      <a:lnRef idx="2">
+        <a:scrgbClr r="0" g="0" b="0"/>
+      </a:lnRef>
+      <a:fillRef idx="1">
+        <a:scrgbClr r="0" g="0" b="0"/>
+      </a:fillRef>
+      <a:effectRef idx="0">
+        <a:scrgbClr r="0" g="0" b="0"/>
+      </a:effectRef>
+      <a:fontRef idx="minor">
+        <a:schemeClr val="lt1"/>
+      </a:fontRef>
+    </dgm:style>
+  </dgm:styleLbl>
+  <dgm:styleLbl name="lnNode1">
+    <dgm:scene3d>
+      <a:camera prst="orthographicFront"/>
+      <a:lightRig rig="threePt" dir="t"/>
+    </dgm:scene3d>
+    <dgm:sp3d/>
+    <dgm:txPr/>
+    <dgm:style>
+      <a:lnRef idx="2">
+        <a:scrgbClr r="0" g="0" b="0"/>
+      </a:lnRef>
+      <a:fillRef idx="1">
+        <a:scrgbClr r="0" g="0" b="0"/>
+      </a:fillRef>
+      <a:effectRef idx="0">
+        <a:scrgbClr r="0" g="0" b="0"/>
+      </a:effectRef>
+      <a:fontRef idx="minor">
+        <a:schemeClr val="lt1"/>
+      </a:fontRef>
+    </dgm:style>
+  </dgm:styleLbl>
+  <dgm:styleLbl name="vennNode1">
+    <dgm:scene3d>
+      <a:camera prst="orthographicFront"/>
+      <a:lightRig rig="threePt" dir="t"/>
+    </dgm:scene3d>
+    <dgm:sp3d/>
+    <dgm:txPr/>
+    <dgm:style>
+      <a:lnRef idx="2">
+        <a:scrgbClr r="0" g="0" b="0"/>
+      </a:lnRef>
+      <a:fillRef idx="1">
+        <a:scrgbClr r="0" g="0" b="0"/>
+      </a:fillRef>
+      <a:effectRef idx="0">
+        <a:scrgbClr r="0" g="0" b="0"/>
+      </a:effectRef>
+      <a:fontRef idx="minor">
+        <a:schemeClr val="tx1"/>
+      </a:fontRef>
+    </dgm:style>
+  </dgm:styleLbl>
+  <dgm:styleLbl name="alignNode1">
+    <dgm:scene3d>
+      <a:camera prst="orthographicFront"/>
+      <a:lightRig rig="threePt" dir="t"/>
+    </dgm:scene3d>
+    <dgm:sp3d/>
+    <dgm:txPr/>
+    <dgm:style>
+      <a:lnRef idx="2">
+        <a:scrgbClr r="0" g="0" b="0"/>
+      </a:lnRef>
+      <a:fillRef idx="1">
+        <a:scrgbClr r="0" g="0" b="0"/>
+      </a:fillRef>
+      <a:effectRef idx="0">
+        <a:scrgbClr r="0" g="0" b="0"/>
+      </a:effectRef>
+      <a:fontRef idx="minor">
+        <a:schemeClr val="lt1"/>
+      </a:fontRef>
+    </dgm:style>
+  </dgm:styleLbl>
+  <dgm:styleLbl name="node1">
+    <dgm:scene3d>
+      <a:camera prst="orthographicFront"/>
+      <a:lightRig rig="threePt" dir="t"/>
+    </dgm:scene3d>
+    <dgm:sp3d/>
+    <dgm:txPr/>
+    <dgm:style>
+      <a:lnRef idx="2">
+        <a:scrgbClr r="0" g="0" b="0"/>
+      </a:lnRef>
+      <a:fillRef idx="1">
+        <a:scrgbClr r="0" g="0" b="0"/>
+      </a:fillRef>
+      <a:effectRef idx="0">
+        <a:scrgbClr r="0" g="0" b="0"/>
+      </a:effectRef>
+      <a:fontRef idx="minor">
+        <a:schemeClr val="lt1"/>
+      </a:fontRef>
+    </dgm:style>
+  </dgm:styleLbl>
+  <dgm:styleLbl name="node2">
+    <dgm:scene3d>
+      <a:camera prst="orthographicFront"/>
+      <a:lightRig rig="threePt" dir="t"/>
+    </dgm:scene3d>
+    <dgm:sp3d/>
+    <dgm:txPr/>
+    <dgm:style>
+      <a:lnRef idx="2">
+        <a:scrgbClr r="0" g="0" b="0"/>
+      </a:lnRef>
+      <a:fillRef idx="1">
+        <a:scrgbClr r="0" g="0" b="0"/>
+      </a:fillRef>
+      <a:effectRef idx="0">
+        <a:scrgbClr r="0" g="0" b="0"/>
+      </a:effectRef>
+      <a:fontRef idx="minor">
+        <a:schemeClr val="lt1"/>
+      </a:fontRef>
+    </dgm:style>
+  </dgm:styleLbl>
+  <dgm:styleLbl name="node3">
+    <dgm:scene3d>
+      <a:camera prst="orthographicFront"/>
+      <a:lightRig rig="threePt" dir="t"/>
+    </dgm:scene3d>
+    <dgm:sp3d/>
+    <dgm:txPr/>
+    <dgm:style>
+      <a:lnRef idx="2">
+        <a:scrgbClr r="0" g="0" b="0"/>
+      </a:lnRef>
+      <a:fillRef idx="1">
+        <a:scrgbClr r="0" g="0" b="0"/>
+      </a:fillRef>
+      <a:effectRef idx="0">
+        <a:scrgbClr r="0" g="0" b="0"/>
+      </a:effectRef>
+      <a:fontRef idx="minor">
+        <a:schemeClr val="lt1"/>
+      </a:fontRef>
+    </dgm:style>
+  </dgm:styleLbl>
+  <dgm:styleLbl name="node4">
+    <dgm:scene3d>
+      <a:camera prst="orthographicFront"/>
+      <a:lightRig rig="threePt" dir="t"/>
+    </dgm:scene3d>
+    <dgm:sp3d/>
+    <dgm:txPr/>
+    <dgm:style>
+      <a:lnRef idx="2">
+        <a:scrgbClr r="0" g="0" b="0"/>
+      </a:lnRef>
+      <a:fillRef idx="1">
+        <a:scrgbClr r="0" g="0" b="0"/>
+      </a:fillRef>
+      <a:effectRef idx="0">
+        <a:scrgbClr r="0" g="0" b="0"/>
+      </a:effectRef>
+      <a:fontRef idx="minor">
+        <a:schemeClr val="lt1"/>
+      </a:fontRef>
+    </dgm:style>
+  </dgm:styleLbl>
+  <dgm:styleLbl name="fgImgPlace1">
+    <dgm:scene3d>
+      <a:camera prst="orthographicFront"/>
+      <a:lightRig rig="threePt" dir="t"/>
+    </dgm:scene3d>
+    <dgm:sp3d/>
+    <dgm:txPr/>
+    <dgm:style>
+      <a:lnRef idx="2">
+        <a:scrgbClr r="0" g="0" b="0"/>
+      </a:lnRef>
+      <a:fillRef idx="1">
+        <a:scrgbClr r="0" g="0" b="0"/>
+      </a:fillRef>
+      <a:effectRef idx="0">
+        <a:scrgbClr r="0" g="0" b="0"/>
+      </a:effectRef>
+      <a:fontRef idx="minor"/>
+    </dgm:style>
+  </dgm:styleLbl>
+  <dgm:styleLbl name="alignImgPlace1">
+    <dgm:scene3d>
+      <a:camera prst="orthographicFront"/>
+      <a:lightRig rig="threePt" dir="t"/>
+    </dgm:scene3d>
+    <dgm:sp3d/>
+    <dgm:txPr/>
+    <dgm:style>
+      <a:lnRef idx="2">
+        <a:scrgbClr r="0" g="0" b="0"/>
+      </a:lnRef>
+      <a:fillRef idx="1">
+        <a:scrgbClr r="0" g="0" b="0"/>
+      </a:fillRef>
+      <a:effectRef idx="0">
+        <a:scrgbClr r="0" g="0" b="0"/>
+      </a:effectRef>
+      <a:fontRef idx="minor"/>
+    </dgm:style>
+  </dgm:styleLbl>
+  <dgm:styleLbl name="bgImgPlace1">
+    <dgm:scene3d>
+      <a:camera prst="orthographicFront"/>
+      <a:lightRig rig="threePt" dir="t"/>
+    </dgm:scene3d>
+    <dgm:sp3d/>
+    <dgm:txPr/>
+    <dgm:style>
+      <a:lnRef idx="2">
+        <a:scrgbClr r="0" g="0" b="0"/>
+      </a:lnRef>
+      <a:fillRef idx="1">
+        <a:scrgbClr r="0" g="0" b="0"/>
+      </a:fillRef>
+      <a:effectRef idx="0">
+        <a:scrgbClr r="0" g="0" b="0"/>
+      </a:effectRef>
+      <a:fontRef idx="minor"/>
+    </dgm:style>
+  </dgm:styleLbl>
+  <dgm:styleLbl name="sibTrans2D1">
+    <dgm:scene3d>
+      <a:camera prst="orthographicFront"/>
+      <a:lightRig rig="threePt" dir="t"/>
+    </dgm:scene3d>
+    <dgm:sp3d/>
+    <dgm:txPr/>
+    <dgm:style>
+      <a:lnRef idx="0">
+        <a:scrgbClr r="0" g="0" b="0"/>
+      </a:lnRef>
+      <a:fillRef idx="1">
+        <a:scrgbClr r="0" g="0" b="0"/>
+      </a:fillRef>
+      <a:effectRef idx="0">
+        <a:scrgbClr r="0" g="0" b="0"/>
+      </a:effectRef>
+      <a:fontRef idx="minor">
+        <a:schemeClr val="lt1"/>
+      </a:fontRef>
+    </dgm:style>
+  </dgm:styleLbl>
+  <dgm:styleLbl name="fgSibTrans2D1">
+    <dgm:scene3d>
+      <a:camera prst="orthographicFront"/>
+      <a:lightRig rig="threePt" dir="t"/>
+    </dgm:scene3d>
+    <dgm:sp3d/>
+    <dgm:txPr/>
+    <dgm:style>
+      <a:lnRef idx="0">
+        <a:scrgbClr r="0" g="0" b="0"/>
+      </a:lnRef>
+      <a:fillRef idx="1">
+        <a:scrgbClr r="0" g="0" b="0"/>
+      </a:fillRef>
+      <a:effectRef idx="0">
+        <a:scrgbClr r="0" g="0" b="0"/>
+      </a:effectRef>
+      <a:fontRef idx="minor">
+        <a:schemeClr val="lt1"/>
+      </a:fontRef>
+    </dgm:style>
+  </dgm:styleLbl>
+  <dgm:styleLbl name="bgSibTrans2D1">
+    <dgm:scene3d>
+      <a:camera prst="orthographicFront"/>
+      <a:lightRig rig="threePt" dir="t"/>
+    </dgm:scene3d>
+    <dgm:sp3d/>
+    <dgm:txPr/>
+    <dgm:style>
+      <a:lnRef idx="0">
+        <a:scrgbClr r="0" g="0" b="0"/>
+      </a:lnRef>
+      <a:fillRef idx="1">
+        <a:scrgbClr r="0" g="0" b="0"/>
+      </a:fillRef>
+      <a:effectRef idx="0">
+        <a:scrgbClr r="0" g="0" b="0"/>
+      </a:effectRef>
+      <a:fontRef idx="minor">
+        <a:schemeClr val="lt1"/>
+      </a:fontRef>
+    </dgm:style>
+  </dgm:styleLbl>
+  <dgm:styleLbl name="sibTrans1D1">
+    <dgm:scene3d>
+      <a:camera prst="orthographicFront"/>
+      <a:lightRig rig="threePt" dir="t"/>
+    </dgm:scene3d>
+    <dgm:sp3d/>
+    <dgm:txPr/>
+    <dgm:style>
+      <a:lnRef idx="1">
+        <a:scrgbClr r="0" g="0" b="0"/>
+      </a:lnRef>
+      <a:fillRef idx="0">
+        <a:scrgbClr r="0" g="0" b="0"/>
+      </a:fillRef>
+      <a:effectRef idx="0">
+        <a:scrgbClr r="0" g="0" b="0"/>
+      </a:effectRef>
+      <a:fontRef idx="minor"/>
+    </dgm:style>
+  </dgm:styleLbl>
+  <dgm:styleLbl name="callout">
+    <dgm:scene3d>
+      <a:camera prst="orthographicFront"/>
+      <a:lightRig rig="threePt" dir="t"/>
+    </dgm:scene3d>
+    <dgm:sp3d/>
+    <dgm:txPr/>
+    <dgm:style>
+      <a:lnRef idx="2">
+        <a:scrgbClr r="0" g="0" b="0"/>
+      </a:lnRef>
+      <a:fillRef idx="1">
+        <a:scrgbClr r="0" g="0" b="0"/>
+      </a:fillRef>
+      <a:effectRef idx="0">
+        <a:scrgbClr r="0" g="0" b="0"/>
+      </a:effectRef>
+      <a:fontRef idx="minor"/>
+    </dgm:style>
+  </dgm:styleLbl>
+  <dgm:styleLbl name="asst0">
+    <dgm:scene3d>
+      <a:camera prst="orthographicFront"/>
+      <a:lightRig rig="threePt" dir="t"/>
+    </dgm:scene3d>
+    <dgm:sp3d/>
+    <dgm:txPr/>
+    <dgm:style>
+      <a:lnRef idx="2">
+        <a:scrgbClr r="0" g="0" b="0"/>
+      </a:lnRef>
+      <a:fillRef idx="1">
+        <a:scrgbClr r="0" g="0" b="0"/>
+      </a:fillRef>
+      <a:effectRef idx="0">
+        <a:scrgbClr r="0" g="0" b="0"/>
+      </a:effectRef>
+      <a:fontRef idx="minor">
+        <a:schemeClr val="lt1"/>
+      </a:fontRef>
+    </dgm:style>
+  </dgm:styleLbl>
+  <dgm:styleLbl name="asst1">
+    <dgm:scene3d>
+      <a:camera prst="orthographicFront"/>
+      <a:lightRig rig="threePt" dir="t"/>
+    </dgm:scene3d>
+    <dgm:sp3d/>
+    <dgm:txPr/>
+    <dgm:style>
+      <a:lnRef idx="2">
+        <a:scrgbClr r="0" g="0" b="0"/>
+      </a:lnRef>
+      <a:fillRef idx="1">
+        <a:scrgbClr r="0" g="0" b="0"/>
+      </a:fillRef>
+      <a:effectRef idx="0">
+        <a:scrgbClr r="0" g="0" b="0"/>
+      </a:effectRef>
+      <a:fontRef idx="minor">
+        <a:schemeClr val="lt1"/>
+      </a:fontRef>
+    </dgm:style>
+  </dgm:styleLbl>
+  <dgm:styleLbl name="asst2">
+    <dgm:scene3d>
+      <a:camera prst="orthographicFront"/>
+      <a:lightRig rig="threePt" dir="t"/>
+    </dgm:scene3d>
+    <dgm:sp3d/>
+    <dgm:txPr/>
+    <dgm:style>
+      <a:lnRef idx="2">
+        <a:scrgbClr r="0" g="0" b="0"/>
+      </a:lnRef>
+      <a:fillRef idx="1">
+        <a:scrgbClr r="0" g="0" b="0"/>
+      </a:fillRef>
+      <a:effectRef idx="0">
+        <a:scrgbClr r="0" g="0" b="0"/>
+      </a:effectRef>
+      <a:fontRef idx="minor">
+        <a:schemeClr val="lt1"/>
+      </a:fontRef>
+    </dgm:style>
+  </dgm:styleLbl>
+  <dgm:styleLbl name="asst3">
+    <dgm:scene3d>
+      <a:camera prst="orthographicFront"/>
+      <a:lightRig rig="threePt" dir="t"/>
+    </dgm:scene3d>
+    <dgm:sp3d/>
+    <dgm:txPr/>
+    <dgm:style>
+      <a:lnRef idx="2">
+        <a:scrgbClr r="0" g="0" b="0"/>
+      </a:lnRef>
+      <a:fillRef idx="1">
+        <a:scrgbClr r="0" g="0" b="0"/>
+      </a:fillRef>
+      <a:effectRef idx="0">
+        <a:scrgbClr r="0" g="0" b="0"/>
+      </a:effectRef>
+      <a:fontRef idx="minor">
+        <a:schemeClr val="lt1"/>
+      </a:fontRef>
+    </dgm:style>
+  </dgm:styleLbl>
+  <dgm:styleLbl name="asst4">
+    <dgm:scene3d>
+      <a:camera prst="orthographicFront"/>
+      <a:lightRig rig="threePt" dir="t"/>
+    </dgm:scene3d>
+    <dgm:sp3d/>
+    <dgm:txPr/>
+    <dgm:style>
+      <a:lnRef idx="2">
+        <a:scrgbClr r="0" g="0" b="0"/>
+      </a:lnRef>
+      <a:fillRef idx="1">
+        <a:scrgbClr r="0" g="0" b="0"/>
+      </a:fillRef>
+      <a:effectRef idx="0">
+        <a:scrgbClr r="0" g="0" b="0"/>
+      </a:effectRef>
+      <a:fontRef idx="minor">
+        <a:schemeClr val="lt1"/>
+      </a:fontRef>
+    </dgm:style>
+  </dgm:styleLbl>
+  <dgm:styleLbl name="parChTrans2D1">
+    <dgm:scene3d>
+      <a:camera prst="orthographicFront"/>
+      <a:lightRig rig="threePt" dir="t"/>
+    </dgm:scene3d>
+    <dgm:sp3d/>
+    <dgm:txPr/>
+    <dgm:style>
+      <a:lnRef idx="2">
+        <a:scrgbClr r="0" g="0" b="0"/>
+      </a:lnRef>
+      <a:fillRef idx="1">
+        <a:scrgbClr r="0" g="0" b="0"/>
+      </a:fillRef>
+      <a:effectRef idx="0">
+        <a:scrgbClr r="0" g="0" b="0"/>
+      </a:effectRef>
+      <a:fontRef idx="minor">
+        <a:schemeClr val="lt1"/>
+      </a:fontRef>
+    </dgm:style>
+  </dgm:styleLbl>
+  <dgm:styleLbl name="parChTrans2D2">
+    <dgm:scene3d>
+      <a:camera prst="orthographicFront"/>
+      <a:lightRig rig="threePt" dir="t"/>
+    </dgm:scene3d>
+    <dgm:sp3d/>
+    <dgm:txPr/>
+    <dgm:style>
+      <a:lnRef idx="2">
+        <a:scrgbClr r="0" g="0" b="0"/>
+      </a:lnRef>
+      <a:fillRef idx="1">
+        <a:scrgbClr r="0" g="0" b="0"/>
+      </a:fillRef>
+      <a:effectRef idx="0">
+        <a:scrgbClr r="0" g="0" b="0"/>
+      </a:effectRef>
+      <a:fontRef idx="minor">
+        <a:schemeClr val="lt1"/>
+      </a:fontRef>
+    </dgm:style>
+  </dgm:styleLbl>
+  <dgm:styleLbl name="parChTrans2D3">
+    <dgm:scene3d>
+      <a:camera prst="orthographicFront"/>
+      <a:lightRig rig="threePt" dir="t"/>
+    </dgm:scene3d>
+    <dgm:sp3d/>
+    <dgm:txPr/>
+    <dgm:style>
+      <a:lnRef idx="2">
+        <a:scrgbClr r="0" g="0" b="0"/>
+      </a:lnRef>
+      <a:fillRef idx="1">
+        <a:scrgbClr r="0" g="0" b="0"/>
+      </a:fillRef>
+      <a:effectRef idx="0">
+        <a:scrgbClr r="0" g="0" b="0"/>
+      </a:effectRef>
+      <a:fontRef idx="minor">
+        <a:schemeClr val="lt1"/>
+      </a:fontRef>
+    </dgm:style>
+  </dgm:styleLbl>
+  <dgm:styleLbl name="parChTrans2D4">
+    <dgm:scene3d>
+      <a:camera prst="orthographicFront"/>
+      <a:lightRig rig="threePt" dir="t"/>
+    </dgm:scene3d>
+    <dgm:sp3d/>
+    <dgm:txPr/>
+    <dgm:style>
+      <a:lnRef idx="2">
+        <a:scrgbClr r="0" g="0" b="0"/>
+      </a:lnRef>
+      <a:fillRef idx="1">
+        <a:scrgbClr r="0" g="0" b="0"/>
+      </a:fillRef>
+      <a:effectRef idx="0">
+        <a:scrgbClr r="0" g="0" b="0"/>
+      </a:effectRef>
+      <a:fontRef idx="minor">
+        <a:schemeClr val="lt1"/>
+      </a:fontRef>
+    </dgm:style>
+  </dgm:styleLbl>
+  <dgm:styleLbl name="parChTrans1D1">
+    <dgm:scene3d>
+      <a:camera prst="orthographicFront"/>
+      <a:lightRig rig="threePt" dir="t"/>
+    </dgm:scene3d>
+    <dgm:sp3d/>
+    <dgm:txPr/>
+    <dgm:style>
+      <a:lnRef idx="2">
+        <a:scrgbClr r="0" g="0" b="0"/>
+      </a:lnRef>
+      <a:fillRef idx="0">
+        <a:scrgbClr r="0" g="0" b="0"/>
+      </a:fillRef>
+      <a:effectRef idx="0">
+        <a:scrgbClr r="0" g="0" b="0"/>
+      </a:effectRef>
+      <a:fontRef idx="minor"/>
+    </dgm:style>
+  </dgm:styleLbl>
+  <dgm:styleLbl name="parChTrans1D2">
+    <dgm:scene3d>
+      <a:camera prst="orthographicFront"/>
+      <a:lightRig rig="threePt" dir="t"/>
+    </dgm:scene3d>
+    <dgm:sp3d/>
+    <dgm:txPr/>
+    <dgm:style>
+      <a:lnRef idx="2">
+        <a:scrgbClr r="0" g="0" b="0"/>
+      </a:lnRef>
+      <a:fillRef idx="0">
+        <a:scrgbClr r="0" g="0" b="0"/>
+      </a:fillRef>
+      <a:effectRef idx="0">
+        <a:scrgbClr r="0" g="0" b="0"/>
+      </a:effectRef>
+      <a:fontRef idx="minor"/>
+    </dgm:style>
+  </dgm:styleLbl>
+  <dgm:styleLbl name="parChTrans1D3">
+    <dgm:scene3d>
+      <a:camera prst="orthographicFront"/>
+      <a:lightRig rig="threePt" dir="t"/>
+    </dgm:scene3d>
+    <dgm:sp3d/>
+    <dgm:txPr/>
+    <dgm:style>
+      <a:lnRef idx="2">
+        <a:scrgbClr r="0" g="0" b="0"/>
+      </a:lnRef>
+      <a:fillRef idx="0">
+        <a:scrgbClr r="0" g="0" b="0"/>
+      </a:fillRef>
+      <a:effectRef idx="0">
+        <a:scrgbClr r="0" g="0" b="0"/>
+      </a:effectRef>
+      <a:fontRef idx="minor"/>
+    </dgm:style>
+  </dgm:styleLbl>
+  <dgm:styleLbl name="parChTrans1D4">
+    <dgm:scene3d>
+      <a:camera prst="orthographicFront"/>
+      <a:lightRig rig="threePt" dir="t"/>
+    </dgm:scene3d>
+    <dgm:sp3d/>
+    <dgm:txPr/>
+    <dgm:style>
+      <a:lnRef idx="2">
+        <a:scrgbClr r="0" g="0" b="0"/>
+      </a:lnRef>
+      <a:fillRef idx="0">
+        <a:scrgbClr r="0" g="0" b="0"/>
+      </a:fillRef>
+      <a:effectRef idx="0">
+        <a:scrgbClr r="0" g="0" b="0"/>
+      </a:effectRef>
+      <a:fontRef idx="minor"/>
+    </dgm:style>
+  </dgm:styleLbl>
+  <dgm:styleLbl name="fgAcc1">
+    <dgm:scene3d>
+      <a:camera prst="orthographicFront"/>
+      <a:lightRig rig="threePt" dir="t"/>
+    </dgm:scene3d>
+    <dgm:sp3d/>
+    <dgm:txPr/>
+    <dgm:style>
+      <a:lnRef idx="2">
+        <a:scrgbClr r="0" g="0" b="0"/>
+      </a:lnRef>
+      <a:fillRef idx="1">
+        <a:scrgbClr r="0" g="0" b="0"/>
+      </a:fillRef>
+      <a:effectRef idx="0">
+        <a:scrgbClr r="0" g="0" b="0"/>
+      </a:effectRef>
+      <a:fontRef idx="minor"/>
+    </dgm:style>
+  </dgm:styleLbl>
+  <dgm:styleLbl name="conFgAcc1">
+    <dgm:scene3d>
+      <a:camera prst="orthographicFront"/>
+      <a:lightRig rig="threePt" dir="t"/>
+    </dgm:scene3d>
+    <dgm:sp3d/>
+    <dgm:txPr/>
+    <dgm:style>
+      <a:lnRef idx="2">
+        <a:scrgbClr r="0" g="0" b="0"/>
+      </a:lnRef>
+      <a:fillRef idx="1">
+        <a:scrgbClr r="0" g="0" b="0"/>
+      </a:fillRef>
+      <a:effectRef idx="0">
+        <a:scrgbClr r="0" g="0" b="0"/>
+      </a:effectRef>
+      <a:fontRef idx="minor"/>
+    </dgm:style>
+  </dgm:styleLbl>
+  <dgm:styleLbl name="alignAcc1">
+    <dgm:scene3d>
+      <a:camera prst="orthographicFront"/>
+      <a:lightRig rig="threePt" dir="t"/>
+    </dgm:scene3d>
+    <dgm:sp3d/>
+    <dgm:txPr/>
+    <dgm:style>
+      <a:lnRef idx="2">
+        <a:scrgbClr r="0" g="0" b="0"/>
+      </a:lnRef>
+      <a:fillRef idx="1">
+        <a:scrgbClr r="0" g="0" b="0"/>
+      </a:fillRef>
+      <a:effectRef idx="0">
+        <a:scrgbClr r="0" g="0" b="0"/>
+      </a:effectRef>
+      <a:fontRef idx="minor"/>
+    </dgm:style>
+  </dgm:styleLbl>
+  <dgm:styleLbl name="trAlignAcc1">
+    <dgm:scene3d>
+      <a:camera prst="orthographicFront"/>
+      <a:lightRig rig="threePt" dir="t"/>
+    </dgm:scene3d>
+    <dgm:sp3d/>
+    <dgm:txPr/>
+    <dgm:style>
+      <a:lnRef idx="1">
+        <a:scrgbClr r="0" g="0" b="0"/>
+      </a:lnRef>
+      <a:fillRef idx="1">
+        <a:scrgbClr r="0" g="0" b="0"/>
+      </a:fillRef>
+      <a:effectRef idx="0">
+        <a:scrgbClr r="0" g="0" b="0"/>
+      </a:effectRef>
+      <a:fontRef idx="minor"/>
+    </dgm:style>
+  </dgm:styleLbl>
+  <dgm:styleLbl name="bgAcc1">
+    <dgm:scene3d>
+      <a:camera prst="orthographicFront"/>
+      <a:lightRig rig="threePt" dir="t"/>
+    </dgm:scene3d>
+    <dgm:sp3d/>
+    <dgm:txPr/>
+    <dgm:style>
+      <a:lnRef idx="2">
+        <a:scrgbClr r="0" g="0" b="0"/>
+      </a:lnRef>
+      <a:fillRef idx="1">
+        <a:scrgbClr r="0" g="0" b="0"/>
+      </a:fillRef>
+      <a:effectRef idx="0">
+        <a:scrgbClr r="0" g="0" b="0"/>
+      </a:effectRef>
+      <a:fontRef idx="minor"/>
+    </dgm:style>
+  </dgm:styleLbl>
+  <dgm:styleLbl name="solidFgAcc1">
+    <dgm:scene3d>
+      <a:camera prst="orthographicFront"/>
+      <a:lightRig rig="threePt" dir="t"/>
+    </dgm:scene3d>
+    <dgm:sp3d/>
+    <dgm:txPr/>
+    <dgm:style>
+      <a:lnRef idx="2">
+        <a:scrgbClr r="0" g="0" b="0"/>
+      </a:lnRef>
+      <a:fillRef idx="1">
+        <a:scrgbClr r="0" g="0" b="0"/>
+      </a:fillRef>
+      <a:effectRef idx="0">
+        <a:scrgbClr r="0" g="0" b="0"/>
+      </a:effectRef>
+      <a:fontRef idx="minor"/>
+    </dgm:style>
+  </dgm:styleLbl>
+  <dgm:styleLbl name="solidAlignAcc1">
+    <dgm:scene3d>
+      <a:camera prst="orthographicFront"/>
+      <a:lightRig rig="threePt" dir="t"/>
+    </dgm:scene3d>
+    <dgm:sp3d/>
+    <dgm:txPr/>
+    <dgm:style>
+      <a:lnRef idx="2">
+        <a:scrgbClr r="0" g="0" b="0"/>
+      </a:lnRef>
+      <a:fillRef idx="1">
+        <a:scrgbClr r="0" g="0" b="0"/>
+      </a:fillRef>
+      <a:effectRef idx="0">
+        <a:scrgbClr r="0" g="0" b="0"/>
+      </a:effectRef>
+      <a:fontRef idx="minor"/>
+    </dgm:style>
+  </dgm:styleLbl>
+  <dgm:styleLbl name="solidBgAcc1">
+    <dgm:scene3d>
+      <a:camera prst="orthographicFront"/>
+      <a:lightRig rig="threePt" dir="t"/>
+    </dgm:scene3d>
+    <dgm:sp3d/>
+    <dgm:txPr/>
+    <dgm:style>
+      <a:lnRef idx="2">
+        <a:scrgbClr r="0" g="0" b="0"/>
+      </a:lnRef>
+      <a:fillRef idx="1">
+        <a:scrgbClr r="0" g="0" b="0"/>
+      </a:fillRef>
+      <a:effectRef idx="0">
+        <a:scrgbClr r="0" g="0" b="0"/>
+      </a:effectRef>
+      <a:fontRef idx="minor"/>
+    </dgm:style>
+  </dgm:styleLbl>
+  <dgm:styleLbl name="fgAccFollowNode1">
+    <dgm:scene3d>
+      <a:camera prst="orthographicFront"/>
+      <a:lightRig rig="threePt" dir="t"/>
+    </dgm:scene3d>
+    <dgm:sp3d/>
+    <dgm:txPr/>
+    <dgm:style>
+      <a:lnRef idx="2">
+        <a:scrgbClr r="0" g="0" b="0"/>
+      </a:lnRef>
+      <a:fillRef idx="1">
+        <a:scrgbClr r="0" g="0" b="0"/>
+      </a:fillRef>
+      <a:effectRef idx="0">
+        <a:scrgbClr r="0" g="0" b="0"/>
+      </a:effectRef>
+      <a:fontRef idx="minor"/>
+    </dgm:style>
+  </dgm:styleLbl>
+  <dgm:styleLbl name="alignAccFollowNode1">
+    <dgm:scene3d>
+      <a:camera prst="orthographicFront"/>
+      <a:lightRig rig="threePt" dir="t"/>
+    </dgm:scene3d>
+    <dgm:sp3d/>
+    <dgm:txPr/>
+    <dgm:style>
+      <a:lnRef idx="2">
+        <a:scrgbClr r="0" g="0" b="0"/>
+      </a:lnRef>
+      <a:fillRef idx="1">
+        <a:scrgbClr r="0" g="0" b="0"/>
+      </a:fillRef>
+      <a:effectRef idx="0">
+        <a:scrgbClr r="0" g="0" b="0"/>
+      </a:effectRef>
+      <a:fontRef idx="minor"/>
+    </dgm:style>
+  </dgm:styleLbl>
+  <dgm:styleLbl name="bgAccFollowNode1">
+    <dgm:scene3d>
+      <a:camera prst="orthographicFront"/>
+      <a:lightRig rig="threePt" dir="t"/>
+    </dgm:scene3d>
+    <dgm:sp3d/>
+    <dgm:txPr/>
+    <dgm:style>
+      <a:lnRef idx="2">
+        <a:scrgbClr r="0" g="0" b="0"/>
+      </a:lnRef>
+      <a:fillRef idx="1">
+        <a:scrgbClr r="0" g="0" b="0"/>
+      </a:fillRef>
+      <a:effectRef idx="0">
+        <a:scrgbClr r="0" g="0" b="0"/>
+      </a:effectRef>
+      <a:fontRef idx="minor"/>
+    </dgm:style>
+  </dgm:styleLbl>
+  <dgm:styleLbl name="fgAcc0">
+    <dgm:scene3d>
+      <a:camera prst="orthographicFront"/>
+      <a:lightRig rig="threePt" dir="t"/>
+    </dgm:scene3d>
+    <dgm:sp3d/>
+    <dgm:txPr/>
+    <dgm:style>
+      <a:lnRef idx="2">
+        <a:scrgbClr r="0" g="0" b="0"/>
+      </a:lnRef>
+      <a:fillRef idx="1">
+        <a:scrgbClr r="0" g="0" b="0"/>
+      </a:fillRef>
+      <a:effectRef idx="0">
+        <a:scrgbClr r="0" g="0" b="0"/>
+      </a:effectRef>
+      <a:fontRef idx="minor"/>
+    </dgm:style>
+  </dgm:styleLbl>
+  <dgm:styleLbl name="fgAcc2">
+    <dgm:scene3d>
+      <a:camera prst="orthographicFront"/>
+      <a:lightRig rig="threePt" dir="t"/>
+    </dgm:scene3d>
+    <dgm:sp3d/>
+    <dgm:txPr/>
+    <dgm:style>
+      <a:lnRef idx="2">
+        <a:scrgbClr r="0" g="0" b="0"/>
+      </a:lnRef>
+      <a:fillRef idx="1">
+        <a:scrgbClr r="0" g="0" b="0"/>
+      </a:fillRef>
+      <a:effectRef idx="0">
+        <a:scrgbClr r="0" g="0" b="0"/>
+      </a:effectRef>
+      <a:fontRef idx="minor"/>
+    </dgm:style>
+  </dgm:styleLbl>
+  <dgm:styleLbl name="fgAcc3">
+    <dgm:scene3d>
+      <a:camera prst="orthographicFront"/>
+      <a:lightRig rig="threePt" dir="t"/>
+    </dgm:scene3d>
+    <dgm:sp3d/>
+    <dgm:txPr/>
+    <dgm:style>
+      <a:lnRef idx="2">
+        <a:scrgbClr r="0" g="0" b="0"/>
+      </a:lnRef>
+      <a:fillRef idx="1">
+        <a:scrgbClr r="0" g="0" b="0"/>
+      </a:fillRef>
+      <a:effectRef idx="0">
+        <a:scrgbClr r="0" g="0" b="0"/>
+      </a:effectRef>
+      <a:fontRef idx="minor"/>
+    </dgm:style>
+  </dgm:styleLbl>
+  <dgm:styleLbl name="fgAcc4">
+    <dgm:scene3d>
+      <a:camera prst="orthographicFront"/>
+      <a:lightRig rig="threePt" dir="t"/>
+    </dgm:scene3d>
+    <dgm:sp3d/>
+    <dgm:txPr/>
+    <dgm:style>
+      <a:lnRef idx="2">
+        <a:scrgbClr r="0" g="0" b="0"/>
+      </a:lnRef>
+      <a:fillRef idx="1">
+        <a:scrgbClr r="0" g="0" b="0"/>
+      </a:fillRef>
+      <a:effectRef idx="0">
+        <a:scrgbClr r="0" g="0" b="0"/>
+      </a:effectRef>
+      <a:fontRef idx="minor"/>
+    </dgm:style>
+  </dgm:styleLbl>
+  <dgm:styleLbl name="bgShp">
+    <dgm:scene3d>
+      <a:camera prst="orthographicFront"/>
+      <a:lightRig rig="threePt" dir="t"/>
+    </dgm:scene3d>
+    <dgm:sp3d/>
+    <dgm:txPr/>
+    <dgm:style>
+      <a:lnRef idx="0">
+        <a:scrgbClr r="0" g="0" b="0"/>
+      </a:lnRef>
+      <a:fillRef idx="1">
+        <a:scrgbClr r="0" g="0" b="0"/>
+      </a:fillRef>
+      <a:effectRef idx="0">
+        <a:scrgbClr r="0" g="0" b="0"/>
+      </a:effectRef>
+      <a:fontRef idx="minor"/>
+    </dgm:style>
+  </dgm:styleLbl>
+  <dgm:styleLbl name="dkBgShp">
+    <dgm:scene3d>
+      <a:camera prst="orthographicFront"/>
+      <a:lightRig rig="threePt" dir="t"/>
+    </dgm:scene3d>
+    <dgm:sp3d/>
+    <dgm:txPr/>
+    <dgm:style>
+      <a:lnRef idx="0">
+        <a:scrgbClr r="0" g="0" b="0"/>
+      </a:lnRef>
+      <a:fillRef idx="1">
+        <a:scrgbClr r="0" g="0" b="0"/>
+      </a:fillRef>
+      <a:effectRef idx="0">
+        <a:scrgbClr r="0" g="0" b="0"/>
+      </a:effectRef>
+      <a:fontRef idx="minor"/>
+    </dgm:style>
+  </dgm:styleLbl>
+  <dgm:styleLbl name="trBgShp">
+    <dgm:scene3d>
+      <a:camera prst="orthographicFront"/>
+      <a:lightRig rig="threePt" dir="t"/>
+    </dgm:scene3d>
+    <dgm:sp3d/>
+    <dgm:txPr/>
+    <dgm:style>
+      <a:lnRef idx="0">
+        <a:scrgbClr r="0" g="0" b="0"/>
+      </a:lnRef>
+      <a:fillRef idx="1">
+        <a:scrgbClr r="0" g="0" b="0"/>
+      </a:fillRef>
+      <a:effectRef idx="0">
+        <a:scrgbClr r="0" g="0" b="0"/>
+      </a:effectRef>
+      <a:fontRef idx="minor"/>
+    </dgm:style>
+  </dgm:styleLbl>
+  <dgm:styleLbl name="fgShp">
+    <dgm:scene3d>
+      <a:camera prst="orthographicFront"/>
+      <a:lightRig rig="threePt" dir="t"/>
+    </dgm:scene3d>
+    <dgm:sp3d/>
+    <dgm:txPr/>
+    <dgm:style>
+      <a:lnRef idx="2">
+        <a:scrgbClr r="0" g="0" b="0"/>
+      </a:lnRef>
+      <a:fillRef idx="1">
+        <a:scrgbClr r="0" g="0" b="0"/>
+      </a:fillRef>
+      <a:effectRef idx="0">
+        <a:scrgbClr r="0" g="0" b="0"/>
+      </a:effectRef>
+      <a:fontRef idx="minor"/>
+    </dgm:style>
+  </dgm:styleLbl>
+  <dgm:styleLbl name="revTx">
+    <dgm:scene3d>
+      <a:camera prst="orthographicFront"/>
+      <a:lightRig rig="threePt" dir="t"/>
+    </dgm:scene3d>
+    <dgm:sp3d/>
+    <dgm:txPr/>
+    <dgm:style>
+      <a:lnRef idx="0">
+        <a:scrgbClr r="0" g="0" b="0"/>
+      </a:lnRef>
+      <a:fillRef idx="0">
+        <a:scrgbClr r="0" g="0" b="0"/>
+      </a:fillRef>
+      <a:effectRef idx="0">
+        <a:scrgbClr r="0" g="0" b="0"/>
+      </a:effectRef>
+      <a:fontRef idx="minor"/>
+    </dgm:style>
+  </dgm:styleLbl>
+</dgm:styleDef>
+</file>
+
 <file path=ppt/notesMasters/notesMaster1.xml><?xml version="1.0" encoding="utf-8"?>
 <p:notesMaster xmlns:a="http://schemas.openxmlformats.org/drawingml/2006/main" xmlns:r="http://schemas.openxmlformats.org/officeDocument/2006/relationships" xmlns:p="http://schemas.openxmlformats.org/presentationml/2006/main">
   <p:cSld>
@@ -209,7 +3376,7 @@
           <a:p>
             <a:fld id="{0D25D203-7970-4E56-9313-EDF0E18D7ED1}" type="datetimeFigureOut">
               <a:rPr lang="en-US" smtClean="0"/>
-              <a:t>8/26/2022</a:t>
+              <a:t>9/3/2022</a:t>
             </a:fld>
             <a:endParaRPr lang="en-US"/>
           </a:p>
@@ -727,7 +3894,7 @@
           <a:p>
             <a:fld id="{1C91A1CB-CAEC-48CC-B519-8832EFE2A369}" type="datetimeFigureOut">
               <a:rPr lang="en-US" smtClean="0"/>
-              <a:t>8/26/2022</a:t>
+              <a:t>9/3/2022</a:t>
             </a:fld>
             <a:endParaRPr lang="en-US"/>
           </a:p>
@@ -925,7 +4092,7 @@
           <a:p>
             <a:fld id="{1C91A1CB-CAEC-48CC-B519-8832EFE2A369}" type="datetimeFigureOut">
               <a:rPr lang="en-US" smtClean="0"/>
-              <a:t>8/26/2022</a:t>
+              <a:t>9/3/2022</a:t>
             </a:fld>
             <a:endParaRPr lang="en-US"/>
           </a:p>
@@ -1133,7 +4300,7 @@
           <a:p>
             <a:fld id="{1C91A1CB-CAEC-48CC-B519-8832EFE2A369}" type="datetimeFigureOut">
               <a:rPr lang="en-US" smtClean="0"/>
-              <a:t>8/26/2022</a:t>
+              <a:t>9/3/2022</a:t>
             </a:fld>
             <a:endParaRPr lang="en-US"/>
           </a:p>
@@ -4083,7 +7250,7 @@
           <a:p>
             <a:fld id="{1C91A1CB-CAEC-48CC-B519-8832EFE2A369}" type="datetimeFigureOut">
               <a:rPr lang="en-US" smtClean="0"/>
-              <a:t>8/26/2022</a:t>
+              <a:t>9/3/2022</a:t>
             </a:fld>
             <a:endParaRPr lang="en-US"/>
           </a:p>
@@ -4820,7 +7987,7 @@
           <a:p>
             <a:fld id="{1C91A1CB-CAEC-48CC-B519-8832EFE2A369}" type="datetimeFigureOut">
               <a:rPr lang="en-US" smtClean="0"/>
-              <a:t>8/26/2022</a:t>
+              <a:t>9/3/2022</a:t>
             </a:fld>
             <a:endParaRPr lang="en-US"/>
           </a:p>
@@ -5085,7 +8252,7 @@
           <a:p>
             <a:fld id="{1C91A1CB-CAEC-48CC-B519-8832EFE2A369}" type="datetimeFigureOut">
               <a:rPr lang="en-US" smtClean="0"/>
-              <a:t>8/26/2022</a:t>
+              <a:t>9/3/2022</a:t>
             </a:fld>
             <a:endParaRPr lang="en-US"/>
           </a:p>
@@ -5497,7 +8664,7 @@
           <a:p>
             <a:fld id="{1C91A1CB-CAEC-48CC-B519-8832EFE2A369}" type="datetimeFigureOut">
               <a:rPr lang="en-US" smtClean="0"/>
-              <a:t>8/26/2022</a:t>
+              <a:t>9/3/2022</a:t>
             </a:fld>
             <a:endParaRPr lang="en-US"/>
           </a:p>
@@ -5638,7 +8805,7 @@
           <a:p>
             <a:fld id="{1C91A1CB-CAEC-48CC-B519-8832EFE2A369}" type="datetimeFigureOut">
               <a:rPr lang="en-US" smtClean="0"/>
-              <a:t>8/26/2022</a:t>
+              <a:t>9/3/2022</a:t>
             </a:fld>
             <a:endParaRPr lang="en-US"/>
           </a:p>
@@ -5751,7 +8918,7 @@
           <a:p>
             <a:fld id="{1C91A1CB-CAEC-48CC-B519-8832EFE2A369}" type="datetimeFigureOut">
               <a:rPr lang="en-US" smtClean="0"/>
-              <a:t>8/26/2022</a:t>
+              <a:t>9/3/2022</a:t>
             </a:fld>
             <a:endParaRPr lang="en-US"/>
           </a:p>
@@ -6062,7 +9229,7 @@
           <a:p>
             <a:fld id="{1C91A1CB-CAEC-48CC-B519-8832EFE2A369}" type="datetimeFigureOut">
               <a:rPr lang="en-US" smtClean="0"/>
-              <a:t>8/26/2022</a:t>
+              <a:t>9/3/2022</a:t>
             </a:fld>
             <a:endParaRPr lang="en-US"/>
           </a:p>
@@ -6350,7 +9517,7 @@
           <a:p>
             <a:fld id="{1C91A1CB-CAEC-48CC-B519-8832EFE2A369}" type="datetimeFigureOut">
               <a:rPr lang="en-US" smtClean="0"/>
-              <a:t>8/26/2022</a:t>
+              <a:t>9/3/2022</a:t>
             </a:fld>
             <a:endParaRPr lang="en-US"/>
           </a:p>
@@ -6591,7 +9758,7 @@
           <a:p>
             <a:fld id="{1C91A1CB-CAEC-48CC-B519-8832EFE2A369}" type="datetimeFigureOut">
               <a:rPr lang="en-US" smtClean="0"/>
-              <a:t>8/26/2022</a:t>
+              <a:t>9/3/2022</a:t>
             </a:fld>
             <a:endParaRPr lang="en-US"/>
           </a:p>
@@ -8947,6 +12114,12 @@
               <a:t>The log tracks which files belong to which “version” of the table</a:t>
             </a:r>
           </a:p>
+          <a:p>
+            <a:r>
+              <a:rPr lang="en-US" dirty="0"/>
+              <a:t>Keeps track of the schema allowing for schema evolution</a:t>
+            </a:r>
+          </a:p>
         </p:txBody>
       </p:sp>
     </p:spTree>
@@ -8984,7 +12157,7 @@
           <p:cNvPr id="2" name="Title 1">
             <a:extLst>
               <a:ext uri="{FF2B5EF4-FFF2-40B4-BE49-F238E27FC236}">
-                <a16:creationId xmlns:a16="http://schemas.microsoft.com/office/drawing/2014/main" id="{D0D9A6CD-338D-43AA-B4C5-B3AF3B2966FD}"/>
+                <a16:creationId xmlns:a16="http://schemas.microsoft.com/office/drawing/2014/main" id="{F8A15BC8-E6FF-5F0E-84F0-B8777AE56E9F}"/>
               </a:ext>
             </a:extLst>
           </p:cNvPr>
@@ -9000,27 +12173,1010 @@
           <a:bodyPr/>
           <a:lstStyle/>
           <a:p>
+            <a:r>
+              <a:rPr lang="en-US" dirty="0"/>
+              <a:t>Delta Lake</a:t>
+            </a:r>
+          </a:p>
+        </p:txBody>
+      </p:sp>
+      <p:sp>
+        <p:nvSpPr>
+          <p:cNvPr id="3" name="Content Placeholder 2">
+            <a:extLst>
+              <a:ext uri="{FF2B5EF4-FFF2-40B4-BE49-F238E27FC236}">
+                <a16:creationId xmlns:a16="http://schemas.microsoft.com/office/drawing/2014/main" id="{919F685C-4ADB-2C74-78A4-D0899E6BDE70}"/>
+              </a:ext>
+            </a:extLst>
+          </p:cNvPr>
+          <p:cNvSpPr>
+            <a:spLocks noGrp="1"/>
+          </p:cNvSpPr>
+          <p:nvPr>
+            <p:ph idx="1"/>
+          </p:nvPr>
+        </p:nvSpPr>
+        <p:spPr/>
+        <p:txBody>
+          <a:bodyPr/>
+          <a:lstStyle/>
+          <a:p>
+            <a:r>
+              <a:rPr lang="en-US" dirty="0"/>
+              <a:t>Delta lake provides ACID guarantees inside the Data Lake</a:t>
+            </a:r>
+          </a:p>
+          <a:p>
+            <a:pPr lvl="1"/>
+            <a:r>
+              <a:rPr lang="en-US" dirty="0"/>
+              <a:t>The log tracks transactions, if a transaction fails the log isn’t updated and the current version remains intact</a:t>
+            </a:r>
+          </a:p>
+          <a:p>
+            <a:pPr lvl="1"/>
+            <a:r>
+              <a:rPr lang="en-US" dirty="0"/>
+              <a:t>The log tracks the schema and maintains consistency</a:t>
+            </a:r>
+          </a:p>
+          <a:p>
+            <a:pPr lvl="1"/>
+            <a:r>
+              <a:rPr lang="en-US" dirty="0"/>
+              <a:t>Transactions are isolated</a:t>
+            </a:r>
+          </a:p>
+          <a:p>
+            <a:pPr lvl="2"/>
+            <a:r>
+              <a:rPr lang="en-US" dirty="0"/>
+              <a:t>Optimistic concurrency (</a:t>
+            </a:r>
+            <a:r>
+              <a:rPr lang="en-US" dirty="0">
+                <a:hlinkClick r:id="rId2"/>
+              </a:rPr>
+              <a:t>https://docs.delta.io/latest/concurrency-control.html</a:t>
+            </a:r>
+            <a:r>
+              <a:rPr lang="en-US" dirty="0"/>
+              <a:t>) </a:t>
+            </a:r>
+          </a:p>
+          <a:p>
+            <a:pPr lvl="2"/>
+            <a:r>
+              <a:rPr lang="en-US" dirty="0"/>
+              <a:t>While a write is taking place, readers read the current version </a:t>
+            </a:r>
+          </a:p>
+          <a:p>
+            <a:pPr lvl="2"/>
+            <a:r>
+              <a:rPr lang="en-US" dirty="0"/>
+              <a:t>Simultaneous writes can take place, a validation occurs before committing to the log to check if the same partitions have been modified</a:t>
+            </a:r>
+          </a:p>
+          <a:p>
+            <a:pPr lvl="2"/>
             <a:endParaRPr lang="en-US" dirty="0"/>
+          </a:p>
+        </p:txBody>
+      </p:sp>
+    </p:spTree>
+    <p:extLst>
+      <p:ext uri="{BB962C8B-B14F-4D97-AF65-F5344CB8AC3E}">
+        <p14:creationId xmlns:p14="http://schemas.microsoft.com/office/powerpoint/2010/main" val="1414581533"/>
+      </p:ext>
+    </p:extLst>
+  </p:cSld>
+  <p:clrMapOvr>
+    <a:masterClrMapping/>
+  </p:clrMapOvr>
+</p:sld>
+</file>
+
+<file path=ppt/slides/slide12.xml><?xml version="1.0" encoding="utf-8"?>
+<p:sld xmlns:a="http://schemas.openxmlformats.org/drawingml/2006/main" xmlns:r="http://schemas.openxmlformats.org/officeDocument/2006/relationships" xmlns:p="http://schemas.openxmlformats.org/presentationml/2006/main">
+  <p:cSld>
+    <p:spTree>
+      <p:nvGrpSpPr>
+        <p:cNvPr id="1" name=""/>
+        <p:cNvGrpSpPr/>
+        <p:nvPr/>
+      </p:nvGrpSpPr>
+      <p:grpSpPr>
+        <a:xfrm>
+          <a:off x="0" y="0"/>
+          <a:ext cx="0" cy="0"/>
+          <a:chOff x="0" y="0"/>
+          <a:chExt cx="0" cy="0"/>
+        </a:xfrm>
+      </p:grpSpPr>
+      <p:sp>
+        <p:nvSpPr>
+          <p:cNvPr id="2" name="Title 1">
+            <a:extLst>
+              <a:ext uri="{FF2B5EF4-FFF2-40B4-BE49-F238E27FC236}">
+                <a16:creationId xmlns:a16="http://schemas.microsoft.com/office/drawing/2014/main" id="{70D28047-A3C5-9AAD-5BA1-9FC056C9F590}"/>
+              </a:ext>
+            </a:extLst>
+          </p:cNvPr>
+          <p:cNvSpPr>
+            <a:spLocks noGrp="1"/>
+          </p:cNvSpPr>
+          <p:nvPr>
+            <p:ph type="title"/>
+          </p:nvPr>
+        </p:nvSpPr>
+        <p:spPr/>
+        <p:txBody>
+          <a:bodyPr/>
+          <a:lstStyle/>
+          <a:p>
+            <a:r>
+              <a:rPr lang="en-US" dirty="0"/>
+              <a:t>Demo</a:t>
+            </a:r>
+          </a:p>
+        </p:txBody>
+      </p:sp>
+      <p:sp>
+        <p:nvSpPr>
+          <p:cNvPr id="3" name="Content Placeholder 2">
+            <a:extLst>
+              <a:ext uri="{FF2B5EF4-FFF2-40B4-BE49-F238E27FC236}">
+                <a16:creationId xmlns:a16="http://schemas.microsoft.com/office/drawing/2014/main" id="{F41F1730-B9E3-4D8A-AECD-2748FE5DD0D8}"/>
+              </a:ext>
+            </a:extLst>
+          </p:cNvPr>
+          <p:cNvSpPr>
+            <a:spLocks noGrp="1"/>
+          </p:cNvSpPr>
+          <p:nvPr>
+            <p:ph idx="1"/>
+          </p:nvPr>
+        </p:nvSpPr>
+        <p:spPr/>
+        <p:txBody>
+          <a:bodyPr/>
+          <a:lstStyle/>
+          <a:p>
+            <a:r>
+              <a:rPr lang="en-US" dirty="0"/>
+              <a:t>Examine a delta lake table</a:t>
+            </a:r>
+          </a:p>
+          <a:p>
+            <a:pPr lvl="1"/>
+            <a:r>
+              <a:rPr lang="en-US" dirty="0"/>
+              <a:t>See the parquet files</a:t>
+            </a:r>
+          </a:p>
+          <a:p>
+            <a:pPr lvl="1"/>
+            <a:r>
+              <a:rPr lang="en-US" dirty="0"/>
+              <a:t>See the log files</a:t>
+            </a:r>
+          </a:p>
+          <a:p>
+            <a:pPr lvl="1"/>
+            <a:r>
+              <a:rPr lang="en-US" dirty="0"/>
+              <a:t>Run a transaction </a:t>
+            </a:r>
+          </a:p>
+          <a:p>
+            <a:pPr lvl="1"/>
+            <a:r>
+              <a:rPr lang="en-US" dirty="0"/>
+              <a:t>See how the parquet files change</a:t>
+            </a:r>
+          </a:p>
+          <a:p>
+            <a:pPr lvl="1"/>
+            <a:r>
+              <a:rPr lang="en-US" dirty="0"/>
+              <a:t>See how the log folder changes</a:t>
+            </a:r>
+          </a:p>
+          <a:p>
+            <a:pPr lvl="1"/>
+            <a:endParaRPr lang="en-US" dirty="0"/>
+          </a:p>
+        </p:txBody>
+      </p:sp>
+    </p:spTree>
+    <p:extLst>
+      <p:ext uri="{BB962C8B-B14F-4D97-AF65-F5344CB8AC3E}">
+        <p14:creationId xmlns:p14="http://schemas.microsoft.com/office/powerpoint/2010/main" val="554303217"/>
+      </p:ext>
+    </p:extLst>
+  </p:cSld>
+  <p:clrMapOvr>
+    <a:masterClrMapping/>
+  </p:clrMapOvr>
+</p:sld>
+</file>
+
+<file path=ppt/slides/slide13.xml><?xml version="1.0" encoding="utf-8"?>
+<p:sld xmlns:a="http://schemas.openxmlformats.org/drawingml/2006/main" xmlns:r="http://schemas.openxmlformats.org/officeDocument/2006/relationships" xmlns:p="http://schemas.openxmlformats.org/presentationml/2006/main">
+  <p:cSld>
+    <p:spTree>
+      <p:nvGrpSpPr>
+        <p:cNvPr id="1" name=""/>
+        <p:cNvGrpSpPr/>
+        <p:nvPr/>
+      </p:nvGrpSpPr>
+      <p:grpSpPr>
+        <a:xfrm>
+          <a:off x="0" y="0"/>
+          <a:ext cx="0" cy="0"/>
+          <a:chOff x="0" y="0"/>
+          <a:chExt cx="0" cy="0"/>
+        </a:xfrm>
+      </p:grpSpPr>
+      <p:sp>
+        <p:nvSpPr>
+          <p:cNvPr id="2" name="Title 1">
+            <a:extLst>
+              <a:ext uri="{FF2B5EF4-FFF2-40B4-BE49-F238E27FC236}">
+                <a16:creationId xmlns:a16="http://schemas.microsoft.com/office/drawing/2014/main" id="{CC271F68-36A9-1DBC-1E50-313F785BA38B}"/>
+              </a:ext>
+            </a:extLst>
+          </p:cNvPr>
+          <p:cNvSpPr>
+            <a:spLocks noGrp="1"/>
+          </p:cNvSpPr>
+          <p:nvPr>
+            <p:ph type="title"/>
+          </p:nvPr>
+        </p:nvSpPr>
+        <p:spPr/>
+        <p:txBody>
+          <a:bodyPr/>
+          <a:lstStyle/>
+          <a:p>
+            <a:r>
+              <a:rPr lang="en-US" dirty="0"/>
+              <a:t>Data Lakehouse</a:t>
+            </a:r>
+          </a:p>
+        </p:txBody>
+      </p:sp>
+      <p:sp>
+        <p:nvSpPr>
+          <p:cNvPr id="3" name="Content Placeholder 2">
+            <a:extLst>
+              <a:ext uri="{FF2B5EF4-FFF2-40B4-BE49-F238E27FC236}">
+                <a16:creationId xmlns:a16="http://schemas.microsoft.com/office/drawing/2014/main" id="{C61CD18E-2860-6693-D839-F408027FBA1B}"/>
+              </a:ext>
+            </a:extLst>
+          </p:cNvPr>
+          <p:cNvSpPr>
+            <a:spLocks noGrp="1"/>
+          </p:cNvSpPr>
+          <p:nvPr>
+            <p:ph idx="1"/>
+          </p:nvPr>
+        </p:nvSpPr>
+        <p:spPr/>
+        <p:txBody>
+          <a:bodyPr>
+            <a:normAutofit lnSpcReduction="10000"/>
+          </a:bodyPr>
+          <a:lstStyle/>
+          <a:p>
+            <a:r>
+              <a:rPr lang="en-US" dirty="0"/>
+              <a:t>Using Delta Lake we gain many of the properties a RDMS gives us</a:t>
+            </a:r>
+          </a:p>
+          <a:p>
+            <a:r>
+              <a:rPr lang="en-US" dirty="0"/>
+              <a:t>This allows us to use the Data Lake more like a traditional Data Warehouse</a:t>
+            </a:r>
+          </a:p>
+          <a:p>
+            <a:pPr lvl="1"/>
+            <a:r>
+              <a:rPr lang="en-US" dirty="0"/>
+              <a:t>Data </a:t>
+            </a:r>
+            <a:r>
+              <a:rPr lang="en-US" strike="sngStrike" dirty="0" err="1"/>
+              <a:t>Ware</a:t>
+            </a:r>
+            <a:r>
+              <a:rPr lang="en-US" dirty="0" err="1"/>
+              <a:t>Lakehouse</a:t>
+            </a:r>
+            <a:endParaRPr lang="en-US" dirty="0"/>
+          </a:p>
+          <a:p>
+            <a:pPr lvl="1"/>
+            <a:endParaRPr lang="en-US" dirty="0"/>
+          </a:p>
+          <a:p>
+            <a:r>
+              <a:rPr lang="en-US" dirty="0"/>
+              <a:t>Removes the need for a traditional data warehouse</a:t>
+            </a:r>
+          </a:p>
+          <a:p>
+            <a:pPr lvl="1"/>
+            <a:r>
+              <a:rPr lang="en-US" dirty="0"/>
+              <a:t>Systems operate directly with the data </a:t>
+            </a:r>
+            <a:r>
+              <a:rPr lang="en-US" dirty="0" err="1"/>
+              <a:t>lakehouse</a:t>
+            </a:r>
+            <a:r>
+              <a:rPr lang="en-US" dirty="0"/>
+              <a:t> in the way they need to</a:t>
+            </a:r>
+          </a:p>
+          <a:p>
+            <a:pPr lvl="2"/>
+            <a:r>
+              <a:rPr lang="en-US" dirty="0"/>
+              <a:t>SQL API</a:t>
+            </a:r>
+          </a:p>
+          <a:p>
+            <a:pPr lvl="3"/>
+            <a:r>
+              <a:rPr lang="en-US" dirty="0"/>
+              <a:t>Azure Synapse Serverless SQL Pools</a:t>
+            </a:r>
+          </a:p>
+          <a:p>
+            <a:pPr lvl="2"/>
+            <a:r>
+              <a:rPr lang="en-US" dirty="0" err="1"/>
+              <a:t>DataFrame</a:t>
+            </a:r>
+            <a:r>
+              <a:rPr lang="en-US" dirty="0"/>
+              <a:t> API</a:t>
+            </a:r>
+          </a:p>
+          <a:p>
+            <a:pPr lvl="3"/>
+            <a:r>
+              <a:rPr lang="en-US" dirty="0"/>
+              <a:t>Spark/Pandas</a:t>
+            </a:r>
+          </a:p>
+        </p:txBody>
+      </p:sp>
+    </p:spTree>
+    <p:extLst>
+      <p:ext uri="{BB962C8B-B14F-4D97-AF65-F5344CB8AC3E}">
+        <p14:creationId xmlns:p14="http://schemas.microsoft.com/office/powerpoint/2010/main" val="2040893170"/>
+      </p:ext>
+    </p:extLst>
+  </p:cSld>
+  <p:clrMapOvr>
+    <a:masterClrMapping/>
+  </p:clrMapOvr>
+</p:sld>
+</file>
+
+<file path=ppt/slides/slide14.xml><?xml version="1.0" encoding="utf-8"?>
+<p:sld xmlns:a="http://schemas.openxmlformats.org/drawingml/2006/main" xmlns:r="http://schemas.openxmlformats.org/officeDocument/2006/relationships" xmlns:p="http://schemas.openxmlformats.org/presentationml/2006/main">
+  <p:cSld>
+    <p:spTree>
+      <p:nvGrpSpPr>
+        <p:cNvPr id="1" name=""/>
+        <p:cNvGrpSpPr/>
+        <p:nvPr/>
+      </p:nvGrpSpPr>
+      <p:grpSpPr>
+        <a:xfrm>
+          <a:off x="0" y="0"/>
+          <a:ext cx="0" cy="0"/>
+          <a:chOff x="0" y="0"/>
+          <a:chExt cx="0" cy="0"/>
+        </a:xfrm>
+      </p:grpSpPr>
+      <p:sp>
+        <p:nvSpPr>
+          <p:cNvPr id="2" name="Title 1">
+            <a:extLst>
+              <a:ext uri="{FF2B5EF4-FFF2-40B4-BE49-F238E27FC236}">
+                <a16:creationId xmlns:a16="http://schemas.microsoft.com/office/drawing/2014/main" id="{8DE0E0A3-53FF-A0C0-5C0C-09DB639F5C8A}"/>
+              </a:ext>
+            </a:extLst>
+          </p:cNvPr>
+          <p:cNvSpPr>
+            <a:spLocks noGrp="1"/>
+          </p:cNvSpPr>
+          <p:nvPr>
+            <p:ph type="title"/>
+          </p:nvPr>
+        </p:nvSpPr>
+        <p:spPr/>
+        <p:txBody>
+          <a:bodyPr/>
+          <a:lstStyle/>
+          <a:p>
+            <a:r>
+              <a:rPr lang="en-US" dirty="0"/>
+              <a:t>Organizing the Data Lakehouse</a:t>
+            </a:r>
+          </a:p>
+        </p:txBody>
+      </p:sp>
+      <p:sp>
+        <p:nvSpPr>
+          <p:cNvPr id="3" name="Content Placeholder 2">
+            <a:extLst>
+              <a:ext uri="{FF2B5EF4-FFF2-40B4-BE49-F238E27FC236}">
+                <a16:creationId xmlns:a16="http://schemas.microsoft.com/office/drawing/2014/main" id="{D005F1B7-C6DC-27A0-1407-2BEB5866F5D9}"/>
+              </a:ext>
+            </a:extLst>
+          </p:cNvPr>
+          <p:cNvSpPr>
+            <a:spLocks noGrp="1"/>
+          </p:cNvSpPr>
+          <p:nvPr>
+            <p:ph idx="1"/>
+          </p:nvPr>
+        </p:nvSpPr>
+        <p:spPr/>
+        <p:txBody>
+          <a:bodyPr>
+            <a:normAutofit lnSpcReduction="10000"/>
+          </a:bodyPr>
+          <a:lstStyle/>
+          <a:p>
+            <a:r>
+              <a:rPr lang="en-US" dirty="0"/>
+              <a:t>Medallion Architecture</a:t>
+            </a:r>
+          </a:p>
+          <a:p>
+            <a:pPr lvl="1"/>
+            <a:r>
+              <a:rPr lang="en-US" dirty="0"/>
+              <a:t>A series of data layers in the data lake</a:t>
+            </a:r>
+          </a:p>
+          <a:p>
+            <a:pPr lvl="1"/>
+            <a:endParaRPr lang="en-US" dirty="0"/>
+          </a:p>
+          <a:p>
+            <a:r>
+              <a:rPr lang="en-US" dirty="0"/>
+              <a:t>Bronze</a:t>
+            </a:r>
+          </a:p>
+          <a:p>
+            <a:pPr lvl="1"/>
+            <a:r>
+              <a:rPr lang="en-US" dirty="0"/>
+              <a:t>Raw data ingested directly into the Data Lake</a:t>
+            </a:r>
+          </a:p>
+          <a:p>
+            <a:r>
+              <a:rPr lang="en-US" dirty="0"/>
+              <a:t>Silver</a:t>
+            </a:r>
+          </a:p>
+          <a:p>
+            <a:pPr lvl="1"/>
+            <a:r>
+              <a:rPr lang="en-US" dirty="0"/>
+              <a:t>Validated data</a:t>
+            </a:r>
+          </a:p>
+          <a:p>
+            <a:r>
+              <a:rPr lang="en-US" dirty="0"/>
+              <a:t>Gold</a:t>
+            </a:r>
+          </a:p>
+          <a:p>
+            <a:pPr lvl="1"/>
+            <a:r>
+              <a:rPr lang="en-US" dirty="0"/>
+              <a:t>Enriched and Aggregated, ready for Analytics</a:t>
+            </a:r>
+          </a:p>
+          <a:p>
+            <a:pPr lvl="1"/>
+            <a:r>
+              <a:rPr lang="en-US" dirty="0"/>
+              <a:t>Dimensional Model</a:t>
+            </a:r>
+          </a:p>
+          <a:p>
+            <a:pPr lvl="1"/>
+            <a:endParaRPr lang="en-US" dirty="0"/>
+          </a:p>
+        </p:txBody>
+      </p:sp>
+    </p:spTree>
+    <p:extLst>
+      <p:ext uri="{BB962C8B-B14F-4D97-AF65-F5344CB8AC3E}">
+        <p14:creationId xmlns:p14="http://schemas.microsoft.com/office/powerpoint/2010/main" val="3355160455"/>
+      </p:ext>
+    </p:extLst>
+  </p:cSld>
+  <p:clrMapOvr>
+    <a:masterClrMapping/>
+  </p:clrMapOvr>
+</p:sld>
+</file>
+
+<file path=ppt/slides/slide15.xml><?xml version="1.0" encoding="utf-8"?>
+<p:sld xmlns:a="http://schemas.openxmlformats.org/drawingml/2006/main" xmlns:r="http://schemas.openxmlformats.org/officeDocument/2006/relationships" xmlns:p="http://schemas.openxmlformats.org/presentationml/2006/main">
+  <p:cSld>
+    <p:bg>
+      <p:bgPr>
+        <a:solidFill>
+          <a:schemeClr val="bg1"/>
+        </a:solidFill>
+        <a:effectLst/>
+      </p:bgPr>
+    </p:bg>
+    <p:spTree>
+      <p:nvGrpSpPr>
+        <p:cNvPr id="1" name=""/>
+        <p:cNvGrpSpPr/>
+        <p:nvPr/>
+      </p:nvGrpSpPr>
+      <p:grpSpPr>
+        <a:xfrm>
+          <a:off x="0" y="0"/>
+          <a:ext cx="0" cy="0"/>
+          <a:chOff x="0" y="0"/>
+          <a:chExt cx="0" cy="0"/>
+        </a:xfrm>
+      </p:grpSpPr>
+      <p:sp useBgFill="1">
+        <p:nvSpPr>
+          <p:cNvPr id="1036" name="Rectangle 1030">
+            <a:extLst>
+              <a:ext uri="{FF2B5EF4-FFF2-40B4-BE49-F238E27FC236}">
+                <a16:creationId xmlns:a16="http://schemas.microsoft.com/office/drawing/2014/main" id="{1ECAB1E8-8195-4748-BE71-FF806D86892E}"/>
+              </a:ext>
+              <a:ext uri="{C183D7F6-B498-43B3-948B-1728B52AA6E4}">
+                <adec:decorative xmlns:adec="http://schemas.microsoft.com/office/drawing/2017/decorative" val="1"/>
+              </a:ext>
+            </a:extLst>
+          </p:cNvPr>
+          <p:cNvSpPr>
+            <a:spLocks noGrp="1" noRot="1" noChangeAspect="1" noMove="1" noResize="1" noEditPoints="1" noAdjustHandles="1" noChangeArrowheads="1" noChangeShapeType="1" noTextEdit="1"/>
+          </p:cNvSpPr>
+          <p:nvPr>
+            <p:extLst>
+              <p:ext uri="{386F3935-93C4-4BCD-93E2-E3B085C9AB24}">
+                <p16:designElem xmlns:p16="http://schemas.microsoft.com/office/powerpoint/2015/main" val="1"/>
+              </p:ext>
+            </p:extLst>
+          </p:nvPr>
+        </p:nvSpPr>
+        <p:spPr>
+          <a:xfrm>
+            <a:off x="0" y="0"/>
+            <a:ext cx="12192000" cy="6858000"/>
+          </a:xfrm>
+          <a:prstGeom prst="rect">
+            <a:avLst/>
+          </a:prstGeom>
+          <a:ln>
+            <a:noFill/>
+          </a:ln>
+        </p:spPr>
+        <p:style>
+          <a:lnRef idx="2">
+            <a:schemeClr val="accent1">
+              <a:shade val="50000"/>
+            </a:schemeClr>
+          </a:lnRef>
+          <a:fillRef idx="1">
+            <a:schemeClr val="accent1"/>
+          </a:fillRef>
+          <a:effectRef idx="0">
+            <a:schemeClr val="accent1"/>
+          </a:effectRef>
+          <a:fontRef idx="minor">
+            <a:schemeClr val="lt1"/>
+          </a:fontRef>
+        </p:style>
+        <p:txBody>
+          <a:bodyPr rtlCol="0" anchor="ctr"/>
+          <a:lstStyle/>
+          <a:p>
+            <a:pPr algn="ctr"/>
+            <a:endParaRPr lang="en-US"/>
+          </a:p>
+        </p:txBody>
+      </p:sp>
+      <p:sp useBgFill="1">
+        <p:nvSpPr>
+          <p:cNvPr id="1038" name="!!text rectangle">
+            <a:extLst>
+              <a:ext uri="{FF2B5EF4-FFF2-40B4-BE49-F238E27FC236}">
+                <a16:creationId xmlns:a16="http://schemas.microsoft.com/office/drawing/2014/main" id="{57F6BDD4-E066-4008-8011-6CC31AEB4556}"/>
+              </a:ext>
+              <a:ext uri="{C183D7F6-B498-43B3-948B-1728B52AA6E4}">
+                <adec:decorative xmlns:adec="http://schemas.microsoft.com/office/drawing/2017/decorative" val="1"/>
+              </a:ext>
+            </a:extLst>
+          </p:cNvPr>
+          <p:cNvSpPr>
+            <a:spLocks noGrp="1" noRot="1" noChangeAspect="1" noMove="1" noResize="1" noEditPoints="1" noAdjustHandles="1" noChangeArrowheads="1" noChangeShapeType="1" noTextEdit="1"/>
+          </p:cNvSpPr>
+          <p:nvPr>
+            <p:extLst>
+              <p:ext uri="{386F3935-93C4-4BCD-93E2-E3B085C9AB24}">
+                <p16:designElem xmlns:p16="http://schemas.microsoft.com/office/powerpoint/2015/main" val="1"/>
+              </p:ext>
+            </p:extLst>
+          </p:nvPr>
+        </p:nvSpPr>
+        <p:spPr>
+          <a:xfrm>
+            <a:off x="409575" y="633619"/>
+            <a:ext cx="4279383" cy="5495925"/>
+          </a:xfrm>
+          <a:prstGeom prst="rect">
+            <a:avLst/>
+          </a:prstGeom>
+          <a:ln w="9525">
+            <a:solidFill>
+              <a:srgbClr val="E1E1E1"/>
+            </a:solidFill>
+          </a:ln>
+          <a:effectLst>
+            <a:outerShdw blurRad="50800" dist="38100" dir="2700000" algn="tl" rotWithShape="0">
+              <a:schemeClr val="bg1">
+                <a:lumMod val="85000"/>
+                <a:alpha val="50000"/>
+              </a:schemeClr>
+            </a:outerShdw>
+          </a:effectLst>
+        </p:spPr>
+        <p:style>
+          <a:lnRef idx="2">
+            <a:schemeClr val="accent1">
+              <a:shade val="50000"/>
+            </a:schemeClr>
+          </a:lnRef>
+          <a:fillRef idx="1">
+            <a:schemeClr val="accent1"/>
+          </a:fillRef>
+          <a:effectRef idx="0">
+            <a:schemeClr val="accent1"/>
+          </a:effectRef>
+          <a:fontRef idx="minor">
+            <a:schemeClr val="lt1"/>
+          </a:fontRef>
+        </p:style>
+        <p:txBody>
+          <a:bodyPr rtlCol="0" anchor="ctr"/>
+          <a:lstStyle/>
+          <a:p>
+            <a:pPr marL="0" marR="0" lvl="0" indent="0" algn="ctr" defTabSz="914400" rtl="0" eaLnBrk="1" fontAlgn="auto" latinLnBrk="0" hangingPunct="1">
+              <a:lnSpc>
+                <a:spcPct val="100000"/>
+              </a:lnSpc>
+              <a:spcBef>
+                <a:spcPts val="0"/>
+              </a:spcBef>
+              <a:spcAft>
+                <a:spcPts val="0"/>
+              </a:spcAft>
+              <a:buClrTx/>
+              <a:buSzTx/>
+              <a:buFontTx/>
+              <a:buNone/>
+              <a:tabLst/>
+              <a:defRPr/>
+            </a:pPr>
+            <a:endParaRPr kumimoji="0" lang="en-US" sz="1800" b="0" i="0" u="none" strike="noStrike" kern="1200" cap="none" spc="0" normalizeH="0" baseline="0" noProof="0">
+              <a:ln>
+                <a:noFill/>
+              </a:ln>
+              <a:solidFill>
+                <a:prstClr val="white"/>
+              </a:solidFill>
+              <a:effectLst/>
+              <a:uLnTx/>
+              <a:uFillTx/>
+              <a:latin typeface="Calibri" panose="020F0502020204030204"/>
+              <a:ea typeface="+mn-ea"/>
+              <a:cs typeface="+mn-cs"/>
+            </a:endParaRPr>
+          </a:p>
+        </p:txBody>
+      </p:sp>
+      <p:sp>
+        <p:nvSpPr>
+          <p:cNvPr id="2" name="Title 1">
+            <a:extLst>
+              <a:ext uri="{FF2B5EF4-FFF2-40B4-BE49-F238E27FC236}">
+                <a16:creationId xmlns:a16="http://schemas.microsoft.com/office/drawing/2014/main" id="{D0D9A6CD-338D-43AA-B4C5-B3AF3B2966FD}"/>
+              </a:ext>
+            </a:extLst>
+          </p:cNvPr>
+          <p:cNvSpPr>
+            <a:spLocks noGrp="1"/>
+          </p:cNvSpPr>
+          <p:nvPr>
+            <p:ph type="title"/>
+          </p:nvPr>
+        </p:nvSpPr>
+        <p:spPr>
+          <a:xfrm>
+            <a:off x="841247" y="978619"/>
+            <a:ext cx="3410712" cy="1106424"/>
+          </a:xfrm>
+        </p:spPr>
+        <p:txBody>
+          <a:bodyPr>
+            <a:normAutofit/>
+          </a:bodyPr>
+          <a:lstStyle/>
+          <a:p>
+            <a:r>
+              <a:rPr lang="en-US" sz="2800"/>
+              <a:t>Sample Data Lakehouse</a:t>
+            </a:r>
+          </a:p>
+        </p:txBody>
+      </p:sp>
+      <p:sp>
+        <p:nvSpPr>
+          <p:cNvPr id="1035" name="!!accent">
+            <a:extLst>
+              <a:ext uri="{FF2B5EF4-FFF2-40B4-BE49-F238E27FC236}">
+                <a16:creationId xmlns:a16="http://schemas.microsoft.com/office/drawing/2014/main" id="{2711A8FB-68FC-45FC-B01E-38F809E2D439}"/>
+              </a:ext>
+              <a:ext uri="{C183D7F6-B498-43B3-948B-1728B52AA6E4}">
+                <adec:decorative xmlns:adec="http://schemas.microsoft.com/office/drawing/2017/decorative" val="1"/>
+              </a:ext>
+            </a:extLst>
+          </p:cNvPr>
+          <p:cNvSpPr>
+            <a:spLocks noGrp="1" noRot="1" noChangeAspect="1" noMove="1" noResize="1" noEditPoints="1" noAdjustHandles="1" noChangeArrowheads="1" noChangeShapeType="1" noTextEdit="1"/>
+          </p:cNvSpPr>
+          <p:nvPr>
+            <p:extLst>
+              <p:ext uri="{386F3935-93C4-4BCD-93E2-E3B085C9AB24}">
+                <p16:designElem xmlns:p16="http://schemas.microsoft.com/office/powerpoint/2015/main" val="1"/>
+              </p:ext>
+            </p:extLst>
+          </p:nvPr>
+        </p:nvSpPr>
+        <p:spPr>
+          <a:xfrm>
+            <a:off x="345567" y="1170432"/>
+            <a:ext cx="128016" cy="704088"/>
+          </a:xfrm>
+          <a:prstGeom prst="rect">
+            <a:avLst/>
+          </a:prstGeom>
+          <a:solidFill>
+            <a:schemeClr val="accent2"/>
+          </a:solidFill>
+          <a:ln>
+            <a:noFill/>
+          </a:ln>
+        </p:spPr>
+        <p:style>
+          <a:lnRef idx="2">
+            <a:schemeClr val="accent1">
+              <a:shade val="50000"/>
+            </a:schemeClr>
+          </a:lnRef>
+          <a:fillRef idx="1">
+            <a:schemeClr val="accent1"/>
+          </a:fillRef>
+          <a:effectRef idx="0">
+            <a:schemeClr val="accent1"/>
+          </a:effectRef>
+          <a:fontRef idx="minor">
+            <a:schemeClr val="lt1"/>
+          </a:fontRef>
+        </p:style>
+        <p:txBody>
+          <a:bodyPr rtlCol="0" anchor="ctr"/>
+          <a:lstStyle/>
+          <a:p>
+            <a:pPr algn="ctr"/>
+            <a:endParaRPr lang="en-US">
+              <a:solidFill>
+                <a:prstClr val="white"/>
+              </a:solidFill>
+              <a:latin typeface="Calibri" panose="020F0502020204030204"/>
+            </a:endParaRPr>
+          </a:p>
+        </p:txBody>
+      </p:sp>
+      <p:sp>
+        <p:nvSpPr>
+          <p:cNvPr id="1037" name="Rectangle 1036">
+            <a:extLst>
+              <a:ext uri="{FF2B5EF4-FFF2-40B4-BE49-F238E27FC236}">
+                <a16:creationId xmlns:a16="http://schemas.microsoft.com/office/drawing/2014/main" id="{2A865FE3-5FC9-4049-87CF-30019C46C0F5}"/>
+              </a:ext>
+              <a:ext uri="{C183D7F6-B498-43B3-948B-1728B52AA6E4}">
+                <adec:decorative xmlns:adec="http://schemas.microsoft.com/office/drawing/2017/decorative" val="1"/>
+              </a:ext>
+            </a:extLst>
+          </p:cNvPr>
+          <p:cNvSpPr>
+            <a:spLocks noGrp="1" noRot="1" noChangeAspect="1" noMove="1" noResize="1" noEditPoints="1" noAdjustHandles="1" noChangeArrowheads="1" noChangeShapeType="1" noTextEdit="1"/>
+          </p:cNvSpPr>
+          <p:nvPr>
+            <p:extLst>
+              <p:ext uri="{386F3935-93C4-4BCD-93E2-E3B085C9AB24}">
+                <p16:designElem xmlns:p16="http://schemas.microsoft.com/office/powerpoint/2015/main" val="1"/>
+              </p:ext>
+            </p:extLst>
+          </p:nvPr>
+        </p:nvSpPr>
+        <p:spPr>
+          <a:xfrm>
+            <a:off x="877459" y="2121408"/>
+            <a:ext cx="3328416" cy="9144"/>
+          </a:xfrm>
+          <a:prstGeom prst="rect">
+            <a:avLst/>
+          </a:prstGeom>
+          <a:solidFill>
+            <a:srgbClr val="D5D5D5"/>
+          </a:solidFill>
+          <a:ln w="3175">
+            <a:noFill/>
+          </a:ln>
+          <a:effectLst/>
+        </p:spPr>
+        <p:style>
+          <a:lnRef idx="2">
+            <a:schemeClr val="accent1">
+              <a:shade val="50000"/>
+            </a:schemeClr>
+          </a:lnRef>
+          <a:fillRef idx="1">
+            <a:schemeClr val="accent1"/>
+          </a:fillRef>
+          <a:effectRef idx="0">
+            <a:schemeClr val="accent1"/>
+          </a:effectRef>
+          <a:fontRef idx="minor">
+            <a:schemeClr val="lt1"/>
+          </a:fontRef>
+        </p:style>
+        <p:txBody>
+          <a:bodyPr rtlCol="0" anchor="ctr"/>
+          <a:lstStyle/>
+          <a:p>
+            <a:pPr marL="0" marR="0" lvl="0" indent="0" algn="ctr" defTabSz="914400" rtl="0" eaLnBrk="1" fontAlgn="auto" latinLnBrk="0" hangingPunct="1">
+              <a:lnSpc>
+                <a:spcPct val="100000"/>
+              </a:lnSpc>
+              <a:spcBef>
+                <a:spcPts val="0"/>
+              </a:spcBef>
+              <a:spcAft>
+                <a:spcPts val="0"/>
+              </a:spcAft>
+              <a:buClrTx/>
+              <a:buSzTx/>
+              <a:buFontTx/>
+              <a:buNone/>
+              <a:tabLst/>
+              <a:defRPr/>
+            </a:pPr>
+            <a:endParaRPr kumimoji="0" lang="en-US" sz="1800" b="0" i="0" u="none" strike="noStrike" kern="1200" cap="none" spc="0" normalizeH="0" baseline="0" noProof="0">
+              <a:ln>
+                <a:noFill/>
+              </a:ln>
+              <a:solidFill>
+                <a:prstClr val="white"/>
+              </a:solidFill>
+              <a:effectLst/>
+              <a:uLnTx/>
+              <a:uFillTx/>
+              <a:latin typeface="Calibri" panose="020F0502020204030204"/>
+              <a:ea typeface="+mn-ea"/>
+              <a:cs typeface="+mn-cs"/>
+            </a:endParaRPr>
+          </a:p>
+        </p:txBody>
+      </p:sp>
+      <p:sp>
+        <p:nvSpPr>
+          <p:cNvPr id="3" name="Content Placeholder 2">
+            <a:extLst>
+              <a:ext uri="{FF2B5EF4-FFF2-40B4-BE49-F238E27FC236}">
+                <a16:creationId xmlns:a16="http://schemas.microsoft.com/office/drawing/2014/main" id="{C28C3453-D3F2-520B-7830-11343B2C3203}"/>
+              </a:ext>
+            </a:extLst>
+          </p:cNvPr>
+          <p:cNvSpPr>
+            <a:spLocks noGrp="1"/>
+          </p:cNvSpPr>
+          <p:nvPr>
+            <p:ph idx="1"/>
+          </p:nvPr>
+        </p:nvSpPr>
+        <p:spPr>
+          <a:xfrm>
+            <a:off x="841247" y="2359152"/>
+            <a:ext cx="3410712" cy="3425043"/>
+          </a:xfrm>
+        </p:spPr>
+        <p:txBody>
+          <a:bodyPr>
+            <a:normAutofit lnSpcReduction="10000"/>
+          </a:bodyPr>
+          <a:lstStyle/>
+          <a:p>
+            <a:r>
+              <a:rPr lang="en-US" sz="1700" dirty="0"/>
+              <a:t>TODO: Replace this with what I’m </a:t>
+            </a:r>
+            <a:r>
+              <a:rPr lang="en-US" sz="1700" dirty="0" err="1"/>
+              <a:t>demo’ing</a:t>
+            </a:r>
+            <a:endParaRPr lang="en-US" sz="1700" dirty="0"/>
+          </a:p>
+          <a:p>
+            <a:r>
+              <a:rPr lang="en-US" sz="1700" dirty="0"/>
+              <a:t>Data is ingested into the Bonze zone as is, available for systems to access as needed</a:t>
+            </a:r>
+          </a:p>
+          <a:p>
+            <a:r>
+              <a:rPr lang="en-US" sz="1700" dirty="0"/>
+              <a:t>Bronze data is standardized and validated then written into the silver zone</a:t>
+            </a:r>
+          </a:p>
+          <a:p>
+            <a:r>
+              <a:rPr lang="en-US" sz="1700" dirty="0"/>
+              <a:t>Silver data is filtered, enriched, and/or aggregated into the gold zone.</a:t>
+            </a:r>
+          </a:p>
+          <a:p>
+            <a:r>
+              <a:rPr lang="en-US" sz="1700" dirty="0"/>
+              <a:t>These are just folders in the data lake!</a:t>
+            </a:r>
           </a:p>
         </p:txBody>
       </p:sp>
       <p:pic>
         <p:nvPicPr>
-          <p:cNvPr id="3076" name="Picture 4" descr="Diagram of an advanced analytics architecture using Azure Synapse Analytics with Azure Data Lake Storage Gen2, Azure Analysis Services, Azure Cosmos DB, and Power BI.">
+          <p:cNvPr id="1026" name="Picture 2" descr="Architecture diagram showing how a modern data architecture collects, processes, analyzes, and visualizes data.">
             <a:extLst>
               <a:ext uri="{FF2B5EF4-FFF2-40B4-BE49-F238E27FC236}">
-                <a16:creationId xmlns:a16="http://schemas.microsoft.com/office/drawing/2014/main" id="{B0C12309-9CBD-421B-9446-925F2CFAE6F5}"/>
+                <a16:creationId xmlns:a16="http://schemas.microsoft.com/office/drawing/2014/main" id="{B9C7734E-F7FF-8F8F-965F-DEADD236E358}"/>
               </a:ext>
             </a:extLst>
           </p:cNvPr>
           <p:cNvPicPr>
-            <a:picLocks noGrp="1" noChangeAspect="1" noChangeArrowheads="1"/>
+            <a:picLocks noChangeAspect="1" noChangeArrowheads="1"/>
           </p:cNvPicPr>
-          <p:nvPr>
-            <p:ph idx="1"/>
-          </p:nvPr>
+          <p:nvPr/>
         </p:nvPicPr>
-        <p:blipFill>
+        <p:blipFill rotWithShape="1">
           <a:blip r:embed="rId2">
             <a:extLst>
               <a:ext uri="{28A0092B-C50C-407E-A947-70E740481C1C}">
@@ -9028,15 +13184,13 @@
               </a:ext>
             </a:extLst>
           </a:blip>
-          <a:srcRect/>
-          <a:stretch>
-            <a:fillRect/>
-          </a:stretch>
+          <a:srcRect b="549"/>
+          <a:stretch/>
         </p:blipFill>
         <p:spPr bwMode="auto">
           <a:xfrm>
-            <a:off x="2848733" y="1825625"/>
-            <a:ext cx="6494533" cy="4351338"/>
+            <a:off x="5124450" y="634382"/>
+            <a:ext cx="6657213" cy="5495162"/>
           </a:xfrm>
           <a:prstGeom prst="rect">
             <a:avLst/>
@@ -9066,7 +13220,235 @@
 </p:sld>
 </file>
 
-<file path=ppt/slides/slide12.xml><?xml version="1.0" encoding="utf-8"?>
+<file path=ppt/slides/slide16.xml><?xml version="1.0" encoding="utf-8"?>
+<p:sld xmlns:a="http://schemas.openxmlformats.org/drawingml/2006/main" xmlns:r="http://schemas.openxmlformats.org/officeDocument/2006/relationships" xmlns:p="http://schemas.openxmlformats.org/presentationml/2006/main">
+  <p:cSld>
+    <p:spTree>
+      <p:nvGrpSpPr>
+        <p:cNvPr id="1" name=""/>
+        <p:cNvGrpSpPr/>
+        <p:nvPr/>
+      </p:nvGrpSpPr>
+      <p:grpSpPr>
+        <a:xfrm>
+          <a:off x="0" y="0"/>
+          <a:ext cx="0" cy="0"/>
+          <a:chOff x="0" y="0"/>
+          <a:chExt cx="0" cy="0"/>
+        </a:xfrm>
+      </p:grpSpPr>
+      <p:sp>
+        <p:nvSpPr>
+          <p:cNvPr id="2" name="Title 1">
+            <a:extLst>
+              <a:ext uri="{FF2B5EF4-FFF2-40B4-BE49-F238E27FC236}">
+                <a16:creationId xmlns:a16="http://schemas.microsoft.com/office/drawing/2014/main" id="{C2D2DE68-BD59-4F68-3829-826EFECB82A4}"/>
+              </a:ext>
+            </a:extLst>
+          </p:cNvPr>
+          <p:cNvSpPr>
+            <a:spLocks noGrp="1"/>
+          </p:cNvSpPr>
+          <p:nvPr>
+            <p:ph type="title"/>
+          </p:nvPr>
+        </p:nvSpPr>
+        <p:spPr/>
+        <p:txBody>
+          <a:bodyPr/>
+          <a:lstStyle/>
+          <a:p>
+            <a:r>
+              <a:rPr lang="en-US" dirty="0"/>
+              <a:t>Demo</a:t>
+            </a:r>
+          </a:p>
+        </p:txBody>
+      </p:sp>
+      <p:sp>
+        <p:nvSpPr>
+          <p:cNvPr id="3" name="Content Placeholder 2">
+            <a:extLst>
+              <a:ext uri="{FF2B5EF4-FFF2-40B4-BE49-F238E27FC236}">
+                <a16:creationId xmlns:a16="http://schemas.microsoft.com/office/drawing/2014/main" id="{AA78BF40-3A99-1FF3-6247-17B96E49EEB5}"/>
+              </a:ext>
+            </a:extLst>
+          </p:cNvPr>
+          <p:cNvSpPr>
+            <a:spLocks noGrp="1"/>
+          </p:cNvSpPr>
+          <p:nvPr>
+            <p:ph idx="1"/>
+          </p:nvPr>
+        </p:nvSpPr>
+        <p:spPr/>
+        <p:txBody>
+          <a:bodyPr/>
+          <a:lstStyle/>
+          <a:p>
+            <a:r>
+              <a:rPr lang="en-US" dirty="0"/>
+              <a:t>Raw ingestion of </a:t>
+            </a:r>
+            <a:r>
+              <a:rPr lang="en-US" dirty="0" err="1"/>
+              <a:t>FreddieMac</a:t>
+            </a:r>
+            <a:r>
+              <a:rPr lang="en-US" dirty="0"/>
+              <a:t> Data into the bronze layer</a:t>
+            </a:r>
+          </a:p>
+          <a:p>
+            <a:r>
+              <a:rPr lang="en-US" dirty="0"/>
+              <a:t>Apply schema and validate data into the silver layer, this is a delta lake table</a:t>
+            </a:r>
+          </a:p>
+          <a:p>
+            <a:r>
+              <a:rPr lang="en-US" dirty="0"/>
+              <a:t>Produce aggregated view in the gold layer</a:t>
+            </a:r>
+          </a:p>
+          <a:p>
+            <a:r>
+              <a:rPr lang="en-US" dirty="0"/>
+              <a:t>Connection with Power BI using Synapse Serverless SQL</a:t>
+            </a:r>
+          </a:p>
+        </p:txBody>
+      </p:sp>
+    </p:spTree>
+    <p:extLst>
+      <p:ext uri="{BB962C8B-B14F-4D97-AF65-F5344CB8AC3E}">
+        <p14:creationId xmlns:p14="http://schemas.microsoft.com/office/powerpoint/2010/main" val="1173876604"/>
+      </p:ext>
+    </p:extLst>
+  </p:cSld>
+  <p:clrMapOvr>
+    <a:masterClrMapping/>
+  </p:clrMapOvr>
+</p:sld>
+</file>
+
+<file path=ppt/slides/slide17.xml><?xml version="1.0" encoding="utf-8"?>
+<p:sld xmlns:a="http://schemas.openxmlformats.org/drawingml/2006/main" xmlns:r="http://schemas.openxmlformats.org/officeDocument/2006/relationships" xmlns:p="http://schemas.openxmlformats.org/presentationml/2006/main">
+  <p:cSld>
+    <p:spTree>
+      <p:nvGrpSpPr>
+        <p:cNvPr id="1" name=""/>
+        <p:cNvGrpSpPr/>
+        <p:nvPr/>
+      </p:nvGrpSpPr>
+      <p:grpSpPr>
+        <a:xfrm>
+          <a:off x="0" y="0"/>
+          <a:ext cx="0" cy="0"/>
+          <a:chOff x="0" y="0"/>
+          <a:chExt cx="0" cy="0"/>
+        </a:xfrm>
+      </p:grpSpPr>
+      <p:sp>
+        <p:nvSpPr>
+          <p:cNvPr id="2" name="Title 1">
+            <a:extLst>
+              <a:ext uri="{FF2B5EF4-FFF2-40B4-BE49-F238E27FC236}">
+                <a16:creationId xmlns:a16="http://schemas.microsoft.com/office/drawing/2014/main" id="{21BBE4C6-61A3-5CEB-B651-ED58E168CA83}"/>
+              </a:ext>
+            </a:extLst>
+          </p:cNvPr>
+          <p:cNvSpPr>
+            <a:spLocks noGrp="1"/>
+          </p:cNvSpPr>
+          <p:nvPr>
+            <p:ph type="title"/>
+          </p:nvPr>
+        </p:nvSpPr>
+        <p:spPr/>
+        <p:txBody>
+          <a:bodyPr/>
+          <a:lstStyle/>
+          <a:p>
+            <a:r>
+              <a:rPr lang="en-US" dirty="0"/>
+              <a:t>Final Thoughts</a:t>
+            </a:r>
+          </a:p>
+        </p:txBody>
+      </p:sp>
+      <p:sp>
+        <p:nvSpPr>
+          <p:cNvPr id="3" name="Content Placeholder 2">
+            <a:extLst>
+              <a:ext uri="{FF2B5EF4-FFF2-40B4-BE49-F238E27FC236}">
+                <a16:creationId xmlns:a16="http://schemas.microsoft.com/office/drawing/2014/main" id="{D63A516A-616E-F0DE-7C15-73E3AAC9BDEB}"/>
+              </a:ext>
+            </a:extLst>
+          </p:cNvPr>
+          <p:cNvSpPr>
+            <a:spLocks noGrp="1"/>
+          </p:cNvSpPr>
+          <p:nvPr>
+            <p:ph idx="1"/>
+          </p:nvPr>
+        </p:nvSpPr>
+        <p:spPr/>
+        <p:txBody>
+          <a:bodyPr/>
+          <a:lstStyle/>
+          <a:p>
+            <a:r>
+              <a:rPr lang="en-US" dirty="0"/>
+              <a:t>The data warehouse is not dead!</a:t>
+            </a:r>
+          </a:p>
+          <a:p>
+            <a:pPr lvl="1"/>
+            <a:r>
+              <a:rPr lang="en-US" dirty="0"/>
+              <a:t>Technology changes, principles do not</a:t>
+            </a:r>
+          </a:p>
+          <a:p>
+            <a:endParaRPr lang="en-US" dirty="0"/>
+          </a:p>
+          <a:p>
+            <a:r>
+              <a:rPr lang="en-US" dirty="0"/>
+              <a:t>Modeling of the data still matters!</a:t>
+            </a:r>
+          </a:p>
+          <a:p>
+            <a:pPr lvl="1"/>
+            <a:r>
+              <a:rPr lang="en-US" dirty="0"/>
+              <a:t>Flexibility of storage does NOT remove the necessity model data</a:t>
+            </a:r>
+          </a:p>
+          <a:p>
+            <a:pPr lvl="1"/>
+            <a:r>
+              <a:rPr lang="en-US" dirty="0"/>
+              <a:t>The Dimensional Model is still relevant!</a:t>
+            </a:r>
+          </a:p>
+        </p:txBody>
+      </p:sp>
+    </p:spTree>
+    <p:extLst>
+      <p:ext uri="{BB962C8B-B14F-4D97-AF65-F5344CB8AC3E}">
+        <p14:creationId xmlns:p14="http://schemas.microsoft.com/office/powerpoint/2010/main" val="3263414718"/>
+      </p:ext>
+    </p:extLst>
+  </p:cSld>
+  <p:clrMapOvr>
+    <a:masterClrMapping/>
+  </p:clrMapOvr>
+</p:sld>
+</file>
+
+<file path=ppt/slides/slide18.xml><?xml version="1.0" encoding="utf-8"?>
 <p:sld xmlns:a="http://schemas.openxmlformats.org/drawingml/2006/main" xmlns:r="http://schemas.openxmlformats.org/officeDocument/2006/relationships" xmlns:p="http://schemas.openxmlformats.org/presentationml/2006/main">
   <p:cSld>
     <p:spTree>
@@ -9130,7 +13512,7 @@
         <p:spPr/>
         <p:txBody>
           <a:bodyPr>
-            <a:normAutofit fontScale="92500" lnSpcReduction="10000"/>
+            <a:normAutofit fontScale="85000" lnSpcReduction="20000"/>
           </a:bodyPr>
           <a:lstStyle/>
           <a:p>
@@ -9171,18 +13553,24 @@
           <a:p>
             <a:r>
               <a:rPr lang="en-US" dirty="0"/>
-              <a:t>Azure Architectures</a:t>
-            </a:r>
-          </a:p>
-          <a:p>
-            <a:pPr lvl="1"/>
+              <a:t>Medallion Architecture - </a:t>
+            </a:r>
             <a:r>
               <a:rPr lang="en-US" dirty="0">
                 <a:hlinkClick r:id="rId4"/>
               </a:rPr>
-              <a:t>https://docs.microsoft.com/en-us/azure/architecture/reference-architectures/data/enterprise-bi-synapse</a:t>
-            </a:r>
-            <a:endParaRPr lang="en-US" dirty="0"/>
+              <a:t>https://docs.microsoft.com/en-us/azure/databricks/lakehouse/medallion</a:t>
+            </a:r>
+            <a:r>
+              <a:rPr lang="en-US" dirty="0"/>
+              <a:t> </a:t>
+            </a:r>
+          </a:p>
+          <a:p>
+            <a:r>
+              <a:rPr lang="en-US" dirty="0"/>
+              <a:t>Azure Architectures</a:t>
+            </a:r>
           </a:p>
           <a:p>
             <a:pPr lvl="1"/>
@@ -9190,7 +13578,7 @@
               <a:rPr lang="en-US" dirty="0">
                 <a:hlinkClick r:id="rId5"/>
               </a:rPr>
-              <a:t>https://docs.microsoft.com/en-us/azure/architecture/data-guide/relational-data/online-analytical-processing</a:t>
+              <a:t>https://docs.microsoft.com/en-us/azure/architecture/reference-architectures/data/enterprise-bi-synapse</a:t>
             </a:r>
             <a:endParaRPr lang="en-US" dirty="0"/>
           </a:p>
@@ -9200,9 +13588,22 @@
               <a:rPr lang="en-US" dirty="0">
                 <a:hlinkClick r:id="rId6"/>
               </a:rPr>
-              <a:t>https://docs.microsoft.com/en-us/azure/architecture/solution-ideas/articles/advanced-analytics-on-big-data</a:t>
+              <a:t>https://docs.microsoft.com/en-us/azure/architecture/data-guide/relational-data/online-analytical-processing</a:t>
             </a:r>
             <a:endParaRPr lang="en-US" dirty="0"/>
+          </a:p>
+          <a:p>
+            <a:pPr lvl="1"/>
+            <a:r>
+              <a:rPr lang="en-US" dirty="0">
+                <a:hlinkClick r:id="rId7"/>
+              </a:rPr>
+              <a:t>https://docs.microsoft.com/en-us/azure/architecture/solution-ideas/articles/azure-databricks-modern-analytics-architecture</a:t>
+            </a:r>
+            <a:r>
+              <a:rPr lang="en-US" dirty="0"/>
+              <a:t> </a:t>
+            </a:r>
           </a:p>
         </p:txBody>
       </p:sp>
@@ -9264,102 +13665,28 @@
           </a:p>
         </p:txBody>
       </p:sp>
-      <p:sp>
-        <p:nvSpPr>
-          <p:cNvPr id="3" name="Text Placeholder 2">
+      <p:graphicFrame>
+        <p:nvGraphicFramePr>
+          <p:cNvPr id="5" name="Text Placeholder 2">
             <a:extLst>
               <a:ext uri="{FF2B5EF4-FFF2-40B4-BE49-F238E27FC236}">
-                <a16:creationId xmlns:a16="http://schemas.microsoft.com/office/drawing/2014/main" id="{7400D52E-C144-4B2B-AD49-1F7B39CF6DD9}"/>
+                <a16:creationId xmlns:a16="http://schemas.microsoft.com/office/drawing/2014/main" id="{E0A4DF5D-3A5A-BCD8-7630-13056FCEFFDF}"/>
               </a:ext>
             </a:extLst>
           </p:cNvPr>
-          <p:cNvSpPr>
-            <a:spLocks noGrp="1"/>
-          </p:cNvSpPr>
-          <p:nvPr>
-            <p:ph type="body" idx="1"/>
-          </p:nvPr>
-        </p:nvSpPr>
-        <p:spPr/>
-        <p:txBody>
-          <a:bodyPr/>
-          <a:lstStyle/>
-          <a:p>
-            <a:pPr>
-              <a:buFont typeface="Arial" panose="020B0604020202020204" pitchFamily="34" charset="0"/>
-              <a:buChar char="•"/>
-            </a:pPr>
-            <a:r>
-              <a:rPr lang="en-US" sz="2800" dirty="0">
-                <a:latin typeface="Calibri" panose="020F0502020204030204" pitchFamily="34" charset="0"/>
-                <a:cs typeface="Calibri" panose="020F0502020204030204" pitchFamily="34" charset="0"/>
-              </a:rPr>
-              <a:t>Live in Mount Juliet, grew up here in Nashville</a:t>
-            </a:r>
-          </a:p>
-          <a:p>
-            <a:pPr>
-              <a:buFont typeface="Arial" panose="020B0604020202020204" pitchFamily="34" charset="0"/>
-              <a:buChar char="•"/>
-            </a:pPr>
-            <a:r>
-              <a:rPr lang="en-US" sz="2800" dirty="0">
-                <a:latin typeface="Calibri" panose="020F0502020204030204" pitchFamily="34" charset="0"/>
-                <a:cs typeface="Calibri" panose="020F0502020204030204" pitchFamily="34" charset="0"/>
-              </a:rPr>
-              <a:t>Computer Science at TTU</a:t>
-            </a:r>
-          </a:p>
-          <a:p>
-            <a:pPr>
-              <a:buFont typeface="Arial" panose="020B0604020202020204" pitchFamily="34" charset="0"/>
-              <a:buChar char="•"/>
-            </a:pPr>
-            <a:r>
-              <a:rPr lang="en-US" sz="2800" dirty="0">
-                <a:latin typeface="Calibri" panose="020F0502020204030204" pitchFamily="34" charset="0"/>
-                <a:cs typeface="Calibri" panose="020F0502020204030204" pitchFamily="34" charset="0"/>
-              </a:rPr>
-              <a:t>10 years working in data and analytics</a:t>
-            </a:r>
-          </a:p>
-          <a:p>
-            <a:pPr>
-              <a:buFont typeface="Arial" panose="020B0604020202020204" pitchFamily="34" charset="0"/>
-              <a:buChar char="•"/>
-            </a:pPr>
-            <a:endParaRPr lang="en-US" sz="2800" dirty="0">
-              <a:latin typeface="Calibri" panose="020F0502020204030204" pitchFamily="34" charset="0"/>
-              <a:cs typeface="Calibri" panose="020F0502020204030204" pitchFamily="34" charset="0"/>
-            </a:endParaRPr>
-          </a:p>
-          <a:p>
-            <a:pPr>
-              <a:buFont typeface="Arial" panose="020B0604020202020204" pitchFamily="34" charset="0"/>
-              <a:buChar char="•"/>
-            </a:pPr>
-            <a:r>
-              <a:rPr lang="en-US" sz="2800" dirty="0">
-                <a:latin typeface="Calibri" panose="020F0502020204030204" pitchFamily="34" charset="0"/>
-                <a:cs typeface="Calibri" panose="020F0502020204030204" pitchFamily="34" charset="0"/>
-              </a:rPr>
-              <a:t>This presentation is open source! Materials for this presentation, including this presentation, can be found at </a:t>
-            </a:r>
-            <a:r>
-              <a:rPr lang="en-US" sz="2800" dirty="0">
-                <a:latin typeface="Calibri" panose="020F0502020204030204" pitchFamily="34" charset="0"/>
-                <a:cs typeface="Calibri" panose="020F0502020204030204" pitchFamily="34" charset="0"/>
-                <a:hlinkClick r:id="rId2"/>
-              </a:rPr>
-              <a:t>https://github.com/shswindell42/Presentations/tree/main/Building%20a%20Data%20Lakehouse</a:t>
-            </a:r>
-            <a:endParaRPr lang="en-US" sz="2800" dirty="0">
-              <a:latin typeface="Calibri" panose="020F0502020204030204" pitchFamily="34" charset="0"/>
-              <a:cs typeface="Calibri" panose="020F0502020204030204" pitchFamily="34" charset="0"/>
-            </a:endParaRPr>
-          </a:p>
-        </p:txBody>
-      </p:sp>
+          <p:cNvGraphicFramePr/>
+          <p:nvPr/>
+        </p:nvGraphicFramePr>
+        <p:xfrm>
+          <a:off x="415600" y="1536633"/>
+          <a:ext cx="11360880" cy="4555170"/>
+        </p:xfrm>
+        <a:graphic>
+          <a:graphicData uri="http://schemas.openxmlformats.org/drawingml/2006/diagram">
+            <dgm:relIds xmlns:dgm="http://schemas.openxmlformats.org/drawingml/2006/diagram" xmlns:r="http://schemas.openxmlformats.org/officeDocument/2006/relationships" r:dm="rId2" r:lo="rId3" r:qs="rId4" r:cs="rId5"/>
+          </a:graphicData>
+        </a:graphic>
+      </p:graphicFrame>
     </p:spTree>
     <p:extLst>
       <p:ext uri="{BB962C8B-B14F-4D97-AF65-F5344CB8AC3E}">
@@ -9376,6 +13703,14 @@
 <file path=ppt/slides/slide3.xml><?xml version="1.0" encoding="utf-8"?>
 <p:sld xmlns:a="http://schemas.openxmlformats.org/drawingml/2006/main" xmlns:r="http://schemas.openxmlformats.org/officeDocument/2006/relationships" xmlns:p="http://schemas.openxmlformats.org/presentationml/2006/main">
   <p:cSld>
+    <p:bg>
+      <p:bgPr>
+        <a:solidFill>
+          <a:schemeClr val="bg1"/>
+        </a:solidFill>
+        <a:effectLst/>
+      </p:bgPr>
+    </p:bg>
     <p:spTree>
       <p:nvGrpSpPr>
         <p:cNvPr id="1" name=""/>
@@ -9390,6 +13725,132 @@
           <a:chExt cx="0" cy="0"/>
         </a:xfrm>
       </p:grpSpPr>
+      <p:sp useBgFill="1">
+        <p:nvSpPr>
+          <p:cNvPr id="1033" name="Rectangle 1032">
+            <a:extLst>
+              <a:ext uri="{FF2B5EF4-FFF2-40B4-BE49-F238E27FC236}">
+                <a16:creationId xmlns:a16="http://schemas.microsoft.com/office/drawing/2014/main" id="{FF81F8D5-515A-45DC-B296-30AB11F2C19F}"/>
+              </a:ext>
+              <a:ext uri="{C183D7F6-B498-43B3-948B-1728B52AA6E4}">
+                <adec:decorative xmlns:adec="http://schemas.microsoft.com/office/drawing/2017/decorative" val="1"/>
+              </a:ext>
+            </a:extLst>
+          </p:cNvPr>
+          <p:cNvSpPr>
+            <a:spLocks noGrp="1" noRot="1" noChangeAspect="1" noMove="1" noResize="1" noEditPoints="1" noAdjustHandles="1" noChangeArrowheads="1" noChangeShapeType="1" noTextEdit="1"/>
+          </p:cNvSpPr>
+          <p:nvPr>
+            <p:extLst>
+              <p:ext uri="{386F3935-93C4-4BCD-93E2-E3B085C9AB24}">
+                <p16:designElem xmlns:p16="http://schemas.microsoft.com/office/powerpoint/2015/main" val="1"/>
+              </p:ext>
+            </p:extLst>
+          </p:nvPr>
+        </p:nvSpPr>
+        <p:spPr>
+          <a:xfrm>
+            <a:off x="0" y="0"/>
+            <a:ext cx="12191999" cy="6857365"/>
+          </a:xfrm>
+          <a:prstGeom prst="rect">
+            <a:avLst/>
+          </a:prstGeom>
+          <a:ln>
+            <a:noFill/>
+          </a:ln>
+        </p:spPr>
+        <p:style>
+          <a:lnRef idx="2">
+            <a:schemeClr val="accent1">
+              <a:shade val="50000"/>
+            </a:schemeClr>
+          </a:lnRef>
+          <a:fillRef idx="1">
+            <a:schemeClr val="accent1"/>
+          </a:fillRef>
+          <a:effectRef idx="0">
+            <a:schemeClr val="accent1"/>
+          </a:effectRef>
+          <a:fontRef idx="minor">
+            <a:schemeClr val="lt1"/>
+          </a:fontRef>
+        </p:style>
+        <p:txBody>
+          <a:bodyPr rtlCol="0" anchor="ctr"/>
+          <a:lstStyle/>
+          <a:p>
+            <a:pPr algn="ctr"/>
+            <a:endParaRPr lang="en-US"/>
+          </a:p>
+        </p:txBody>
+      </p:sp>
+      <p:sp>
+        <p:nvSpPr>
+          <p:cNvPr id="1035" name="Rectangle 1034">
+            <a:extLst>
+              <a:ext uri="{FF2B5EF4-FFF2-40B4-BE49-F238E27FC236}">
+                <a16:creationId xmlns:a16="http://schemas.microsoft.com/office/drawing/2014/main" id="{90464369-70FA-42AF-948F-80664CA7BFE5}"/>
+              </a:ext>
+              <a:ext uri="{C183D7F6-B498-43B3-948B-1728B52AA6E4}">
+                <adec:decorative xmlns:adec="http://schemas.microsoft.com/office/drawing/2017/decorative" val="1"/>
+              </a:ext>
+            </a:extLst>
+          </p:cNvPr>
+          <p:cNvSpPr>
+            <a:spLocks noGrp="1" noRot="1" noChangeAspect="1" noMove="1" noResize="1" noEditPoints="1" noAdjustHandles="1" noChangeArrowheads="1" noChangeShapeType="1" noTextEdit="1"/>
+          </p:cNvSpPr>
+          <p:nvPr>
+            <p:extLst>
+              <p:ext uri="{386F3935-93C4-4BCD-93E2-E3B085C9AB24}">
+                <p16:designElem xmlns:p16="http://schemas.microsoft.com/office/powerpoint/2015/main" val="1"/>
+              </p:ext>
+            </p:extLst>
+          </p:nvPr>
+        </p:nvSpPr>
+        <p:spPr>
+          <a:xfrm>
+            <a:off x="0" y="0"/>
+            <a:ext cx="12192000" cy="2146816"/>
+          </a:xfrm>
+          <a:prstGeom prst="rect">
+            <a:avLst/>
+          </a:prstGeom>
+          <a:solidFill>
+            <a:schemeClr val="bg1">
+              <a:lumMod val="85000"/>
+              <a:alpha val="35000"/>
+            </a:schemeClr>
+          </a:solidFill>
+          <a:ln>
+            <a:noFill/>
+          </a:ln>
+        </p:spPr>
+        <p:style>
+          <a:lnRef idx="2">
+            <a:schemeClr val="accent1">
+              <a:shade val="50000"/>
+            </a:schemeClr>
+          </a:lnRef>
+          <a:fillRef idx="1">
+            <a:schemeClr val="accent1"/>
+          </a:fillRef>
+          <a:effectRef idx="0">
+            <a:schemeClr val="accent1"/>
+          </a:effectRef>
+          <a:fontRef idx="minor">
+            <a:schemeClr val="lt1"/>
+          </a:fontRef>
+        </p:style>
+        <p:txBody>
+          <a:bodyPr rtlCol="0" anchor="ctr"/>
+          <a:lstStyle/>
+          <a:p>
+            <a:pPr algn="ctr"/>
+            <a:endParaRPr lang="en-US"/>
+          </a:p>
+        </p:txBody>
+      </p:sp>
       <p:sp>
         <p:nvSpPr>
           <p:cNvPr id="2" name="Title 1">
@@ -9406,13 +13867,20 @@
             <p:ph type="title"/>
           </p:nvPr>
         </p:nvSpPr>
-        <p:spPr/>
+        <p:spPr>
+          <a:xfrm>
+            <a:off x="581646" y="349664"/>
+            <a:ext cx="5845571" cy="1638377"/>
+          </a:xfrm>
+        </p:spPr>
         <p:txBody>
-          <a:bodyPr/>
+          <a:bodyPr anchor="b">
+            <a:normAutofit/>
+          </a:bodyPr>
           <a:lstStyle/>
           <a:p>
             <a:r>
-              <a:rPr lang="en-US" dirty="0"/>
+              <a:rPr lang="en-US" sz="4800"/>
               <a:t>Introduction of Data Warehousing</a:t>
             </a:r>
           </a:p>
@@ -9436,61 +13904,194 @@
         </p:nvSpPr>
         <p:spPr>
           <a:xfrm>
-            <a:off x="838200" y="1825625"/>
-            <a:ext cx="7076090" cy="4351338"/>
+            <a:off x="587988" y="2620641"/>
+            <a:ext cx="5837750" cy="3023702"/>
           </a:xfrm>
         </p:spPr>
         <p:txBody>
-          <a:bodyPr>
+          <a:bodyPr anchor="ctr">
             <a:normAutofit/>
           </a:bodyPr>
           <a:lstStyle/>
           <a:p>
             <a:r>
-              <a:rPr lang="en-US" dirty="0"/>
+              <a:rPr lang="en-US" sz="1700"/>
               <a:t>OLTP vs OLAP</a:t>
             </a:r>
           </a:p>
           <a:p>
             <a:r>
-              <a:rPr lang="en-US" dirty="0"/>
+              <a:rPr lang="en-US" sz="1700"/>
               <a:t>The Dimensional Model</a:t>
             </a:r>
           </a:p>
           <a:p>
             <a:pPr lvl="1"/>
             <a:r>
-              <a:rPr lang="en-US" dirty="0"/>
+              <a:rPr lang="en-US" sz="1700"/>
               <a:t>Introduced by Ralph Kimball</a:t>
             </a:r>
           </a:p>
           <a:p>
             <a:pPr lvl="1"/>
             <a:r>
-              <a:rPr lang="en-US" dirty="0"/>
+              <a:rPr lang="en-US" sz="1700"/>
               <a:t>See “The Data Warehouse Toolkit”</a:t>
             </a:r>
           </a:p>
           <a:p>
-            <a:endParaRPr lang="en-US" dirty="0"/>
-          </a:p>
-          <a:p>
-            <a:r>
-              <a:rPr lang="en-US" dirty="0"/>
+            <a:endParaRPr lang="en-US" sz="1700"/>
+          </a:p>
+          <a:p>
+            <a:r>
+              <a:rPr lang="en-US" sz="1700"/>
               <a:t>Data read into staging tables and transformed using SQL</a:t>
             </a:r>
           </a:p>
           <a:p>
-            <a:endParaRPr lang="en-US" dirty="0"/>
-          </a:p>
-          <a:p>
-            <a:r>
-              <a:rPr lang="en-US" dirty="0"/>
+            <a:endParaRPr lang="en-US" sz="1700"/>
+          </a:p>
+          <a:p>
+            <a:r>
+              <a:rPr lang="en-US" sz="1700"/>
               <a:t>Rigid schema on write</a:t>
             </a:r>
           </a:p>
           <a:p>
-            <a:endParaRPr lang="en-US" dirty="0"/>
+            <a:endParaRPr lang="en-US" sz="1700"/>
+          </a:p>
+        </p:txBody>
+      </p:sp>
+      <p:sp>
+        <p:nvSpPr>
+          <p:cNvPr id="1037" name="Rectangle 1036">
+            <a:extLst>
+              <a:ext uri="{FF2B5EF4-FFF2-40B4-BE49-F238E27FC236}">
+                <a16:creationId xmlns:a16="http://schemas.microsoft.com/office/drawing/2014/main" id="{A6604B49-AD5C-4590-B051-06C8222ECD99}"/>
+              </a:ext>
+              <a:ext uri="{C183D7F6-B498-43B3-948B-1728B52AA6E4}">
+                <adec:decorative xmlns:adec="http://schemas.microsoft.com/office/drawing/2017/decorative" val="1"/>
+              </a:ext>
+            </a:extLst>
+          </p:cNvPr>
+          <p:cNvSpPr>
+            <a:spLocks noGrp="1" noRot="1" noChangeAspect="1" noMove="1" noResize="1" noEditPoints="1" noAdjustHandles="1" noChangeArrowheads="1" noChangeShapeType="1" noTextEdit="1"/>
+          </p:cNvSpPr>
+          <p:nvPr>
+            <p:extLst>
+              <p:ext uri="{386F3935-93C4-4BCD-93E2-E3B085C9AB24}">
+                <p16:designElem xmlns:p16="http://schemas.microsoft.com/office/powerpoint/2015/main" val="1"/>
+              </p:ext>
+            </p:extLst>
+          </p:nvPr>
+        </p:nvSpPr>
+        <p:spPr>
+          <a:xfrm rot="16200000" flipH="1">
+            <a:off x="5669568" y="277912"/>
+            <a:ext cx="524256" cy="11863390"/>
+          </a:xfrm>
+          <a:prstGeom prst="rect">
+            <a:avLst/>
+          </a:prstGeom>
+          <a:solidFill>
+            <a:schemeClr val="accent4"/>
+          </a:solidFill>
+          <a:ln>
+            <a:noFill/>
+          </a:ln>
+        </p:spPr>
+        <p:style>
+          <a:lnRef idx="2">
+            <a:schemeClr val="accent1">
+              <a:shade val="50000"/>
+            </a:schemeClr>
+          </a:lnRef>
+          <a:fillRef idx="1">
+            <a:schemeClr val="accent1"/>
+          </a:fillRef>
+          <a:effectRef idx="0">
+            <a:schemeClr val="accent1"/>
+          </a:effectRef>
+          <a:fontRef idx="minor">
+            <a:schemeClr val="lt1"/>
+          </a:fontRef>
+        </p:style>
+        <p:txBody>
+          <a:bodyPr rtlCol="0" anchor="ctr"/>
+          <a:lstStyle/>
+          <a:p>
+            <a:pPr algn="ctr"/>
+            <a:endParaRPr lang="en-US"/>
+          </a:p>
+        </p:txBody>
+      </p:sp>
+      <p:sp>
+        <p:nvSpPr>
+          <p:cNvPr id="1039" name="Rectangle 1038">
+            <a:extLst>
+              <a:ext uri="{FF2B5EF4-FFF2-40B4-BE49-F238E27FC236}">
+                <a16:creationId xmlns:a16="http://schemas.microsoft.com/office/drawing/2014/main" id="{CC552A98-EF7D-4D42-AB69-066B786AB55B}"/>
+              </a:ext>
+              <a:ext uri="{C183D7F6-B498-43B3-948B-1728B52AA6E4}">
+                <adec:decorative xmlns:adec="http://schemas.microsoft.com/office/drawing/2017/decorative" val="1"/>
+              </a:ext>
+            </a:extLst>
+          </p:cNvPr>
+          <p:cNvSpPr>
+            <a:spLocks noGrp="1" noRot="1" noChangeAspect="1" noMove="1" noResize="1" noEditPoints="1" noAdjustHandles="1" noChangeArrowheads="1" noChangeShapeType="1" noTextEdit="1"/>
+          </p:cNvSpPr>
+          <p:nvPr>
+            <p:extLst>
+              <p:ext uri="{386F3935-93C4-4BCD-93E2-E3B085C9AB24}">
+                <p16:designElem xmlns:p16="http://schemas.microsoft.com/office/powerpoint/2015/main" val="1"/>
+              </p:ext>
+            </p:extLst>
+          </p:nvPr>
+        </p:nvSpPr>
+        <p:spPr>
+          <a:xfrm>
+            <a:off x="7215447" y="399675"/>
+            <a:ext cx="4647368" cy="5809932"/>
+          </a:xfrm>
+          <a:prstGeom prst="rect">
+            <a:avLst/>
+          </a:prstGeom>
+          <a:solidFill>
+            <a:schemeClr val="bg1"/>
+          </a:solidFill>
+          <a:ln>
+            <a:noFill/>
+          </a:ln>
+          <a:effectLst>
+            <a:outerShdw blurRad="139700" dist="127000" dir="5400000" algn="t" rotWithShape="0">
+              <a:prstClr val="black">
+                <a:alpha val="15000"/>
+              </a:prstClr>
+            </a:outerShdw>
+          </a:effectLst>
+        </p:spPr>
+        <p:style>
+          <a:lnRef idx="2">
+            <a:schemeClr val="accent1">
+              <a:shade val="50000"/>
+            </a:schemeClr>
+          </a:lnRef>
+          <a:fillRef idx="1">
+            <a:schemeClr val="accent1"/>
+          </a:fillRef>
+          <a:effectRef idx="0">
+            <a:schemeClr val="accent1"/>
+          </a:effectRef>
+          <a:fontRef idx="minor">
+            <a:schemeClr val="lt1"/>
+          </a:fontRef>
+        </p:style>
+        <p:txBody>
+          <a:bodyPr rtlCol="0" anchor="ctr"/>
+          <a:lstStyle/>
+          <a:p>
+            <a:pPr algn="ctr"/>
+            <a:endParaRPr lang="en-US"/>
           </a:p>
         </p:txBody>
       </p:sp>
@@ -9508,7 +14109,7 @@
           </p:cNvPicPr>
           <p:nvPr/>
         </p:nvPicPr>
-        <p:blipFill>
+        <p:blipFill rotWithShape="1">
           <a:blip r:embed="rId2">
             <a:extLst>
               <a:ext uri="{28A0092B-C50C-407E-A947-70E740481C1C}">
@@ -9516,15 +14117,13 @@
               </a:ext>
             </a:extLst>
           </a:blip>
-          <a:srcRect/>
-          <a:stretch>
-            <a:fillRect/>
-          </a:stretch>
+          <a:srcRect r="788" b="-3"/>
+          <a:stretch/>
         </p:blipFill>
         <p:spPr bwMode="auto">
           <a:xfrm>
-            <a:off x="8450097" y="1898965"/>
-            <a:ext cx="3353020" cy="4204658"/>
+            <a:off x="7421373" y="627954"/>
+            <a:ext cx="4235516" cy="5353373"/>
           </a:xfrm>
           <a:prstGeom prst="rect">
             <a:avLst/>
@@ -9541,6 +14140,69 @@
           </a:extLst>
         </p:spPr>
       </p:pic>
+      <p:sp>
+        <p:nvSpPr>
+          <p:cNvPr id="1041" name="Rectangle 1040">
+            <a:extLst>
+              <a:ext uri="{FF2B5EF4-FFF2-40B4-BE49-F238E27FC236}">
+                <a16:creationId xmlns:a16="http://schemas.microsoft.com/office/drawing/2014/main" id="{A648176E-454C-437C-B0FC-9B82FCF32B24}"/>
+              </a:ext>
+              <a:ext uri="{C183D7F6-B498-43B3-948B-1728B52AA6E4}">
+                <adec:decorative xmlns:adec="http://schemas.microsoft.com/office/drawing/2017/decorative" val="1"/>
+              </a:ext>
+            </a:extLst>
+          </p:cNvPr>
+          <p:cNvSpPr>
+            <a:spLocks noGrp="1" noRot="1" noChangeAspect="1" noMove="1" noResize="1" noEditPoints="1" noAdjustHandles="1" noChangeArrowheads="1" noChangeShapeType="1" noTextEdit="1"/>
+          </p:cNvSpPr>
+          <p:nvPr>
+            <p:extLst>
+              <p:ext uri="{386F3935-93C4-4BCD-93E2-E3B085C9AB24}">
+                <p16:designElem xmlns:p16="http://schemas.microsoft.com/office/powerpoint/2015/main" val="1"/>
+              </p:ext>
+            </p:extLst>
+          </p:nvPr>
+        </p:nvSpPr>
+        <p:spPr>
+          <a:xfrm rot="5400000">
+            <a:off x="11774185" y="6131892"/>
+            <a:ext cx="524256" cy="152382"/>
+          </a:xfrm>
+          <a:prstGeom prst="rect">
+            <a:avLst/>
+          </a:prstGeom>
+          <a:solidFill>
+            <a:schemeClr val="accent4"/>
+          </a:solidFill>
+          <a:ln>
+            <a:noFill/>
+          </a:ln>
+        </p:spPr>
+        <p:style>
+          <a:lnRef idx="2">
+            <a:schemeClr val="accent1">
+              <a:shade val="50000"/>
+            </a:schemeClr>
+          </a:lnRef>
+          <a:fillRef idx="1">
+            <a:schemeClr val="accent1"/>
+          </a:fillRef>
+          <a:effectRef idx="0">
+            <a:schemeClr val="accent1"/>
+          </a:effectRef>
+          <a:fontRef idx="minor">
+            <a:schemeClr val="lt1"/>
+          </a:fontRef>
+        </p:style>
+        <p:txBody>
+          <a:bodyPr rtlCol="0" anchor="ctr"/>
+          <a:lstStyle/>
+          <a:p>
+            <a:pPr algn="ctr"/>
+            <a:endParaRPr lang="en-US"/>
+          </a:p>
+        </p:txBody>
+      </p:sp>
     </p:spTree>
     <p:extLst>
       <p:ext uri="{BB962C8B-B14F-4D97-AF65-F5344CB8AC3E}">
@@ -9593,9 +14255,10 @@
           <a:lstStyle/>
           <a:p>
             <a:r>
-              <a:rPr lang="en-US" dirty="0"/>
+              <a:rPr lang="en-US"/>
               <a:t>Early days of Data Warehousing</a:t>
             </a:r>
+            <a:endParaRPr lang="en-US" dirty="0"/>
           </a:p>
         </p:txBody>
       </p:sp>
